--- a/ppt/PGPARQ01C1-2N-P1 - Arquitetura de Software.pptx
+++ b/ppt/PGPARQ01C1-2N-P1 - Arquitetura de Software.pptx
@@ -5,15 +5,27 @@
     <p:sldMasterId id="2147483738" r:id="rId1"/>
   </p:sldMasterIdLst>
   <p:notesMasterIdLst>
-    <p:notesMasterId r:id="rId8"/>
+    <p:notesMasterId r:id="rId20"/>
   </p:notesMasterIdLst>
   <p:sldIdLst>
     <p:sldId id="256" r:id="rId2"/>
-    <p:sldId id="265" r:id="rId3"/>
-    <p:sldId id="267" r:id="rId4"/>
-    <p:sldId id="268" r:id="rId5"/>
-    <p:sldId id="283" r:id="rId6"/>
-    <p:sldId id="266" r:id="rId7"/>
+    <p:sldId id="267" r:id="rId3"/>
+    <p:sldId id="284" r:id="rId4"/>
+    <p:sldId id="285" r:id="rId5"/>
+    <p:sldId id="298" r:id="rId6"/>
+    <p:sldId id="286" r:id="rId7"/>
+    <p:sldId id="287" r:id="rId8"/>
+    <p:sldId id="288" r:id="rId9"/>
+    <p:sldId id="293" r:id="rId10"/>
+    <p:sldId id="299" r:id="rId11"/>
+    <p:sldId id="295" r:id="rId12"/>
+    <p:sldId id="296" r:id="rId13"/>
+    <p:sldId id="297" r:id="rId14"/>
+    <p:sldId id="290" r:id="rId15"/>
+    <p:sldId id="300" r:id="rId16"/>
+    <p:sldId id="301" r:id="rId17"/>
+    <p:sldId id="291" r:id="rId18"/>
+    <p:sldId id="292" r:id="rId19"/>
   </p:sldIdLst>
   <p:sldSz cx="12192000" cy="6858000"/>
   <p:notesSz cx="7104063" cy="10234613"/>
@@ -120,2784 +132,974 @@
 </p:presentation>
 </file>
 
-<file path=ppt/diagrams/colors1.xml><?xml version="1.0" encoding="utf-8"?>
-<dgm:colorsDef xmlns:dgm="http://schemas.openxmlformats.org/drawingml/2006/diagram" xmlns:a="http://schemas.openxmlformats.org/drawingml/2006/main" uniqueId="urn:microsoft.com/office/officeart/2005/8/colors/accent1_2">
-  <dgm:title val=""/>
-  <dgm:desc val=""/>
-  <dgm:catLst>
-    <dgm:cat type="accent1" pri="11200"/>
-  </dgm:catLst>
-  <dgm:styleLbl name="node0">
-    <dgm:fillClrLst meth="repeat">
-      <a:schemeClr val="accent1"/>
-    </dgm:fillClrLst>
-    <dgm:linClrLst meth="repeat">
-      <a:schemeClr val="lt1"/>
-    </dgm:linClrLst>
-    <dgm:effectClrLst/>
-    <dgm:txLinClrLst/>
-    <dgm:txFillClrLst/>
-    <dgm:txEffectClrLst/>
-  </dgm:styleLbl>
-  <dgm:styleLbl name="alignNode1">
-    <dgm:fillClrLst meth="repeat">
-      <a:schemeClr val="accent1"/>
-    </dgm:fillClrLst>
-    <dgm:linClrLst meth="repeat">
-      <a:schemeClr val="accent1"/>
-    </dgm:linClrLst>
-    <dgm:effectClrLst/>
-    <dgm:txLinClrLst/>
-    <dgm:txFillClrLst/>
-    <dgm:txEffectClrLst/>
-  </dgm:styleLbl>
-  <dgm:styleLbl name="node1">
-    <dgm:fillClrLst meth="repeat">
-      <a:schemeClr val="accent1"/>
-    </dgm:fillClrLst>
-    <dgm:linClrLst meth="repeat">
-      <a:schemeClr val="lt1"/>
-    </dgm:linClrLst>
-    <dgm:effectClrLst/>
-    <dgm:txLinClrLst/>
-    <dgm:txFillClrLst/>
-    <dgm:txEffectClrLst/>
-  </dgm:styleLbl>
-  <dgm:styleLbl name="lnNode1">
-    <dgm:fillClrLst meth="repeat">
-      <a:schemeClr val="accent1"/>
-    </dgm:fillClrLst>
-    <dgm:linClrLst meth="repeat">
-      <a:schemeClr val="lt1"/>
-    </dgm:linClrLst>
-    <dgm:effectClrLst/>
-    <dgm:txLinClrLst/>
-    <dgm:txFillClrLst/>
-    <dgm:txEffectClrLst/>
-  </dgm:styleLbl>
-  <dgm:styleLbl name="vennNode1">
-    <dgm:fillClrLst meth="repeat">
-      <a:schemeClr val="accent1">
-        <a:alpha val="50000"/>
-      </a:schemeClr>
-    </dgm:fillClrLst>
-    <dgm:linClrLst meth="repeat">
-      <a:schemeClr val="lt1"/>
-    </dgm:linClrLst>
-    <dgm:effectClrLst/>
-    <dgm:txLinClrLst/>
-    <dgm:txFillClrLst/>
-    <dgm:txEffectClrLst/>
-  </dgm:styleLbl>
-  <dgm:styleLbl name="node2">
-    <dgm:fillClrLst meth="repeat">
-      <a:schemeClr val="accent1"/>
-    </dgm:fillClrLst>
-    <dgm:linClrLst meth="repeat">
-      <a:schemeClr val="lt1"/>
-    </dgm:linClrLst>
-    <dgm:effectClrLst/>
-    <dgm:txLinClrLst/>
-    <dgm:txFillClrLst/>
-    <dgm:txEffectClrLst/>
-  </dgm:styleLbl>
-  <dgm:styleLbl name="node3">
-    <dgm:fillClrLst meth="repeat">
-      <a:schemeClr val="accent1"/>
-    </dgm:fillClrLst>
-    <dgm:linClrLst meth="repeat">
-      <a:schemeClr val="lt1"/>
-    </dgm:linClrLst>
-    <dgm:effectClrLst/>
-    <dgm:txLinClrLst/>
-    <dgm:txFillClrLst/>
-    <dgm:txEffectClrLst/>
-  </dgm:styleLbl>
-  <dgm:styleLbl name="node4">
-    <dgm:fillClrLst meth="repeat">
-      <a:schemeClr val="accent1"/>
-    </dgm:fillClrLst>
-    <dgm:linClrLst meth="repeat">
-      <a:schemeClr val="lt1"/>
-    </dgm:linClrLst>
-    <dgm:effectClrLst/>
-    <dgm:txLinClrLst/>
-    <dgm:txFillClrLst/>
-    <dgm:txEffectClrLst/>
-  </dgm:styleLbl>
-  <dgm:styleLbl name="fgImgPlace1">
-    <dgm:fillClrLst meth="repeat">
-      <a:schemeClr val="accent1">
-        <a:tint val="50000"/>
-      </a:schemeClr>
-    </dgm:fillClrLst>
-    <dgm:linClrLst meth="repeat">
-      <a:schemeClr val="lt1"/>
-    </dgm:linClrLst>
-    <dgm:effectClrLst/>
-    <dgm:txLinClrLst/>
-    <dgm:txFillClrLst meth="repeat">
-      <a:schemeClr val="lt1"/>
-    </dgm:txFillClrLst>
-    <dgm:txEffectClrLst/>
-  </dgm:styleLbl>
-  <dgm:styleLbl name="alignImgPlace1">
-    <dgm:fillClrLst meth="repeat">
-      <a:schemeClr val="accent1">
-        <a:tint val="50000"/>
-      </a:schemeClr>
-    </dgm:fillClrLst>
-    <dgm:linClrLst meth="repeat">
-      <a:schemeClr val="lt1"/>
-    </dgm:linClrLst>
-    <dgm:effectClrLst/>
-    <dgm:txLinClrLst/>
-    <dgm:txFillClrLst meth="repeat">
-      <a:schemeClr val="lt1"/>
-    </dgm:txFillClrLst>
-    <dgm:txEffectClrLst/>
-  </dgm:styleLbl>
-  <dgm:styleLbl name="bgImgPlace1">
-    <dgm:fillClrLst meth="repeat">
-      <a:schemeClr val="accent1">
-        <a:tint val="50000"/>
-      </a:schemeClr>
-    </dgm:fillClrLst>
-    <dgm:linClrLst meth="repeat">
-      <a:schemeClr val="lt1"/>
-    </dgm:linClrLst>
-    <dgm:effectClrLst/>
-    <dgm:txLinClrLst/>
-    <dgm:txFillClrLst meth="repeat">
-      <a:schemeClr val="lt1"/>
-    </dgm:txFillClrLst>
-    <dgm:txEffectClrLst/>
-  </dgm:styleLbl>
-  <dgm:styleLbl name="sibTrans2D1">
-    <dgm:fillClrLst meth="repeat">
-      <a:schemeClr val="accent1">
-        <a:tint val="60000"/>
-      </a:schemeClr>
-    </dgm:fillClrLst>
-    <dgm:linClrLst meth="repeat">
-      <a:schemeClr val="accent1">
-        <a:tint val="60000"/>
-      </a:schemeClr>
-    </dgm:linClrLst>
-    <dgm:effectClrLst/>
-    <dgm:txLinClrLst/>
-    <dgm:txFillClrLst/>
-    <dgm:txEffectClrLst/>
-  </dgm:styleLbl>
-  <dgm:styleLbl name="fgSibTrans2D1">
-    <dgm:fillClrLst meth="repeat">
-      <a:schemeClr val="accent1">
-        <a:tint val="60000"/>
-      </a:schemeClr>
-    </dgm:fillClrLst>
-    <dgm:linClrLst meth="repeat">
-      <a:schemeClr val="accent1">
-        <a:tint val="60000"/>
-      </a:schemeClr>
-    </dgm:linClrLst>
-    <dgm:effectClrLst/>
-    <dgm:txLinClrLst/>
-    <dgm:txFillClrLst/>
-    <dgm:txEffectClrLst/>
-  </dgm:styleLbl>
-  <dgm:styleLbl name="bgSibTrans2D1">
-    <dgm:fillClrLst meth="repeat">
-      <a:schemeClr val="accent1">
-        <a:tint val="60000"/>
-      </a:schemeClr>
-    </dgm:fillClrLst>
-    <dgm:linClrLst meth="repeat">
-      <a:schemeClr val="accent1">
-        <a:tint val="60000"/>
-      </a:schemeClr>
-    </dgm:linClrLst>
-    <dgm:effectClrLst/>
-    <dgm:txLinClrLst/>
-    <dgm:txFillClrLst/>
-    <dgm:txEffectClrLst/>
-  </dgm:styleLbl>
-  <dgm:styleLbl name="sibTrans1D1">
-    <dgm:fillClrLst meth="repeat">
-      <a:schemeClr val="accent1"/>
-    </dgm:fillClrLst>
-    <dgm:linClrLst meth="repeat">
-      <a:schemeClr val="accent1"/>
-    </dgm:linClrLst>
-    <dgm:effectClrLst/>
-    <dgm:txLinClrLst/>
-    <dgm:txFillClrLst meth="repeat">
-      <a:schemeClr val="tx1"/>
-    </dgm:txFillClrLst>
-    <dgm:txEffectClrLst/>
-  </dgm:styleLbl>
-  <dgm:styleLbl name="callout">
-    <dgm:fillClrLst meth="repeat">
-      <a:schemeClr val="accent1"/>
-    </dgm:fillClrLst>
-    <dgm:linClrLst meth="repeat">
-      <a:schemeClr val="accent1">
-        <a:tint val="50000"/>
-      </a:schemeClr>
-    </dgm:linClrLst>
-    <dgm:effectClrLst/>
-    <dgm:txLinClrLst/>
-    <dgm:txFillClrLst meth="repeat">
-      <a:schemeClr val="tx1"/>
-    </dgm:txFillClrLst>
-    <dgm:txEffectClrLst/>
-  </dgm:styleLbl>
-  <dgm:styleLbl name="asst0">
-    <dgm:fillClrLst meth="repeat">
-      <a:schemeClr val="accent1"/>
-    </dgm:fillClrLst>
-    <dgm:linClrLst meth="repeat">
-      <a:schemeClr val="lt1"/>
-    </dgm:linClrLst>
-    <dgm:effectClrLst/>
-    <dgm:txLinClrLst/>
-    <dgm:txFillClrLst/>
-    <dgm:txEffectClrLst/>
-  </dgm:styleLbl>
-  <dgm:styleLbl name="asst1">
-    <dgm:fillClrLst meth="repeat">
-      <a:schemeClr val="accent1"/>
-    </dgm:fillClrLst>
-    <dgm:linClrLst meth="repeat">
-      <a:schemeClr val="lt1"/>
-    </dgm:linClrLst>
-    <dgm:effectClrLst/>
-    <dgm:txLinClrLst/>
-    <dgm:txFillClrLst/>
-    <dgm:txEffectClrLst/>
-  </dgm:styleLbl>
-  <dgm:styleLbl name="asst2">
-    <dgm:fillClrLst meth="repeat">
-      <a:schemeClr val="accent1"/>
-    </dgm:fillClrLst>
-    <dgm:linClrLst meth="repeat">
-      <a:schemeClr val="lt1"/>
-    </dgm:linClrLst>
-    <dgm:effectClrLst/>
-    <dgm:txLinClrLst/>
-    <dgm:txFillClrLst/>
-    <dgm:txEffectClrLst/>
-  </dgm:styleLbl>
-  <dgm:styleLbl name="asst3">
-    <dgm:fillClrLst meth="repeat">
-      <a:schemeClr val="accent1"/>
-    </dgm:fillClrLst>
-    <dgm:linClrLst meth="repeat">
-      <a:schemeClr val="lt1"/>
-    </dgm:linClrLst>
-    <dgm:effectClrLst/>
-    <dgm:txLinClrLst/>
-    <dgm:txFillClrLst/>
-    <dgm:txEffectClrLst/>
-  </dgm:styleLbl>
-  <dgm:styleLbl name="asst4">
-    <dgm:fillClrLst meth="repeat">
-      <a:schemeClr val="accent1"/>
-    </dgm:fillClrLst>
-    <dgm:linClrLst meth="repeat">
-      <a:schemeClr val="lt1"/>
-    </dgm:linClrLst>
-    <dgm:effectClrLst/>
-    <dgm:txLinClrLst/>
-    <dgm:txFillClrLst/>
-    <dgm:txEffectClrLst/>
-  </dgm:styleLbl>
-  <dgm:styleLbl name="parChTrans2D1">
-    <dgm:fillClrLst meth="repeat">
-      <a:schemeClr val="accent1">
-        <a:tint val="60000"/>
-      </a:schemeClr>
-    </dgm:fillClrLst>
-    <dgm:linClrLst meth="repeat">
-      <a:schemeClr val="accent1">
-        <a:tint val="60000"/>
-      </a:schemeClr>
-    </dgm:linClrLst>
-    <dgm:effectClrLst/>
-    <dgm:txLinClrLst/>
-    <dgm:txFillClrLst meth="repeat">
-      <a:schemeClr val="lt1"/>
-    </dgm:txFillClrLst>
-    <dgm:txEffectClrLst/>
-  </dgm:styleLbl>
-  <dgm:styleLbl name="parChTrans2D2">
-    <dgm:fillClrLst meth="repeat">
-      <a:schemeClr val="accent1"/>
-    </dgm:fillClrLst>
-    <dgm:linClrLst meth="repeat">
-      <a:schemeClr val="accent1"/>
-    </dgm:linClrLst>
-    <dgm:effectClrLst/>
-    <dgm:txLinClrLst/>
-    <dgm:txFillClrLst meth="repeat">
-      <a:schemeClr val="lt1"/>
-    </dgm:txFillClrLst>
-    <dgm:txEffectClrLst/>
-  </dgm:styleLbl>
-  <dgm:styleLbl name="parChTrans2D3">
-    <dgm:fillClrLst meth="repeat">
-      <a:schemeClr val="accent1"/>
-    </dgm:fillClrLst>
-    <dgm:linClrLst meth="repeat">
-      <a:schemeClr val="accent1"/>
-    </dgm:linClrLst>
-    <dgm:effectClrLst/>
-    <dgm:txLinClrLst/>
-    <dgm:txFillClrLst meth="repeat">
-      <a:schemeClr val="lt1"/>
-    </dgm:txFillClrLst>
-    <dgm:txEffectClrLst/>
-  </dgm:styleLbl>
-  <dgm:styleLbl name="parChTrans2D4">
-    <dgm:fillClrLst meth="repeat">
-      <a:schemeClr val="accent1"/>
-    </dgm:fillClrLst>
-    <dgm:linClrLst meth="repeat">
-      <a:schemeClr val="accent1"/>
-    </dgm:linClrLst>
-    <dgm:effectClrLst/>
-    <dgm:txLinClrLst/>
-    <dgm:txFillClrLst meth="repeat">
-      <a:schemeClr val="lt1"/>
-    </dgm:txFillClrLst>
-    <dgm:txEffectClrLst/>
-  </dgm:styleLbl>
-  <dgm:styleLbl name="parChTrans1D1">
-    <dgm:fillClrLst meth="repeat">
-      <a:schemeClr val="accent1"/>
-    </dgm:fillClrLst>
-    <dgm:linClrLst meth="repeat">
-      <a:schemeClr val="accent1">
-        <a:shade val="60000"/>
-      </a:schemeClr>
-    </dgm:linClrLst>
-    <dgm:effectClrLst/>
-    <dgm:txLinClrLst/>
-    <dgm:txFillClrLst meth="repeat">
-      <a:schemeClr val="tx1"/>
-    </dgm:txFillClrLst>
-    <dgm:txEffectClrLst/>
-  </dgm:styleLbl>
-  <dgm:styleLbl name="parChTrans1D2">
-    <dgm:fillClrLst meth="repeat">
-      <a:schemeClr val="accent1"/>
-    </dgm:fillClrLst>
-    <dgm:linClrLst meth="repeat">
-      <a:schemeClr val="accent1">
-        <a:shade val="60000"/>
-      </a:schemeClr>
-    </dgm:linClrLst>
-    <dgm:effectClrLst/>
-    <dgm:txLinClrLst/>
-    <dgm:txFillClrLst meth="repeat">
-      <a:schemeClr val="tx1"/>
-    </dgm:txFillClrLst>
-    <dgm:txEffectClrLst/>
-  </dgm:styleLbl>
-  <dgm:styleLbl name="parChTrans1D3">
-    <dgm:fillClrLst meth="repeat">
-      <a:schemeClr val="accent1"/>
-    </dgm:fillClrLst>
-    <dgm:linClrLst meth="repeat">
-      <a:schemeClr val="accent1">
-        <a:shade val="80000"/>
-      </a:schemeClr>
-    </dgm:linClrLst>
-    <dgm:effectClrLst/>
-    <dgm:txLinClrLst/>
-    <dgm:txFillClrLst meth="repeat">
-      <a:schemeClr val="tx1"/>
-    </dgm:txFillClrLst>
-    <dgm:txEffectClrLst/>
-  </dgm:styleLbl>
-  <dgm:styleLbl name="parChTrans1D4">
-    <dgm:fillClrLst meth="repeat">
-      <a:schemeClr val="accent1"/>
-    </dgm:fillClrLst>
-    <dgm:linClrLst meth="repeat">
-      <a:schemeClr val="accent1">
-        <a:shade val="80000"/>
-      </a:schemeClr>
-    </dgm:linClrLst>
-    <dgm:effectClrLst/>
-    <dgm:txLinClrLst/>
-    <dgm:txFillClrLst meth="repeat">
-      <a:schemeClr val="tx1"/>
-    </dgm:txFillClrLst>
-    <dgm:txEffectClrLst/>
-  </dgm:styleLbl>
-  <dgm:styleLbl name="fgAcc1">
-    <dgm:fillClrLst meth="repeat">
-      <a:schemeClr val="lt1">
-        <a:alpha val="90000"/>
-      </a:schemeClr>
-    </dgm:fillClrLst>
-    <dgm:linClrLst meth="repeat">
-      <a:schemeClr val="accent1"/>
-    </dgm:linClrLst>
-    <dgm:effectClrLst/>
-    <dgm:txLinClrLst/>
-    <dgm:txFillClrLst meth="repeat">
-      <a:schemeClr val="dk1"/>
-    </dgm:txFillClrLst>
-    <dgm:txEffectClrLst/>
-  </dgm:styleLbl>
-  <dgm:styleLbl name="conFgAcc1">
-    <dgm:fillClrLst meth="repeat">
-      <a:schemeClr val="lt1">
-        <a:alpha val="90000"/>
-      </a:schemeClr>
-    </dgm:fillClrLst>
-    <dgm:linClrLst meth="repeat">
-      <a:schemeClr val="accent1"/>
-    </dgm:linClrLst>
-    <dgm:effectClrLst/>
-    <dgm:txLinClrLst/>
-    <dgm:txFillClrLst meth="repeat">
-      <a:schemeClr val="dk1"/>
-    </dgm:txFillClrLst>
-    <dgm:txEffectClrLst/>
-  </dgm:styleLbl>
-  <dgm:styleLbl name="alignAcc1">
-    <dgm:fillClrLst meth="repeat">
-      <a:schemeClr val="lt1">
-        <a:alpha val="90000"/>
-      </a:schemeClr>
-    </dgm:fillClrLst>
-    <dgm:linClrLst meth="repeat">
-      <a:schemeClr val="accent1"/>
-    </dgm:linClrLst>
-    <dgm:effectClrLst/>
-    <dgm:txLinClrLst/>
-    <dgm:txFillClrLst meth="repeat">
-      <a:schemeClr val="dk1"/>
-    </dgm:txFillClrLst>
-    <dgm:txEffectClrLst/>
-  </dgm:styleLbl>
-  <dgm:styleLbl name="trAlignAcc1">
-    <dgm:fillClrLst meth="repeat">
-      <a:schemeClr val="lt1">
-        <a:alpha val="40000"/>
-      </a:schemeClr>
-    </dgm:fillClrLst>
-    <dgm:linClrLst meth="repeat">
-      <a:schemeClr val="accent1"/>
-    </dgm:linClrLst>
-    <dgm:effectClrLst/>
-    <dgm:txLinClrLst/>
-    <dgm:txFillClrLst meth="repeat">
-      <a:schemeClr val="dk1"/>
-    </dgm:txFillClrLst>
-    <dgm:txEffectClrLst/>
-  </dgm:styleLbl>
-  <dgm:styleLbl name="bgAcc1">
-    <dgm:fillClrLst meth="repeat">
-      <a:schemeClr val="lt1">
-        <a:alpha val="90000"/>
-      </a:schemeClr>
-    </dgm:fillClrLst>
-    <dgm:linClrLst meth="repeat">
-      <a:schemeClr val="accent1"/>
-    </dgm:linClrLst>
-    <dgm:effectClrLst/>
-    <dgm:txLinClrLst/>
-    <dgm:txFillClrLst meth="repeat">
-      <a:schemeClr val="dk1"/>
-    </dgm:txFillClrLst>
-    <dgm:txEffectClrLst/>
-  </dgm:styleLbl>
-  <dgm:styleLbl name="solidFgAcc1">
-    <dgm:fillClrLst meth="repeat">
-      <a:schemeClr val="lt1"/>
-    </dgm:fillClrLst>
-    <dgm:linClrLst meth="repeat">
-      <a:schemeClr val="accent1"/>
-    </dgm:linClrLst>
-    <dgm:effectClrLst/>
-    <dgm:txLinClrLst/>
-    <dgm:txFillClrLst meth="repeat">
-      <a:schemeClr val="dk1"/>
-    </dgm:txFillClrLst>
-    <dgm:txEffectClrLst/>
-  </dgm:styleLbl>
-  <dgm:styleLbl name="solidAlignAcc1">
-    <dgm:fillClrLst meth="repeat">
-      <a:schemeClr val="lt1"/>
-    </dgm:fillClrLst>
-    <dgm:linClrLst meth="repeat">
-      <a:schemeClr val="accent1"/>
-    </dgm:linClrLst>
-    <dgm:effectClrLst/>
-    <dgm:txLinClrLst/>
-    <dgm:txFillClrLst meth="repeat">
-      <a:schemeClr val="dk1"/>
-    </dgm:txFillClrLst>
-    <dgm:txEffectClrLst/>
-  </dgm:styleLbl>
-  <dgm:styleLbl name="solidBgAcc1">
-    <dgm:fillClrLst meth="repeat">
-      <a:schemeClr val="lt1"/>
-    </dgm:fillClrLst>
-    <dgm:linClrLst meth="repeat">
-      <a:schemeClr val="accent1"/>
-    </dgm:linClrLst>
-    <dgm:effectClrLst/>
-    <dgm:txLinClrLst/>
-    <dgm:txFillClrLst meth="repeat">
-      <a:schemeClr val="dk1"/>
-    </dgm:txFillClrLst>
-    <dgm:txEffectClrLst/>
-  </dgm:styleLbl>
-  <dgm:styleLbl name="fgAccFollowNode1">
-    <dgm:fillClrLst meth="repeat">
-      <a:schemeClr val="accent1">
-        <a:alpha val="90000"/>
-        <a:tint val="40000"/>
-      </a:schemeClr>
-    </dgm:fillClrLst>
-    <dgm:linClrLst meth="repeat">
-      <a:schemeClr val="accent1">
-        <a:alpha val="90000"/>
-        <a:tint val="40000"/>
-      </a:schemeClr>
-    </dgm:linClrLst>
-    <dgm:effectClrLst/>
-    <dgm:txLinClrLst/>
-    <dgm:txFillClrLst meth="repeat">
-      <a:schemeClr val="dk1"/>
-    </dgm:txFillClrLst>
-    <dgm:txEffectClrLst/>
-  </dgm:styleLbl>
-  <dgm:styleLbl name="alignAccFollowNode1">
-    <dgm:fillClrLst meth="repeat">
-      <a:schemeClr val="accent1">
-        <a:alpha val="90000"/>
-        <a:tint val="40000"/>
-      </a:schemeClr>
-    </dgm:fillClrLst>
-    <dgm:linClrLst meth="repeat">
-      <a:schemeClr val="accent1">
-        <a:alpha val="90000"/>
-        <a:tint val="40000"/>
-      </a:schemeClr>
-    </dgm:linClrLst>
-    <dgm:effectClrLst/>
-    <dgm:txLinClrLst/>
-    <dgm:txFillClrLst meth="repeat">
-      <a:schemeClr val="dk1"/>
-    </dgm:txFillClrLst>
-    <dgm:txEffectClrLst/>
-  </dgm:styleLbl>
-  <dgm:styleLbl name="bgAccFollowNode1">
-    <dgm:fillClrLst meth="repeat">
-      <a:schemeClr val="accent1">
-        <a:alpha val="90000"/>
-        <a:tint val="40000"/>
-      </a:schemeClr>
-    </dgm:fillClrLst>
-    <dgm:linClrLst meth="repeat">
-      <a:schemeClr val="accent1">
-        <a:alpha val="90000"/>
-        <a:tint val="40000"/>
-      </a:schemeClr>
-    </dgm:linClrLst>
-    <dgm:effectClrLst/>
-    <dgm:txLinClrLst/>
-    <dgm:txFillClrLst meth="repeat">
-      <a:schemeClr val="dk1"/>
-    </dgm:txFillClrLst>
-    <dgm:txEffectClrLst/>
-  </dgm:styleLbl>
-  <dgm:styleLbl name="fgAcc0">
-    <dgm:fillClrLst meth="repeat">
-      <a:schemeClr val="lt1">
-        <a:alpha val="90000"/>
-      </a:schemeClr>
-    </dgm:fillClrLst>
-    <dgm:linClrLst meth="repeat">
-      <a:schemeClr val="accent1"/>
-    </dgm:linClrLst>
-    <dgm:effectClrLst/>
-    <dgm:txLinClrLst/>
-    <dgm:txFillClrLst meth="repeat">
-      <a:schemeClr val="dk1"/>
-    </dgm:txFillClrLst>
-    <dgm:txEffectClrLst/>
-  </dgm:styleLbl>
-  <dgm:styleLbl name="fgAcc2">
-    <dgm:fillClrLst meth="repeat">
-      <a:schemeClr val="lt1">
-        <a:alpha val="90000"/>
-      </a:schemeClr>
-    </dgm:fillClrLst>
-    <dgm:linClrLst meth="repeat">
-      <a:schemeClr val="accent1"/>
-    </dgm:linClrLst>
-    <dgm:effectClrLst/>
-    <dgm:txLinClrLst/>
-    <dgm:txFillClrLst meth="repeat">
-      <a:schemeClr val="dk1"/>
-    </dgm:txFillClrLst>
-    <dgm:txEffectClrLst/>
-  </dgm:styleLbl>
-  <dgm:styleLbl name="fgAcc3">
-    <dgm:fillClrLst meth="repeat">
-      <a:schemeClr val="lt1">
-        <a:alpha val="90000"/>
-      </a:schemeClr>
-    </dgm:fillClrLst>
-    <dgm:linClrLst meth="repeat">
-      <a:schemeClr val="accent1"/>
-    </dgm:linClrLst>
-    <dgm:effectClrLst/>
-    <dgm:txLinClrLst/>
-    <dgm:txFillClrLst meth="repeat">
-      <a:schemeClr val="dk1"/>
-    </dgm:txFillClrLst>
-    <dgm:txEffectClrLst/>
-  </dgm:styleLbl>
-  <dgm:styleLbl name="fgAcc4">
-    <dgm:fillClrLst meth="repeat">
-      <a:schemeClr val="lt1">
-        <a:alpha val="90000"/>
-      </a:schemeClr>
-    </dgm:fillClrLst>
-    <dgm:linClrLst meth="repeat">
-      <a:schemeClr val="accent1"/>
-    </dgm:linClrLst>
-    <dgm:effectClrLst/>
-    <dgm:txLinClrLst/>
-    <dgm:txFillClrLst meth="repeat">
-      <a:schemeClr val="dk1"/>
-    </dgm:txFillClrLst>
-    <dgm:txEffectClrLst/>
-  </dgm:styleLbl>
-  <dgm:styleLbl name="bgShp">
-    <dgm:fillClrLst meth="repeat">
-      <a:schemeClr val="accent1">
-        <a:tint val="40000"/>
-      </a:schemeClr>
-    </dgm:fillClrLst>
-    <dgm:linClrLst meth="repeat">
-      <a:schemeClr val="accent1"/>
-    </dgm:linClrLst>
-    <dgm:effectClrLst/>
-    <dgm:txLinClrLst/>
-    <dgm:txFillClrLst meth="repeat">
-      <a:schemeClr val="dk1"/>
-    </dgm:txFillClrLst>
-    <dgm:txEffectClrLst/>
-  </dgm:styleLbl>
-  <dgm:styleLbl name="dkBgShp">
-    <dgm:fillClrLst meth="repeat">
-      <a:schemeClr val="accent1">
-        <a:shade val="80000"/>
-      </a:schemeClr>
-    </dgm:fillClrLst>
-    <dgm:linClrLst meth="repeat">
-      <a:schemeClr val="accent1"/>
-    </dgm:linClrLst>
-    <dgm:effectClrLst/>
-    <dgm:txLinClrLst/>
-    <dgm:txFillClrLst meth="repeat">
-      <a:schemeClr val="lt1"/>
-    </dgm:txFillClrLst>
-    <dgm:txEffectClrLst/>
-  </dgm:styleLbl>
-  <dgm:styleLbl name="trBgShp">
-    <dgm:fillClrLst meth="repeat">
-      <a:schemeClr val="accent1">
-        <a:tint val="50000"/>
-        <a:alpha val="40000"/>
-      </a:schemeClr>
-    </dgm:fillClrLst>
-    <dgm:linClrLst meth="repeat">
-      <a:schemeClr val="accent1"/>
-    </dgm:linClrLst>
-    <dgm:effectClrLst/>
-    <dgm:txLinClrLst/>
-    <dgm:txFillClrLst meth="repeat">
-      <a:schemeClr val="lt1"/>
-    </dgm:txFillClrLst>
-    <dgm:txEffectClrLst/>
-  </dgm:styleLbl>
-  <dgm:styleLbl name="fgShp">
-    <dgm:fillClrLst meth="repeat">
-      <a:schemeClr val="accent1">
-        <a:tint val="60000"/>
-      </a:schemeClr>
-    </dgm:fillClrLst>
-    <dgm:linClrLst meth="repeat">
-      <a:schemeClr val="lt1"/>
-    </dgm:linClrLst>
-    <dgm:effectClrLst/>
-    <dgm:txLinClrLst/>
-    <dgm:txFillClrLst meth="repeat">
-      <a:schemeClr val="dk1"/>
-    </dgm:txFillClrLst>
-    <dgm:txEffectClrLst/>
-  </dgm:styleLbl>
-  <dgm:styleLbl name="revTx">
-    <dgm:fillClrLst meth="repeat">
-      <a:schemeClr val="lt1">
-        <a:alpha val="0"/>
-      </a:schemeClr>
-    </dgm:fillClrLst>
-    <dgm:linClrLst meth="repeat">
-      <a:schemeClr val="dk1">
-        <a:alpha val="0"/>
-      </a:schemeClr>
-    </dgm:linClrLst>
-    <dgm:effectClrLst/>
-    <dgm:txLinClrLst/>
-    <dgm:txFillClrLst meth="repeat">
-      <a:schemeClr val="tx1"/>
-    </dgm:txFillClrLst>
-    <dgm:txEffectClrLst/>
-  </dgm:styleLbl>
-</dgm:colorsDef>
+<file path=ppt/revisionInfo.xml><?xml version="1.0" encoding="utf-8"?>
+<p1510:revInfo xmlns:a="http://schemas.openxmlformats.org/drawingml/2006/main" xmlns:r="http://schemas.openxmlformats.org/officeDocument/2006/relationships" xmlns:p1510="http://schemas.microsoft.com/office/powerpoint/2015/10/main">
+  <p1510:revLst>
+    <p1510:client id="{3CF7EB51-8AB0-3267-7FDE-E37FE84FACB6}" v="622" dt="2021-03-23T23:58:26.395"/>
+    <p1510:client id="{4977DD9D-EA69-4843-8034-71706C86C333}" v="6" dt="2021-03-25T00:56:34.840"/>
+    <p1510:client id="{4EE39FDC-CAEA-3DB8-3E04-1CFADB30E36B}" v="43" dt="2021-03-25T23:46:37.432"/>
+    <p1510:client id="{5B6186B0-7081-49D5-8340-A849E98161A3}" v="41" dt="2021-04-01T01:03:56.084"/>
+    <p1510:client id="{7BAE0262-C88C-40B0-BFA5-F2698D7FE8E4}" v="167" dt="2021-04-04T23:12:00.725"/>
+    <p1510:client id="{A33AB79F-0080-0000-A601-74A67EDE26F0}" v="17" dt="2021-03-23T23:50:29.607"/>
+    <p1510:client id="{F0707D82-BC8A-2371-448F-4451FCBB9D26}" v="4" dt="2021-03-25T23:45:53.978"/>
+    <p1510:client id="{F1671F70-D6D8-F201-53D1-861BBCD45610}" v="1185" dt="2021-03-25T01:54:21.650"/>
+    <p1510:client id="{FA7F1767-3B46-84DA-72AB-F84CEE8D6F8A}" v="5" dt="2021-03-25T00:54:07.138"/>
+  </p1510:revLst>
+</p1510:revInfo>
 </file>
 
-<file path=ppt/diagrams/data1.xml><?xml version="1.0" encoding="utf-8"?>
-<dgm:dataModel xmlns:dgm="http://schemas.openxmlformats.org/drawingml/2006/diagram" xmlns:a="http://schemas.openxmlformats.org/drawingml/2006/main">
-  <dgm:ptLst>
-    <dgm:pt modelId="{267E1266-33D5-4E9A-9CB9-06E08F4D39F5}" type="doc">
-      <dgm:prSet loTypeId="urn:microsoft.com/office/officeart/2005/8/layout/chevron1" loCatId="process" qsTypeId="urn:microsoft.com/office/officeart/2005/8/quickstyle/simple1" qsCatId="simple" csTypeId="urn:microsoft.com/office/officeart/2005/8/colors/accent1_2" csCatId="accent1" phldr="1"/>
-      <dgm:spPr/>
-    </dgm:pt>
-    <dgm:pt modelId="{93D40E57-AA32-4EC9-AA40-4767C8038CD7}">
-      <dgm:prSet phldrT="[Texto]" custT="1"/>
-      <dgm:spPr>
-        <a:solidFill>
-          <a:schemeClr val="accent1">
-            <a:lumMod val="50000"/>
-          </a:schemeClr>
-        </a:solidFill>
-      </dgm:spPr>
-      <dgm:t>
-        <a:bodyPr/>
-        <a:lstStyle/>
-        <a:p>
-          <a:r>
-            <a:rPr lang="pt-BR" sz="1700" b="0" i="0" u="none" dirty="0"/>
-            <a:t>Onda 1</a:t>
-          </a:r>
-          <a:br>
-            <a:rPr lang="pt-BR" sz="1700" b="0" i="0" u="none" dirty="0"/>
-          </a:br>
-          <a:r>
-            <a:rPr lang="pt-BR" sz="1400" b="0" i="0" u="none" dirty="0"/>
-            <a:t>(Jan/2021)</a:t>
-          </a:r>
-          <a:endParaRPr lang="pt-BR" sz="1700" dirty="0"/>
-        </a:p>
-      </dgm:t>
-    </dgm:pt>
-    <dgm:pt modelId="{D4B1D25A-18E0-45A5-910F-7E288705AA1D}" type="parTrans" cxnId="{F72FDF6C-7DEE-468B-9970-D116EBB24F4B}">
-      <dgm:prSet/>
-      <dgm:spPr/>
-      <dgm:t>
-        <a:bodyPr/>
-        <a:lstStyle/>
-        <a:p>
-          <a:endParaRPr lang="pt-BR"/>
-        </a:p>
-      </dgm:t>
-    </dgm:pt>
-    <dgm:pt modelId="{B9BD45BB-A1D5-4000-8D79-1AD1BD5EBD9A}" type="sibTrans" cxnId="{F72FDF6C-7DEE-468B-9970-D116EBB24F4B}">
-      <dgm:prSet/>
-      <dgm:spPr/>
-      <dgm:t>
-        <a:bodyPr/>
-        <a:lstStyle/>
-        <a:p>
-          <a:endParaRPr lang="pt-BR"/>
-        </a:p>
-      </dgm:t>
-    </dgm:pt>
-    <dgm:pt modelId="{F631A1DD-D1B4-4F59-B1C3-0EF4DBEFD042}">
-      <dgm:prSet phldrT="[Texto]" custT="1"/>
-      <dgm:spPr>
-        <a:solidFill>
-          <a:schemeClr val="accent1">
-            <a:lumMod val="75000"/>
-          </a:schemeClr>
-        </a:solidFill>
-      </dgm:spPr>
-      <dgm:t>
-        <a:bodyPr/>
-        <a:lstStyle/>
-        <a:p>
-          <a:r>
-            <a:rPr lang="pt-BR" sz="1400" b="0" i="0" u="none" dirty="0"/>
-            <a:t>Onda 2</a:t>
-          </a:r>
-          <a:endParaRPr lang="pt-BR" sz="1300" b="0" i="0" u="none" dirty="0"/>
-        </a:p>
-        <a:p>
-          <a:r>
-            <a:rPr lang="pt-BR" sz="1200" b="0" i="0" u="none" dirty="0"/>
-            <a:t>(</a:t>
-          </a:r>
-          <a:r>
-            <a:rPr lang="pt-BR" sz="1200" b="0" i="0" u="none" dirty="0" err="1"/>
-            <a:t>Fev</a:t>
-          </a:r>
-          <a:r>
-            <a:rPr lang="pt-BR" sz="1200" b="0" i="0" u="none" dirty="0"/>
-            <a:t> – Mar/201)</a:t>
-          </a:r>
-          <a:endParaRPr lang="pt-BR" sz="1400" dirty="0"/>
-        </a:p>
-      </dgm:t>
-    </dgm:pt>
-    <dgm:pt modelId="{6F990B4D-78B8-4E91-AE0D-7821B6BCB9FA}" type="parTrans" cxnId="{7B0C35C0-F622-4CA6-95C7-7178FA2809F6}">
-      <dgm:prSet/>
-      <dgm:spPr/>
-      <dgm:t>
-        <a:bodyPr/>
-        <a:lstStyle/>
-        <a:p>
-          <a:endParaRPr lang="pt-BR"/>
-        </a:p>
-      </dgm:t>
-    </dgm:pt>
-    <dgm:pt modelId="{BDA35CA9-FAD9-4BC3-87F0-128F0239FBEC}" type="sibTrans" cxnId="{7B0C35C0-F622-4CA6-95C7-7178FA2809F6}">
-      <dgm:prSet/>
-      <dgm:spPr/>
-      <dgm:t>
-        <a:bodyPr/>
-        <a:lstStyle/>
-        <a:p>
-          <a:endParaRPr lang="pt-BR"/>
-        </a:p>
-      </dgm:t>
-    </dgm:pt>
-    <dgm:pt modelId="{5E852F04-A73A-443E-803B-DB0ED4745AD9}">
-      <dgm:prSet phldrT="[Texto]" custT="1"/>
-      <dgm:spPr>
-        <a:solidFill>
-          <a:schemeClr val="accent1">
-            <a:lumMod val="60000"/>
-            <a:lumOff val="40000"/>
-          </a:schemeClr>
-        </a:solidFill>
-      </dgm:spPr>
-      <dgm:t>
-        <a:bodyPr/>
-        <a:lstStyle/>
-        <a:p>
-          <a:r>
-            <a:rPr lang="pt-BR" sz="1900" b="0" i="0" u="none" dirty="0"/>
-            <a:t>Onda 3</a:t>
-          </a:r>
-        </a:p>
-        <a:p>
-          <a:r>
-            <a:rPr lang="pt-BR" sz="1600" dirty="0"/>
-            <a:t>(</a:t>
-          </a:r>
-          <a:r>
-            <a:rPr lang="pt-BR" sz="1600" dirty="0" err="1"/>
-            <a:t>Abr</a:t>
-          </a:r>
-          <a:r>
-            <a:rPr lang="pt-BR" sz="1600" dirty="0"/>
-            <a:t> – </a:t>
-          </a:r>
-          <a:r>
-            <a:rPr lang="pt-BR" sz="1600" dirty="0" err="1"/>
-            <a:t>Ago</a:t>
-          </a:r>
-          <a:r>
-            <a:rPr lang="pt-BR" sz="1600" dirty="0"/>
-            <a:t>/2021)</a:t>
-          </a:r>
-          <a:endParaRPr lang="pt-BR" sz="1900" dirty="0"/>
-        </a:p>
-      </dgm:t>
-    </dgm:pt>
-    <dgm:pt modelId="{430ED7C6-3D7F-4A98-BD75-342192E9C157}" type="parTrans" cxnId="{9579FA38-490C-45F9-9E27-D84B233AD19B}">
-      <dgm:prSet/>
-      <dgm:spPr/>
-      <dgm:t>
-        <a:bodyPr/>
-        <a:lstStyle/>
-        <a:p>
-          <a:endParaRPr lang="pt-BR"/>
-        </a:p>
-      </dgm:t>
-    </dgm:pt>
-    <dgm:pt modelId="{98046CA3-2031-4994-ABD5-118BED215D4B}" type="sibTrans" cxnId="{9579FA38-490C-45F9-9E27-D84B233AD19B}">
-      <dgm:prSet/>
-      <dgm:spPr/>
-      <dgm:t>
-        <a:bodyPr/>
-        <a:lstStyle/>
-        <a:p>
-          <a:endParaRPr lang="pt-BR"/>
-        </a:p>
-      </dgm:t>
-    </dgm:pt>
-    <dgm:pt modelId="{1C58D772-D23A-48BA-A323-DC408A3449D7}">
-      <dgm:prSet phldrT="[Texto]" custT="1"/>
-      <dgm:spPr>
-        <a:solidFill>
-          <a:schemeClr val="accent1">
-            <a:lumMod val="40000"/>
-            <a:lumOff val="60000"/>
-          </a:schemeClr>
-        </a:solidFill>
-      </dgm:spPr>
-      <dgm:t>
-        <a:bodyPr/>
-        <a:lstStyle/>
-        <a:p>
-          <a:r>
-            <a:rPr lang="pt-BR" sz="2200" b="0" i="0" u="none" dirty="0"/>
-            <a:t>Onda 4</a:t>
-          </a:r>
-          <a:br>
-            <a:rPr lang="pt-BR" sz="2200" b="0" i="0" u="none" dirty="0"/>
-          </a:br>
-          <a:r>
-            <a:rPr lang="pt-BR" sz="1800" b="0" i="0" u="none" dirty="0"/>
-            <a:t>(Set – Dez/ 2021)</a:t>
-          </a:r>
-          <a:endParaRPr lang="pt-BR" sz="2200" dirty="0"/>
-        </a:p>
-      </dgm:t>
-    </dgm:pt>
-    <dgm:pt modelId="{15C06236-BE4B-4856-A7E6-AEFCFF7D2E38}" type="parTrans" cxnId="{C00EA4B1-53C1-4480-8D93-466229BD0517}">
-      <dgm:prSet/>
-      <dgm:spPr/>
-      <dgm:t>
-        <a:bodyPr/>
-        <a:lstStyle/>
-        <a:p>
-          <a:endParaRPr lang="pt-BR"/>
-        </a:p>
-      </dgm:t>
-    </dgm:pt>
-    <dgm:pt modelId="{E461E920-DE67-4FE5-AB26-4B1EC5394685}" type="sibTrans" cxnId="{C00EA4B1-53C1-4480-8D93-466229BD0517}">
-      <dgm:prSet/>
-      <dgm:spPr/>
-      <dgm:t>
-        <a:bodyPr/>
-        <a:lstStyle/>
-        <a:p>
-          <a:endParaRPr lang="pt-BR"/>
-        </a:p>
-      </dgm:t>
-    </dgm:pt>
-    <dgm:pt modelId="{2AB1828F-66AC-4FC6-BC34-8A71A79ED063}" type="pres">
-      <dgm:prSet presAssocID="{267E1266-33D5-4E9A-9CB9-06E08F4D39F5}" presName="Name0" presStyleCnt="0">
-        <dgm:presLayoutVars>
-          <dgm:dir/>
-          <dgm:animLvl val="lvl"/>
-          <dgm:resizeHandles val="exact"/>
-        </dgm:presLayoutVars>
-      </dgm:prSet>
-      <dgm:spPr/>
-    </dgm:pt>
-    <dgm:pt modelId="{06279F8F-7FDA-4C24-A7E4-DDBD6F52D97B}" type="pres">
-      <dgm:prSet presAssocID="{93D40E57-AA32-4EC9-AA40-4767C8038CD7}" presName="parTxOnly" presStyleLbl="node1" presStyleIdx="0" presStyleCnt="4">
-        <dgm:presLayoutVars>
-          <dgm:chMax val="0"/>
-          <dgm:chPref val="0"/>
-          <dgm:bulletEnabled val="1"/>
-        </dgm:presLayoutVars>
-      </dgm:prSet>
-      <dgm:spPr/>
-    </dgm:pt>
-    <dgm:pt modelId="{DBFD3CDE-69D0-4E57-856A-A0899E36ADEB}" type="pres">
-      <dgm:prSet presAssocID="{B9BD45BB-A1D5-4000-8D79-1AD1BD5EBD9A}" presName="parTxOnlySpace" presStyleCnt="0"/>
-      <dgm:spPr/>
-    </dgm:pt>
-    <dgm:pt modelId="{060D56E5-3F6F-42F1-8C25-D389BF7F0A50}" type="pres">
-      <dgm:prSet presAssocID="{F631A1DD-D1B4-4F59-B1C3-0EF4DBEFD042}" presName="parTxOnly" presStyleLbl="node1" presStyleIdx="1" presStyleCnt="4" custScaleX="115547">
-        <dgm:presLayoutVars>
-          <dgm:chMax val="0"/>
-          <dgm:chPref val="0"/>
-          <dgm:bulletEnabled val="1"/>
-        </dgm:presLayoutVars>
-      </dgm:prSet>
-      <dgm:spPr/>
-    </dgm:pt>
-    <dgm:pt modelId="{3A5FEE2E-D2F5-40E1-9655-39E8EFE2CFD2}" type="pres">
-      <dgm:prSet presAssocID="{BDA35CA9-FAD9-4BC3-87F0-128F0239FBEC}" presName="parTxOnlySpace" presStyleCnt="0"/>
-      <dgm:spPr/>
-    </dgm:pt>
-    <dgm:pt modelId="{D03377BB-930A-46C7-A8C4-1BB5C2EFFB2F}" type="pres">
-      <dgm:prSet presAssocID="{5E852F04-A73A-443E-803B-DB0ED4745AD9}" presName="parTxOnly" presStyleLbl="node1" presStyleIdx="2" presStyleCnt="4" custScaleX="275394">
-        <dgm:presLayoutVars>
-          <dgm:chMax val="0"/>
-          <dgm:chPref val="0"/>
-          <dgm:bulletEnabled val="1"/>
-        </dgm:presLayoutVars>
-      </dgm:prSet>
-      <dgm:spPr/>
-    </dgm:pt>
-    <dgm:pt modelId="{865FFE8D-BA6E-4AD1-A79C-24CD4C5707D8}" type="pres">
-      <dgm:prSet presAssocID="{98046CA3-2031-4994-ABD5-118BED215D4B}" presName="parTxOnlySpace" presStyleCnt="0"/>
-      <dgm:spPr/>
-    </dgm:pt>
-    <dgm:pt modelId="{4C4AC8DA-44F9-4BCC-9A8F-A49A4C9AF20E}" type="pres">
-      <dgm:prSet presAssocID="{1C58D772-D23A-48BA-A323-DC408A3449D7}" presName="parTxOnly" presStyleLbl="node1" presStyleIdx="3" presStyleCnt="4" custScaleX="256977">
-        <dgm:presLayoutVars>
-          <dgm:chMax val="0"/>
-          <dgm:chPref val="0"/>
-          <dgm:bulletEnabled val="1"/>
-        </dgm:presLayoutVars>
-      </dgm:prSet>
-      <dgm:spPr/>
-    </dgm:pt>
-  </dgm:ptLst>
-  <dgm:cxnLst>
-    <dgm:cxn modelId="{016B560F-980F-4AFA-8C29-62209481722D}" type="presOf" srcId="{1C58D772-D23A-48BA-A323-DC408A3449D7}" destId="{4C4AC8DA-44F9-4BCC-9A8F-A49A4C9AF20E}" srcOrd="0" destOrd="0" presId="urn:microsoft.com/office/officeart/2005/8/layout/chevron1"/>
-    <dgm:cxn modelId="{9579FA38-490C-45F9-9E27-D84B233AD19B}" srcId="{267E1266-33D5-4E9A-9CB9-06E08F4D39F5}" destId="{5E852F04-A73A-443E-803B-DB0ED4745AD9}" srcOrd="2" destOrd="0" parTransId="{430ED7C6-3D7F-4A98-BD75-342192E9C157}" sibTransId="{98046CA3-2031-4994-ABD5-118BED215D4B}"/>
-    <dgm:cxn modelId="{901AAC5E-6C21-431F-9977-87E96DC788B7}" type="presOf" srcId="{267E1266-33D5-4E9A-9CB9-06E08F4D39F5}" destId="{2AB1828F-66AC-4FC6-BC34-8A71A79ED063}" srcOrd="0" destOrd="0" presId="urn:microsoft.com/office/officeart/2005/8/layout/chevron1"/>
-    <dgm:cxn modelId="{F72FDF6C-7DEE-468B-9970-D116EBB24F4B}" srcId="{267E1266-33D5-4E9A-9CB9-06E08F4D39F5}" destId="{93D40E57-AA32-4EC9-AA40-4767C8038CD7}" srcOrd="0" destOrd="0" parTransId="{D4B1D25A-18E0-45A5-910F-7E288705AA1D}" sibTransId="{B9BD45BB-A1D5-4000-8D79-1AD1BD5EBD9A}"/>
-    <dgm:cxn modelId="{A8E34591-B293-4BA2-A589-95CDFB90D3B0}" type="presOf" srcId="{93D40E57-AA32-4EC9-AA40-4767C8038CD7}" destId="{06279F8F-7FDA-4C24-A7E4-DDBD6F52D97B}" srcOrd="0" destOrd="0" presId="urn:microsoft.com/office/officeart/2005/8/layout/chevron1"/>
-    <dgm:cxn modelId="{C00EA4B1-53C1-4480-8D93-466229BD0517}" srcId="{267E1266-33D5-4E9A-9CB9-06E08F4D39F5}" destId="{1C58D772-D23A-48BA-A323-DC408A3449D7}" srcOrd="3" destOrd="0" parTransId="{15C06236-BE4B-4856-A7E6-AEFCFF7D2E38}" sibTransId="{E461E920-DE67-4FE5-AB26-4B1EC5394685}"/>
-    <dgm:cxn modelId="{7B0C35C0-F622-4CA6-95C7-7178FA2809F6}" srcId="{267E1266-33D5-4E9A-9CB9-06E08F4D39F5}" destId="{F631A1DD-D1B4-4F59-B1C3-0EF4DBEFD042}" srcOrd="1" destOrd="0" parTransId="{6F990B4D-78B8-4E91-AE0D-7821B6BCB9FA}" sibTransId="{BDA35CA9-FAD9-4BC3-87F0-128F0239FBEC}"/>
-    <dgm:cxn modelId="{BE071CC8-F119-4EE2-B6E5-9F58EBFF2CB2}" type="presOf" srcId="{F631A1DD-D1B4-4F59-B1C3-0EF4DBEFD042}" destId="{060D56E5-3F6F-42F1-8C25-D389BF7F0A50}" srcOrd="0" destOrd="0" presId="urn:microsoft.com/office/officeart/2005/8/layout/chevron1"/>
-    <dgm:cxn modelId="{EB5ED5E7-CAFF-4DF6-8AED-9E951F1F5472}" type="presOf" srcId="{5E852F04-A73A-443E-803B-DB0ED4745AD9}" destId="{D03377BB-930A-46C7-A8C4-1BB5C2EFFB2F}" srcOrd="0" destOrd="0" presId="urn:microsoft.com/office/officeart/2005/8/layout/chevron1"/>
-    <dgm:cxn modelId="{D1C6766C-6C1A-4288-AB21-741688DD53B5}" type="presParOf" srcId="{2AB1828F-66AC-4FC6-BC34-8A71A79ED063}" destId="{06279F8F-7FDA-4C24-A7E4-DDBD6F52D97B}" srcOrd="0" destOrd="0" presId="urn:microsoft.com/office/officeart/2005/8/layout/chevron1"/>
-    <dgm:cxn modelId="{EB84B9F7-5701-4D05-ACD8-EC97A1EC20F6}" type="presParOf" srcId="{2AB1828F-66AC-4FC6-BC34-8A71A79ED063}" destId="{DBFD3CDE-69D0-4E57-856A-A0899E36ADEB}" srcOrd="1" destOrd="0" presId="urn:microsoft.com/office/officeart/2005/8/layout/chevron1"/>
-    <dgm:cxn modelId="{C44699FF-1C2D-44E4-9016-F9C722F2FD00}" type="presParOf" srcId="{2AB1828F-66AC-4FC6-BC34-8A71A79ED063}" destId="{060D56E5-3F6F-42F1-8C25-D389BF7F0A50}" srcOrd="2" destOrd="0" presId="urn:microsoft.com/office/officeart/2005/8/layout/chevron1"/>
-    <dgm:cxn modelId="{49BC9999-C2C8-4C0D-ABBA-DD6FE1A4854C}" type="presParOf" srcId="{2AB1828F-66AC-4FC6-BC34-8A71A79ED063}" destId="{3A5FEE2E-D2F5-40E1-9655-39E8EFE2CFD2}" srcOrd="3" destOrd="0" presId="urn:microsoft.com/office/officeart/2005/8/layout/chevron1"/>
-    <dgm:cxn modelId="{8E1BDA24-8074-481A-8156-68F538F4C28C}" type="presParOf" srcId="{2AB1828F-66AC-4FC6-BC34-8A71A79ED063}" destId="{D03377BB-930A-46C7-A8C4-1BB5C2EFFB2F}" srcOrd="4" destOrd="0" presId="urn:microsoft.com/office/officeart/2005/8/layout/chevron1"/>
-    <dgm:cxn modelId="{26BEB692-1859-43DA-B38B-78C6ECEDE389}" type="presParOf" srcId="{2AB1828F-66AC-4FC6-BC34-8A71A79ED063}" destId="{865FFE8D-BA6E-4AD1-A79C-24CD4C5707D8}" srcOrd="5" destOrd="0" presId="urn:microsoft.com/office/officeart/2005/8/layout/chevron1"/>
-    <dgm:cxn modelId="{76EBFB55-2E67-4F75-9FC1-FC2D02ECB70C}" type="presParOf" srcId="{2AB1828F-66AC-4FC6-BC34-8A71A79ED063}" destId="{4C4AC8DA-44F9-4BCC-9A8F-A49A4C9AF20E}" srcOrd="6" destOrd="0" presId="urn:microsoft.com/office/officeart/2005/8/layout/chevron1"/>
-  </dgm:cxnLst>
-  <dgm:bg/>
-  <dgm:whole/>
-  <dgm:extLst>
-    <a:ext uri="http://schemas.microsoft.com/office/drawing/2008/diagram">
-      <dsp:dataModelExt xmlns:dsp="http://schemas.microsoft.com/office/drawing/2008/diagram" relId="rId7" minVer="http://schemas.openxmlformats.org/drawingml/2006/diagram"/>
-    </a:ext>
-  </dgm:extLst>
-</dgm:dataModel>
-</file>
-
-<file path=ppt/diagrams/drawing1.xml><?xml version="1.0" encoding="utf-8"?>
-<dsp:drawing xmlns:dgm="http://schemas.openxmlformats.org/drawingml/2006/diagram" xmlns:dsp="http://schemas.microsoft.com/office/drawing/2008/diagram" xmlns:a="http://schemas.openxmlformats.org/drawingml/2006/main">
-  <dsp:spTree>
-    <dsp:nvGrpSpPr>
-      <dsp:cNvPr id="0" name=""/>
-      <dsp:cNvGrpSpPr/>
-    </dsp:nvGrpSpPr>
-    <dsp:grpSpPr/>
-    <dsp:sp modelId="{06279F8F-7FDA-4C24-A7E4-DDBD6F52D97B}">
-      <dsp:nvSpPr>
-        <dsp:cNvPr id="0" name=""/>
-        <dsp:cNvSpPr/>
-      </dsp:nvSpPr>
-      <dsp:spPr>
-        <a:xfrm>
-          <a:off x="5755" y="1450444"/>
-          <a:ext cx="1696640" cy="678656"/>
-        </a:xfrm>
-        <a:prstGeom prst="chevron">
-          <a:avLst/>
-        </a:prstGeom>
-        <a:solidFill>
-          <a:schemeClr val="accent1">
-            <a:lumMod val="50000"/>
-          </a:schemeClr>
-        </a:solidFill>
-        <a:ln w="12700" cap="flat" cmpd="sng" algn="ctr">
-          <a:solidFill>
-            <a:schemeClr val="lt1">
-              <a:hueOff val="0"/>
-              <a:satOff val="0"/>
-              <a:lumOff val="0"/>
-              <a:alphaOff val="0"/>
-            </a:schemeClr>
-          </a:solidFill>
-          <a:prstDash val="solid"/>
-          <a:miter lim="800000"/>
-        </a:ln>
-        <a:effectLst/>
-      </dsp:spPr>
-      <dsp:style>
-        <a:lnRef idx="2">
-          <a:scrgbClr r="0" g="0" b="0"/>
-        </a:lnRef>
-        <a:fillRef idx="1">
-          <a:scrgbClr r="0" g="0" b="0"/>
-        </a:fillRef>
-        <a:effectRef idx="0">
-          <a:scrgbClr r="0" g="0" b="0"/>
-        </a:effectRef>
-        <a:fontRef idx="minor">
-          <a:schemeClr val="lt1"/>
-        </a:fontRef>
-      </dsp:style>
-      <dsp:txBody>
-        <a:bodyPr spcFirstLastPara="0" vert="horz" wrap="square" lIns="68009" tIns="22670" rIns="22670" bIns="22670" numCol="1" spcCol="1270" anchor="ctr" anchorCtr="0">
-          <a:noAutofit/>
-        </a:bodyPr>
-        <a:lstStyle/>
-        <a:p>
-          <a:pPr marL="0" lvl="0" indent="0" algn="ctr" defTabSz="755650">
-            <a:lnSpc>
-              <a:spcPct val="90000"/>
-            </a:lnSpc>
-            <a:spcBef>
-              <a:spcPct val="0"/>
-            </a:spcBef>
-            <a:spcAft>
-              <a:spcPct val="35000"/>
-            </a:spcAft>
-            <a:buNone/>
-          </a:pPr>
-          <a:r>
-            <a:rPr lang="pt-BR" sz="1700" b="0" i="0" u="none" kern="1200" dirty="0"/>
-            <a:t>Onda 1</a:t>
-          </a:r>
-          <a:br>
-            <a:rPr lang="pt-BR" sz="1700" b="0" i="0" u="none" kern="1200" dirty="0"/>
-          </a:br>
-          <a:r>
-            <a:rPr lang="pt-BR" sz="1400" b="0" i="0" u="none" kern="1200" dirty="0"/>
-            <a:t>(Jan/2021)</a:t>
-          </a:r>
-          <a:endParaRPr lang="pt-BR" sz="1700" kern="1200" dirty="0"/>
-        </a:p>
-      </dsp:txBody>
-      <dsp:txXfrm>
-        <a:off x="345083" y="1450444"/>
-        <a:ext cx="1017984" cy="678656"/>
-      </dsp:txXfrm>
-    </dsp:sp>
-    <dsp:sp modelId="{060D56E5-3F6F-42F1-8C25-D389BF7F0A50}">
-      <dsp:nvSpPr>
-        <dsp:cNvPr id="0" name=""/>
-        <dsp:cNvSpPr/>
-      </dsp:nvSpPr>
-      <dsp:spPr>
-        <a:xfrm>
-          <a:off x="1532732" y="1450444"/>
-          <a:ext cx="1960417" cy="678656"/>
-        </a:xfrm>
-        <a:prstGeom prst="chevron">
-          <a:avLst/>
-        </a:prstGeom>
-        <a:solidFill>
-          <a:schemeClr val="accent1">
-            <a:lumMod val="75000"/>
-          </a:schemeClr>
-        </a:solidFill>
-        <a:ln w="12700" cap="flat" cmpd="sng" algn="ctr">
-          <a:solidFill>
-            <a:schemeClr val="lt1">
-              <a:hueOff val="0"/>
-              <a:satOff val="0"/>
-              <a:lumOff val="0"/>
-              <a:alphaOff val="0"/>
-            </a:schemeClr>
-          </a:solidFill>
-          <a:prstDash val="solid"/>
-          <a:miter lim="800000"/>
-        </a:ln>
-        <a:effectLst/>
-      </dsp:spPr>
-      <dsp:style>
-        <a:lnRef idx="2">
-          <a:scrgbClr r="0" g="0" b="0"/>
-        </a:lnRef>
-        <a:fillRef idx="1">
-          <a:scrgbClr r="0" g="0" b="0"/>
-        </a:fillRef>
-        <a:effectRef idx="0">
-          <a:scrgbClr r="0" g="0" b="0"/>
-        </a:effectRef>
-        <a:fontRef idx="minor">
-          <a:schemeClr val="lt1"/>
-        </a:fontRef>
-      </dsp:style>
-      <dsp:txBody>
-        <a:bodyPr spcFirstLastPara="0" vert="horz" wrap="square" lIns="56007" tIns="18669" rIns="18669" bIns="18669" numCol="1" spcCol="1270" anchor="ctr" anchorCtr="0">
-          <a:noAutofit/>
-        </a:bodyPr>
-        <a:lstStyle/>
-        <a:p>
-          <a:pPr marL="0" lvl="0" indent="0" algn="ctr" defTabSz="622300">
-            <a:lnSpc>
-              <a:spcPct val="90000"/>
-            </a:lnSpc>
-            <a:spcBef>
-              <a:spcPct val="0"/>
-            </a:spcBef>
-            <a:spcAft>
-              <a:spcPct val="35000"/>
-            </a:spcAft>
-            <a:buNone/>
-          </a:pPr>
-          <a:r>
-            <a:rPr lang="pt-BR" sz="1400" b="0" i="0" u="none" kern="1200" dirty="0"/>
-            <a:t>Onda 2</a:t>
-          </a:r>
-          <a:endParaRPr lang="pt-BR" sz="1300" b="0" i="0" u="none" kern="1200" dirty="0"/>
-        </a:p>
-        <a:p>
-          <a:pPr marL="0" lvl="0" indent="0" algn="ctr" defTabSz="622300">
-            <a:lnSpc>
-              <a:spcPct val="90000"/>
-            </a:lnSpc>
-            <a:spcBef>
-              <a:spcPct val="0"/>
-            </a:spcBef>
-            <a:spcAft>
-              <a:spcPct val="35000"/>
-            </a:spcAft>
-            <a:buNone/>
-          </a:pPr>
-          <a:r>
-            <a:rPr lang="pt-BR" sz="1200" b="0" i="0" u="none" kern="1200" dirty="0"/>
-            <a:t>(</a:t>
-          </a:r>
-          <a:r>
-            <a:rPr lang="pt-BR" sz="1200" b="0" i="0" u="none" kern="1200" dirty="0" err="1"/>
-            <a:t>Fev</a:t>
-          </a:r>
-          <a:r>
-            <a:rPr lang="pt-BR" sz="1200" b="0" i="0" u="none" kern="1200" dirty="0"/>
-            <a:t> – Mar/201)</a:t>
-          </a:r>
-          <a:endParaRPr lang="pt-BR" sz="1400" kern="1200" dirty="0"/>
-        </a:p>
-      </dsp:txBody>
-      <dsp:txXfrm>
-        <a:off x="1872060" y="1450444"/>
-        <a:ext cx="1281761" cy="678656"/>
-      </dsp:txXfrm>
-    </dsp:sp>
-    <dsp:sp modelId="{D03377BB-930A-46C7-A8C4-1BB5C2EFFB2F}">
-      <dsp:nvSpPr>
-        <dsp:cNvPr id="0" name=""/>
-        <dsp:cNvSpPr/>
-      </dsp:nvSpPr>
-      <dsp:spPr>
-        <a:xfrm>
-          <a:off x="3323485" y="1450444"/>
-          <a:ext cx="4672446" cy="678656"/>
-        </a:xfrm>
-        <a:prstGeom prst="chevron">
-          <a:avLst/>
-        </a:prstGeom>
-        <a:solidFill>
-          <a:schemeClr val="accent1">
-            <a:lumMod val="60000"/>
-            <a:lumOff val="40000"/>
-          </a:schemeClr>
-        </a:solidFill>
-        <a:ln w="12700" cap="flat" cmpd="sng" algn="ctr">
-          <a:solidFill>
-            <a:schemeClr val="lt1">
-              <a:hueOff val="0"/>
-              <a:satOff val="0"/>
-              <a:lumOff val="0"/>
-              <a:alphaOff val="0"/>
-            </a:schemeClr>
-          </a:solidFill>
-          <a:prstDash val="solid"/>
-          <a:miter lim="800000"/>
-        </a:ln>
-        <a:effectLst/>
-      </dsp:spPr>
-      <dsp:style>
-        <a:lnRef idx="2">
-          <a:scrgbClr r="0" g="0" b="0"/>
-        </a:lnRef>
-        <a:fillRef idx="1">
-          <a:scrgbClr r="0" g="0" b="0"/>
-        </a:fillRef>
-        <a:effectRef idx="0">
-          <a:scrgbClr r="0" g="0" b="0"/>
-        </a:effectRef>
-        <a:fontRef idx="minor">
-          <a:schemeClr val="lt1"/>
-        </a:fontRef>
-      </dsp:style>
-      <dsp:txBody>
-        <a:bodyPr spcFirstLastPara="0" vert="horz" wrap="square" lIns="76010" tIns="25337" rIns="25337" bIns="25337" numCol="1" spcCol="1270" anchor="ctr" anchorCtr="0">
-          <a:noAutofit/>
-        </a:bodyPr>
-        <a:lstStyle/>
-        <a:p>
-          <a:pPr marL="0" lvl="0" indent="0" algn="ctr" defTabSz="844550">
-            <a:lnSpc>
-              <a:spcPct val="90000"/>
-            </a:lnSpc>
-            <a:spcBef>
-              <a:spcPct val="0"/>
-            </a:spcBef>
-            <a:spcAft>
-              <a:spcPct val="35000"/>
-            </a:spcAft>
-            <a:buNone/>
-          </a:pPr>
-          <a:r>
-            <a:rPr lang="pt-BR" sz="1900" b="0" i="0" u="none" kern="1200" dirty="0"/>
-            <a:t>Onda 3</a:t>
-          </a:r>
-        </a:p>
-        <a:p>
-          <a:pPr marL="0" lvl="0" indent="0" algn="ctr" defTabSz="844550">
-            <a:lnSpc>
-              <a:spcPct val="90000"/>
-            </a:lnSpc>
-            <a:spcBef>
-              <a:spcPct val="0"/>
-            </a:spcBef>
-            <a:spcAft>
-              <a:spcPct val="35000"/>
-            </a:spcAft>
-            <a:buNone/>
-          </a:pPr>
-          <a:r>
-            <a:rPr lang="pt-BR" sz="1600" kern="1200" dirty="0"/>
-            <a:t>(</a:t>
-          </a:r>
-          <a:r>
-            <a:rPr lang="pt-BR" sz="1600" kern="1200" dirty="0" err="1"/>
-            <a:t>Abr</a:t>
-          </a:r>
-          <a:r>
-            <a:rPr lang="pt-BR" sz="1600" kern="1200" dirty="0"/>
-            <a:t> – </a:t>
-          </a:r>
-          <a:r>
-            <a:rPr lang="pt-BR" sz="1600" kern="1200" dirty="0" err="1"/>
-            <a:t>Ago</a:t>
-          </a:r>
-          <a:r>
-            <a:rPr lang="pt-BR" sz="1600" kern="1200" dirty="0"/>
-            <a:t>/2021)</a:t>
-          </a:r>
-          <a:endParaRPr lang="pt-BR" sz="1900" kern="1200" dirty="0"/>
-        </a:p>
-      </dsp:txBody>
-      <dsp:txXfrm>
-        <a:off x="3662813" y="1450444"/>
-        <a:ext cx="3993790" cy="678656"/>
-      </dsp:txXfrm>
-    </dsp:sp>
-    <dsp:sp modelId="{4C4AC8DA-44F9-4BCC-9A8F-A49A4C9AF20E}">
-      <dsp:nvSpPr>
-        <dsp:cNvPr id="0" name=""/>
-        <dsp:cNvSpPr/>
-      </dsp:nvSpPr>
-      <dsp:spPr>
-        <a:xfrm>
-          <a:off x="7826268" y="1450444"/>
-          <a:ext cx="4359976" cy="678656"/>
-        </a:xfrm>
-        <a:prstGeom prst="chevron">
-          <a:avLst/>
-        </a:prstGeom>
-        <a:solidFill>
-          <a:schemeClr val="accent1">
-            <a:lumMod val="40000"/>
-            <a:lumOff val="60000"/>
-          </a:schemeClr>
-        </a:solidFill>
-        <a:ln w="12700" cap="flat" cmpd="sng" algn="ctr">
-          <a:solidFill>
-            <a:schemeClr val="lt1">
-              <a:hueOff val="0"/>
-              <a:satOff val="0"/>
-              <a:lumOff val="0"/>
-              <a:alphaOff val="0"/>
-            </a:schemeClr>
-          </a:solidFill>
-          <a:prstDash val="solid"/>
-          <a:miter lim="800000"/>
-        </a:ln>
-        <a:effectLst/>
-      </dsp:spPr>
-      <dsp:style>
-        <a:lnRef idx="2">
-          <a:scrgbClr r="0" g="0" b="0"/>
-        </a:lnRef>
-        <a:fillRef idx="1">
-          <a:scrgbClr r="0" g="0" b="0"/>
-        </a:fillRef>
-        <a:effectRef idx="0">
-          <a:scrgbClr r="0" g="0" b="0"/>
-        </a:effectRef>
-        <a:fontRef idx="minor">
-          <a:schemeClr val="lt1"/>
-        </a:fontRef>
-      </dsp:style>
-      <dsp:txBody>
-        <a:bodyPr spcFirstLastPara="0" vert="horz" wrap="square" lIns="88011" tIns="29337" rIns="29337" bIns="29337" numCol="1" spcCol="1270" anchor="ctr" anchorCtr="0">
-          <a:noAutofit/>
-        </a:bodyPr>
-        <a:lstStyle/>
-        <a:p>
-          <a:pPr marL="0" lvl="0" indent="0" algn="ctr" defTabSz="977900">
-            <a:lnSpc>
-              <a:spcPct val="90000"/>
-            </a:lnSpc>
-            <a:spcBef>
-              <a:spcPct val="0"/>
-            </a:spcBef>
-            <a:spcAft>
-              <a:spcPct val="35000"/>
-            </a:spcAft>
-            <a:buNone/>
-          </a:pPr>
-          <a:r>
-            <a:rPr lang="pt-BR" sz="2200" b="0" i="0" u="none" kern="1200" dirty="0"/>
-            <a:t>Onda 4</a:t>
-          </a:r>
-          <a:br>
-            <a:rPr lang="pt-BR" sz="2200" b="0" i="0" u="none" kern="1200" dirty="0"/>
-          </a:br>
-          <a:r>
-            <a:rPr lang="pt-BR" sz="1800" b="0" i="0" u="none" kern="1200" dirty="0"/>
-            <a:t>(Set – Dez/ 2021)</a:t>
-          </a:r>
-          <a:endParaRPr lang="pt-BR" sz="2200" kern="1200" dirty="0"/>
-        </a:p>
-      </dsp:txBody>
-      <dsp:txXfrm>
-        <a:off x="8165596" y="1450444"/>
-        <a:ext cx="3681320" cy="678656"/>
-      </dsp:txXfrm>
-    </dsp:sp>
-  </dsp:spTree>
-</dsp:drawing>
-</file>
-
-<file path=ppt/diagrams/layout1.xml><?xml version="1.0" encoding="utf-8"?>
-<dgm:layoutDef xmlns:dgm="http://schemas.openxmlformats.org/drawingml/2006/diagram" xmlns:a="http://schemas.openxmlformats.org/drawingml/2006/main" uniqueId="urn:microsoft.com/office/officeart/2005/8/layout/chevron1">
-  <dgm:title val=""/>
-  <dgm:desc val=""/>
-  <dgm:catLst>
-    <dgm:cat type="process" pri="9000"/>
-  </dgm:catLst>
-  <dgm:sampData useDef="1">
-    <dgm:dataModel>
-      <dgm:ptLst/>
-      <dgm:bg/>
-      <dgm:whole/>
-    </dgm:dataModel>
-  </dgm:sampData>
-  <dgm:styleData>
-    <dgm:dataModel>
-      <dgm:ptLst>
-        <dgm:pt modelId="0" type="doc"/>
-        <dgm:pt modelId="1"/>
-        <dgm:pt modelId="2"/>
-      </dgm:ptLst>
-      <dgm:cxnLst>
-        <dgm:cxn modelId="3" srcId="0" destId="1" srcOrd="0" destOrd="0"/>
-        <dgm:cxn modelId="4" srcId="0" destId="2" srcOrd="1" destOrd="0"/>
-      </dgm:cxnLst>
-      <dgm:bg/>
-      <dgm:whole/>
-    </dgm:dataModel>
-  </dgm:styleData>
-  <dgm:clrData>
-    <dgm:dataModel>
-      <dgm:ptLst>
-        <dgm:pt modelId="0" type="doc"/>
-        <dgm:pt modelId="1"/>
-        <dgm:pt modelId="2"/>
-        <dgm:pt modelId="3"/>
-        <dgm:pt modelId="4"/>
-      </dgm:ptLst>
-      <dgm:cxnLst>
-        <dgm:cxn modelId="5" srcId="0" destId="1" srcOrd="0" destOrd="0"/>
-        <dgm:cxn modelId="6" srcId="0" destId="2" srcOrd="1" destOrd="0"/>
-        <dgm:cxn modelId="7" srcId="0" destId="3" srcOrd="2" destOrd="0"/>
-        <dgm:cxn modelId="8" srcId="0" destId="4" srcOrd="3" destOrd="0"/>
-      </dgm:cxnLst>
-      <dgm:bg/>
-      <dgm:whole/>
-    </dgm:dataModel>
-  </dgm:clrData>
-  <dgm:layoutNode name="Name0">
-    <dgm:varLst>
-      <dgm:dir/>
-      <dgm:animLvl val="lvl"/>
-      <dgm:resizeHandles val="exact"/>
-    </dgm:varLst>
-    <dgm:choose name="Name1">
-      <dgm:if name="Name2" func="var" arg="dir" op="equ" val="norm">
-        <dgm:alg type="lin"/>
-      </dgm:if>
-      <dgm:else name="Name3">
-        <dgm:alg type="lin">
-          <dgm:param type="linDir" val="fromR"/>
-        </dgm:alg>
-      </dgm:else>
-    </dgm:choose>
-    <dgm:shape xmlns:r="http://schemas.openxmlformats.org/officeDocument/2006/relationships" r:blip="">
-      <dgm:adjLst/>
-    </dgm:shape>
-    <dgm:presOf/>
-    <dgm:choose name="Name4">
-      <dgm:if name="Name5" axis="des" func="maxDepth" op="gte" val="2">
-        <dgm:constrLst>
-          <dgm:constr type="h" for="ch" forName="composite" refType="h"/>
-          <dgm:constr type="w" for="ch" forName="composite" refType="w"/>
-          <dgm:constr type="w" for="des" forName="parTx"/>
-          <dgm:constr type="h" for="des" forName="parTx" op="equ"/>
-          <dgm:constr type="w" for="des" forName="desTx"/>
-          <dgm:constr type="h" for="des" forName="desTx" op="equ"/>
-          <dgm:constr type="primFontSz" for="des" forName="parTx" val="65"/>
-          <dgm:constr type="secFontSz" for="des" forName="desTx" refType="primFontSz" refFor="des" refForName="parTx" op="equ"/>
-          <dgm:constr type="h" for="des" forName="parTx" refType="primFontSz" refFor="des" refForName="parTx" fact="1.5"/>
-          <dgm:constr type="h" for="des" forName="desTx" refType="primFontSz" refFor="des" refForName="parTx" fact="0.5"/>
-          <dgm:constr type="w" for="ch" forName="space" op="equ" val="-6"/>
-        </dgm:constrLst>
-        <dgm:ruleLst>
-          <dgm:rule type="w" for="ch" forName="composite" val="0" fact="NaN" max="NaN"/>
-          <dgm:rule type="primFontSz" for="des" forName="parTx" val="5" fact="NaN" max="NaN"/>
-        </dgm:ruleLst>
-        <dgm:forEach name="Name6" axis="ch" ptType="node">
-          <dgm:layoutNode name="composite">
-            <dgm:alg type="composite"/>
-            <dgm:shape xmlns:r="http://schemas.openxmlformats.org/officeDocument/2006/relationships" r:blip="">
-              <dgm:adjLst/>
-            </dgm:shape>
-            <dgm:presOf/>
-            <dgm:choose name="Name7">
-              <dgm:if name="Name8" func="var" arg="dir" op="equ" val="norm">
-                <dgm:constrLst>
-                  <dgm:constr type="l" for="ch" forName="parTx"/>
-                  <dgm:constr type="w" for="ch" forName="parTx" refType="w"/>
-                  <dgm:constr type="t" for="ch" forName="parTx"/>
-                  <dgm:constr type="l" for="ch" forName="desTx"/>
-                  <dgm:constr type="w" for="ch" forName="desTx" refType="w" refFor="ch" refForName="parTx" fact="0.8"/>
-                  <dgm:constr type="t" for="ch" forName="desTx" refType="h" refFor="ch" refForName="parTx" fact="1.125"/>
-                </dgm:constrLst>
-              </dgm:if>
-              <dgm:else name="Name9">
-                <dgm:constrLst>
-                  <dgm:constr type="l" for="ch" forName="parTx"/>
-                  <dgm:constr type="w" for="ch" forName="parTx" refType="w"/>
-                  <dgm:constr type="t" for="ch" forName="parTx"/>
-                  <dgm:constr type="l" for="ch" forName="desTx" refType="w" fact="0.2"/>
-                  <dgm:constr type="w" for="ch" forName="desTx" refType="w" refFor="ch" refForName="parTx" fact="0.8"/>
-                  <dgm:constr type="t" for="ch" forName="desTx" refType="h" refFor="ch" refForName="parTx" fact="1.125"/>
-                </dgm:constrLst>
-              </dgm:else>
-            </dgm:choose>
-            <dgm:ruleLst>
-              <dgm:rule type="h" val="INF" fact="NaN" max="NaN"/>
-            </dgm:ruleLst>
-            <dgm:layoutNode name="parTx">
-              <dgm:varLst>
-                <dgm:chMax val="0"/>
-                <dgm:chPref val="0"/>
-                <dgm:bulletEnabled val="1"/>
-              </dgm:varLst>
-              <dgm:alg type="tx"/>
-              <dgm:choose name="Name10">
-                <dgm:if name="Name11" func="var" arg="dir" op="equ" val="norm">
-                  <dgm:shape xmlns:r="http://schemas.openxmlformats.org/officeDocument/2006/relationships" type="chevron" r:blip="">
-                    <dgm:adjLst/>
-                  </dgm:shape>
-                </dgm:if>
-                <dgm:else name="Name12">
-                  <dgm:shape xmlns:r="http://schemas.openxmlformats.org/officeDocument/2006/relationships" rot="180" type="chevron" r:blip="">
-                    <dgm:adjLst/>
-                  </dgm:shape>
-                </dgm:else>
-              </dgm:choose>
-              <dgm:presOf axis="self" ptType="node"/>
-              <dgm:choose name="Name13">
-                <dgm:if name="Name14" func="var" arg="dir" op="equ" val="norm">
-                  <dgm:constrLst>
-                    <dgm:constr type="h" refType="w" op="lte" fact="0.4"/>
-                    <dgm:constr type="h"/>
-                    <dgm:constr type="tMarg" refType="primFontSz" fact="0.105"/>
-                    <dgm:constr type="bMarg" refType="primFontSz" fact="0.105"/>
-                    <dgm:constr type="lMarg" refType="primFontSz" fact="0.315"/>
-                    <dgm:constr type="rMarg" refType="primFontSz" fact="0.105"/>
-                  </dgm:constrLst>
-                </dgm:if>
-                <dgm:else name="Name15">
-                  <dgm:constrLst>
-                    <dgm:constr type="h" refType="w" op="lte" fact="0.4"/>
-                    <dgm:constr type="h"/>
-                    <dgm:constr type="tMarg" refType="primFontSz" fact="0.105"/>
-                    <dgm:constr type="bMarg" refType="primFontSz" fact="0.105"/>
-                    <dgm:constr type="lMarg" refType="primFontSz" fact="0.105"/>
-                    <dgm:constr type="rMarg" refType="primFontSz" fact="0.315"/>
-                  </dgm:constrLst>
-                </dgm:else>
-              </dgm:choose>
-              <dgm:ruleLst>
-                <dgm:rule type="h" val="INF" fact="NaN" max="NaN"/>
-              </dgm:ruleLst>
-            </dgm:layoutNode>
-            <dgm:layoutNode name="desTx" styleLbl="revTx">
-              <dgm:varLst>
-                <dgm:bulletEnabled val="1"/>
-              </dgm:varLst>
-              <dgm:alg type="tx">
-                <dgm:param type="stBulletLvl" val="1"/>
-              </dgm:alg>
-              <dgm:choose name="Name16">
-                <dgm:if name="Name17" axis="ch" ptType="node" func="cnt" op="gte" val="1">
-                  <dgm:shape xmlns:r="http://schemas.openxmlformats.org/officeDocument/2006/relationships" type="rect" r:blip="">
-                    <dgm:adjLst/>
-                  </dgm:shape>
-                </dgm:if>
-                <dgm:else name="Name18">
-                  <dgm:shape xmlns:r="http://schemas.openxmlformats.org/officeDocument/2006/relationships" type="rect" r:blip="" hideGeom="1">
-                    <dgm:adjLst/>
-                  </dgm:shape>
-                </dgm:else>
-              </dgm:choose>
-              <dgm:presOf axis="des" ptType="node"/>
-              <dgm:constrLst>
-                <dgm:constr type="secFontSz" val="65"/>
-                <dgm:constr type="primFontSz" refType="secFontSz"/>
-                <dgm:constr type="h"/>
-                <dgm:constr type="tMarg"/>
-                <dgm:constr type="bMarg"/>
-                <dgm:constr type="rMarg"/>
-                <dgm:constr type="lMarg"/>
-              </dgm:constrLst>
-              <dgm:ruleLst>
-                <dgm:rule type="h" val="INF" fact="NaN" max="NaN"/>
-              </dgm:ruleLst>
-            </dgm:layoutNode>
-          </dgm:layoutNode>
-          <dgm:forEach name="Name19" axis="followSib" ptType="sibTrans" cnt="1">
-            <dgm:layoutNode name="space">
-              <dgm:alg type="sp"/>
-              <dgm:shape xmlns:r="http://schemas.openxmlformats.org/officeDocument/2006/relationships" r:blip="">
-                <dgm:adjLst/>
-              </dgm:shape>
-              <dgm:presOf/>
-              <dgm:constrLst/>
-              <dgm:ruleLst/>
-            </dgm:layoutNode>
-          </dgm:forEach>
-        </dgm:forEach>
-      </dgm:if>
-      <dgm:else name="Name20">
-        <dgm:constrLst>
-          <dgm:constr type="w" for="ch" forName="parTxOnly" refType="w"/>
-          <dgm:constr type="h" for="des" forName="parTxOnly" op="equ"/>
-          <dgm:constr type="primFontSz" for="des" forName="parTxOnly" op="equ" val="65"/>
-          <dgm:constr type="w" for="ch" forName="parTxOnlySpace" refType="w" refFor="ch" refForName="parTxOnly" fact="-0.1"/>
-        </dgm:constrLst>
-        <dgm:ruleLst/>
-        <dgm:forEach name="Name21" axis="ch" ptType="node">
-          <dgm:layoutNode name="parTxOnly">
-            <dgm:varLst>
-              <dgm:chMax val="0"/>
-              <dgm:chPref val="0"/>
-              <dgm:bulletEnabled val="1"/>
-            </dgm:varLst>
-            <dgm:alg type="tx"/>
-            <dgm:choose name="Name22">
-              <dgm:if name="Name23" func="var" arg="dir" op="equ" val="norm">
-                <dgm:shape xmlns:r="http://schemas.openxmlformats.org/officeDocument/2006/relationships" type="chevron" r:blip="">
-                  <dgm:adjLst/>
-                </dgm:shape>
-              </dgm:if>
-              <dgm:else name="Name24">
-                <dgm:shape xmlns:r="http://schemas.openxmlformats.org/officeDocument/2006/relationships" rot="180" type="chevron" r:blip="">
-                  <dgm:adjLst/>
-                </dgm:shape>
-              </dgm:else>
-            </dgm:choose>
-            <dgm:presOf axis="self" ptType="node"/>
-            <dgm:choose name="Name25">
-              <dgm:if name="Name26" func="var" arg="dir" op="equ" val="norm">
-                <dgm:constrLst>
-                  <dgm:constr type="h" refType="w" op="equ" fact="0.4"/>
-                  <dgm:constr type="tMarg" refType="primFontSz" fact="0.105"/>
-                  <dgm:constr type="bMarg" refType="primFontSz" fact="0.105"/>
-                  <dgm:constr type="lMarg" refType="primFontSz" fact="0.315"/>
-                  <dgm:constr type="rMarg" refType="primFontSz" fact="0.105"/>
-                </dgm:constrLst>
-              </dgm:if>
-              <dgm:else name="Name27">
-                <dgm:constrLst>
-                  <dgm:constr type="h" refType="w" op="equ" fact="0.4"/>
-                  <dgm:constr type="tMarg" refType="primFontSz" fact="0.105"/>
-                  <dgm:constr type="bMarg" refType="primFontSz" fact="0.105"/>
-                  <dgm:constr type="lMarg" refType="primFontSz" fact="0.105"/>
-                  <dgm:constr type="rMarg" refType="primFontSz" fact="0.315"/>
-                </dgm:constrLst>
-              </dgm:else>
-            </dgm:choose>
-            <dgm:ruleLst>
-              <dgm:rule type="primFontSz" val="5" fact="NaN" max="NaN"/>
-            </dgm:ruleLst>
-          </dgm:layoutNode>
-          <dgm:forEach name="Name28" axis="followSib" ptType="sibTrans" cnt="1">
-            <dgm:layoutNode name="parTxOnlySpace">
-              <dgm:alg type="sp"/>
-              <dgm:shape xmlns:r="http://schemas.openxmlformats.org/officeDocument/2006/relationships" r:blip="">
-                <dgm:adjLst/>
-              </dgm:shape>
-              <dgm:presOf/>
-              <dgm:constrLst/>
-              <dgm:ruleLst/>
-            </dgm:layoutNode>
-          </dgm:forEach>
-        </dgm:forEach>
-      </dgm:else>
-    </dgm:choose>
-  </dgm:layoutNode>
-</dgm:layoutDef>
-</file>
-
-<file path=ppt/diagrams/quickStyle1.xml><?xml version="1.0" encoding="utf-8"?>
-<dgm:styleDef xmlns:dgm="http://schemas.openxmlformats.org/drawingml/2006/diagram" xmlns:a="http://schemas.openxmlformats.org/drawingml/2006/main" uniqueId="urn:microsoft.com/office/officeart/2005/8/quickstyle/simple1">
-  <dgm:title val=""/>
-  <dgm:desc val=""/>
-  <dgm:catLst>
-    <dgm:cat type="simple" pri="10100"/>
-  </dgm:catLst>
-  <dgm:scene3d>
-    <a:camera prst="orthographicFront"/>
-    <a:lightRig rig="threePt" dir="t"/>
-  </dgm:scene3d>
-  <dgm:styleLbl name="node0">
-    <dgm:scene3d>
-      <a:camera prst="orthographicFront"/>
-      <a:lightRig rig="threePt" dir="t"/>
-    </dgm:scene3d>
-    <dgm:sp3d/>
-    <dgm:txPr/>
-    <dgm:style>
-      <a:lnRef idx="2">
-        <a:scrgbClr r="0" g="0" b="0"/>
-      </a:lnRef>
-      <a:fillRef idx="1">
-        <a:scrgbClr r="0" g="0" b="0"/>
-      </a:fillRef>
-      <a:effectRef idx="0">
-        <a:scrgbClr r="0" g="0" b="0"/>
-      </a:effectRef>
-      <a:fontRef idx="minor">
-        <a:schemeClr val="lt1"/>
-      </a:fontRef>
-    </dgm:style>
-  </dgm:styleLbl>
-  <dgm:styleLbl name="lnNode1">
-    <dgm:scene3d>
-      <a:camera prst="orthographicFront"/>
-      <a:lightRig rig="threePt" dir="t"/>
-    </dgm:scene3d>
-    <dgm:sp3d/>
-    <dgm:txPr/>
-    <dgm:style>
-      <a:lnRef idx="2">
-        <a:scrgbClr r="0" g="0" b="0"/>
-      </a:lnRef>
-      <a:fillRef idx="1">
-        <a:scrgbClr r="0" g="0" b="0"/>
-      </a:fillRef>
-      <a:effectRef idx="0">
-        <a:scrgbClr r="0" g="0" b="0"/>
-      </a:effectRef>
-      <a:fontRef idx="minor">
-        <a:schemeClr val="lt1"/>
-      </a:fontRef>
-    </dgm:style>
-  </dgm:styleLbl>
-  <dgm:styleLbl name="vennNode1">
-    <dgm:scene3d>
-      <a:camera prst="orthographicFront"/>
-      <a:lightRig rig="threePt" dir="t"/>
-    </dgm:scene3d>
-    <dgm:sp3d/>
-    <dgm:txPr/>
-    <dgm:style>
-      <a:lnRef idx="2">
-        <a:scrgbClr r="0" g="0" b="0"/>
-      </a:lnRef>
-      <a:fillRef idx="1">
-        <a:scrgbClr r="0" g="0" b="0"/>
-      </a:fillRef>
-      <a:effectRef idx="0">
-        <a:scrgbClr r="0" g="0" b="0"/>
-      </a:effectRef>
-      <a:fontRef idx="minor">
-        <a:schemeClr val="tx1"/>
-      </a:fontRef>
-    </dgm:style>
-  </dgm:styleLbl>
-  <dgm:styleLbl name="alignNode1">
-    <dgm:scene3d>
-      <a:camera prst="orthographicFront"/>
-      <a:lightRig rig="threePt" dir="t"/>
-    </dgm:scene3d>
-    <dgm:sp3d/>
-    <dgm:txPr/>
-    <dgm:style>
-      <a:lnRef idx="2">
-        <a:scrgbClr r="0" g="0" b="0"/>
-      </a:lnRef>
-      <a:fillRef idx="1">
-        <a:scrgbClr r="0" g="0" b="0"/>
-      </a:fillRef>
-      <a:effectRef idx="0">
-        <a:scrgbClr r="0" g="0" b="0"/>
-      </a:effectRef>
-      <a:fontRef idx="minor">
-        <a:schemeClr val="lt1"/>
-      </a:fontRef>
-    </dgm:style>
-  </dgm:styleLbl>
-  <dgm:styleLbl name="node1">
-    <dgm:scene3d>
-      <a:camera prst="orthographicFront"/>
-      <a:lightRig rig="threePt" dir="t"/>
-    </dgm:scene3d>
-    <dgm:sp3d/>
-    <dgm:txPr/>
-    <dgm:style>
-      <a:lnRef idx="2">
-        <a:scrgbClr r="0" g="0" b="0"/>
-      </a:lnRef>
-      <a:fillRef idx="1">
-        <a:scrgbClr r="0" g="0" b="0"/>
-      </a:fillRef>
-      <a:effectRef idx="0">
-        <a:scrgbClr r="0" g="0" b="0"/>
-      </a:effectRef>
-      <a:fontRef idx="minor">
-        <a:schemeClr val="lt1"/>
-      </a:fontRef>
-    </dgm:style>
-  </dgm:styleLbl>
-  <dgm:styleLbl name="node2">
-    <dgm:scene3d>
-      <a:camera prst="orthographicFront"/>
-      <a:lightRig rig="threePt" dir="t"/>
-    </dgm:scene3d>
-    <dgm:sp3d/>
-    <dgm:txPr/>
-    <dgm:style>
-      <a:lnRef idx="2">
-        <a:scrgbClr r="0" g="0" b="0"/>
-      </a:lnRef>
-      <a:fillRef idx="1">
-        <a:scrgbClr r="0" g="0" b="0"/>
-      </a:fillRef>
-      <a:effectRef idx="0">
-        <a:scrgbClr r="0" g="0" b="0"/>
-      </a:effectRef>
-      <a:fontRef idx="minor">
-        <a:schemeClr val="lt1"/>
-      </a:fontRef>
-    </dgm:style>
-  </dgm:styleLbl>
-  <dgm:styleLbl name="node3">
-    <dgm:scene3d>
-      <a:camera prst="orthographicFront"/>
-      <a:lightRig rig="threePt" dir="t"/>
-    </dgm:scene3d>
-    <dgm:sp3d/>
-    <dgm:txPr/>
-    <dgm:style>
-      <a:lnRef idx="2">
-        <a:scrgbClr r="0" g="0" b="0"/>
-      </a:lnRef>
-      <a:fillRef idx="1">
-        <a:scrgbClr r="0" g="0" b="0"/>
-      </a:fillRef>
-      <a:effectRef idx="0">
-        <a:scrgbClr r="0" g="0" b="0"/>
-      </a:effectRef>
-      <a:fontRef idx="minor">
-        <a:schemeClr val="lt1"/>
-      </a:fontRef>
-    </dgm:style>
-  </dgm:styleLbl>
-  <dgm:styleLbl name="node4">
-    <dgm:scene3d>
-      <a:camera prst="orthographicFront"/>
-      <a:lightRig rig="threePt" dir="t"/>
-    </dgm:scene3d>
-    <dgm:sp3d/>
-    <dgm:txPr/>
-    <dgm:style>
-      <a:lnRef idx="2">
-        <a:scrgbClr r="0" g="0" b="0"/>
-      </a:lnRef>
-      <a:fillRef idx="1">
-        <a:scrgbClr r="0" g="0" b="0"/>
-      </a:fillRef>
-      <a:effectRef idx="0">
-        <a:scrgbClr r="0" g="0" b="0"/>
-      </a:effectRef>
-      <a:fontRef idx="minor">
-        <a:schemeClr val="lt1"/>
-      </a:fontRef>
-    </dgm:style>
-  </dgm:styleLbl>
-  <dgm:styleLbl name="fgImgPlace1">
-    <dgm:scene3d>
-      <a:camera prst="orthographicFront"/>
-      <a:lightRig rig="threePt" dir="t"/>
-    </dgm:scene3d>
-    <dgm:sp3d/>
-    <dgm:txPr/>
-    <dgm:style>
-      <a:lnRef idx="2">
-        <a:scrgbClr r="0" g="0" b="0"/>
-      </a:lnRef>
-      <a:fillRef idx="1">
-        <a:scrgbClr r="0" g="0" b="0"/>
-      </a:fillRef>
-      <a:effectRef idx="0">
-        <a:scrgbClr r="0" g="0" b="0"/>
-      </a:effectRef>
-      <a:fontRef idx="minor"/>
-    </dgm:style>
-  </dgm:styleLbl>
-  <dgm:styleLbl name="alignImgPlace1">
-    <dgm:scene3d>
-      <a:camera prst="orthographicFront"/>
-      <a:lightRig rig="threePt" dir="t"/>
-    </dgm:scene3d>
-    <dgm:sp3d/>
-    <dgm:txPr/>
-    <dgm:style>
-      <a:lnRef idx="2">
-        <a:scrgbClr r="0" g="0" b="0"/>
-      </a:lnRef>
-      <a:fillRef idx="1">
-        <a:scrgbClr r="0" g="0" b="0"/>
-      </a:fillRef>
-      <a:effectRef idx="0">
-        <a:scrgbClr r="0" g="0" b="0"/>
-      </a:effectRef>
-      <a:fontRef idx="minor"/>
-    </dgm:style>
-  </dgm:styleLbl>
-  <dgm:styleLbl name="bgImgPlace1">
-    <dgm:scene3d>
-      <a:camera prst="orthographicFront"/>
-      <a:lightRig rig="threePt" dir="t"/>
-    </dgm:scene3d>
-    <dgm:sp3d/>
-    <dgm:txPr/>
-    <dgm:style>
-      <a:lnRef idx="2">
-        <a:scrgbClr r="0" g="0" b="0"/>
-      </a:lnRef>
-      <a:fillRef idx="1">
-        <a:scrgbClr r="0" g="0" b="0"/>
-      </a:fillRef>
-      <a:effectRef idx="0">
-        <a:scrgbClr r="0" g="0" b="0"/>
-      </a:effectRef>
-      <a:fontRef idx="minor"/>
-    </dgm:style>
-  </dgm:styleLbl>
-  <dgm:styleLbl name="sibTrans2D1">
-    <dgm:scene3d>
-      <a:camera prst="orthographicFront"/>
-      <a:lightRig rig="threePt" dir="t"/>
-    </dgm:scene3d>
-    <dgm:sp3d/>
-    <dgm:txPr/>
-    <dgm:style>
-      <a:lnRef idx="0">
-        <a:scrgbClr r="0" g="0" b="0"/>
-      </a:lnRef>
-      <a:fillRef idx="1">
-        <a:scrgbClr r="0" g="0" b="0"/>
-      </a:fillRef>
-      <a:effectRef idx="0">
-        <a:scrgbClr r="0" g="0" b="0"/>
-      </a:effectRef>
-      <a:fontRef idx="minor">
-        <a:schemeClr val="lt1"/>
-      </a:fontRef>
-    </dgm:style>
-  </dgm:styleLbl>
-  <dgm:styleLbl name="fgSibTrans2D1">
-    <dgm:scene3d>
-      <a:camera prst="orthographicFront"/>
-      <a:lightRig rig="threePt" dir="t"/>
-    </dgm:scene3d>
-    <dgm:sp3d/>
-    <dgm:txPr/>
-    <dgm:style>
-      <a:lnRef idx="0">
-        <a:scrgbClr r="0" g="0" b="0"/>
-      </a:lnRef>
-      <a:fillRef idx="1">
-        <a:scrgbClr r="0" g="0" b="0"/>
-      </a:fillRef>
-      <a:effectRef idx="0">
-        <a:scrgbClr r="0" g="0" b="0"/>
-      </a:effectRef>
-      <a:fontRef idx="minor">
-        <a:schemeClr val="lt1"/>
-      </a:fontRef>
-    </dgm:style>
-  </dgm:styleLbl>
-  <dgm:styleLbl name="bgSibTrans2D1">
-    <dgm:scene3d>
-      <a:camera prst="orthographicFront"/>
-      <a:lightRig rig="threePt" dir="t"/>
-    </dgm:scene3d>
-    <dgm:sp3d/>
-    <dgm:txPr/>
-    <dgm:style>
-      <a:lnRef idx="0">
-        <a:scrgbClr r="0" g="0" b="0"/>
-      </a:lnRef>
-      <a:fillRef idx="1">
-        <a:scrgbClr r="0" g="0" b="0"/>
-      </a:fillRef>
-      <a:effectRef idx="0">
-        <a:scrgbClr r="0" g="0" b="0"/>
-      </a:effectRef>
-      <a:fontRef idx="minor">
-        <a:schemeClr val="lt1"/>
-      </a:fontRef>
-    </dgm:style>
-  </dgm:styleLbl>
-  <dgm:styleLbl name="sibTrans1D1">
-    <dgm:scene3d>
-      <a:camera prst="orthographicFront"/>
-      <a:lightRig rig="threePt" dir="t"/>
-    </dgm:scene3d>
-    <dgm:sp3d/>
-    <dgm:txPr/>
-    <dgm:style>
-      <a:lnRef idx="1">
-        <a:scrgbClr r="0" g="0" b="0"/>
-      </a:lnRef>
-      <a:fillRef idx="0">
-        <a:scrgbClr r="0" g="0" b="0"/>
-      </a:fillRef>
-      <a:effectRef idx="0">
-        <a:scrgbClr r="0" g="0" b="0"/>
-      </a:effectRef>
-      <a:fontRef idx="minor"/>
-    </dgm:style>
-  </dgm:styleLbl>
-  <dgm:styleLbl name="callout">
-    <dgm:scene3d>
-      <a:camera prst="orthographicFront"/>
-      <a:lightRig rig="threePt" dir="t"/>
-    </dgm:scene3d>
-    <dgm:sp3d/>
-    <dgm:txPr/>
-    <dgm:style>
-      <a:lnRef idx="2">
-        <a:scrgbClr r="0" g="0" b="0"/>
-      </a:lnRef>
-      <a:fillRef idx="1">
-        <a:scrgbClr r="0" g="0" b="0"/>
-      </a:fillRef>
-      <a:effectRef idx="0">
-        <a:scrgbClr r="0" g="0" b="0"/>
-      </a:effectRef>
-      <a:fontRef idx="minor"/>
-    </dgm:style>
-  </dgm:styleLbl>
-  <dgm:styleLbl name="asst0">
-    <dgm:scene3d>
-      <a:camera prst="orthographicFront"/>
-      <a:lightRig rig="threePt" dir="t"/>
-    </dgm:scene3d>
-    <dgm:sp3d/>
-    <dgm:txPr/>
-    <dgm:style>
-      <a:lnRef idx="2">
-        <a:scrgbClr r="0" g="0" b="0"/>
-      </a:lnRef>
-      <a:fillRef idx="1">
-        <a:scrgbClr r="0" g="0" b="0"/>
-      </a:fillRef>
-      <a:effectRef idx="0">
-        <a:scrgbClr r="0" g="0" b="0"/>
-      </a:effectRef>
-      <a:fontRef idx="minor">
-        <a:schemeClr val="lt1"/>
-      </a:fontRef>
-    </dgm:style>
-  </dgm:styleLbl>
-  <dgm:styleLbl name="asst1">
-    <dgm:scene3d>
-      <a:camera prst="orthographicFront"/>
-      <a:lightRig rig="threePt" dir="t"/>
-    </dgm:scene3d>
-    <dgm:sp3d/>
-    <dgm:txPr/>
-    <dgm:style>
-      <a:lnRef idx="2">
-        <a:scrgbClr r="0" g="0" b="0"/>
-      </a:lnRef>
-      <a:fillRef idx="1">
-        <a:scrgbClr r="0" g="0" b="0"/>
-      </a:fillRef>
-      <a:effectRef idx="0">
-        <a:scrgbClr r="0" g="0" b="0"/>
-      </a:effectRef>
-      <a:fontRef idx="minor">
-        <a:schemeClr val="lt1"/>
-      </a:fontRef>
-    </dgm:style>
-  </dgm:styleLbl>
-  <dgm:styleLbl name="asst2">
-    <dgm:scene3d>
-      <a:camera prst="orthographicFront"/>
-      <a:lightRig rig="threePt" dir="t"/>
-    </dgm:scene3d>
-    <dgm:sp3d/>
-    <dgm:txPr/>
-    <dgm:style>
-      <a:lnRef idx="2">
-        <a:scrgbClr r="0" g="0" b="0"/>
-      </a:lnRef>
-      <a:fillRef idx="1">
-        <a:scrgbClr r="0" g="0" b="0"/>
-      </a:fillRef>
-      <a:effectRef idx="0">
-        <a:scrgbClr r="0" g="0" b="0"/>
-      </a:effectRef>
-      <a:fontRef idx="minor">
-        <a:schemeClr val="lt1"/>
-      </a:fontRef>
-    </dgm:style>
-  </dgm:styleLbl>
-  <dgm:styleLbl name="asst3">
-    <dgm:scene3d>
-      <a:camera prst="orthographicFront"/>
-      <a:lightRig rig="threePt" dir="t"/>
-    </dgm:scene3d>
-    <dgm:sp3d/>
-    <dgm:txPr/>
-    <dgm:style>
-      <a:lnRef idx="2">
-        <a:scrgbClr r="0" g="0" b="0"/>
-      </a:lnRef>
-      <a:fillRef idx="1">
-        <a:scrgbClr r="0" g="0" b="0"/>
-      </a:fillRef>
-      <a:effectRef idx="0">
-        <a:scrgbClr r="0" g="0" b="0"/>
-      </a:effectRef>
-      <a:fontRef idx="minor">
-        <a:schemeClr val="lt1"/>
-      </a:fontRef>
-    </dgm:style>
-  </dgm:styleLbl>
-  <dgm:styleLbl name="asst4">
-    <dgm:scene3d>
-      <a:camera prst="orthographicFront"/>
-      <a:lightRig rig="threePt" dir="t"/>
-    </dgm:scene3d>
-    <dgm:sp3d/>
-    <dgm:txPr/>
-    <dgm:style>
-      <a:lnRef idx="2">
-        <a:scrgbClr r="0" g="0" b="0"/>
-      </a:lnRef>
-      <a:fillRef idx="1">
-        <a:scrgbClr r="0" g="0" b="0"/>
-      </a:fillRef>
-      <a:effectRef idx="0">
-        <a:scrgbClr r="0" g="0" b="0"/>
-      </a:effectRef>
-      <a:fontRef idx="minor">
-        <a:schemeClr val="lt1"/>
-      </a:fontRef>
-    </dgm:style>
-  </dgm:styleLbl>
-  <dgm:styleLbl name="parChTrans2D1">
-    <dgm:scene3d>
-      <a:camera prst="orthographicFront"/>
-      <a:lightRig rig="threePt" dir="t"/>
-    </dgm:scene3d>
-    <dgm:sp3d/>
-    <dgm:txPr/>
-    <dgm:style>
-      <a:lnRef idx="2">
-        <a:scrgbClr r="0" g="0" b="0"/>
-      </a:lnRef>
-      <a:fillRef idx="1">
-        <a:scrgbClr r="0" g="0" b="0"/>
-      </a:fillRef>
-      <a:effectRef idx="0">
-        <a:scrgbClr r="0" g="0" b="0"/>
-      </a:effectRef>
-      <a:fontRef idx="minor">
-        <a:schemeClr val="lt1"/>
-      </a:fontRef>
-    </dgm:style>
-  </dgm:styleLbl>
-  <dgm:styleLbl name="parChTrans2D2">
-    <dgm:scene3d>
-      <a:camera prst="orthographicFront"/>
-      <a:lightRig rig="threePt" dir="t"/>
-    </dgm:scene3d>
-    <dgm:sp3d/>
-    <dgm:txPr/>
-    <dgm:style>
-      <a:lnRef idx="2">
-        <a:scrgbClr r="0" g="0" b="0"/>
-      </a:lnRef>
-      <a:fillRef idx="1">
-        <a:scrgbClr r="0" g="0" b="0"/>
-      </a:fillRef>
-      <a:effectRef idx="0">
-        <a:scrgbClr r="0" g="0" b="0"/>
-      </a:effectRef>
-      <a:fontRef idx="minor">
-        <a:schemeClr val="lt1"/>
-      </a:fontRef>
-    </dgm:style>
-  </dgm:styleLbl>
-  <dgm:styleLbl name="parChTrans2D3">
-    <dgm:scene3d>
-      <a:camera prst="orthographicFront"/>
-      <a:lightRig rig="threePt" dir="t"/>
-    </dgm:scene3d>
-    <dgm:sp3d/>
-    <dgm:txPr/>
-    <dgm:style>
-      <a:lnRef idx="2">
-        <a:scrgbClr r="0" g="0" b="0"/>
-      </a:lnRef>
-      <a:fillRef idx="1">
-        <a:scrgbClr r="0" g="0" b="0"/>
-      </a:fillRef>
-      <a:effectRef idx="0">
-        <a:scrgbClr r="0" g="0" b="0"/>
-      </a:effectRef>
-      <a:fontRef idx="minor">
-        <a:schemeClr val="lt1"/>
-      </a:fontRef>
-    </dgm:style>
-  </dgm:styleLbl>
-  <dgm:styleLbl name="parChTrans2D4">
-    <dgm:scene3d>
-      <a:camera prst="orthographicFront"/>
-      <a:lightRig rig="threePt" dir="t"/>
-    </dgm:scene3d>
-    <dgm:sp3d/>
-    <dgm:txPr/>
-    <dgm:style>
-      <a:lnRef idx="2">
-        <a:scrgbClr r="0" g="0" b="0"/>
-      </a:lnRef>
-      <a:fillRef idx="1">
-        <a:scrgbClr r="0" g="0" b="0"/>
-      </a:fillRef>
-      <a:effectRef idx="0">
-        <a:scrgbClr r="0" g="0" b="0"/>
-      </a:effectRef>
-      <a:fontRef idx="minor">
-        <a:schemeClr val="lt1"/>
-      </a:fontRef>
-    </dgm:style>
-  </dgm:styleLbl>
-  <dgm:styleLbl name="parChTrans1D1">
-    <dgm:scene3d>
-      <a:camera prst="orthographicFront"/>
-      <a:lightRig rig="threePt" dir="t"/>
-    </dgm:scene3d>
-    <dgm:sp3d/>
-    <dgm:txPr/>
-    <dgm:style>
-      <a:lnRef idx="2">
-        <a:scrgbClr r="0" g="0" b="0"/>
-      </a:lnRef>
-      <a:fillRef idx="0">
-        <a:scrgbClr r="0" g="0" b="0"/>
-      </a:fillRef>
-      <a:effectRef idx="0">
-        <a:scrgbClr r="0" g="0" b="0"/>
-      </a:effectRef>
-      <a:fontRef idx="minor"/>
-    </dgm:style>
-  </dgm:styleLbl>
-  <dgm:styleLbl name="parChTrans1D2">
-    <dgm:scene3d>
-      <a:camera prst="orthographicFront"/>
-      <a:lightRig rig="threePt" dir="t"/>
-    </dgm:scene3d>
-    <dgm:sp3d/>
-    <dgm:txPr/>
-    <dgm:style>
-      <a:lnRef idx="2">
-        <a:scrgbClr r="0" g="0" b="0"/>
-      </a:lnRef>
-      <a:fillRef idx="0">
-        <a:scrgbClr r="0" g="0" b="0"/>
-      </a:fillRef>
-      <a:effectRef idx="0">
-        <a:scrgbClr r="0" g="0" b="0"/>
-      </a:effectRef>
-      <a:fontRef idx="minor"/>
-    </dgm:style>
-  </dgm:styleLbl>
-  <dgm:styleLbl name="parChTrans1D3">
-    <dgm:scene3d>
-      <a:camera prst="orthographicFront"/>
-      <a:lightRig rig="threePt" dir="t"/>
-    </dgm:scene3d>
-    <dgm:sp3d/>
-    <dgm:txPr/>
-    <dgm:style>
-      <a:lnRef idx="2">
-        <a:scrgbClr r="0" g="0" b="0"/>
-      </a:lnRef>
-      <a:fillRef idx="0">
-        <a:scrgbClr r="0" g="0" b="0"/>
-      </a:fillRef>
-      <a:effectRef idx="0">
-        <a:scrgbClr r="0" g="0" b="0"/>
-      </a:effectRef>
-      <a:fontRef idx="minor"/>
-    </dgm:style>
-  </dgm:styleLbl>
-  <dgm:styleLbl name="parChTrans1D4">
-    <dgm:scene3d>
-      <a:camera prst="orthographicFront"/>
-      <a:lightRig rig="threePt" dir="t"/>
-    </dgm:scene3d>
-    <dgm:sp3d/>
-    <dgm:txPr/>
-    <dgm:style>
-      <a:lnRef idx="2">
-        <a:scrgbClr r="0" g="0" b="0"/>
-      </a:lnRef>
-      <a:fillRef idx="0">
-        <a:scrgbClr r="0" g="0" b="0"/>
-      </a:fillRef>
-      <a:effectRef idx="0">
-        <a:scrgbClr r="0" g="0" b="0"/>
-      </a:effectRef>
-      <a:fontRef idx="minor"/>
-    </dgm:style>
-  </dgm:styleLbl>
-  <dgm:styleLbl name="fgAcc1">
-    <dgm:scene3d>
-      <a:camera prst="orthographicFront"/>
-      <a:lightRig rig="threePt" dir="t"/>
-    </dgm:scene3d>
-    <dgm:sp3d/>
-    <dgm:txPr/>
-    <dgm:style>
-      <a:lnRef idx="2">
-        <a:scrgbClr r="0" g="0" b="0"/>
-      </a:lnRef>
-      <a:fillRef idx="1">
-        <a:scrgbClr r="0" g="0" b="0"/>
-      </a:fillRef>
-      <a:effectRef idx="0">
-        <a:scrgbClr r="0" g="0" b="0"/>
-      </a:effectRef>
-      <a:fontRef idx="minor"/>
-    </dgm:style>
-  </dgm:styleLbl>
-  <dgm:styleLbl name="conFgAcc1">
-    <dgm:scene3d>
-      <a:camera prst="orthographicFront"/>
-      <a:lightRig rig="threePt" dir="t"/>
-    </dgm:scene3d>
-    <dgm:sp3d/>
-    <dgm:txPr/>
-    <dgm:style>
-      <a:lnRef idx="2">
-        <a:scrgbClr r="0" g="0" b="0"/>
-      </a:lnRef>
-      <a:fillRef idx="1">
-        <a:scrgbClr r="0" g="0" b="0"/>
-      </a:fillRef>
-      <a:effectRef idx="0">
-        <a:scrgbClr r="0" g="0" b="0"/>
-      </a:effectRef>
-      <a:fontRef idx="minor"/>
-    </dgm:style>
-  </dgm:styleLbl>
-  <dgm:styleLbl name="alignAcc1">
-    <dgm:scene3d>
-      <a:camera prst="orthographicFront"/>
-      <a:lightRig rig="threePt" dir="t"/>
-    </dgm:scene3d>
-    <dgm:sp3d/>
-    <dgm:txPr/>
-    <dgm:style>
-      <a:lnRef idx="2">
-        <a:scrgbClr r="0" g="0" b="0"/>
-      </a:lnRef>
-      <a:fillRef idx="1">
-        <a:scrgbClr r="0" g="0" b="0"/>
-      </a:fillRef>
-      <a:effectRef idx="0">
-        <a:scrgbClr r="0" g="0" b="0"/>
-      </a:effectRef>
-      <a:fontRef idx="minor"/>
-    </dgm:style>
-  </dgm:styleLbl>
-  <dgm:styleLbl name="trAlignAcc1">
-    <dgm:scene3d>
-      <a:camera prst="orthographicFront"/>
-      <a:lightRig rig="threePt" dir="t"/>
-    </dgm:scene3d>
-    <dgm:sp3d/>
-    <dgm:txPr/>
-    <dgm:style>
-      <a:lnRef idx="1">
-        <a:scrgbClr r="0" g="0" b="0"/>
-      </a:lnRef>
-      <a:fillRef idx="1">
-        <a:scrgbClr r="0" g="0" b="0"/>
-      </a:fillRef>
-      <a:effectRef idx="0">
-        <a:scrgbClr r="0" g="0" b="0"/>
-      </a:effectRef>
-      <a:fontRef idx="minor"/>
-    </dgm:style>
-  </dgm:styleLbl>
-  <dgm:styleLbl name="bgAcc1">
-    <dgm:scene3d>
-      <a:camera prst="orthographicFront"/>
-      <a:lightRig rig="threePt" dir="t"/>
-    </dgm:scene3d>
-    <dgm:sp3d/>
-    <dgm:txPr/>
-    <dgm:style>
-      <a:lnRef idx="2">
-        <a:scrgbClr r="0" g="0" b="0"/>
-      </a:lnRef>
-      <a:fillRef idx="1">
-        <a:scrgbClr r="0" g="0" b="0"/>
-      </a:fillRef>
-      <a:effectRef idx="0">
-        <a:scrgbClr r="0" g="0" b="0"/>
-      </a:effectRef>
-      <a:fontRef idx="minor"/>
-    </dgm:style>
-  </dgm:styleLbl>
-  <dgm:styleLbl name="solidFgAcc1">
-    <dgm:scene3d>
-      <a:camera prst="orthographicFront"/>
-      <a:lightRig rig="threePt" dir="t"/>
-    </dgm:scene3d>
-    <dgm:sp3d/>
-    <dgm:txPr/>
-    <dgm:style>
-      <a:lnRef idx="2">
-        <a:scrgbClr r="0" g="0" b="0"/>
-      </a:lnRef>
-      <a:fillRef idx="1">
-        <a:scrgbClr r="0" g="0" b="0"/>
-      </a:fillRef>
-      <a:effectRef idx="0">
-        <a:scrgbClr r="0" g="0" b="0"/>
-      </a:effectRef>
-      <a:fontRef idx="minor"/>
-    </dgm:style>
-  </dgm:styleLbl>
-  <dgm:styleLbl name="solidAlignAcc1">
-    <dgm:scene3d>
-      <a:camera prst="orthographicFront"/>
-      <a:lightRig rig="threePt" dir="t"/>
-    </dgm:scene3d>
-    <dgm:sp3d/>
-    <dgm:txPr/>
-    <dgm:style>
-      <a:lnRef idx="2">
-        <a:scrgbClr r="0" g="0" b="0"/>
-      </a:lnRef>
-      <a:fillRef idx="1">
-        <a:scrgbClr r="0" g="0" b="0"/>
-      </a:fillRef>
-      <a:effectRef idx="0">
-        <a:scrgbClr r="0" g="0" b="0"/>
-      </a:effectRef>
-      <a:fontRef idx="minor"/>
-    </dgm:style>
-  </dgm:styleLbl>
-  <dgm:styleLbl name="solidBgAcc1">
-    <dgm:scene3d>
-      <a:camera prst="orthographicFront"/>
-      <a:lightRig rig="threePt" dir="t"/>
-    </dgm:scene3d>
-    <dgm:sp3d/>
-    <dgm:txPr/>
-    <dgm:style>
-      <a:lnRef idx="2">
-        <a:scrgbClr r="0" g="0" b="0"/>
-      </a:lnRef>
-      <a:fillRef idx="1">
-        <a:scrgbClr r="0" g="0" b="0"/>
-      </a:fillRef>
-      <a:effectRef idx="0">
-        <a:scrgbClr r="0" g="0" b="0"/>
-      </a:effectRef>
-      <a:fontRef idx="minor"/>
-    </dgm:style>
-  </dgm:styleLbl>
-  <dgm:styleLbl name="fgAccFollowNode1">
-    <dgm:scene3d>
-      <a:camera prst="orthographicFront"/>
-      <a:lightRig rig="threePt" dir="t"/>
-    </dgm:scene3d>
-    <dgm:sp3d/>
-    <dgm:txPr/>
-    <dgm:style>
-      <a:lnRef idx="2">
-        <a:scrgbClr r="0" g="0" b="0"/>
-      </a:lnRef>
-      <a:fillRef idx="1">
-        <a:scrgbClr r="0" g="0" b="0"/>
-      </a:fillRef>
-      <a:effectRef idx="0">
-        <a:scrgbClr r="0" g="0" b="0"/>
-      </a:effectRef>
-      <a:fontRef idx="minor"/>
-    </dgm:style>
-  </dgm:styleLbl>
-  <dgm:styleLbl name="alignAccFollowNode1">
-    <dgm:scene3d>
-      <a:camera prst="orthographicFront"/>
-      <a:lightRig rig="threePt" dir="t"/>
-    </dgm:scene3d>
-    <dgm:sp3d/>
-    <dgm:txPr/>
-    <dgm:style>
-      <a:lnRef idx="2">
-        <a:scrgbClr r="0" g="0" b="0"/>
-      </a:lnRef>
-      <a:fillRef idx="1">
-        <a:scrgbClr r="0" g="0" b="0"/>
-      </a:fillRef>
-      <a:effectRef idx="0">
-        <a:scrgbClr r="0" g="0" b="0"/>
-      </a:effectRef>
-      <a:fontRef idx="minor"/>
-    </dgm:style>
-  </dgm:styleLbl>
-  <dgm:styleLbl name="bgAccFollowNode1">
-    <dgm:scene3d>
-      <a:camera prst="orthographicFront"/>
-      <a:lightRig rig="threePt" dir="t"/>
-    </dgm:scene3d>
-    <dgm:sp3d/>
-    <dgm:txPr/>
-    <dgm:style>
-      <a:lnRef idx="2">
-        <a:scrgbClr r="0" g="0" b="0"/>
-      </a:lnRef>
-      <a:fillRef idx="1">
-        <a:scrgbClr r="0" g="0" b="0"/>
-      </a:fillRef>
-      <a:effectRef idx="0">
-        <a:scrgbClr r="0" g="0" b="0"/>
-      </a:effectRef>
-      <a:fontRef idx="minor"/>
-    </dgm:style>
-  </dgm:styleLbl>
-  <dgm:styleLbl name="fgAcc0">
-    <dgm:scene3d>
-      <a:camera prst="orthographicFront"/>
-      <a:lightRig rig="threePt" dir="t"/>
-    </dgm:scene3d>
-    <dgm:sp3d/>
-    <dgm:txPr/>
-    <dgm:style>
-      <a:lnRef idx="2">
-        <a:scrgbClr r="0" g="0" b="0"/>
-      </a:lnRef>
-      <a:fillRef idx="1">
-        <a:scrgbClr r="0" g="0" b="0"/>
-      </a:fillRef>
-      <a:effectRef idx="0">
-        <a:scrgbClr r="0" g="0" b="0"/>
-      </a:effectRef>
-      <a:fontRef idx="minor"/>
-    </dgm:style>
-  </dgm:styleLbl>
-  <dgm:styleLbl name="fgAcc2">
-    <dgm:scene3d>
-      <a:camera prst="orthographicFront"/>
-      <a:lightRig rig="threePt" dir="t"/>
-    </dgm:scene3d>
-    <dgm:sp3d/>
-    <dgm:txPr/>
-    <dgm:style>
-      <a:lnRef idx="2">
-        <a:scrgbClr r="0" g="0" b="0"/>
-      </a:lnRef>
-      <a:fillRef idx="1">
-        <a:scrgbClr r="0" g="0" b="0"/>
-      </a:fillRef>
-      <a:effectRef idx="0">
-        <a:scrgbClr r="0" g="0" b="0"/>
-      </a:effectRef>
-      <a:fontRef idx="minor"/>
-    </dgm:style>
-  </dgm:styleLbl>
-  <dgm:styleLbl name="fgAcc3">
-    <dgm:scene3d>
-      <a:camera prst="orthographicFront"/>
-      <a:lightRig rig="threePt" dir="t"/>
-    </dgm:scene3d>
-    <dgm:sp3d/>
-    <dgm:txPr/>
-    <dgm:style>
-      <a:lnRef idx="2">
-        <a:scrgbClr r="0" g="0" b="0"/>
-      </a:lnRef>
-      <a:fillRef idx="1">
-        <a:scrgbClr r="0" g="0" b="0"/>
-      </a:fillRef>
-      <a:effectRef idx="0">
-        <a:scrgbClr r="0" g="0" b="0"/>
-      </a:effectRef>
-      <a:fontRef idx="minor"/>
-    </dgm:style>
-  </dgm:styleLbl>
-  <dgm:styleLbl name="fgAcc4">
-    <dgm:scene3d>
-      <a:camera prst="orthographicFront"/>
-      <a:lightRig rig="threePt" dir="t"/>
-    </dgm:scene3d>
-    <dgm:sp3d/>
-    <dgm:txPr/>
-    <dgm:style>
-      <a:lnRef idx="2">
-        <a:scrgbClr r="0" g="0" b="0"/>
-      </a:lnRef>
-      <a:fillRef idx="1">
-        <a:scrgbClr r="0" g="0" b="0"/>
-      </a:fillRef>
-      <a:effectRef idx="0">
-        <a:scrgbClr r="0" g="0" b="0"/>
-      </a:effectRef>
-      <a:fontRef idx="minor"/>
-    </dgm:style>
-  </dgm:styleLbl>
-  <dgm:styleLbl name="bgShp">
-    <dgm:scene3d>
-      <a:camera prst="orthographicFront"/>
-      <a:lightRig rig="threePt" dir="t"/>
-    </dgm:scene3d>
-    <dgm:sp3d/>
-    <dgm:txPr/>
-    <dgm:style>
-      <a:lnRef idx="0">
-        <a:scrgbClr r="0" g="0" b="0"/>
-      </a:lnRef>
-      <a:fillRef idx="1">
-        <a:scrgbClr r="0" g="0" b="0"/>
-      </a:fillRef>
-      <a:effectRef idx="0">
-        <a:scrgbClr r="0" g="0" b="0"/>
-      </a:effectRef>
-      <a:fontRef idx="minor"/>
-    </dgm:style>
-  </dgm:styleLbl>
-  <dgm:styleLbl name="dkBgShp">
-    <dgm:scene3d>
-      <a:camera prst="orthographicFront"/>
-      <a:lightRig rig="threePt" dir="t"/>
-    </dgm:scene3d>
-    <dgm:sp3d/>
-    <dgm:txPr/>
-    <dgm:style>
-      <a:lnRef idx="0">
-        <a:scrgbClr r="0" g="0" b="0"/>
-      </a:lnRef>
-      <a:fillRef idx="1">
-        <a:scrgbClr r="0" g="0" b="0"/>
-      </a:fillRef>
-      <a:effectRef idx="0">
-        <a:scrgbClr r="0" g="0" b="0"/>
-      </a:effectRef>
-      <a:fontRef idx="minor"/>
-    </dgm:style>
-  </dgm:styleLbl>
-  <dgm:styleLbl name="trBgShp">
-    <dgm:scene3d>
-      <a:camera prst="orthographicFront"/>
-      <a:lightRig rig="threePt" dir="t"/>
-    </dgm:scene3d>
-    <dgm:sp3d/>
-    <dgm:txPr/>
-    <dgm:style>
-      <a:lnRef idx="0">
-        <a:scrgbClr r="0" g="0" b="0"/>
-      </a:lnRef>
-      <a:fillRef idx="1">
-        <a:scrgbClr r="0" g="0" b="0"/>
-      </a:fillRef>
-      <a:effectRef idx="0">
-        <a:scrgbClr r="0" g="0" b="0"/>
-      </a:effectRef>
-      <a:fontRef idx="minor"/>
-    </dgm:style>
-  </dgm:styleLbl>
-  <dgm:styleLbl name="fgShp">
-    <dgm:scene3d>
-      <a:camera prst="orthographicFront"/>
-      <a:lightRig rig="threePt" dir="t"/>
-    </dgm:scene3d>
-    <dgm:sp3d/>
-    <dgm:txPr/>
-    <dgm:style>
-      <a:lnRef idx="2">
-        <a:scrgbClr r="0" g="0" b="0"/>
-      </a:lnRef>
-      <a:fillRef idx="1">
-        <a:scrgbClr r="0" g="0" b="0"/>
-      </a:fillRef>
-      <a:effectRef idx="0">
-        <a:scrgbClr r="0" g="0" b="0"/>
-      </a:effectRef>
-      <a:fontRef idx="minor"/>
-    </dgm:style>
-  </dgm:styleLbl>
-  <dgm:styleLbl name="revTx">
-    <dgm:scene3d>
-      <a:camera prst="orthographicFront"/>
-      <a:lightRig rig="threePt" dir="t"/>
-    </dgm:scene3d>
-    <dgm:sp3d/>
-    <dgm:txPr/>
-    <dgm:style>
-      <a:lnRef idx="0">
-        <a:scrgbClr r="0" g="0" b="0"/>
-      </a:lnRef>
-      <a:fillRef idx="0">
-        <a:scrgbClr r="0" g="0" b="0"/>
-      </a:fillRef>
-      <a:effectRef idx="0">
-        <a:scrgbClr r="0" g="0" b="0"/>
-      </a:effectRef>
-      <a:fontRef idx="minor"/>
-    </dgm:style>
-  </dgm:styleLbl>
-</dgm:styleDef>
+<file path=ppt/changesInfos/changesInfo1.xml><?xml version="1.0" encoding="utf-8"?>
+<pc:chgInfo xmlns:a="http://schemas.openxmlformats.org/drawingml/2006/main" xmlns:r="http://schemas.openxmlformats.org/officeDocument/2006/relationships" xmlns:ac="http://schemas.microsoft.com/office/drawing/2013/main/command" xmlns:pc="http://schemas.microsoft.com/office/powerpoint/2013/main/command">
+  <pc:docChgLst>
+    <pc:chgData name="Felipe Pimentel Augusto" userId="S::felipe.augusto@al.infnet.edu.br::971e80a8-d807-4b15-b541-2b289748ef42" providerId="AD" clId="Web-{4EE39FDC-CAEA-3DB8-3E04-1CFADB30E36B}"/>
+    <pc:docChg chg="delSld modSld">
+      <pc:chgData name="Felipe Pimentel Augusto" userId="S::felipe.augusto@al.infnet.edu.br::971e80a8-d807-4b15-b541-2b289748ef42" providerId="AD" clId="Web-{4EE39FDC-CAEA-3DB8-3E04-1CFADB30E36B}" dt="2021-03-25T23:46:37.432" v="35" actId="1076"/>
+      <pc:docMkLst>
+        <pc:docMk/>
+      </pc:docMkLst>
+      <pc:sldChg chg="del">
+        <pc:chgData name="Felipe Pimentel Augusto" userId="S::felipe.augusto@al.infnet.edu.br::971e80a8-d807-4b15-b541-2b289748ef42" providerId="AD" clId="Web-{4EE39FDC-CAEA-3DB8-3E04-1CFADB30E36B}" dt="2021-03-25T23:41:34.112" v="1"/>
+        <pc:sldMkLst>
+          <pc:docMk/>
+          <pc:sldMk cId="4064229715" sldId="289"/>
+        </pc:sldMkLst>
+      </pc:sldChg>
+      <pc:sldChg chg="del">
+        <pc:chgData name="Felipe Pimentel Augusto" userId="S::felipe.augusto@al.infnet.edu.br::971e80a8-d807-4b15-b541-2b289748ef42" providerId="AD" clId="Web-{4EE39FDC-CAEA-3DB8-3E04-1CFADB30E36B}" dt="2021-03-25T23:41:27.736" v="0"/>
+        <pc:sldMkLst>
+          <pc:docMk/>
+          <pc:sldMk cId="1244966846" sldId="294"/>
+        </pc:sldMkLst>
+      </pc:sldChg>
+      <pc:sldChg chg="addSp delSp modSp">
+        <pc:chgData name="Felipe Pimentel Augusto" userId="S::felipe.augusto@al.infnet.edu.br::971e80a8-d807-4b15-b541-2b289748ef42" providerId="AD" clId="Web-{4EE39FDC-CAEA-3DB8-3E04-1CFADB30E36B}" dt="2021-03-25T23:46:37.432" v="35" actId="1076"/>
+        <pc:sldMkLst>
+          <pc:docMk/>
+          <pc:sldMk cId="3173208299" sldId="295"/>
+        </pc:sldMkLst>
+        <pc:spChg chg="add del mod">
+          <ac:chgData name="Felipe Pimentel Augusto" userId="S::felipe.augusto@al.infnet.edu.br::971e80a8-d807-4b15-b541-2b289748ef42" providerId="AD" clId="Web-{4EE39FDC-CAEA-3DB8-3E04-1CFADB30E36B}" dt="2021-03-25T23:46:06.384" v="24"/>
+          <ac:spMkLst>
+            <pc:docMk/>
+            <pc:sldMk cId="3173208299" sldId="295"/>
+            <ac:spMk id="9" creationId="{D8BD5754-FFAD-49EE-9662-6D28C12F9E2E}"/>
+          </ac:spMkLst>
+        </pc:spChg>
+        <pc:spChg chg="add del mod">
+          <ac:chgData name="Felipe Pimentel Augusto" userId="S::felipe.augusto@al.infnet.edu.br::971e80a8-d807-4b15-b541-2b289748ef42" providerId="AD" clId="Web-{4EE39FDC-CAEA-3DB8-3E04-1CFADB30E36B}" dt="2021-03-25T23:46:33.073" v="34"/>
+          <ac:spMkLst>
+            <pc:docMk/>
+            <pc:sldMk cId="3173208299" sldId="295"/>
+            <ac:spMk id="10" creationId="{138D74A6-3540-4187-970B-AF777BD6CF66}"/>
+          </ac:spMkLst>
+        </pc:spChg>
+        <pc:picChg chg="mod">
+          <ac:chgData name="Felipe Pimentel Augusto" userId="S::felipe.augusto@al.infnet.edu.br::971e80a8-d807-4b15-b541-2b289748ef42" providerId="AD" clId="Web-{4EE39FDC-CAEA-3DB8-3E04-1CFADB30E36B}" dt="2021-03-25T23:46:37.432" v="35" actId="1076"/>
+          <ac:picMkLst>
+            <pc:docMk/>
+            <pc:sldMk cId="3173208299" sldId="295"/>
+            <ac:picMk id="6" creationId="{ABC56352-2CCF-4552-AF40-7827E1BF3722}"/>
+          </ac:picMkLst>
+        </pc:picChg>
+        <pc:picChg chg="add del mod">
+          <ac:chgData name="Felipe Pimentel Augusto" userId="S::felipe.augusto@al.infnet.edu.br::971e80a8-d807-4b15-b541-2b289748ef42" providerId="AD" clId="Web-{4EE39FDC-CAEA-3DB8-3E04-1CFADB30E36B}" dt="2021-03-25T23:46:14.963" v="27" actId="1076"/>
+          <ac:picMkLst>
+            <pc:docMk/>
+            <pc:sldMk cId="3173208299" sldId="295"/>
+            <ac:picMk id="8" creationId="{AB7DC138-DF0D-42C0-9BB5-8623EBF1CABB}"/>
+          </ac:picMkLst>
+        </pc:picChg>
+      </pc:sldChg>
+    </pc:docChg>
+  </pc:docChgLst>
+  <pc:docChgLst>
+    <pc:chgData name="Rodrigo Germano Da Silva" userId="S::rodrigo.germanos@al.infnet.edu.br::8b0db1b5-67c8-45df-9e21-6398c0430ca9" providerId="AD" clId="Web-{7BAE0262-C88C-40B0-BFA5-F2698D7FE8E4}"/>
+    <pc:docChg chg="addSld delSld modSld">
+      <pc:chgData name="Rodrigo Germano Da Silva" userId="S::rodrigo.germanos@al.infnet.edu.br::8b0db1b5-67c8-45df-9e21-6398c0430ca9" providerId="AD" clId="Web-{7BAE0262-C88C-40B0-BFA5-F2698D7FE8E4}" dt="2021-04-04T23:12:00.725" v="124" actId="1076"/>
+      <pc:docMkLst>
+        <pc:docMk/>
+      </pc:docMkLst>
+      <pc:sldChg chg="modSp">
+        <pc:chgData name="Rodrigo Germano Da Silva" userId="S::rodrigo.germanos@al.infnet.edu.br::8b0db1b5-67c8-45df-9e21-6398c0430ca9" providerId="AD" clId="Web-{7BAE0262-C88C-40B0-BFA5-F2698D7FE8E4}" dt="2021-04-04T23:09:44.514" v="115" actId="20577"/>
+        <pc:sldMkLst>
+          <pc:docMk/>
+          <pc:sldMk cId="2117840401" sldId="267"/>
+        </pc:sldMkLst>
+        <pc:spChg chg="mod">
+          <ac:chgData name="Rodrigo Germano Da Silva" userId="S::rodrigo.germanos@al.infnet.edu.br::8b0db1b5-67c8-45df-9e21-6398c0430ca9" providerId="AD" clId="Web-{7BAE0262-C88C-40B0-BFA5-F2698D7FE8E4}" dt="2021-04-04T23:09:44.514" v="115" actId="20577"/>
+          <ac:spMkLst>
+            <pc:docMk/>
+            <pc:sldMk cId="2117840401" sldId="267"/>
+            <ac:spMk id="5" creationId="{751BADB0-5D73-43E9-9ABB-321766D8AE39}"/>
+          </ac:spMkLst>
+        </pc:spChg>
+      </pc:sldChg>
+      <pc:sldChg chg="addSp modSp">
+        <pc:chgData name="Rodrigo Germano Da Silva" userId="S::rodrigo.germanos@al.infnet.edu.br::8b0db1b5-67c8-45df-9e21-6398c0430ca9" providerId="AD" clId="Web-{7BAE0262-C88C-40B0-BFA5-F2698D7FE8E4}" dt="2021-04-04T22:53:07.738" v="52" actId="1076"/>
+        <pc:sldMkLst>
+          <pc:docMk/>
+          <pc:sldMk cId="3296025950" sldId="285"/>
+        </pc:sldMkLst>
+        <pc:picChg chg="add mod">
+          <ac:chgData name="Rodrigo Germano Da Silva" userId="S::rodrigo.germanos@al.infnet.edu.br::8b0db1b5-67c8-45df-9e21-6398c0430ca9" providerId="AD" clId="Web-{7BAE0262-C88C-40B0-BFA5-F2698D7FE8E4}" dt="2021-04-04T22:52:02.407" v="40" actId="1076"/>
+          <ac:picMkLst>
+            <pc:docMk/>
+            <pc:sldMk cId="3296025950" sldId="285"/>
+            <ac:picMk id="3" creationId="{31B248D4-2F91-4016-8BC4-6ACE3A446CD9}"/>
+          </ac:picMkLst>
+        </pc:picChg>
+        <pc:picChg chg="add mod">
+          <ac:chgData name="Rodrigo Germano Da Silva" userId="S::rodrigo.germanos@al.infnet.edu.br::8b0db1b5-67c8-45df-9e21-6398c0430ca9" providerId="AD" clId="Web-{7BAE0262-C88C-40B0-BFA5-F2698D7FE8E4}" dt="2021-04-04T22:52:59.597" v="49" actId="1076"/>
+          <ac:picMkLst>
+            <pc:docMk/>
+            <pc:sldMk cId="3296025950" sldId="285"/>
+            <ac:picMk id="6" creationId="{5382D199-8F50-47B9-B196-1441FB3D15A8}"/>
+          </ac:picMkLst>
+        </pc:picChg>
+        <pc:picChg chg="add mod">
+          <ac:chgData name="Rodrigo Germano Da Silva" userId="S::rodrigo.germanos@al.infnet.edu.br::8b0db1b5-67c8-45df-9e21-6398c0430ca9" providerId="AD" clId="Web-{7BAE0262-C88C-40B0-BFA5-F2698D7FE8E4}" dt="2021-04-04T22:52:02.422" v="41" actId="1076"/>
+          <ac:picMkLst>
+            <pc:docMk/>
+            <pc:sldMk cId="3296025950" sldId="285"/>
+            <ac:picMk id="8" creationId="{9C1BF2D2-FC9C-4BBA-9047-9B2715375AEF}"/>
+          </ac:picMkLst>
+        </pc:picChg>
+        <pc:picChg chg="add mod">
+          <ac:chgData name="Rodrigo Germano Da Silva" userId="S::rodrigo.germanos@al.infnet.edu.br::8b0db1b5-67c8-45df-9e21-6398c0430ca9" providerId="AD" clId="Web-{7BAE0262-C88C-40B0-BFA5-F2698D7FE8E4}" dt="2021-04-04T22:53:07.738" v="52" actId="1076"/>
+          <ac:picMkLst>
+            <pc:docMk/>
+            <pc:sldMk cId="3296025950" sldId="285"/>
+            <ac:picMk id="9" creationId="{0D1207E3-63EF-4FB0-A274-6D9E1B38BFDD}"/>
+          </ac:picMkLst>
+        </pc:picChg>
+      </pc:sldChg>
+      <pc:sldChg chg="modSp">
+        <pc:chgData name="Rodrigo Germano Da Silva" userId="S::rodrigo.germanos@al.infnet.edu.br::8b0db1b5-67c8-45df-9e21-6398c0430ca9" providerId="AD" clId="Web-{7BAE0262-C88C-40B0-BFA5-F2698D7FE8E4}" dt="2021-04-04T23:08:41.698" v="107" actId="20577"/>
+        <pc:sldMkLst>
+          <pc:docMk/>
+          <pc:sldMk cId="1989630067" sldId="290"/>
+        </pc:sldMkLst>
+        <pc:spChg chg="mod">
+          <ac:chgData name="Rodrigo Germano Da Silva" userId="S::rodrigo.germanos@al.infnet.edu.br::8b0db1b5-67c8-45df-9e21-6398c0430ca9" providerId="AD" clId="Web-{7BAE0262-C88C-40B0-BFA5-F2698D7FE8E4}" dt="2021-04-04T23:08:41.698" v="107" actId="20577"/>
+          <ac:spMkLst>
+            <pc:docMk/>
+            <pc:sldMk cId="1989630067" sldId="290"/>
+            <ac:spMk id="5" creationId="{751BADB0-5D73-43E9-9ABB-321766D8AE39}"/>
+          </ac:spMkLst>
+        </pc:spChg>
+      </pc:sldChg>
+      <pc:sldChg chg="modSp">
+        <pc:chgData name="Rodrigo Germano Da Silva" userId="S::rodrigo.germanos@al.infnet.edu.br::8b0db1b5-67c8-45df-9e21-6398c0430ca9" providerId="AD" clId="Web-{7BAE0262-C88C-40B0-BFA5-F2698D7FE8E4}" dt="2021-04-04T23:01:36.658" v="83" actId="20577"/>
+        <pc:sldMkLst>
+          <pc:docMk/>
+          <pc:sldMk cId="3173208299" sldId="295"/>
+        </pc:sldMkLst>
+        <pc:spChg chg="mod">
+          <ac:chgData name="Rodrigo Germano Da Silva" userId="S::rodrigo.germanos@al.infnet.edu.br::8b0db1b5-67c8-45df-9e21-6398c0430ca9" providerId="AD" clId="Web-{7BAE0262-C88C-40B0-BFA5-F2698D7FE8E4}" dt="2021-04-04T23:01:36.658" v="83" actId="20577"/>
+          <ac:spMkLst>
+            <pc:docMk/>
+            <pc:sldMk cId="3173208299" sldId="295"/>
+            <ac:spMk id="5" creationId="{751BADB0-5D73-43E9-9ABB-321766D8AE39}"/>
+          </ac:spMkLst>
+        </pc:spChg>
+      </pc:sldChg>
+      <pc:sldChg chg="modSp">
+        <pc:chgData name="Rodrigo Germano Da Silva" userId="S::rodrigo.germanos@al.infnet.edu.br::8b0db1b5-67c8-45df-9e21-6398c0430ca9" providerId="AD" clId="Web-{7BAE0262-C88C-40B0-BFA5-F2698D7FE8E4}" dt="2021-04-04T23:01:39.986" v="84" actId="20577"/>
+        <pc:sldMkLst>
+          <pc:docMk/>
+          <pc:sldMk cId="2498489773" sldId="296"/>
+        </pc:sldMkLst>
+        <pc:spChg chg="mod">
+          <ac:chgData name="Rodrigo Germano Da Silva" userId="S::rodrigo.germanos@al.infnet.edu.br::8b0db1b5-67c8-45df-9e21-6398c0430ca9" providerId="AD" clId="Web-{7BAE0262-C88C-40B0-BFA5-F2698D7FE8E4}" dt="2021-04-04T23:01:39.986" v="84" actId="20577"/>
+          <ac:spMkLst>
+            <pc:docMk/>
+            <pc:sldMk cId="2498489773" sldId="296"/>
+            <ac:spMk id="5" creationId="{751BADB0-5D73-43E9-9ABB-321766D8AE39}"/>
+          </ac:spMkLst>
+        </pc:spChg>
+      </pc:sldChg>
+      <pc:sldChg chg="modSp">
+        <pc:chgData name="Rodrigo Germano Da Silva" userId="S::rodrigo.germanos@al.infnet.edu.br::8b0db1b5-67c8-45df-9e21-6398c0430ca9" providerId="AD" clId="Web-{7BAE0262-C88C-40B0-BFA5-F2698D7FE8E4}" dt="2021-04-04T23:01:44.518" v="85" actId="20577"/>
+        <pc:sldMkLst>
+          <pc:docMk/>
+          <pc:sldMk cId="3493888325" sldId="297"/>
+        </pc:sldMkLst>
+        <pc:spChg chg="mod">
+          <ac:chgData name="Rodrigo Germano Da Silva" userId="S::rodrigo.germanos@al.infnet.edu.br::8b0db1b5-67c8-45df-9e21-6398c0430ca9" providerId="AD" clId="Web-{7BAE0262-C88C-40B0-BFA5-F2698D7FE8E4}" dt="2021-04-04T23:01:44.518" v="85" actId="20577"/>
+          <ac:spMkLst>
+            <pc:docMk/>
+            <pc:sldMk cId="3493888325" sldId="297"/>
+            <ac:spMk id="5" creationId="{751BADB0-5D73-43E9-9ABB-321766D8AE39}"/>
+          </ac:spMkLst>
+        </pc:spChg>
+      </pc:sldChg>
+      <pc:sldChg chg="add del replId">
+        <pc:chgData name="Rodrigo Germano Da Silva" userId="S::rodrigo.germanos@al.infnet.edu.br::8b0db1b5-67c8-45df-9e21-6398c0430ca9" providerId="AD" clId="Web-{7BAE0262-C88C-40B0-BFA5-F2698D7FE8E4}" dt="2021-04-04T22:53:26.771" v="53"/>
+        <pc:sldMkLst>
+          <pc:docMk/>
+          <pc:sldMk cId="107083055" sldId="298"/>
+        </pc:sldMkLst>
+      </pc:sldChg>
+      <pc:sldChg chg="addSp delSp modSp add replId">
+        <pc:chgData name="Rodrigo Germano Da Silva" userId="S::rodrigo.germanos@al.infnet.edu.br::8b0db1b5-67c8-45df-9e21-6398c0430ca9" providerId="AD" clId="Web-{7BAE0262-C88C-40B0-BFA5-F2698D7FE8E4}" dt="2021-04-04T22:56:02.764" v="79" actId="1076"/>
+        <pc:sldMkLst>
+          <pc:docMk/>
+          <pc:sldMk cId="3217926180" sldId="298"/>
+        </pc:sldMkLst>
+        <pc:picChg chg="del">
+          <ac:chgData name="Rodrigo Germano Da Silva" userId="S::rodrigo.germanos@al.infnet.edu.br::8b0db1b5-67c8-45df-9e21-6398c0430ca9" providerId="AD" clId="Web-{7BAE0262-C88C-40B0-BFA5-F2698D7FE8E4}" dt="2021-04-04T22:53:58.476" v="60"/>
+          <ac:picMkLst>
+            <pc:docMk/>
+            <pc:sldMk cId="3217926180" sldId="298"/>
+            <ac:picMk id="3" creationId="{31B248D4-2F91-4016-8BC4-6ACE3A446CD9}"/>
+          </ac:picMkLst>
+        </pc:picChg>
+        <pc:picChg chg="del">
+          <ac:chgData name="Rodrigo Germano Da Silva" userId="S::rodrigo.germanos@al.infnet.edu.br::8b0db1b5-67c8-45df-9e21-6398c0430ca9" providerId="AD" clId="Web-{7BAE0262-C88C-40B0-BFA5-F2698D7FE8E4}" dt="2021-04-04T22:54:33.712" v="67"/>
+          <ac:picMkLst>
+            <pc:docMk/>
+            <pc:sldMk cId="3217926180" sldId="298"/>
+            <ac:picMk id="6" creationId="{5382D199-8F50-47B9-B196-1441FB3D15A8}"/>
+          </ac:picMkLst>
+        </pc:picChg>
+        <pc:picChg chg="del">
+          <ac:chgData name="Rodrigo Germano Da Silva" userId="S::rodrigo.germanos@al.infnet.edu.br::8b0db1b5-67c8-45df-9e21-6398c0430ca9" providerId="AD" clId="Web-{7BAE0262-C88C-40B0-BFA5-F2698D7FE8E4}" dt="2021-04-04T22:54:47.197" v="71"/>
+          <ac:picMkLst>
+            <pc:docMk/>
+            <pc:sldMk cId="3217926180" sldId="298"/>
+            <ac:picMk id="8" creationId="{9C1BF2D2-FC9C-4BBA-9047-9B2715375AEF}"/>
+          </ac:picMkLst>
+        </pc:picChg>
+        <pc:picChg chg="del">
+          <ac:chgData name="Rodrigo Germano Da Silva" userId="S::rodrigo.germanos@al.infnet.edu.br::8b0db1b5-67c8-45df-9e21-6398c0430ca9" providerId="AD" clId="Web-{7BAE0262-C88C-40B0-BFA5-F2698D7FE8E4}" dt="2021-04-04T22:54:47.947" v="72"/>
+          <ac:picMkLst>
+            <pc:docMk/>
+            <pc:sldMk cId="3217926180" sldId="298"/>
+            <ac:picMk id="9" creationId="{0D1207E3-63EF-4FB0-A274-6D9E1B38BFDD}"/>
+          </ac:picMkLst>
+        </pc:picChg>
+        <pc:picChg chg="add mod ord">
+          <ac:chgData name="Rodrigo Germano Da Silva" userId="S::rodrigo.germanos@al.infnet.edu.br::8b0db1b5-67c8-45df-9e21-6398c0430ca9" providerId="AD" clId="Web-{7BAE0262-C88C-40B0-BFA5-F2698D7FE8E4}" dt="2021-04-04T22:53:53.757" v="59"/>
+          <ac:picMkLst>
+            <pc:docMk/>
+            <pc:sldMk cId="3217926180" sldId="298"/>
+            <ac:picMk id="10" creationId="{C1C978F9-4B36-4471-8EE0-C0E8A2E2D384}"/>
+          </ac:picMkLst>
+        </pc:picChg>
+        <pc:picChg chg="add mod ord">
+          <ac:chgData name="Rodrigo Germano Da Silva" userId="S::rodrigo.germanos@al.infnet.edu.br::8b0db1b5-67c8-45df-9e21-6398c0430ca9" providerId="AD" clId="Web-{7BAE0262-C88C-40B0-BFA5-F2698D7FE8E4}" dt="2021-04-04T22:54:54.198" v="76" actId="1076"/>
+          <ac:picMkLst>
+            <pc:docMk/>
+            <pc:sldMk cId="3217926180" sldId="298"/>
+            <ac:picMk id="11" creationId="{10C51801-AB1F-4D5D-B42A-DA48C83D4DB7}"/>
+          </ac:picMkLst>
+        </pc:picChg>
+        <pc:picChg chg="add mod">
+          <ac:chgData name="Rodrigo Germano Da Silva" userId="S::rodrigo.germanos@al.infnet.edu.br::8b0db1b5-67c8-45df-9e21-6398c0430ca9" providerId="AD" clId="Web-{7BAE0262-C88C-40B0-BFA5-F2698D7FE8E4}" dt="2021-04-04T22:56:02.764" v="79" actId="1076"/>
+          <ac:picMkLst>
+            <pc:docMk/>
+            <pc:sldMk cId="3217926180" sldId="298"/>
+            <ac:picMk id="12" creationId="{E1355076-B8A2-4AC8-B6B9-07291649B613}"/>
+          </ac:picMkLst>
+        </pc:picChg>
+      </pc:sldChg>
+      <pc:sldChg chg="addSp delSp modSp add replId">
+        <pc:chgData name="Rodrigo Germano Da Silva" userId="S::rodrigo.germanos@al.infnet.edu.br::8b0db1b5-67c8-45df-9e21-6398c0430ca9" providerId="AD" clId="Web-{7BAE0262-C88C-40B0-BFA5-F2698D7FE8E4}" dt="2021-04-04T23:02:33.724" v="93" actId="1076"/>
+        <pc:sldMkLst>
+          <pc:docMk/>
+          <pc:sldMk cId="1024525223" sldId="299"/>
+        </pc:sldMkLst>
+        <pc:spChg chg="mod">
+          <ac:chgData name="Rodrigo Germano Da Silva" userId="S::rodrigo.germanos@al.infnet.edu.br::8b0db1b5-67c8-45df-9e21-6398c0430ca9" providerId="AD" clId="Web-{7BAE0262-C88C-40B0-BFA5-F2698D7FE8E4}" dt="2021-04-04T23:01:57.284" v="88" actId="20577"/>
+          <ac:spMkLst>
+            <pc:docMk/>
+            <pc:sldMk cId="1024525223" sldId="299"/>
+            <ac:spMk id="5" creationId="{751BADB0-5D73-43E9-9ABB-321766D8AE39}"/>
+          </ac:spMkLst>
+        </pc:spChg>
+        <pc:picChg chg="del">
+          <ac:chgData name="Rodrigo Germano Da Silva" userId="S::rodrigo.germanos@al.infnet.edu.br::8b0db1b5-67c8-45df-9e21-6398c0430ca9" providerId="AD" clId="Web-{7BAE0262-C88C-40B0-BFA5-F2698D7FE8E4}" dt="2021-04-04T23:01:58.675" v="89"/>
+          <ac:picMkLst>
+            <pc:docMk/>
+            <pc:sldMk cId="1024525223" sldId="299"/>
+            <ac:picMk id="3" creationId="{2A6095D7-7919-4577-9748-F971A662B4CE}"/>
+          </ac:picMkLst>
+        </pc:picChg>
+        <pc:picChg chg="add mod">
+          <ac:chgData name="Rodrigo Germano Da Silva" userId="S::rodrigo.germanos@al.infnet.edu.br::8b0db1b5-67c8-45df-9e21-6398c0430ca9" providerId="AD" clId="Web-{7BAE0262-C88C-40B0-BFA5-F2698D7FE8E4}" dt="2021-04-04T23:02:33.724" v="93" actId="1076"/>
+          <ac:picMkLst>
+            <pc:docMk/>
+            <pc:sldMk cId="1024525223" sldId="299"/>
+            <ac:picMk id="6" creationId="{5F325229-59D5-4A86-A01B-951BDDCEF999}"/>
+          </ac:picMkLst>
+        </pc:picChg>
+      </pc:sldChg>
+      <pc:sldChg chg="modSp add replId">
+        <pc:chgData name="Rodrigo Germano Da Silva" userId="S::rodrigo.germanos@al.infnet.edu.br::8b0db1b5-67c8-45df-9e21-6398c0430ca9" providerId="AD" clId="Web-{7BAE0262-C88C-40B0-BFA5-F2698D7FE8E4}" dt="2021-04-04T23:10:15.032" v="117" actId="20577"/>
+        <pc:sldMkLst>
+          <pc:docMk/>
+          <pc:sldMk cId="122286710" sldId="300"/>
+        </pc:sldMkLst>
+        <pc:spChg chg="mod">
+          <ac:chgData name="Rodrigo Germano Da Silva" userId="S::rodrigo.germanos@al.infnet.edu.br::8b0db1b5-67c8-45df-9e21-6398c0430ca9" providerId="AD" clId="Web-{7BAE0262-C88C-40B0-BFA5-F2698D7FE8E4}" dt="2021-04-04T23:10:15.032" v="117" actId="20577"/>
+          <ac:spMkLst>
+            <pc:docMk/>
+            <pc:sldMk cId="122286710" sldId="300"/>
+            <ac:spMk id="5" creationId="{751BADB0-5D73-43E9-9ABB-321766D8AE39}"/>
+          </ac:spMkLst>
+        </pc:spChg>
+      </pc:sldChg>
+      <pc:sldChg chg="addSp modSp add replId">
+        <pc:chgData name="Rodrigo Germano Da Silva" userId="S::rodrigo.germanos@al.infnet.edu.br::8b0db1b5-67c8-45df-9e21-6398c0430ca9" providerId="AD" clId="Web-{7BAE0262-C88C-40B0-BFA5-F2698D7FE8E4}" dt="2021-04-04T23:12:00.725" v="124" actId="1076"/>
+        <pc:sldMkLst>
+          <pc:docMk/>
+          <pc:sldMk cId="541333889" sldId="301"/>
+        </pc:sldMkLst>
+        <pc:spChg chg="mod">
+          <ac:chgData name="Rodrigo Germano Da Silva" userId="S::rodrigo.germanos@al.infnet.edu.br::8b0db1b5-67c8-45df-9e21-6398c0430ca9" providerId="AD" clId="Web-{7BAE0262-C88C-40B0-BFA5-F2698D7FE8E4}" dt="2021-04-04T23:10:20.797" v="119" actId="20577"/>
+          <ac:spMkLst>
+            <pc:docMk/>
+            <pc:sldMk cId="541333889" sldId="301"/>
+            <ac:spMk id="5" creationId="{751BADB0-5D73-43E9-9ABB-321766D8AE39}"/>
+          </ac:spMkLst>
+        </pc:spChg>
+        <pc:picChg chg="add mod">
+          <ac:chgData name="Rodrigo Germano Da Silva" userId="S::rodrigo.germanos@al.infnet.edu.br::8b0db1b5-67c8-45df-9e21-6398c0430ca9" providerId="AD" clId="Web-{7BAE0262-C88C-40B0-BFA5-F2698D7FE8E4}" dt="2021-04-04T23:12:00.725" v="124" actId="1076"/>
+          <ac:picMkLst>
+            <pc:docMk/>
+            <pc:sldMk cId="541333889" sldId="301"/>
+            <ac:picMk id="3" creationId="{B35E9272-4ADA-42A4-887A-FC3950232D19}"/>
+          </ac:picMkLst>
+        </pc:picChg>
+      </pc:sldChg>
+    </pc:docChg>
+  </pc:docChgLst>
+  <pc:docChgLst>
+    <pc:chgData name="Rodrigo Germano Da Silva" userId="S::rodrigo.germanos@al.infnet.edu.br::8b0db1b5-67c8-45df-9e21-6398c0430ca9" providerId="AD" clId="Web-{F0707D82-BC8A-2371-448F-4451FCBB9D26}"/>
+    <pc:docChg chg="modSld">
+      <pc:chgData name="Rodrigo Germano Da Silva" userId="S::rodrigo.germanos@al.infnet.edu.br::8b0db1b5-67c8-45df-9e21-6398c0430ca9" providerId="AD" clId="Web-{F0707D82-BC8A-2371-448F-4451FCBB9D26}" dt="2021-03-25T23:45:53.978" v="2"/>
+      <pc:docMkLst>
+        <pc:docMk/>
+      </pc:docMkLst>
+      <pc:sldChg chg="addSp delSp modSp">
+        <pc:chgData name="Rodrigo Germano Da Silva" userId="S::rodrigo.germanos@al.infnet.edu.br::8b0db1b5-67c8-45df-9e21-6398c0430ca9" providerId="AD" clId="Web-{F0707D82-BC8A-2371-448F-4451FCBB9D26}" dt="2021-03-25T23:45:53.978" v="2"/>
+        <pc:sldMkLst>
+          <pc:docMk/>
+          <pc:sldMk cId="3173208299" sldId="295"/>
+        </pc:sldMkLst>
+        <pc:picChg chg="add del mod">
+          <ac:chgData name="Rodrigo Germano Da Silva" userId="S::rodrigo.germanos@al.infnet.edu.br::8b0db1b5-67c8-45df-9e21-6398c0430ca9" providerId="AD" clId="Web-{F0707D82-BC8A-2371-448F-4451FCBB9D26}" dt="2021-03-25T23:45:53.978" v="2"/>
+          <ac:picMkLst>
+            <pc:docMk/>
+            <pc:sldMk cId="3173208299" sldId="295"/>
+            <ac:picMk id="9" creationId="{886918F1-8E54-4331-95B6-6E1038DCFD36}"/>
+          </ac:picMkLst>
+        </pc:picChg>
+      </pc:sldChg>
+    </pc:docChg>
+  </pc:docChgLst>
+  <pc:docChgLst>
+    <pc:chgData name="Felipe Pimentel Augusto" userId="S::felipe.augusto@al.infnet.edu.br::971e80a8-d807-4b15-b541-2b289748ef42" providerId="AD" clId="Web-{3CF7EB51-8AB0-3267-7FDE-E37FE84FACB6}"/>
+    <pc:docChg chg="addSld delSld modSld sldOrd">
+      <pc:chgData name="Felipe Pimentel Augusto" userId="S::felipe.augusto@al.infnet.edu.br::971e80a8-d807-4b15-b541-2b289748ef42" providerId="AD" clId="Web-{3CF7EB51-8AB0-3267-7FDE-E37FE84FACB6}" dt="2021-03-23T23:58:26.395" v="338"/>
+      <pc:docMkLst>
+        <pc:docMk/>
+      </pc:docMkLst>
+      <pc:sldChg chg="modSp">
+        <pc:chgData name="Felipe Pimentel Augusto" userId="S::felipe.augusto@al.infnet.edu.br::971e80a8-d807-4b15-b541-2b289748ef42" providerId="AD" clId="Web-{3CF7EB51-8AB0-3267-7FDE-E37FE84FACB6}" dt="2021-03-23T23:50:13.799" v="44" actId="20577"/>
+        <pc:sldMkLst>
+          <pc:docMk/>
+          <pc:sldMk cId="1071933082" sldId="256"/>
+        </pc:sldMkLst>
+        <pc:spChg chg="mod">
+          <ac:chgData name="Felipe Pimentel Augusto" userId="S::felipe.augusto@al.infnet.edu.br::971e80a8-d807-4b15-b541-2b289748ef42" providerId="AD" clId="Web-{3CF7EB51-8AB0-3267-7FDE-E37FE84FACB6}" dt="2021-03-23T23:50:13.799" v="44" actId="20577"/>
+          <ac:spMkLst>
+            <pc:docMk/>
+            <pc:sldMk cId="1071933082" sldId="256"/>
+            <ac:spMk id="3" creationId="{00000000-0000-0000-0000-000000000000}"/>
+          </ac:spMkLst>
+        </pc:spChg>
+        <pc:spChg chg="mod">
+          <ac:chgData name="Felipe Pimentel Augusto" userId="S::felipe.augusto@al.infnet.edu.br::971e80a8-d807-4b15-b541-2b289748ef42" providerId="AD" clId="Web-{3CF7EB51-8AB0-3267-7FDE-E37FE84FACB6}" dt="2021-03-23T23:48:51.466" v="18" actId="20577"/>
+          <ac:spMkLst>
+            <pc:docMk/>
+            <pc:sldMk cId="1071933082" sldId="256"/>
+            <ac:spMk id="5" creationId="{00000000-0000-0000-0000-000000000000}"/>
+          </ac:spMkLst>
+        </pc:spChg>
+      </pc:sldChg>
+      <pc:sldChg chg="del">
+        <pc:chgData name="Felipe Pimentel Augusto" userId="S::felipe.augusto@al.infnet.edu.br::971e80a8-d807-4b15-b541-2b289748ef42" providerId="AD" clId="Web-{3CF7EB51-8AB0-3267-7FDE-E37FE84FACB6}" dt="2021-03-23T23:58:26.395" v="338"/>
+        <pc:sldMkLst>
+          <pc:docMk/>
+          <pc:sldMk cId="2477862328" sldId="266"/>
+        </pc:sldMkLst>
+      </pc:sldChg>
+      <pc:sldChg chg="addSp delSp modSp">
+        <pc:chgData name="Felipe Pimentel Augusto" userId="S::felipe.augusto@al.infnet.edu.br::971e80a8-d807-4b15-b541-2b289748ef42" providerId="AD" clId="Web-{3CF7EB51-8AB0-3267-7FDE-E37FE84FACB6}" dt="2021-03-23T23:55:16.913" v="252" actId="20577"/>
+        <pc:sldMkLst>
+          <pc:docMk/>
+          <pc:sldMk cId="2117840401" sldId="267"/>
+        </pc:sldMkLst>
+        <pc:spChg chg="del mod">
+          <ac:chgData name="Felipe Pimentel Augusto" userId="S::felipe.augusto@al.infnet.edu.br::971e80a8-d807-4b15-b541-2b289748ef42" providerId="AD" clId="Web-{3CF7EB51-8AB0-3267-7FDE-E37FE84FACB6}" dt="2021-03-23T23:50:27.238" v="47"/>
+          <ac:spMkLst>
+            <pc:docMk/>
+            <pc:sldMk cId="2117840401" sldId="267"/>
+            <ac:spMk id="3" creationId="{5404738F-943C-4AB3-AF9B-E750C450BA5B}"/>
+          </ac:spMkLst>
+        </pc:spChg>
+        <pc:spChg chg="add mod">
+          <ac:chgData name="Felipe Pimentel Augusto" userId="S::felipe.augusto@al.infnet.edu.br::971e80a8-d807-4b15-b541-2b289748ef42" providerId="AD" clId="Web-{3CF7EB51-8AB0-3267-7FDE-E37FE84FACB6}" dt="2021-03-23T23:55:16.913" v="252" actId="20577"/>
+          <ac:spMkLst>
+            <pc:docMk/>
+            <pc:sldMk cId="2117840401" sldId="267"/>
+            <ac:spMk id="5" creationId="{751BADB0-5D73-43E9-9ABB-321766D8AE39}"/>
+          </ac:spMkLst>
+        </pc:spChg>
+      </pc:sldChg>
+      <pc:sldChg chg="del">
+        <pc:chgData name="Felipe Pimentel Augusto" userId="S::felipe.augusto@al.infnet.edu.br::971e80a8-d807-4b15-b541-2b289748ef42" providerId="AD" clId="Web-{3CF7EB51-8AB0-3267-7FDE-E37FE84FACB6}" dt="2021-03-23T23:55:18.898" v="253"/>
+        <pc:sldMkLst>
+          <pc:docMk/>
+          <pc:sldMk cId="254477450" sldId="268"/>
+        </pc:sldMkLst>
+      </pc:sldChg>
+      <pc:sldChg chg="del">
+        <pc:chgData name="Felipe Pimentel Augusto" userId="S::felipe.augusto@al.infnet.edu.br::971e80a8-d807-4b15-b541-2b289748ef42" providerId="AD" clId="Web-{3CF7EB51-8AB0-3267-7FDE-E37FE84FACB6}" dt="2021-03-23T23:57:48.048" v="328"/>
+        <pc:sldMkLst>
+          <pc:docMk/>
+          <pc:sldMk cId="4247562050" sldId="283"/>
+        </pc:sldMkLst>
+      </pc:sldChg>
+      <pc:sldChg chg="modSp add replId">
+        <pc:chgData name="Felipe Pimentel Augusto" userId="S::felipe.augusto@al.infnet.edu.br::971e80a8-d807-4b15-b541-2b289748ef42" providerId="AD" clId="Web-{3CF7EB51-8AB0-3267-7FDE-E37FE84FACB6}" dt="2021-03-23T23:55:37.899" v="268" actId="20577"/>
+        <pc:sldMkLst>
+          <pc:docMk/>
+          <pc:sldMk cId="3085343870" sldId="284"/>
+        </pc:sldMkLst>
+        <pc:spChg chg="mod">
+          <ac:chgData name="Felipe Pimentel Augusto" userId="S::felipe.augusto@al.infnet.edu.br::971e80a8-d807-4b15-b541-2b289748ef42" providerId="AD" clId="Web-{3CF7EB51-8AB0-3267-7FDE-E37FE84FACB6}" dt="2021-03-23T23:55:37.899" v="268" actId="20577"/>
+          <ac:spMkLst>
+            <pc:docMk/>
+            <pc:sldMk cId="3085343870" sldId="284"/>
+            <ac:spMk id="5" creationId="{751BADB0-5D73-43E9-9ABB-321766D8AE39}"/>
+          </ac:spMkLst>
+        </pc:spChg>
+      </pc:sldChg>
+      <pc:sldChg chg="modSp add replId">
+        <pc:chgData name="Felipe Pimentel Augusto" userId="S::felipe.augusto@al.infnet.edu.br::971e80a8-d807-4b15-b541-2b289748ef42" providerId="AD" clId="Web-{3CF7EB51-8AB0-3267-7FDE-E37FE84FACB6}" dt="2021-03-23T23:55:58.307" v="272" actId="20577"/>
+        <pc:sldMkLst>
+          <pc:docMk/>
+          <pc:sldMk cId="3296025950" sldId="285"/>
+        </pc:sldMkLst>
+        <pc:spChg chg="mod">
+          <ac:chgData name="Felipe Pimentel Augusto" userId="S::felipe.augusto@al.infnet.edu.br::971e80a8-d807-4b15-b541-2b289748ef42" providerId="AD" clId="Web-{3CF7EB51-8AB0-3267-7FDE-E37FE84FACB6}" dt="2021-03-23T23:55:58.307" v="272" actId="20577"/>
+          <ac:spMkLst>
+            <pc:docMk/>
+            <pc:sldMk cId="3296025950" sldId="285"/>
+            <ac:spMk id="5" creationId="{751BADB0-5D73-43E9-9ABB-321766D8AE39}"/>
+          </ac:spMkLst>
+        </pc:spChg>
+      </pc:sldChg>
+      <pc:sldChg chg="modSp add replId">
+        <pc:chgData name="Felipe Pimentel Augusto" userId="S::felipe.augusto@al.infnet.edu.br::971e80a8-d807-4b15-b541-2b289748ef42" providerId="AD" clId="Web-{3CF7EB51-8AB0-3267-7FDE-E37FE84FACB6}" dt="2021-03-23T23:56:26.746" v="279" actId="20577"/>
+        <pc:sldMkLst>
+          <pc:docMk/>
+          <pc:sldMk cId="1889809419" sldId="286"/>
+        </pc:sldMkLst>
+        <pc:spChg chg="mod">
+          <ac:chgData name="Felipe Pimentel Augusto" userId="S::felipe.augusto@al.infnet.edu.br::971e80a8-d807-4b15-b541-2b289748ef42" providerId="AD" clId="Web-{3CF7EB51-8AB0-3267-7FDE-E37FE84FACB6}" dt="2021-03-23T23:56:26.746" v="279" actId="20577"/>
+          <ac:spMkLst>
+            <pc:docMk/>
+            <pc:sldMk cId="1889809419" sldId="286"/>
+            <ac:spMk id="5" creationId="{751BADB0-5D73-43E9-9ABB-321766D8AE39}"/>
+          </ac:spMkLst>
+        </pc:spChg>
+      </pc:sldChg>
+      <pc:sldChg chg="modSp add replId">
+        <pc:chgData name="Felipe Pimentel Augusto" userId="S::felipe.augusto@al.infnet.edu.br::971e80a8-d807-4b15-b541-2b289748ef42" providerId="AD" clId="Web-{3CF7EB51-8AB0-3267-7FDE-E37FE84FACB6}" dt="2021-03-23T23:56:47.419" v="295" actId="20577"/>
+        <pc:sldMkLst>
+          <pc:docMk/>
+          <pc:sldMk cId="1111943198" sldId="287"/>
+        </pc:sldMkLst>
+        <pc:spChg chg="mod">
+          <ac:chgData name="Felipe Pimentel Augusto" userId="S::felipe.augusto@al.infnet.edu.br::971e80a8-d807-4b15-b541-2b289748ef42" providerId="AD" clId="Web-{3CF7EB51-8AB0-3267-7FDE-E37FE84FACB6}" dt="2021-03-23T23:56:47.419" v="295" actId="20577"/>
+          <ac:spMkLst>
+            <pc:docMk/>
+            <pc:sldMk cId="1111943198" sldId="287"/>
+            <ac:spMk id="5" creationId="{751BADB0-5D73-43E9-9ABB-321766D8AE39}"/>
+          </ac:spMkLst>
+        </pc:spChg>
+      </pc:sldChg>
+      <pc:sldChg chg="modSp add replId">
+        <pc:chgData name="Felipe Pimentel Augusto" userId="S::felipe.augusto@al.infnet.edu.br::971e80a8-d807-4b15-b541-2b289748ef42" providerId="AD" clId="Web-{3CF7EB51-8AB0-3267-7FDE-E37FE84FACB6}" dt="2021-03-23T23:56:54.998" v="305" actId="20577"/>
+        <pc:sldMkLst>
+          <pc:docMk/>
+          <pc:sldMk cId="90675956" sldId="288"/>
+        </pc:sldMkLst>
+        <pc:spChg chg="mod">
+          <ac:chgData name="Felipe Pimentel Augusto" userId="S::felipe.augusto@al.infnet.edu.br::971e80a8-d807-4b15-b541-2b289748ef42" providerId="AD" clId="Web-{3CF7EB51-8AB0-3267-7FDE-E37FE84FACB6}" dt="2021-03-23T23:56:54.998" v="305" actId="20577"/>
+          <ac:spMkLst>
+            <pc:docMk/>
+            <pc:sldMk cId="90675956" sldId="288"/>
+            <ac:spMk id="5" creationId="{751BADB0-5D73-43E9-9ABB-321766D8AE39}"/>
+          </ac:spMkLst>
+        </pc:spChg>
+      </pc:sldChg>
+      <pc:sldChg chg="modSp add replId">
+        <pc:chgData name="Felipe Pimentel Augusto" userId="S::felipe.augusto@al.infnet.edu.br::971e80a8-d807-4b15-b541-2b289748ef42" providerId="AD" clId="Web-{3CF7EB51-8AB0-3267-7FDE-E37FE84FACB6}" dt="2021-03-23T23:57:13.593" v="315" actId="20577"/>
+        <pc:sldMkLst>
+          <pc:docMk/>
+          <pc:sldMk cId="4064229715" sldId="289"/>
+        </pc:sldMkLst>
+        <pc:spChg chg="mod">
+          <ac:chgData name="Felipe Pimentel Augusto" userId="S::felipe.augusto@al.infnet.edu.br::971e80a8-d807-4b15-b541-2b289748ef42" providerId="AD" clId="Web-{3CF7EB51-8AB0-3267-7FDE-E37FE84FACB6}" dt="2021-03-23T23:57:13.593" v="315" actId="20577"/>
+          <ac:spMkLst>
+            <pc:docMk/>
+            <pc:sldMk cId="4064229715" sldId="289"/>
+            <ac:spMk id="5" creationId="{751BADB0-5D73-43E9-9ABB-321766D8AE39}"/>
+          </ac:spMkLst>
+        </pc:spChg>
+      </pc:sldChg>
+      <pc:sldChg chg="modSp add replId">
+        <pc:chgData name="Felipe Pimentel Augusto" userId="S::felipe.augusto@al.infnet.edu.br::971e80a8-d807-4b15-b541-2b289748ef42" providerId="AD" clId="Web-{3CF7EB51-8AB0-3267-7FDE-E37FE84FACB6}" dt="2021-03-23T23:57:22.703" v="318" actId="20577"/>
+        <pc:sldMkLst>
+          <pc:docMk/>
+          <pc:sldMk cId="1989630067" sldId="290"/>
+        </pc:sldMkLst>
+        <pc:spChg chg="mod">
+          <ac:chgData name="Felipe Pimentel Augusto" userId="S::felipe.augusto@al.infnet.edu.br::971e80a8-d807-4b15-b541-2b289748ef42" providerId="AD" clId="Web-{3CF7EB51-8AB0-3267-7FDE-E37FE84FACB6}" dt="2021-03-23T23:57:22.703" v="318" actId="20577"/>
+          <ac:spMkLst>
+            <pc:docMk/>
+            <pc:sldMk cId="1989630067" sldId="290"/>
+            <ac:spMk id="5" creationId="{751BADB0-5D73-43E9-9ABB-321766D8AE39}"/>
+          </ac:spMkLst>
+        </pc:spChg>
+      </pc:sldChg>
+      <pc:sldChg chg="modSp add replId">
+        <pc:chgData name="Felipe Pimentel Augusto" userId="S::felipe.augusto@al.infnet.edu.br::971e80a8-d807-4b15-b541-2b289748ef42" providerId="AD" clId="Web-{3CF7EB51-8AB0-3267-7FDE-E37FE84FACB6}" dt="2021-03-23T23:57:42.392" v="327" actId="20577"/>
+        <pc:sldMkLst>
+          <pc:docMk/>
+          <pc:sldMk cId="2004314188" sldId="291"/>
+        </pc:sldMkLst>
+        <pc:spChg chg="mod">
+          <ac:chgData name="Felipe Pimentel Augusto" userId="S::felipe.augusto@al.infnet.edu.br::971e80a8-d807-4b15-b541-2b289748ef42" providerId="AD" clId="Web-{3CF7EB51-8AB0-3267-7FDE-E37FE84FACB6}" dt="2021-03-23T23:57:42.392" v="327" actId="20577"/>
+          <ac:spMkLst>
+            <pc:docMk/>
+            <pc:sldMk cId="2004314188" sldId="291"/>
+            <ac:spMk id="5" creationId="{751BADB0-5D73-43E9-9ABB-321766D8AE39}"/>
+          </ac:spMkLst>
+        </pc:spChg>
+      </pc:sldChg>
+      <pc:sldChg chg="modSp add ord replId">
+        <pc:chgData name="Felipe Pimentel Augusto" userId="S::felipe.augusto@al.infnet.edu.br::971e80a8-d807-4b15-b541-2b289748ef42" providerId="AD" clId="Web-{3CF7EB51-8AB0-3267-7FDE-E37FE84FACB6}" dt="2021-03-23T23:58:23.379" v="337" actId="20577"/>
+        <pc:sldMkLst>
+          <pc:docMk/>
+          <pc:sldMk cId="892426542" sldId="292"/>
+        </pc:sldMkLst>
+        <pc:spChg chg="mod">
+          <ac:chgData name="Felipe Pimentel Augusto" userId="S::felipe.augusto@al.infnet.edu.br::971e80a8-d807-4b15-b541-2b289748ef42" providerId="AD" clId="Web-{3CF7EB51-8AB0-3267-7FDE-E37FE84FACB6}" dt="2021-03-23T23:58:23.379" v="337" actId="20577"/>
+          <ac:spMkLst>
+            <pc:docMk/>
+            <pc:sldMk cId="892426542" sldId="292"/>
+            <ac:spMk id="3" creationId="{00000000-0000-0000-0000-000000000000}"/>
+          </ac:spMkLst>
+        </pc:spChg>
+      </pc:sldChg>
+    </pc:docChg>
+  </pc:docChgLst>
+  <pc:docChgLst>
+    <pc:chgData name="Rodrigo Germano Da Silva" userId="S::rodrigo.germanos@al.infnet.edu.br::8b0db1b5-67c8-45df-9e21-6398c0430ca9" providerId="AD" clId="Web-{A33AB79F-0080-0000-A601-74A67EDE26F0}"/>
+    <pc:docChg chg="delSld modSld">
+      <pc:chgData name="Rodrigo Germano Da Silva" userId="S::rodrigo.germanos@al.infnet.edu.br::8b0db1b5-67c8-45df-9e21-6398c0430ca9" providerId="AD" clId="Web-{A33AB79F-0080-0000-A601-74A67EDE26F0}" dt="2021-03-23T23:50:29.607" v="9"/>
+      <pc:docMkLst>
+        <pc:docMk/>
+      </pc:docMkLst>
+      <pc:sldChg chg="modSp">
+        <pc:chgData name="Rodrigo Germano Da Silva" userId="S::rodrigo.germanos@al.infnet.edu.br::8b0db1b5-67c8-45df-9e21-6398c0430ca9" providerId="AD" clId="Web-{A33AB79F-0080-0000-A601-74A67EDE26F0}" dt="2021-03-23T23:49:05.839" v="2" actId="20577"/>
+        <pc:sldMkLst>
+          <pc:docMk/>
+          <pc:sldMk cId="1071933082" sldId="256"/>
+        </pc:sldMkLst>
+        <pc:spChg chg="mod">
+          <ac:chgData name="Rodrigo Germano Da Silva" userId="S::rodrigo.germanos@al.infnet.edu.br::8b0db1b5-67c8-45df-9e21-6398c0430ca9" providerId="AD" clId="Web-{A33AB79F-0080-0000-A601-74A67EDE26F0}" dt="2021-03-23T23:49:05.839" v="2" actId="20577"/>
+          <ac:spMkLst>
+            <pc:docMk/>
+            <pc:sldMk cId="1071933082" sldId="256"/>
+            <ac:spMk id="3" creationId="{00000000-0000-0000-0000-000000000000}"/>
+          </ac:spMkLst>
+        </pc:spChg>
+      </pc:sldChg>
+      <pc:sldChg chg="del">
+        <pc:chgData name="Rodrigo Germano Da Silva" userId="S::rodrigo.germanos@al.infnet.edu.br::8b0db1b5-67c8-45df-9e21-6398c0430ca9" providerId="AD" clId="Web-{A33AB79F-0080-0000-A601-74A67EDE26F0}" dt="2021-03-23T23:50:08.575" v="3"/>
+        <pc:sldMkLst>
+          <pc:docMk/>
+          <pc:sldMk cId="3587709532" sldId="265"/>
+        </pc:sldMkLst>
+      </pc:sldChg>
+      <pc:sldChg chg="addSp delSp modSp">
+        <pc:chgData name="Rodrigo Germano Da Silva" userId="S::rodrigo.germanos@al.infnet.edu.br::8b0db1b5-67c8-45df-9e21-6398c0430ca9" providerId="AD" clId="Web-{A33AB79F-0080-0000-A601-74A67EDE26F0}" dt="2021-03-23T23:50:29.607" v="9"/>
+        <pc:sldMkLst>
+          <pc:docMk/>
+          <pc:sldMk cId="2117840401" sldId="267"/>
+        </pc:sldMkLst>
+        <pc:spChg chg="del">
+          <ac:chgData name="Rodrigo Germano Da Silva" userId="S::rodrigo.germanos@al.infnet.edu.br::8b0db1b5-67c8-45df-9e21-6398c0430ca9" providerId="AD" clId="Web-{A33AB79F-0080-0000-A601-74A67EDE26F0}" dt="2021-03-23T23:50:29.607" v="9"/>
+          <ac:spMkLst>
+            <pc:docMk/>
+            <pc:sldMk cId="2117840401" sldId="267"/>
+            <ac:spMk id="6" creationId="{7DFC81C4-0BCB-446A-9E86-0B96208D9DD6}"/>
+          </ac:spMkLst>
+        </pc:spChg>
+        <pc:picChg chg="add mod">
+          <ac:chgData name="Rodrigo Germano Da Silva" userId="S::rodrigo.germanos@al.infnet.edu.br::8b0db1b5-67c8-45df-9e21-6398c0430ca9" providerId="AD" clId="Web-{A33AB79F-0080-0000-A601-74A67EDE26F0}" dt="2021-03-23T23:50:24.560" v="8" actId="1076"/>
+          <ac:picMkLst>
+            <pc:docMk/>
+            <pc:sldMk cId="2117840401" sldId="267"/>
+            <ac:picMk id="4" creationId="{A8415950-AE8E-45C0-A2E5-D9B394DF621D}"/>
+          </ac:picMkLst>
+        </pc:picChg>
+        <pc:picChg chg="del">
+          <ac:chgData name="Rodrigo Germano Da Silva" userId="S::rodrigo.germanos@al.infnet.edu.br::8b0db1b5-67c8-45df-9e21-6398c0430ca9" providerId="AD" clId="Web-{A33AB79F-0080-0000-A601-74A67EDE26F0}" dt="2021-03-23T23:50:11.810" v="4"/>
+          <ac:picMkLst>
+            <pc:docMk/>
+            <pc:sldMk cId="2117840401" sldId="267"/>
+            <ac:picMk id="8" creationId="{62E14833-CD39-4D90-AC72-75DBFD97B785}"/>
+          </ac:picMkLst>
+        </pc:picChg>
+      </pc:sldChg>
+    </pc:docChg>
+  </pc:docChgLst>
+  <pc:docChgLst>
+    <pc:chgData name="Rodrigo Germano Da Silva" userId="S::rodrigo.germanos@al.infnet.edu.br::8b0db1b5-67c8-45df-9e21-6398c0430ca9" providerId="AD" clId="Web-{5B6186B0-7081-49D5-8340-A849E98161A3}"/>
+    <pc:docChg chg="addSld modSld">
+      <pc:chgData name="Rodrigo Germano Da Silva" userId="S::rodrigo.germanos@al.infnet.edu.br::8b0db1b5-67c8-45df-9e21-6398c0430ca9" providerId="AD" clId="Web-{5B6186B0-7081-49D5-8340-A849E98161A3}" dt="2021-04-01T01:03:56.084" v="27"/>
+      <pc:docMkLst>
+        <pc:docMk/>
+      </pc:docMkLst>
+      <pc:sldChg chg="addSp delSp modSp add replId">
+        <pc:chgData name="Rodrigo Germano Da Silva" userId="S::rodrigo.germanos@al.infnet.edu.br::8b0db1b5-67c8-45df-9e21-6398c0430ca9" providerId="AD" clId="Web-{5B6186B0-7081-49D5-8340-A849E98161A3}" dt="2021-04-01T01:03:14.661" v="19" actId="1076"/>
+        <pc:sldMkLst>
+          <pc:docMk/>
+          <pc:sldMk cId="2498489773" sldId="296"/>
+        </pc:sldMkLst>
+        <pc:spChg chg="mod">
+          <ac:chgData name="Rodrigo Germano Da Silva" userId="S::rodrigo.germanos@al.infnet.edu.br::8b0db1b5-67c8-45df-9e21-6398c0430ca9" providerId="AD" clId="Web-{5B6186B0-7081-49D5-8340-A849E98161A3}" dt="2021-03-31T22:30:04.678" v="7" actId="20577"/>
+          <ac:spMkLst>
+            <pc:docMk/>
+            <pc:sldMk cId="2498489773" sldId="296"/>
+            <ac:spMk id="5" creationId="{751BADB0-5D73-43E9-9ABB-321766D8AE39}"/>
+          </ac:spMkLst>
+        </pc:spChg>
+        <pc:picChg chg="add mod ord">
+          <ac:chgData name="Rodrigo Germano Da Silva" userId="S::rodrigo.germanos@al.infnet.edu.br::8b0db1b5-67c8-45df-9e21-6398c0430ca9" providerId="AD" clId="Web-{5B6186B0-7081-49D5-8340-A849E98161A3}" dt="2021-04-01T01:03:14.661" v="19" actId="1076"/>
+          <ac:picMkLst>
+            <pc:docMk/>
+            <pc:sldMk cId="2498489773" sldId="296"/>
+            <ac:picMk id="3" creationId="{E93F4318-EE41-4453-B35C-0CEE8CAD8470}"/>
+          </ac:picMkLst>
+        </pc:picChg>
+        <pc:picChg chg="del">
+          <ac:chgData name="Rodrigo Germano Da Silva" userId="S::rodrigo.germanos@al.infnet.edu.br::8b0db1b5-67c8-45df-9e21-6398c0430ca9" providerId="AD" clId="Web-{5B6186B0-7081-49D5-8340-A849E98161A3}" dt="2021-03-31T22:29:48.303" v="1"/>
+          <ac:picMkLst>
+            <pc:docMk/>
+            <pc:sldMk cId="2498489773" sldId="296"/>
+            <ac:picMk id="3" creationId="{F61E806B-DB67-4104-9C65-6450A8F11989}"/>
+          </ac:picMkLst>
+        </pc:picChg>
+        <pc:picChg chg="del">
+          <ac:chgData name="Rodrigo Germano Da Silva" userId="S::rodrigo.germanos@al.infnet.edu.br::8b0db1b5-67c8-45df-9e21-6398c0430ca9" providerId="AD" clId="Web-{5B6186B0-7081-49D5-8340-A849E98161A3}" dt="2021-03-31T22:29:56.225" v="5"/>
+          <ac:picMkLst>
+            <pc:docMk/>
+            <pc:sldMk cId="2498489773" sldId="296"/>
+            <ac:picMk id="6" creationId="{ABC56352-2CCF-4552-AF40-7827E1BF3722}"/>
+          </ac:picMkLst>
+        </pc:picChg>
+        <pc:picChg chg="del">
+          <ac:chgData name="Rodrigo Germano Da Silva" userId="S::rodrigo.germanos@al.infnet.edu.br::8b0db1b5-67c8-45df-9e21-6398c0430ca9" providerId="AD" clId="Web-{5B6186B0-7081-49D5-8340-A849E98161A3}" dt="2021-03-31T22:29:56.600" v="6"/>
+          <ac:picMkLst>
+            <pc:docMk/>
+            <pc:sldMk cId="2498489773" sldId="296"/>
+            <ac:picMk id="8" creationId="{AB7DC138-DF0D-42C0-9BB5-8623EBF1CABB}"/>
+          </ac:picMkLst>
+        </pc:picChg>
+        <pc:picChg chg="add del mod">
+          <ac:chgData name="Rodrigo Germano Da Silva" userId="S::rodrigo.germanos@al.infnet.edu.br::8b0db1b5-67c8-45df-9e21-6398c0430ca9" providerId="AD" clId="Web-{5B6186B0-7081-49D5-8340-A849E98161A3}" dt="2021-04-01T01:02:56.349" v="12"/>
+          <ac:picMkLst>
+            <pc:docMk/>
+            <pc:sldMk cId="2498489773" sldId="296"/>
+            <ac:picMk id="9" creationId="{4B403958-D7E9-41E5-ADAE-860A8CA9DDED}"/>
+          </ac:picMkLst>
+        </pc:picChg>
+      </pc:sldChg>
+      <pc:sldChg chg="addSp delSp modSp add replId">
+        <pc:chgData name="Rodrigo Germano Da Silva" userId="S::rodrigo.germanos@al.infnet.edu.br::8b0db1b5-67c8-45df-9e21-6398c0430ca9" providerId="AD" clId="Web-{5B6186B0-7081-49D5-8340-A849E98161A3}" dt="2021-04-01T01:03:56.084" v="27"/>
+        <pc:sldMkLst>
+          <pc:docMk/>
+          <pc:sldMk cId="3493888325" sldId="297"/>
+        </pc:sldMkLst>
+        <pc:spChg chg="mod">
+          <ac:chgData name="Rodrigo Germano Da Silva" userId="S::rodrigo.germanos@al.infnet.edu.br::8b0db1b5-67c8-45df-9e21-6398c0430ca9" providerId="AD" clId="Web-{5B6186B0-7081-49D5-8340-A849E98161A3}" dt="2021-04-01T01:03:24.896" v="23" actId="20577"/>
+          <ac:spMkLst>
+            <pc:docMk/>
+            <pc:sldMk cId="3493888325" sldId="297"/>
+            <ac:spMk id="5" creationId="{751BADB0-5D73-43E9-9ABB-321766D8AE39}"/>
+          </ac:spMkLst>
+        </pc:spChg>
+        <pc:picChg chg="del">
+          <ac:chgData name="Rodrigo Germano Da Silva" userId="S::rodrigo.germanos@al.infnet.edu.br::8b0db1b5-67c8-45df-9e21-6398c0430ca9" providerId="AD" clId="Web-{5B6186B0-7081-49D5-8340-A849E98161A3}" dt="2021-04-01T01:03:22.208" v="21"/>
+          <ac:picMkLst>
+            <pc:docMk/>
+            <pc:sldMk cId="3493888325" sldId="297"/>
+            <ac:picMk id="3" creationId="{E93F4318-EE41-4453-B35C-0CEE8CAD8470}"/>
+          </ac:picMkLst>
+        </pc:picChg>
+        <pc:picChg chg="add mod ord">
+          <ac:chgData name="Rodrigo Germano Da Silva" userId="S::rodrigo.germanos@al.infnet.edu.br::8b0db1b5-67c8-45df-9e21-6398c0430ca9" providerId="AD" clId="Web-{5B6186B0-7081-49D5-8340-A849E98161A3}" dt="2021-04-01T01:03:56.084" v="27"/>
+          <ac:picMkLst>
+            <pc:docMk/>
+            <pc:sldMk cId="3493888325" sldId="297"/>
+            <ac:picMk id="6" creationId="{CBECF66A-9EDF-45D2-B012-9A1FC4626388}"/>
+          </ac:picMkLst>
+        </pc:picChg>
+      </pc:sldChg>
+    </pc:docChg>
+  </pc:docChgLst>
+  <pc:docChgLst>
+    <pc:chgData name="Rodrigo Germano Da Silva" userId="S::rodrigo.germanos@al.infnet.edu.br::8b0db1b5-67c8-45df-9e21-6398c0430ca9" providerId="AD" clId="Web-{4977DD9D-EA69-4843-8034-71706C86C333}"/>
+    <pc:docChg chg="modSld">
+      <pc:chgData name="Rodrigo Germano Da Silva" userId="S::rodrigo.germanos@al.infnet.edu.br::8b0db1b5-67c8-45df-9e21-6398c0430ca9" providerId="AD" clId="Web-{4977DD9D-EA69-4843-8034-71706C86C333}" dt="2021-03-25T00:56:34.433" v="4" actId="1076"/>
+      <pc:docMkLst>
+        <pc:docMk/>
+      </pc:docMkLst>
+      <pc:sldChg chg="addSp delSp modSp">
+        <pc:chgData name="Rodrigo Germano Da Silva" userId="S::rodrigo.germanos@al.infnet.edu.br::8b0db1b5-67c8-45df-9e21-6398c0430ca9" providerId="AD" clId="Web-{4977DD9D-EA69-4843-8034-71706C86C333}" dt="2021-03-25T00:56:34.433" v="4" actId="1076"/>
+        <pc:sldMkLst>
+          <pc:docMk/>
+          <pc:sldMk cId="1889809419" sldId="286"/>
+        </pc:sldMkLst>
+        <pc:picChg chg="del">
+          <ac:chgData name="Rodrigo Germano Da Silva" userId="S::rodrigo.germanos@al.infnet.edu.br::8b0db1b5-67c8-45df-9e21-6398c0430ca9" providerId="AD" clId="Web-{4977DD9D-EA69-4843-8034-71706C86C333}" dt="2021-03-25T00:56:24.793" v="0"/>
+          <ac:picMkLst>
+            <pc:docMk/>
+            <pc:sldMk cId="1889809419" sldId="286"/>
+            <ac:picMk id="3" creationId="{62DFA0C4-8D08-470A-938C-875BA8C428BC}"/>
+          </ac:picMkLst>
+        </pc:picChg>
+        <pc:picChg chg="add mod">
+          <ac:chgData name="Rodrigo Germano Da Silva" userId="S::rodrigo.germanos@al.infnet.edu.br::8b0db1b5-67c8-45df-9e21-6398c0430ca9" providerId="AD" clId="Web-{4977DD9D-EA69-4843-8034-71706C86C333}" dt="2021-03-25T00:56:34.433" v="4" actId="1076"/>
+          <ac:picMkLst>
+            <pc:docMk/>
+            <pc:sldMk cId="1889809419" sldId="286"/>
+            <ac:picMk id="6" creationId="{B1929BA4-230C-4795-9D5F-7988AABBAA0D}"/>
+          </ac:picMkLst>
+        </pc:picChg>
+      </pc:sldChg>
+    </pc:docChg>
+  </pc:docChgLst>
+  <pc:docChgLst>
+    <pc:chgData name="Felipe Pimentel Augusto" userId="S::felipe.augusto@al.infnet.edu.br::971e80a8-d807-4b15-b541-2b289748ef42" providerId="AD" clId="Web-{FA7F1767-3B46-84DA-72AB-F84CEE8D6F8A}"/>
+    <pc:docChg chg="modSld">
+      <pc:chgData name="Felipe Pimentel Augusto" userId="S::felipe.augusto@al.infnet.edu.br::971e80a8-d807-4b15-b541-2b289748ef42" providerId="AD" clId="Web-{FA7F1767-3B46-84DA-72AB-F84CEE8D6F8A}" dt="2021-03-25T00:54:07.138" v="3" actId="1076"/>
+      <pc:docMkLst>
+        <pc:docMk/>
+      </pc:docMkLst>
+      <pc:sldChg chg="addSp modSp">
+        <pc:chgData name="Felipe Pimentel Augusto" userId="S::felipe.augusto@al.infnet.edu.br::971e80a8-d807-4b15-b541-2b289748ef42" providerId="AD" clId="Web-{FA7F1767-3B46-84DA-72AB-F84CEE8D6F8A}" dt="2021-03-25T00:54:07.138" v="3" actId="1076"/>
+        <pc:sldMkLst>
+          <pc:docMk/>
+          <pc:sldMk cId="1889809419" sldId="286"/>
+        </pc:sldMkLst>
+        <pc:picChg chg="add mod">
+          <ac:chgData name="Felipe Pimentel Augusto" userId="S::felipe.augusto@al.infnet.edu.br::971e80a8-d807-4b15-b541-2b289748ef42" providerId="AD" clId="Web-{FA7F1767-3B46-84DA-72AB-F84CEE8D6F8A}" dt="2021-03-25T00:54:07.138" v="3" actId="1076"/>
+          <ac:picMkLst>
+            <pc:docMk/>
+            <pc:sldMk cId="1889809419" sldId="286"/>
+            <ac:picMk id="3" creationId="{62DFA0C4-8D08-470A-938C-875BA8C428BC}"/>
+          </ac:picMkLst>
+        </pc:picChg>
+      </pc:sldChg>
+    </pc:docChg>
+  </pc:docChgLst>
+  <pc:docChgLst>
+    <pc:chgData name="Felipe Pimentel Augusto" userId="S::felipe.augusto@al.infnet.edu.br::971e80a8-d807-4b15-b541-2b289748ef42" providerId="AD" clId="Web-{F1671F70-D6D8-F201-53D1-861BBCD45610}"/>
+    <pc:docChg chg="addSld modSld">
+      <pc:chgData name="Felipe Pimentel Augusto" userId="S::felipe.augusto@al.infnet.edu.br::971e80a8-d807-4b15-b541-2b289748ef42" providerId="AD" clId="Web-{F1671F70-D6D8-F201-53D1-861BBCD45610}" dt="2021-03-25T01:54:20.713" v="611" actId="20577"/>
+      <pc:docMkLst>
+        <pc:docMk/>
+      </pc:docMkLst>
+      <pc:sldChg chg="addSp modSp">
+        <pc:chgData name="Felipe Pimentel Augusto" userId="S::felipe.augusto@al.infnet.edu.br::971e80a8-d807-4b15-b541-2b289748ef42" providerId="AD" clId="Web-{F1671F70-D6D8-F201-53D1-861BBCD45610}" dt="2021-03-25T01:06:19.197" v="533" actId="20577"/>
+        <pc:sldMkLst>
+          <pc:docMk/>
+          <pc:sldMk cId="3085343870" sldId="284"/>
+        </pc:sldMkLst>
+        <pc:spChg chg="add mod">
+          <ac:chgData name="Felipe Pimentel Augusto" userId="S::felipe.augusto@al.infnet.edu.br::971e80a8-d807-4b15-b541-2b289748ef42" providerId="AD" clId="Web-{F1671F70-D6D8-F201-53D1-861BBCD45610}" dt="2021-03-25T01:06:19.197" v="533" actId="20577"/>
+          <ac:spMkLst>
+            <pc:docMk/>
+            <pc:sldMk cId="3085343870" sldId="284"/>
+            <ac:spMk id="3" creationId="{74DA363A-8FFB-4163-86A6-9AD56C784E38}"/>
+          </ac:spMkLst>
+        </pc:spChg>
+      </pc:sldChg>
+      <pc:sldChg chg="addSp modSp">
+        <pc:chgData name="Felipe Pimentel Augusto" userId="S::felipe.augusto@al.infnet.edu.br::971e80a8-d807-4b15-b541-2b289748ef42" providerId="AD" clId="Web-{F1671F70-D6D8-F201-53D1-861BBCD45610}" dt="2021-03-25T01:16:47.977" v="539" actId="1076"/>
+        <pc:sldMkLst>
+          <pc:docMk/>
+          <pc:sldMk cId="1111943198" sldId="287"/>
+        </pc:sldMkLst>
+        <pc:picChg chg="add mod">
+          <ac:chgData name="Felipe Pimentel Augusto" userId="S::felipe.augusto@al.infnet.edu.br::971e80a8-d807-4b15-b541-2b289748ef42" providerId="AD" clId="Web-{F1671F70-D6D8-F201-53D1-861BBCD45610}" dt="2021-03-25T01:16:47.977" v="539" actId="1076"/>
+          <ac:picMkLst>
+            <pc:docMk/>
+            <pc:sldMk cId="1111943198" sldId="287"/>
+            <ac:picMk id="3" creationId="{6BFD81E6-E3BC-4575-BD62-73290C78CC79}"/>
+          </ac:picMkLst>
+        </pc:picChg>
+      </pc:sldChg>
+      <pc:sldChg chg="addSp delSp modSp">
+        <pc:chgData name="Felipe Pimentel Augusto" userId="S::felipe.augusto@al.infnet.edu.br::971e80a8-d807-4b15-b541-2b289748ef42" providerId="AD" clId="Web-{F1671F70-D6D8-F201-53D1-861BBCD45610}" dt="2021-03-25T01:36:48.768" v="578" actId="1076"/>
+        <pc:sldMkLst>
+          <pc:docMk/>
+          <pc:sldMk cId="90675956" sldId="288"/>
+        </pc:sldMkLst>
+        <pc:spChg chg="mod">
+          <ac:chgData name="Felipe Pimentel Augusto" userId="S::felipe.augusto@al.infnet.edu.br::971e80a8-d807-4b15-b541-2b289748ef42" providerId="AD" clId="Web-{F1671F70-D6D8-F201-53D1-861BBCD45610}" dt="2021-03-25T01:35:49.659" v="563" actId="20577"/>
+          <ac:spMkLst>
+            <pc:docMk/>
+            <pc:sldMk cId="90675956" sldId="288"/>
+            <ac:spMk id="5" creationId="{751BADB0-5D73-43E9-9ABB-321766D8AE39}"/>
+          </ac:spMkLst>
+        </pc:spChg>
+        <pc:picChg chg="add del mod">
+          <ac:chgData name="Felipe Pimentel Augusto" userId="S::felipe.augusto@al.infnet.edu.br::971e80a8-d807-4b15-b541-2b289748ef42" providerId="AD" clId="Web-{F1671F70-D6D8-F201-53D1-861BBCD45610}" dt="2021-03-25T01:35:14.425" v="548"/>
+          <ac:picMkLst>
+            <pc:docMk/>
+            <pc:sldMk cId="90675956" sldId="288"/>
+            <ac:picMk id="3" creationId="{D8C48BFD-BF80-4BC2-ABC8-01BB563A012D}"/>
+          </ac:picMkLst>
+        </pc:picChg>
+        <pc:picChg chg="add del mod">
+          <ac:chgData name="Felipe Pimentel Augusto" userId="S::felipe.augusto@al.infnet.edu.br::971e80a8-d807-4b15-b541-2b289748ef42" providerId="AD" clId="Web-{F1671F70-D6D8-F201-53D1-861BBCD45610}" dt="2021-03-25T01:36:41.596" v="575"/>
+          <ac:picMkLst>
+            <pc:docMk/>
+            <pc:sldMk cId="90675956" sldId="288"/>
+            <ac:picMk id="6" creationId="{B860B717-6C80-48A6-B49A-9D384B9F985B}"/>
+          </ac:picMkLst>
+        </pc:picChg>
+        <pc:picChg chg="add mod">
+          <ac:chgData name="Felipe Pimentel Augusto" userId="S::felipe.augusto@al.infnet.edu.br::971e80a8-d807-4b15-b541-2b289748ef42" providerId="AD" clId="Web-{F1671F70-D6D8-F201-53D1-861BBCD45610}" dt="2021-03-25T01:36:48.768" v="578" actId="1076"/>
+          <ac:picMkLst>
+            <pc:docMk/>
+            <pc:sldMk cId="90675956" sldId="288"/>
+            <ac:picMk id="8" creationId="{1039AAE0-00A4-43B8-9209-8716554220A8}"/>
+          </ac:picMkLst>
+        </pc:picChg>
+      </pc:sldChg>
+      <pc:sldChg chg="addSp modSp">
+        <pc:chgData name="Felipe Pimentel Augusto" userId="S::felipe.augusto@al.infnet.edu.br::971e80a8-d807-4b15-b541-2b289748ef42" providerId="AD" clId="Web-{F1671F70-D6D8-F201-53D1-861BBCD45610}" dt="2021-03-25T01:51:53.682" v="590" actId="1076"/>
+        <pc:sldMkLst>
+          <pc:docMk/>
+          <pc:sldMk cId="4064229715" sldId="289"/>
+        </pc:sldMkLst>
+        <pc:picChg chg="add mod">
+          <ac:chgData name="Felipe Pimentel Augusto" userId="S::felipe.augusto@al.infnet.edu.br::971e80a8-d807-4b15-b541-2b289748ef42" providerId="AD" clId="Web-{F1671F70-D6D8-F201-53D1-861BBCD45610}" dt="2021-03-25T01:49:45.168" v="586" actId="1076"/>
+          <ac:picMkLst>
+            <pc:docMk/>
+            <pc:sldMk cId="4064229715" sldId="289"/>
+            <ac:picMk id="3" creationId="{F61E806B-DB67-4104-9C65-6450A8F11989}"/>
+          </ac:picMkLst>
+        </pc:picChg>
+        <pc:picChg chg="add mod">
+          <ac:chgData name="Felipe Pimentel Augusto" userId="S::felipe.augusto@al.infnet.edu.br::971e80a8-d807-4b15-b541-2b289748ef42" providerId="AD" clId="Web-{F1671F70-D6D8-F201-53D1-861BBCD45610}" dt="2021-03-25T01:51:53.682" v="590" actId="1076"/>
+          <ac:picMkLst>
+            <pc:docMk/>
+            <pc:sldMk cId="4064229715" sldId="289"/>
+            <ac:picMk id="6" creationId="{ABC56352-2CCF-4552-AF40-7827E1BF3722}"/>
+          </ac:picMkLst>
+        </pc:picChg>
+      </pc:sldChg>
+      <pc:sldChg chg="addSp delSp modSp">
+        <pc:chgData name="Felipe Pimentel Augusto" userId="S::felipe.augusto@al.infnet.edu.br::971e80a8-d807-4b15-b541-2b289748ef42" providerId="AD" clId="Web-{F1671F70-D6D8-F201-53D1-861BBCD45610}" dt="2021-03-25T01:54:20.713" v="611" actId="20577"/>
+        <pc:sldMkLst>
+          <pc:docMk/>
+          <pc:sldMk cId="2004314188" sldId="291"/>
+        </pc:sldMkLst>
+        <pc:spChg chg="add del mod">
+          <ac:chgData name="Felipe Pimentel Augusto" userId="S::felipe.augusto@al.infnet.edu.br::971e80a8-d807-4b15-b541-2b289748ef42" providerId="AD" clId="Web-{F1671F70-D6D8-F201-53D1-861BBCD45610}" dt="2021-03-25T01:53:46.291" v="600"/>
+          <ac:spMkLst>
+            <pc:docMk/>
+            <pc:sldMk cId="2004314188" sldId="291"/>
+            <ac:spMk id="3" creationId="{98806EFB-9CF1-4A80-8A26-835729129A53}"/>
+          </ac:spMkLst>
+        </pc:spChg>
+        <pc:spChg chg="add mod">
+          <ac:chgData name="Felipe Pimentel Augusto" userId="S::felipe.augusto@al.infnet.edu.br::971e80a8-d807-4b15-b541-2b289748ef42" providerId="AD" clId="Web-{F1671F70-D6D8-F201-53D1-861BBCD45610}" dt="2021-03-25T01:54:20.713" v="611" actId="20577"/>
+          <ac:spMkLst>
+            <pc:docMk/>
+            <pc:sldMk cId="2004314188" sldId="291"/>
+            <ac:spMk id="6" creationId="{553D447B-6377-4757-977D-CB26B99C59EC}"/>
+          </ac:spMkLst>
+        </pc:spChg>
+      </pc:sldChg>
+      <pc:sldChg chg="addSp delSp modSp add replId">
+        <pc:chgData name="Felipe Pimentel Augusto" userId="S::felipe.augusto@al.infnet.edu.br::971e80a8-d807-4b15-b541-2b289748ef42" providerId="AD" clId="Web-{F1671F70-D6D8-F201-53D1-861BBCD45610}" dt="2021-03-25T01:37:18.065" v="581" actId="1076"/>
+        <pc:sldMkLst>
+          <pc:docMk/>
+          <pc:sldMk cId="3999866499" sldId="293"/>
+        </pc:sldMkLst>
+        <pc:spChg chg="mod">
+          <ac:chgData name="Felipe Pimentel Augusto" userId="S::felipe.augusto@al.infnet.edu.br::971e80a8-d807-4b15-b541-2b289748ef42" providerId="AD" clId="Web-{F1671F70-D6D8-F201-53D1-861BBCD45610}" dt="2021-03-25T01:36:12.955" v="573" actId="20577"/>
+          <ac:spMkLst>
+            <pc:docMk/>
+            <pc:sldMk cId="3999866499" sldId="293"/>
+            <ac:spMk id="5" creationId="{751BADB0-5D73-43E9-9ABB-321766D8AE39}"/>
+          </ac:spMkLst>
+        </pc:spChg>
+        <pc:picChg chg="add mod">
+          <ac:chgData name="Felipe Pimentel Augusto" userId="S::felipe.augusto@al.infnet.edu.br::971e80a8-d807-4b15-b541-2b289748ef42" providerId="AD" clId="Web-{F1671F70-D6D8-F201-53D1-861BBCD45610}" dt="2021-03-25T01:37:18.065" v="581" actId="1076"/>
+          <ac:picMkLst>
+            <pc:docMk/>
+            <pc:sldMk cId="3999866499" sldId="293"/>
+            <ac:picMk id="3" creationId="{2A6095D7-7919-4577-9748-F971A662B4CE}"/>
+          </ac:picMkLst>
+        </pc:picChg>
+        <pc:picChg chg="del">
+          <ac:chgData name="Felipe Pimentel Augusto" userId="S::felipe.augusto@al.infnet.edu.br::971e80a8-d807-4b15-b541-2b289748ef42" providerId="AD" clId="Web-{F1671F70-D6D8-F201-53D1-861BBCD45610}" dt="2021-03-25T01:36:16.941" v="574"/>
+          <ac:picMkLst>
+            <pc:docMk/>
+            <pc:sldMk cId="3999866499" sldId="293"/>
+            <ac:picMk id="6" creationId="{B860B717-6C80-48A6-B49A-9D384B9F985B}"/>
+          </ac:picMkLst>
+        </pc:picChg>
+      </pc:sldChg>
+      <pc:sldChg chg="add replId">
+        <pc:chgData name="Felipe Pimentel Augusto" userId="S::felipe.augusto@al.infnet.edu.br::971e80a8-d807-4b15-b541-2b289748ef42" providerId="AD" clId="Web-{F1671F70-D6D8-F201-53D1-861BBCD45610}" dt="2021-03-25T01:52:28.807" v="591"/>
+        <pc:sldMkLst>
+          <pc:docMk/>
+          <pc:sldMk cId="1244966846" sldId="294"/>
+        </pc:sldMkLst>
+      </pc:sldChg>
+      <pc:sldChg chg="addSp modSp add replId">
+        <pc:chgData name="Felipe Pimentel Augusto" userId="S::felipe.augusto@al.infnet.edu.br::971e80a8-d807-4b15-b541-2b289748ef42" providerId="AD" clId="Web-{F1671F70-D6D8-F201-53D1-861BBCD45610}" dt="2021-03-25T01:52:53.073" v="597" actId="1076"/>
+        <pc:sldMkLst>
+          <pc:docMk/>
+          <pc:sldMk cId="3173208299" sldId="295"/>
+        </pc:sldMkLst>
+        <pc:picChg chg="add mod">
+          <ac:chgData name="Felipe Pimentel Augusto" userId="S::felipe.augusto@al.infnet.edu.br::971e80a8-d807-4b15-b541-2b289748ef42" providerId="AD" clId="Web-{F1671F70-D6D8-F201-53D1-861BBCD45610}" dt="2021-03-25T01:52:53.073" v="597" actId="1076"/>
+          <ac:picMkLst>
+            <pc:docMk/>
+            <pc:sldMk cId="3173208299" sldId="295"/>
+            <ac:picMk id="8" creationId="{AB7DC138-DF0D-42C0-9BB5-8623EBF1CABB}"/>
+          </ac:picMkLst>
+        </pc:picChg>
+      </pc:sldChg>
+    </pc:docChg>
+  </pc:docChgLst>
+</pc:chgInfo>
 </file>
 
 <file path=ppt/notesMasters/notesMaster1.xml><?xml version="1.0" encoding="utf-8"?>
@@ -2982,7 +1184,7 @@
           <a:p>
             <a:fld id="{55BECDCE-FB37-4BE8-AC87-6D19C222C26D}" type="datetimeFigureOut">
               <a:rPr lang="pt-BR" smtClean="0"/>
-              <a:t>30/11/2020</a:t>
+              <a:t>04/04/2021</a:t>
             </a:fld>
             <a:endParaRPr lang="pt-BR"/>
           </a:p>
@@ -3377,90 +1579,6 @@
           <a:bodyPr/>
           <a:lstStyle/>
           <a:p>
-            <a:endParaRPr lang="pt-BR" dirty="0"/>
-          </a:p>
-        </p:txBody>
-      </p:sp>
-      <p:sp>
-        <p:nvSpPr>
-          <p:cNvPr id="4" name="Espaço Reservado para Número de Slide 3"/>
-          <p:cNvSpPr>
-            <a:spLocks noGrp="1"/>
-          </p:cNvSpPr>
-          <p:nvPr>
-            <p:ph type="sldNum" sz="quarter" idx="5"/>
-          </p:nvPr>
-        </p:nvSpPr>
-        <p:spPr/>
-        <p:txBody>
-          <a:bodyPr/>
-          <a:lstStyle/>
-          <a:p>
-            <a:fld id="{788568F6-5D13-43A5-A7AE-BAB951121075}" type="slidenum">
-              <a:rPr lang="pt-BR" smtClean="0"/>
-              <a:t>4</a:t>
-            </a:fld>
-            <a:endParaRPr lang="pt-BR"/>
-          </a:p>
-        </p:txBody>
-      </p:sp>
-    </p:spTree>
-    <p:extLst>
-      <p:ext uri="{BB962C8B-B14F-4D97-AF65-F5344CB8AC3E}">
-        <p14:creationId xmlns:p14="http://schemas.microsoft.com/office/powerpoint/2010/main" val="3996862329"/>
-      </p:ext>
-    </p:extLst>
-  </p:cSld>
-  <p:clrMapOvr>
-    <a:masterClrMapping/>
-  </p:clrMapOvr>
-</p:notes>
-</file>
-
-<file path=ppt/notesSlides/notesSlide3.xml><?xml version="1.0" encoding="utf-8"?>
-<p:notes xmlns:a="http://schemas.openxmlformats.org/drawingml/2006/main" xmlns:r="http://schemas.openxmlformats.org/officeDocument/2006/relationships" xmlns:p="http://schemas.openxmlformats.org/presentationml/2006/main">
-  <p:cSld>
-    <p:spTree>
-      <p:nvGrpSpPr>
-        <p:cNvPr id="1" name=""/>
-        <p:cNvGrpSpPr/>
-        <p:nvPr/>
-      </p:nvGrpSpPr>
-      <p:grpSpPr>
-        <a:xfrm>
-          <a:off x="0" y="0"/>
-          <a:ext cx="0" cy="0"/>
-          <a:chOff x="0" y="0"/>
-          <a:chExt cx="0" cy="0"/>
-        </a:xfrm>
-      </p:grpSpPr>
-      <p:sp>
-        <p:nvSpPr>
-          <p:cNvPr id="2" name="Espaço Reservado para Imagem de Slide 1"/>
-          <p:cNvSpPr>
-            <a:spLocks noGrp="1" noRot="1" noChangeAspect="1"/>
-          </p:cNvSpPr>
-          <p:nvPr>
-            <p:ph type="sldImg"/>
-          </p:nvPr>
-        </p:nvSpPr>
-        <p:spPr/>
-      </p:sp>
-      <p:sp>
-        <p:nvSpPr>
-          <p:cNvPr id="3" name="Espaço Reservado para Anotações 2"/>
-          <p:cNvSpPr>
-            <a:spLocks noGrp="1"/>
-          </p:cNvSpPr>
-          <p:nvPr>
-            <p:ph type="body" idx="1"/>
-          </p:nvPr>
-        </p:nvSpPr>
-        <p:spPr/>
-        <p:txBody>
-          <a:bodyPr/>
-          <a:lstStyle/>
-          <a:p>
             <a:endParaRPr lang="pt-BR"/>
           </a:p>
         </p:txBody>
@@ -3482,7 +1600,7 @@
           <a:p>
             <a:fld id="{788568F6-5D13-43A5-A7AE-BAB951121075}" type="slidenum">
               <a:rPr lang="pt-BR" smtClean="0"/>
-              <a:t>6</a:t>
+              <a:t>14</a:t>
             </a:fld>
             <a:endParaRPr lang="pt-BR"/>
           </a:p>
@@ -3491,7 +1609,7 @@
     </p:spTree>
     <p:extLst>
       <p:ext uri="{BB962C8B-B14F-4D97-AF65-F5344CB8AC3E}">
-        <p14:creationId xmlns:p14="http://schemas.microsoft.com/office/powerpoint/2010/main" val="3048833101"/>
+        <p14:creationId xmlns:p14="http://schemas.microsoft.com/office/powerpoint/2010/main" val="2047941523"/>
       </p:ext>
     </p:extLst>
   </p:cSld>
@@ -3648,7 +1766,7 @@
           <a:p>
             <a:fld id="{72401DC7-AFA8-4A4E-8829-B7D40A2E139C}" type="datetime1">
               <a:rPr lang="pt-BR" smtClean="0"/>
-              <a:t>30/11/2020</a:t>
+              <a:t>04/04/2021</a:t>
             </a:fld>
             <a:endParaRPr lang="pt-BR"/>
           </a:p>
@@ -3847,7 +1965,7 @@
           <a:p>
             <a:fld id="{72401DC7-AFA8-4A4E-8829-B7D40A2E139C}" type="datetime1">
               <a:rPr lang="pt-BR" smtClean="0"/>
-              <a:t>30/11/2020</a:t>
+              <a:t>04/04/2021</a:t>
             </a:fld>
             <a:endParaRPr lang="pt-BR"/>
           </a:p>
@@ -4056,7 +2174,7 @@
           <a:p>
             <a:fld id="{72401DC7-AFA8-4A4E-8829-B7D40A2E139C}" type="datetime1">
               <a:rPr lang="pt-BR" smtClean="0"/>
-              <a:t>30/11/2020</a:t>
+              <a:t>04/04/2021</a:t>
             </a:fld>
             <a:endParaRPr lang="pt-BR"/>
           </a:p>
@@ -4255,7 +2373,7 @@
           <a:p>
             <a:fld id="{72401DC7-AFA8-4A4E-8829-B7D40A2E139C}" type="datetime1">
               <a:rPr lang="pt-BR" smtClean="0"/>
-              <a:t>30/11/2020</a:t>
+              <a:t>04/04/2021</a:t>
             </a:fld>
             <a:endParaRPr lang="pt-BR"/>
           </a:p>
@@ -4531,7 +2649,7 @@
           <a:p>
             <a:fld id="{643A11A1-EEE3-4743-8BCA-DE45088FCD18}" type="datetime1">
               <a:rPr lang="pt-BR" smtClean="0"/>
-              <a:t>30/11/2020</a:t>
+              <a:t>04/04/2021</a:t>
             </a:fld>
             <a:endParaRPr lang="pt-BR"/>
           </a:p>
@@ -4796,7 +2914,7 @@
           <a:p>
             <a:fld id="{EE52FBD5-AE7A-4843-8F0B-AC8FDA4415FB}" type="datetime1">
               <a:rPr lang="pt-BR" smtClean="0"/>
-              <a:t>30/11/2020</a:t>
+              <a:t>04/04/2021</a:t>
             </a:fld>
             <a:endParaRPr lang="pt-BR"/>
           </a:p>
@@ -5208,7 +3326,7 @@
           <a:p>
             <a:fld id="{DD4DA1C0-AD60-403C-BAEB-064673A721B4}" type="datetime1">
               <a:rPr lang="pt-BR" smtClean="0"/>
-              <a:t>30/11/2020</a:t>
+              <a:t>04/04/2021</a:t>
             </a:fld>
             <a:endParaRPr lang="pt-BR"/>
           </a:p>
@@ -5349,7 +3467,7 @@
           <a:p>
             <a:fld id="{72401DC7-AFA8-4A4E-8829-B7D40A2E139C}" type="datetime1">
               <a:rPr lang="pt-BR" smtClean="0"/>
-              <a:t>30/11/2020</a:t>
+              <a:t>04/04/2021</a:t>
             </a:fld>
             <a:endParaRPr lang="pt-BR"/>
           </a:p>
@@ -5463,7 +3581,7 @@
           <a:p>
             <a:fld id="{72401DC7-AFA8-4A4E-8829-B7D40A2E139C}" type="datetime1">
               <a:rPr lang="pt-BR" smtClean="0"/>
-              <a:t>30/11/2020</a:t>
+              <a:t>04/04/2021</a:t>
             </a:fld>
             <a:endParaRPr lang="pt-BR"/>
           </a:p>
@@ -5775,7 +3893,7 @@
           <a:p>
             <a:fld id="{2B41905E-D886-47E9-A95E-56DF85E102EF}" type="datetime1">
               <a:rPr lang="pt-BR" smtClean="0"/>
-              <a:t>30/11/2020</a:t>
+              <a:t>04/04/2021</a:t>
             </a:fld>
             <a:endParaRPr lang="pt-BR"/>
           </a:p>
@@ -6063,7 +4181,7 @@
           <a:p>
             <a:fld id="{207BD677-3156-4978-A4C5-AD2FA256F6F2}" type="datetime1">
               <a:rPr lang="pt-BR" smtClean="0"/>
-              <a:t>30/11/2020</a:t>
+              <a:t>04/04/2021</a:t>
             </a:fld>
             <a:endParaRPr lang="pt-BR"/>
           </a:p>
@@ -6304,7 +4422,7 @@
           <a:p>
             <a:fld id="{72401DC7-AFA8-4A4E-8829-B7D40A2E139C}" type="datetime1">
               <a:rPr lang="pt-BR" smtClean="0"/>
-              <a:t>30/11/2020</a:t>
+              <a:t>04/04/2021</a:t>
             </a:fld>
             <a:endParaRPr lang="pt-BR"/>
           </a:p>
@@ -6791,30 +4909,56 @@
           </a:solidFill>
         </p:spPr>
         <p:txBody>
-          <a:bodyPr>
+          <a:bodyPr vert="horz" lIns="91440" tIns="45720" rIns="91440" bIns="45720" rtlCol="0" anchor="t">
             <a:normAutofit/>
           </a:bodyPr>
           <a:lstStyle/>
           <a:p>
-            <a:pPr algn="ctr"/>
-            <a:r>
-              <a:rPr lang="pt-BR" sz="2800" dirty="0"/>
-              <a:t>Cirilo Junior </a:t>
+            <a:pPr algn="l"/>
+            <a:r>
+              <a:rPr lang="pt-BR" sz="2800">
+                <a:cs typeface="Calibri"/>
+              </a:rPr>
+              <a:t>Professor: </a:t>
+            </a:r>
+            <a:r>
+              <a:rPr lang="pt-BR" sz="2800" err="1">
+                <a:cs typeface="Calibri"/>
+              </a:rPr>
+              <a:t>Ezequial</a:t>
+            </a:r>
+            <a:r>
+              <a:rPr lang="pt-BR" sz="2800">
+                <a:cs typeface="Calibri"/>
+              </a:rPr>
+              <a:t> </a:t>
+            </a:r>
+            <a:r>
+              <a:rPr lang="pt-BR" sz="2800" err="1">
+                <a:cs typeface="Calibri"/>
+              </a:rPr>
+              <a:t>Bertti</a:t>
+            </a:r>
+            <a:endParaRPr lang="pt-BR" sz="2800">
+              <a:cs typeface="Calibri"/>
+            </a:endParaRPr>
+          </a:p>
+          <a:p>
+            <a:pPr algn="r"/>
+            <a:r>
+              <a:rPr lang="pt-BR" sz="2000"/>
+              <a:t>Felipe Augusto</a:t>
             </a:r>
             <a:br>
-              <a:rPr lang="pt-BR" sz="2800" dirty="0"/>
+              <a:rPr lang="pt-BR" sz="2000"/>
             </a:br>
             <a:r>
-              <a:rPr lang="pt-BR" sz="2800" dirty="0"/>
-              <a:t>Felipe Augusto</a:t>
-            </a:r>
-            <a:br>
-              <a:rPr lang="pt-BR" sz="2800" dirty="0"/>
-            </a:br>
-            <a:r>
-              <a:rPr lang="pt-BR" sz="2800" dirty="0"/>
+              <a:rPr lang="pt-BR" sz="2000"/>
               <a:t>Rodrigo Germano</a:t>
             </a:r>
+            <a:endParaRPr lang="pt-BR" sz="2000">
+              <a:cs typeface="Calibri"/>
+            </a:endParaRPr>
           </a:p>
         </p:txBody>
       </p:sp>
@@ -6893,29 +5037,28 @@
           </a:lstStyle>
           <a:p>
             <a:r>
-              <a:rPr lang="pt-BR" dirty="0">
+              <a:rPr lang="pt-BR">
                 <a:solidFill>
                   <a:schemeClr val="bg1"/>
                 </a:solidFill>
+                <a:cs typeface="Calibri Light"/>
               </a:rPr>
-              <a:t>Integração Contínua, </a:t>
-            </a:r>
-            <a:r>
-              <a:rPr lang="pt-BR" dirty="0" err="1">
-                <a:solidFill>
-                  <a:schemeClr val="bg1"/>
-                </a:solidFill>
-              </a:rPr>
-              <a:t>DevOps</a:t>
-            </a:r>
-            <a:r>
-              <a:rPr lang="pt-BR" dirty="0">
-                <a:solidFill>
-                  <a:schemeClr val="bg1"/>
-                </a:solidFill>
-              </a:rPr>
-              <a:t> e Computação em Nuvem</a:t>
-            </a:r>
+              <a:t>PGPARQ01C1-2N-P1 - Arquitetura de Software</a:t>
+            </a:r>
+            <a:endParaRPr lang="en-US">
+              <a:solidFill>
+                <a:schemeClr val="bg1"/>
+              </a:solidFill>
+              <a:cs typeface="Calibri Light"/>
+            </a:endParaRPr>
+          </a:p>
+          <a:p>
+            <a:endParaRPr lang="pt-BR">
+              <a:solidFill>
+                <a:schemeClr val="bg1"/>
+              </a:solidFill>
+              <a:cs typeface="Calibri Light"/>
+            </a:endParaRPr>
           </a:p>
         </p:txBody>
       </p:sp>
@@ -6923,6 +5066,2038 @@
     <p:extLst>
       <p:ext uri="{BB962C8B-B14F-4D97-AF65-F5344CB8AC3E}">
         <p14:creationId xmlns:p14="http://schemas.microsoft.com/office/powerpoint/2010/main" val="1071933082"/>
+      </p:ext>
+    </p:extLst>
+  </p:cSld>
+  <p:clrMapOvr>
+    <a:masterClrMapping/>
+  </p:clrMapOvr>
+</p:sld>
+</file>
+
+<file path=ppt/slides/slide10.xml><?xml version="1.0" encoding="utf-8"?>
+<p:sld xmlns:a="http://schemas.openxmlformats.org/drawingml/2006/main" xmlns:r="http://schemas.openxmlformats.org/officeDocument/2006/relationships" xmlns:p="http://schemas.openxmlformats.org/presentationml/2006/main">
+  <p:cSld>
+    <p:spTree>
+      <p:nvGrpSpPr>
+        <p:cNvPr id="1" name=""/>
+        <p:cNvGrpSpPr/>
+        <p:nvPr/>
+      </p:nvGrpSpPr>
+      <p:grpSpPr>
+        <a:xfrm>
+          <a:off x="0" y="0"/>
+          <a:ext cx="0" cy="0"/>
+          <a:chOff x="0" y="0"/>
+          <a:chExt cx="0" cy="0"/>
+        </a:xfrm>
+      </p:grpSpPr>
+      <p:sp>
+        <p:nvSpPr>
+          <p:cNvPr id="2" name="Espaço Reservado para Número de Slide 1">
+            <a:extLst>
+              <a:ext uri="{FF2B5EF4-FFF2-40B4-BE49-F238E27FC236}">
+                <a16:creationId xmlns:a16="http://schemas.microsoft.com/office/drawing/2014/main" id="{00A5C847-9B16-45BB-A00A-7493094466B1}"/>
+              </a:ext>
+            </a:extLst>
+          </p:cNvPr>
+          <p:cNvSpPr>
+            <a:spLocks noGrp="1"/>
+          </p:cNvSpPr>
+          <p:nvPr>
+            <p:ph type="sldNum" sz="quarter" idx="12"/>
+          </p:nvPr>
+        </p:nvSpPr>
+        <p:spPr/>
+        <p:txBody>
+          <a:bodyPr/>
+          <a:lstStyle/>
+          <a:p>
+            <a:fld id="{47797270-BFBB-4212-9FDA-8EE01FE91F8C}" type="slidenum">
+              <a:rPr lang="pt-BR" smtClean="0"/>
+              <a:t>10</a:t>
+            </a:fld>
+            <a:endParaRPr lang="pt-BR"/>
+          </a:p>
+        </p:txBody>
+      </p:sp>
+      <p:sp>
+        <p:nvSpPr>
+          <p:cNvPr id="7" name="Retângulo 6">
+            <a:extLst>
+              <a:ext uri="{FF2B5EF4-FFF2-40B4-BE49-F238E27FC236}">
+                <a16:creationId xmlns:a16="http://schemas.microsoft.com/office/drawing/2014/main" id="{C0911691-8E5D-4130-9DEF-B295AC8F85B1}"/>
+              </a:ext>
+            </a:extLst>
+          </p:cNvPr>
+          <p:cNvSpPr/>
+          <p:nvPr/>
+        </p:nvSpPr>
+        <p:spPr>
+          <a:xfrm>
+            <a:off x="-134911" y="0"/>
+            <a:ext cx="1758759" cy="6840036"/>
+          </a:xfrm>
+          <a:prstGeom prst="rect">
+            <a:avLst/>
+          </a:prstGeom>
+          <a:solidFill>
+            <a:srgbClr val="053566"/>
+          </a:solidFill>
+        </p:spPr>
+        <p:style>
+          <a:lnRef idx="2">
+            <a:schemeClr val="accent1">
+              <a:shade val="50000"/>
+            </a:schemeClr>
+          </a:lnRef>
+          <a:fillRef idx="1">
+            <a:schemeClr val="accent1"/>
+          </a:fillRef>
+          <a:effectRef idx="0">
+            <a:schemeClr val="accent1"/>
+          </a:effectRef>
+          <a:fontRef idx="minor">
+            <a:schemeClr val="lt1"/>
+          </a:fontRef>
+        </p:style>
+        <p:txBody>
+          <a:bodyPr rtlCol="0" anchor="ctr"/>
+          <a:lstStyle/>
+          <a:p>
+            <a:pPr algn="ctr"/>
+            <a:endParaRPr lang="pt-BR"/>
+          </a:p>
+        </p:txBody>
+      </p:sp>
+      <p:pic>
+        <p:nvPicPr>
+          <p:cNvPr id="4" name="Imagem 3" descr="Logotipo&#10;&#10;Descrição gerada automaticamente">
+            <a:extLst>
+              <a:ext uri="{FF2B5EF4-FFF2-40B4-BE49-F238E27FC236}">
+                <a16:creationId xmlns:a16="http://schemas.microsoft.com/office/drawing/2014/main" id="{A8415950-AE8E-45C0-A2E5-D9B394DF621D}"/>
+              </a:ext>
+            </a:extLst>
+          </p:cNvPr>
+          <p:cNvPicPr>
+            <a:picLocks noChangeAspect="1"/>
+          </p:cNvPicPr>
+          <p:nvPr/>
+        </p:nvPicPr>
+        <p:blipFill>
+          <a:blip r:embed="rId2" cstate="print">
+            <a:extLst>
+              <a:ext uri="{28A0092B-C50C-407E-A947-70E740481C1C}">
+                <a14:useLocalDpi xmlns:a14="http://schemas.microsoft.com/office/drawing/2010/main" val="0"/>
+              </a:ext>
+            </a:extLst>
+          </a:blip>
+          <a:stretch>
+            <a:fillRect/>
+          </a:stretch>
+        </p:blipFill>
+        <p:spPr>
+          <a:xfrm>
+            <a:off x="196516" y="205083"/>
+            <a:ext cx="1106542" cy="1096089"/>
+          </a:xfrm>
+          <a:prstGeom prst="rect">
+            <a:avLst/>
+          </a:prstGeom>
+        </p:spPr>
+      </p:pic>
+      <p:sp>
+        <p:nvSpPr>
+          <p:cNvPr id="5" name="TextBox 4">
+            <a:extLst>
+              <a:ext uri="{FF2B5EF4-FFF2-40B4-BE49-F238E27FC236}">
+                <a16:creationId xmlns:a16="http://schemas.microsoft.com/office/drawing/2014/main" id="{751BADB0-5D73-43E9-9ABB-321766D8AE39}"/>
+              </a:ext>
+            </a:extLst>
+          </p:cNvPr>
+          <p:cNvSpPr txBox="1"/>
+          <p:nvPr/>
+        </p:nvSpPr>
+        <p:spPr>
+          <a:xfrm>
+            <a:off x="2167689" y="483268"/>
+            <a:ext cx="9310436" cy="707886"/>
+          </a:xfrm>
+          <a:prstGeom prst="rect">
+            <a:avLst/>
+          </a:prstGeom>
+          <a:noFill/>
+        </p:spPr>
+        <p:txBody>
+          <a:bodyPr rot="0" spcFirstLastPara="0" vertOverflow="overflow" horzOverflow="overflow" vert="horz" wrap="square" lIns="91440" tIns="45720" rIns="91440" bIns="45720" numCol="1" spcCol="0" rtlCol="0" fromWordArt="0" anchor="t" anchorCtr="0" forceAA="0" compatLnSpc="1">
+            <a:prstTxWarp prst="textNoShape">
+              <a:avLst/>
+            </a:prstTxWarp>
+            <a:spAutoFit/>
+          </a:bodyPr>
+          <a:lstStyle/>
+          <a:p>
+            <a:r>
+              <a:rPr lang="en-US" sz="4000">
+                <a:cs typeface="Calibri"/>
+              </a:rPr>
+              <a:t>3.4 - ICE</a:t>
+            </a:r>
+          </a:p>
+        </p:txBody>
+      </p:sp>
+      <p:pic>
+        <p:nvPicPr>
+          <p:cNvPr id="6" name="Imagem 7" descr="Tabela&#10;&#10;Descrição gerada automaticamente">
+            <a:extLst>
+              <a:ext uri="{FF2B5EF4-FFF2-40B4-BE49-F238E27FC236}">
+                <a16:creationId xmlns:a16="http://schemas.microsoft.com/office/drawing/2014/main" id="{5F325229-59D5-4A86-A01B-951BDDCEF999}"/>
+              </a:ext>
+            </a:extLst>
+          </p:cNvPr>
+          <p:cNvPicPr>
+            <a:picLocks noChangeAspect="1"/>
+          </p:cNvPicPr>
+          <p:nvPr/>
+        </p:nvPicPr>
+        <p:blipFill>
+          <a:blip r:embed="rId3"/>
+          <a:stretch>
+            <a:fillRect/>
+          </a:stretch>
+        </p:blipFill>
+        <p:spPr>
+          <a:xfrm>
+            <a:off x="2409825" y="1791101"/>
+            <a:ext cx="7886700" cy="4218772"/>
+          </a:xfrm>
+          <a:prstGeom prst="rect">
+            <a:avLst/>
+          </a:prstGeom>
+        </p:spPr>
+      </p:pic>
+    </p:spTree>
+    <p:extLst>
+      <p:ext uri="{BB962C8B-B14F-4D97-AF65-F5344CB8AC3E}">
+        <p14:creationId xmlns:p14="http://schemas.microsoft.com/office/powerpoint/2010/main" val="1024525223"/>
+      </p:ext>
+    </p:extLst>
+  </p:cSld>
+  <p:clrMapOvr>
+    <a:masterClrMapping/>
+  </p:clrMapOvr>
+</p:sld>
+</file>
+
+<file path=ppt/slides/slide11.xml><?xml version="1.0" encoding="utf-8"?>
+<p:sld xmlns:a="http://schemas.openxmlformats.org/drawingml/2006/main" xmlns:r="http://schemas.openxmlformats.org/officeDocument/2006/relationships" xmlns:p="http://schemas.openxmlformats.org/presentationml/2006/main">
+  <p:cSld>
+    <p:spTree>
+      <p:nvGrpSpPr>
+        <p:cNvPr id="1" name=""/>
+        <p:cNvGrpSpPr/>
+        <p:nvPr/>
+      </p:nvGrpSpPr>
+      <p:grpSpPr>
+        <a:xfrm>
+          <a:off x="0" y="0"/>
+          <a:ext cx="0" cy="0"/>
+          <a:chOff x="0" y="0"/>
+          <a:chExt cx="0" cy="0"/>
+        </a:xfrm>
+      </p:grpSpPr>
+      <p:sp>
+        <p:nvSpPr>
+          <p:cNvPr id="2" name="Espaço Reservado para Número de Slide 1">
+            <a:extLst>
+              <a:ext uri="{FF2B5EF4-FFF2-40B4-BE49-F238E27FC236}">
+                <a16:creationId xmlns:a16="http://schemas.microsoft.com/office/drawing/2014/main" id="{00A5C847-9B16-45BB-A00A-7493094466B1}"/>
+              </a:ext>
+            </a:extLst>
+          </p:cNvPr>
+          <p:cNvSpPr>
+            <a:spLocks noGrp="1"/>
+          </p:cNvSpPr>
+          <p:nvPr>
+            <p:ph type="sldNum" sz="quarter" idx="12"/>
+          </p:nvPr>
+        </p:nvSpPr>
+        <p:spPr/>
+        <p:txBody>
+          <a:bodyPr/>
+          <a:lstStyle/>
+          <a:p>
+            <a:fld id="{47797270-BFBB-4212-9FDA-8EE01FE91F8C}" type="slidenum">
+              <a:rPr lang="pt-BR" smtClean="0"/>
+              <a:t>11</a:t>
+            </a:fld>
+            <a:endParaRPr lang="pt-BR"/>
+          </a:p>
+        </p:txBody>
+      </p:sp>
+      <p:sp>
+        <p:nvSpPr>
+          <p:cNvPr id="7" name="Retângulo 6">
+            <a:extLst>
+              <a:ext uri="{FF2B5EF4-FFF2-40B4-BE49-F238E27FC236}">
+                <a16:creationId xmlns:a16="http://schemas.microsoft.com/office/drawing/2014/main" id="{C0911691-8E5D-4130-9DEF-B295AC8F85B1}"/>
+              </a:ext>
+            </a:extLst>
+          </p:cNvPr>
+          <p:cNvSpPr/>
+          <p:nvPr/>
+        </p:nvSpPr>
+        <p:spPr>
+          <a:xfrm>
+            <a:off x="-134911" y="0"/>
+            <a:ext cx="1758759" cy="6840036"/>
+          </a:xfrm>
+          <a:prstGeom prst="rect">
+            <a:avLst/>
+          </a:prstGeom>
+          <a:solidFill>
+            <a:srgbClr val="053566"/>
+          </a:solidFill>
+        </p:spPr>
+        <p:style>
+          <a:lnRef idx="2">
+            <a:schemeClr val="accent1">
+              <a:shade val="50000"/>
+            </a:schemeClr>
+          </a:lnRef>
+          <a:fillRef idx="1">
+            <a:schemeClr val="accent1"/>
+          </a:fillRef>
+          <a:effectRef idx="0">
+            <a:schemeClr val="accent1"/>
+          </a:effectRef>
+          <a:fontRef idx="minor">
+            <a:schemeClr val="lt1"/>
+          </a:fontRef>
+        </p:style>
+        <p:txBody>
+          <a:bodyPr rtlCol="0" anchor="ctr"/>
+          <a:lstStyle/>
+          <a:p>
+            <a:pPr algn="ctr"/>
+            <a:endParaRPr lang="pt-BR"/>
+          </a:p>
+        </p:txBody>
+      </p:sp>
+      <p:pic>
+        <p:nvPicPr>
+          <p:cNvPr id="4" name="Imagem 3" descr="Logotipo&#10;&#10;Descrição gerada automaticamente">
+            <a:extLst>
+              <a:ext uri="{FF2B5EF4-FFF2-40B4-BE49-F238E27FC236}">
+                <a16:creationId xmlns:a16="http://schemas.microsoft.com/office/drawing/2014/main" id="{A8415950-AE8E-45C0-A2E5-D9B394DF621D}"/>
+              </a:ext>
+            </a:extLst>
+          </p:cNvPr>
+          <p:cNvPicPr>
+            <a:picLocks noChangeAspect="1"/>
+          </p:cNvPicPr>
+          <p:nvPr/>
+        </p:nvPicPr>
+        <p:blipFill>
+          <a:blip r:embed="rId2" cstate="print">
+            <a:extLst>
+              <a:ext uri="{28A0092B-C50C-407E-A947-70E740481C1C}">
+                <a14:useLocalDpi xmlns:a14="http://schemas.microsoft.com/office/drawing/2010/main" val="0"/>
+              </a:ext>
+            </a:extLst>
+          </a:blip>
+          <a:stretch>
+            <a:fillRect/>
+          </a:stretch>
+        </p:blipFill>
+        <p:spPr>
+          <a:xfrm>
+            <a:off x="196516" y="205083"/>
+            <a:ext cx="1106542" cy="1096089"/>
+          </a:xfrm>
+          <a:prstGeom prst="rect">
+            <a:avLst/>
+          </a:prstGeom>
+        </p:spPr>
+      </p:pic>
+      <p:sp>
+        <p:nvSpPr>
+          <p:cNvPr id="5" name="TextBox 4">
+            <a:extLst>
+              <a:ext uri="{FF2B5EF4-FFF2-40B4-BE49-F238E27FC236}">
+                <a16:creationId xmlns:a16="http://schemas.microsoft.com/office/drawing/2014/main" id="{751BADB0-5D73-43E9-9ABB-321766D8AE39}"/>
+              </a:ext>
+            </a:extLst>
+          </p:cNvPr>
+          <p:cNvSpPr txBox="1"/>
+          <p:nvPr/>
+        </p:nvSpPr>
+        <p:spPr>
+          <a:xfrm>
+            <a:off x="2167689" y="483268"/>
+            <a:ext cx="9310436" cy="707886"/>
+          </a:xfrm>
+          <a:prstGeom prst="rect">
+            <a:avLst/>
+          </a:prstGeom>
+          <a:noFill/>
+        </p:spPr>
+        <p:txBody>
+          <a:bodyPr rot="0" spcFirstLastPara="0" vertOverflow="overflow" horzOverflow="overflow" vert="horz" wrap="square" lIns="91440" tIns="45720" rIns="91440" bIns="45720" numCol="1" spcCol="0" rtlCol="0" fromWordArt="0" anchor="t" anchorCtr="0" forceAA="0" compatLnSpc="1">
+            <a:prstTxWarp prst="textNoShape">
+              <a:avLst/>
+            </a:prstTxWarp>
+            <a:spAutoFit/>
+          </a:bodyPr>
+          <a:lstStyle/>
+          <a:p>
+            <a:r>
+              <a:rPr lang="en-US" sz="4000">
+                <a:cs typeface="Calibri"/>
+              </a:rPr>
+              <a:t>3.5 - </a:t>
+            </a:r>
+            <a:r>
+              <a:rPr lang="en-US" sz="4000" dirty="0" err="1">
+                <a:ea typeface="+mn-lt"/>
+                <a:cs typeface="+mn-lt"/>
+              </a:rPr>
+              <a:t>Diagramas</a:t>
+            </a:r>
+            <a:r>
+              <a:rPr lang="en-US" sz="4000" dirty="0">
+                <a:ea typeface="+mn-lt"/>
+                <a:cs typeface="+mn-lt"/>
+              </a:rPr>
+              <a:t> C4 Model</a:t>
+            </a:r>
+            <a:endParaRPr lang="en-US" sz="4000" dirty="0">
+              <a:cs typeface="Calibri"/>
+            </a:endParaRPr>
+          </a:p>
+        </p:txBody>
+      </p:sp>
+      <p:pic>
+        <p:nvPicPr>
+          <p:cNvPr id="3" name="Picture 5" descr="Text&#10;&#10;Description automatically generated">
+            <a:extLst>
+              <a:ext uri="{FF2B5EF4-FFF2-40B4-BE49-F238E27FC236}">
+                <a16:creationId xmlns:a16="http://schemas.microsoft.com/office/drawing/2014/main" id="{F61E806B-DB67-4104-9C65-6450A8F11989}"/>
+              </a:ext>
+            </a:extLst>
+          </p:cNvPr>
+          <p:cNvPicPr>
+            <a:picLocks noChangeAspect="1"/>
+          </p:cNvPicPr>
+          <p:nvPr/>
+        </p:nvPicPr>
+        <p:blipFill>
+          <a:blip r:embed="rId3"/>
+          <a:stretch>
+            <a:fillRect/>
+          </a:stretch>
+        </p:blipFill>
+        <p:spPr>
+          <a:xfrm>
+            <a:off x="3181350" y="1716321"/>
+            <a:ext cx="6591300" cy="4101633"/>
+          </a:xfrm>
+          <a:prstGeom prst="rect">
+            <a:avLst/>
+          </a:prstGeom>
+        </p:spPr>
+      </p:pic>
+      <p:pic>
+        <p:nvPicPr>
+          <p:cNvPr id="6" name="Picture 7" descr="Logo&#10;&#10;Description automatically generated">
+            <a:extLst>
+              <a:ext uri="{FF2B5EF4-FFF2-40B4-BE49-F238E27FC236}">
+                <a16:creationId xmlns:a16="http://schemas.microsoft.com/office/drawing/2014/main" id="{ABC56352-2CCF-4552-AF40-7827E1BF3722}"/>
+              </a:ext>
+            </a:extLst>
+          </p:cNvPr>
+          <p:cNvPicPr>
+            <a:picLocks noChangeAspect="1"/>
+          </p:cNvPicPr>
+          <p:nvPr/>
+        </p:nvPicPr>
+        <p:blipFill>
+          <a:blip r:embed="rId4"/>
+          <a:stretch>
+            <a:fillRect/>
+          </a:stretch>
+        </p:blipFill>
+        <p:spPr>
+          <a:xfrm>
+            <a:off x="5217898" y="6180566"/>
+            <a:ext cx="1260390" cy="489378"/>
+          </a:xfrm>
+          <a:prstGeom prst="rect">
+            <a:avLst/>
+          </a:prstGeom>
+        </p:spPr>
+      </p:pic>
+      <p:pic>
+        <p:nvPicPr>
+          <p:cNvPr id="8" name="Picture 8" descr="Icon&#10;&#10;Description automatically generated">
+            <a:extLst>
+              <a:ext uri="{FF2B5EF4-FFF2-40B4-BE49-F238E27FC236}">
+                <a16:creationId xmlns:a16="http://schemas.microsoft.com/office/drawing/2014/main" id="{AB7DC138-DF0D-42C0-9BB5-8623EBF1CABB}"/>
+              </a:ext>
+            </a:extLst>
+          </p:cNvPr>
+          <p:cNvPicPr>
+            <a:picLocks noChangeAspect="1"/>
+          </p:cNvPicPr>
+          <p:nvPr/>
+        </p:nvPicPr>
+        <p:blipFill>
+          <a:blip r:embed="rId5"/>
+          <a:stretch>
+            <a:fillRect/>
+          </a:stretch>
+        </p:blipFill>
+        <p:spPr>
+          <a:xfrm>
+            <a:off x="6928794" y="6035512"/>
+            <a:ext cx="714633" cy="686294"/>
+          </a:xfrm>
+          <a:prstGeom prst="rect">
+            <a:avLst/>
+          </a:prstGeom>
+        </p:spPr>
+      </p:pic>
+    </p:spTree>
+    <p:extLst>
+      <p:ext uri="{BB962C8B-B14F-4D97-AF65-F5344CB8AC3E}">
+        <p14:creationId xmlns:p14="http://schemas.microsoft.com/office/powerpoint/2010/main" val="3173208299"/>
+      </p:ext>
+    </p:extLst>
+  </p:cSld>
+  <p:clrMapOvr>
+    <a:masterClrMapping/>
+  </p:clrMapOvr>
+</p:sld>
+</file>
+
+<file path=ppt/slides/slide12.xml><?xml version="1.0" encoding="utf-8"?>
+<p:sld xmlns:a="http://schemas.openxmlformats.org/drawingml/2006/main" xmlns:r="http://schemas.openxmlformats.org/officeDocument/2006/relationships" xmlns:p="http://schemas.openxmlformats.org/presentationml/2006/main">
+  <p:cSld>
+    <p:spTree>
+      <p:nvGrpSpPr>
+        <p:cNvPr id="1" name=""/>
+        <p:cNvGrpSpPr/>
+        <p:nvPr/>
+      </p:nvGrpSpPr>
+      <p:grpSpPr>
+        <a:xfrm>
+          <a:off x="0" y="0"/>
+          <a:ext cx="0" cy="0"/>
+          <a:chOff x="0" y="0"/>
+          <a:chExt cx="0" cy="0"/>
+        </a:xfrm>
+      </p:grpSpPr>
+      <p:pic>
+        <p:nvPicPr>
+          <p:cNvPr id="3" name="Imagem 5" descr="Diagrama&#10;&#10;Descrição gerada automaticamente">
+            <a:extLst>
+              <a:ext uri="{FF2B5EF4-FFF2-40B4-BE49-F238E27FC236}">
+                <a16:creationId xmlns:a16="http://schemas.microsoft.com/office/drawing/2014/main" id="{E93F4318-EE41-4453-B35C-0CEE8CAD8470}"/>
+              </a:ext>
+            </a:extLst>
+          </p:cNvPr>
+          <p:cNvPicPr>
+            <a:picLocks noChangeAspect="1"/>
+          </p:cNvPicPr>
+          <p:nvPr/>
+        </p:nvPicPr>
+        <p:blipFill>
+          <a:blip r:embed="rId2"/>
+          <a:stretch>
+            <a:fillRect/>
+          </a:stretch>
+        </p:blipFill>
+        <p:spPr>
+          <a:xfrm>
+            <a:off x="4186519" y="1053936"/>
+            <a:ext cx="4204446" cy="5807964"/>
+          </a:xfrm>
+          <a:prstGeom prst="rect">
+            <a:avLst/>
+          </a:prstGeom>
+        </p:spPr>
+      </p:pic>
+      <p:sp>
+        <p:nvSpPr>
+          <p:cNvPr id="2" name="Espaço Reservado para Número de Slide 1">
+            <a:extLst>
+              <a:ext uri="{FF2B5EF4-FFF2-40B4-BE49-F238E27FC236}">
+                <a16:creationId xmlns:a16="http://schemas.microsoft.com/office/drawing/2014/main" id="{00A5C847-9B16-45BB-A00A-7493094466B1}"/>
+              </a:ext>
+            </a:extLst>
+          </p:cNvPr>
+          <p:cNvSpPr>
+            <a:spLocks noGrp="1"/>
+          </p:cNvSpPr>
+          <p:nvPr>
+            <p:ph type="sldNum" sz="quarter" idx="12"/>
+          </p:nvPr>
+        </p:nvSpPr>
+        <p:spPr/>
+        <p:txBody>
+          <a:bodyPr/>
+          <a:lstStyle/>
+          <a:p>
+            <a:fld id="{47797270-BFBB-4212-9FDA-8EE01FE91F8C}" type="slidenum">
+              <a:rPr lang="pt-BR" smtClean="0"/>
+              <a:t>12</a:t>
+            </a:fld>
+            <a:endParaRPr lang="pt-BR"/>
+          </a:p>
+        </p:txBody>
+      </p:sp>
+      <p:sp>
+        <p:nvSpPr>
+          <p:cNvPr id="7" name="Retângulo 6">
+            <a:extLst>
+              <a:ext uri="{FF2B5EF4-FFF2-40B4-BE49-F238E27FC236}">
+                <a16:creationId xmlns:a16="http://schemas.microsoft.com/office/drawing/2014/main" id="{C0911691-8E5D-4130-9DEF-B295AC8F85B1}"/>
+              </a:ext>
+            </a:extLst>
+          </p:cNvPr>
+          <p:cNvSpPr/>
+          <p:nvPr/>
+        </p:nvSpPr>
+        <p:spPr>
+          <a:xfrm>
+            <a:off x="-134911" y="0"/>
+            <a:ext cx="1758759" cy="6840036"/>
+          </a:xfrm>
+          <a:prstGeom prst="rect">
+            <a:avLst/>
+          </a:prstGeom>
+          <a:solidFill>
+            <a:srgbClr val="053566"/>
+          </a:solidFill>
+        </p:spPr>
+        <p:style>
+          <a:lnRef idx="2">
+            <a:schemeClr val="accent1">
+              <a:shade val="50000"/>
+            </a:schemeClr>
+          </a:lnRef>
+          <a:fillRef idx="1">
+            <a:schemeClr val="accent1"/>
+          </a:fillRef>
+          <a:effectRef idx="0">
+            <a:schemeClr val="accent1"/>
+          </a:effectRef>
+          <a:fontRef idx="minor">
+            <a:schemeClr val="lt1"/>
+          </a:fontRef>
+        </p:style>
+        <p:txBody>
+          <a:bodyPr rtlCol="0" anchor="ctr"/>
+          <a:lstStyle/>
+          <a:p>
+            <a:pPr algn="ctr"/>
+            <a:endParaRPr lang="pt-BR"/>
+          </a:p>
+        </p:txBody>
+      </p:sp>
+      <p:pic>
+        <p:nvPicPr>
+          <p:cNvPr id="4" name="Imagem 3" descr="Logotipo&#10;&#10;Descrição gerada automaticamente">
+            <a:extLst>
+              <a:ext uri="{FF2B5EF4-FFF2-40B4-BE49-F238E27FC236}">
+                <a16:creationId xmlns:a16="http://schemas.microsoft.com/office/drawing/2014/main" id="{A8415950-AE8E-45C0-A2E5-D9B394DF621D}"/>
+              </a:ext>
+            </a:extLst>
+          </p:cNvPr>
+          <p:cNvPicPr>
+            <a:picLocks noChangeAspect="1"/>
+          </p:cNvPicPr>
+          <p:nvPr/>
+        </p:nvPicPr>
+        <p:blipFill>
+          <a:blip r:embed="rId3" cstate="print">
+            <a:extLst>
+              <a:ext uri="{28A0092B-C50C-407E-A947-70E740481C1C}">
+                <a14:useLocalDpi xmlns:a14="http://schemas.microsoft.com/office/drawing/2010/main" val="0"/>
+              </a:ext>
+            </a:extLst>
+          </a:blip>
+          <a:stretch>
+            <a:fillRect/>
+          </a:stretch>
+        </p:blipFill>
+        <p:spPr>
+          <a:xfrm>
+            <a:off x="196516" y="205083"/>
+            <a:ext cx="1106542" cy="1096089"/>
+          </a:xfrm>
+          <a:prstGeom prst="rect">
+            <a:avLst/>
+          </a:prstGeom>
+        </p:spPr>
+      </p:pic>
+      <p:sp>
+        <p:nvSpPr>
+          <p:cNvPr id="5" name="TextBox 4">
+            <a:extLst>
+              <a:ext uri="{FF2B5EF4-FFF2-40B4-BE49-F238E27FC236}">
+                <a16:creationId xmlns:a16="http://schemas.microsoft.com/office/drawing/2014/main" id="{751BADB0-5D73-43E9-9ABB-321766D8AE39}"/>
+              </a:ext>
+            </a:extLst>
+          </p:cNvPr>
+          <p:cNvSpPr txBox="1"/>
+          <p:nvPr/>
+        </p:nvSpPr>
+        <p:spPr>
+          <a:xfrm>
+            <a:off x="2167689" y="483268"/>
+            <a:ext cx="9310436" cy="707886"/>
+          </a:xfrm>
+          <a:prstGeom prst="rect">
+            <a:avLst/>
+          </a:prstGeom>
+          <a:noFill/>
+        </p:spPr>
+        <p:txBody>
+          <a:bodyPr rot="0" spcFirstLastPara="0" vertOverflow="overflow" horzOverflow="overflow" vert="horz" wrap="square" lIns="91440" tIns="45720" rIns="91440" bIns="45720" numCol="1" spcCol="0" rtlCol="0" fromWordArt="0" anchor="t" anchorCtr="0" forceAA="0" compatLnSpc="1">
+            <a:prstTxWarp prst="textNoShape">
+              <a:avLst/>
+            </a:prstTxWarp>
+            <a:spAutoFit/>
+          </a:bodyPr>
+          <a:lstStyle/>
+          <a:p>
+            <a:r>
+              <a:rPr lang="en-US" sz="4000">
+                <a:cs typeface="Calibri"/>
+              </a:rPr>
+              <a:t>3.5 - </a:t>
+            </a:r>
+            <a:r>
+              <a:rPr lang="en-US" sz="4000" dirty="0">
+                <a:ea typeface="+mn-lt"/>
+                <a:cs typeface="+mn-lt"/>
+              </a:rPr>
+              <a:t>Nivel 1</a:t>
+            </a:r>
+            <a:endParaRPr lang="en-US" sz="4000" dirty="0">
+              <a:cs typeface="Calibri"/>
+            </a:endParaRPr>
+          </a:p>
+        </p:txBody>
+      </p:sp>
+    </p:spTree>
+    <p:extLst>
+      <p:ext uri="{BB962C8B-B14F-4D97-AF65-F5344CB8AC3E}">
+        <p14:creationId xmlns:p14="http://schemas.microsoft.com/office/powerpoint/2010/main" val="2498489773"/>
+      </p:ext>
+    </p:extLst>
+  </p:cSld>
+  <p:clrMapOvr>
+    <a:masterClrMapping/>
+  </p:clrMapOvr>
+</p:sld>
+</file>
+
+<file path=ppt/slides/slide13.xml><?xml version="1.0" encoding="utf-8"?>
+<p:sld xmlns:a="http://schemas.openxmlformats.org/drawingml/2006/main" xmlns:r="http://schemas.openxmlformats.org/officeDocument/2006/relationships" xmlns:p="http://schemas.openxmlformats.org/presentationml/2006/main">
+  <p:cSld>
+    <p:spTree>
+      <p:nvGrpSpPr>
+        <p:cNvPr id="1" name=""/>
+        <p:cNvGrpSpPr/>
+        <p:nvPr/>
+      </p:nvGrpSpPr>
+      <p:grpSpPr>
+        <a:xfrm>
+          <a:off x="0" y="0"/>
+          <a:ext cx="0" cy="0"/>
+          <a:chOff x="0" y="0"/>
+          <a:chExt cx="0" cy="0"/>
+        </a:xfrm>
+      </p:grpSpPr>
+      <p:pic>
+        <p:nvPicPr>
+          <p:cNvPr id="6" name="Imagem 7" descr="Diagrama&#10;&#10;Descrição gerada automaticamente">
+            <a:extLst>
+              <a:ext uri="{FF2B5EF4-FFF2-40B4-BE49-F238E27FC236}">
+                <a16:creationId xmlns:a16="http://schemas.microsoft.com/office/drawing/2014/main" id="{CBECF66A-9EDF-45D2-B012-9A1FC4626388}"/>
+              </a:ext>
+            </a:extLst>
+          </p:cNvPr>
+          <p:cNvPicPr>
+            <a:picLocks noChangeAspect="1"/>
+          </p:cNvPicPr>
+          <p:nvPr/>
+        </p:nvPicPr>
+        <p:blipFill>
+          <a:blip r:embed="rId2"/>
+          <a:stretch>
+            <a:fillRect/>
+          </a:stretch>
+        </p:blipFill>
+        <p:spPr>
+          <a:xfrm>
+            <a:off x="3738283" y="881543"/>
+            <a:ext cx="5495364" cy="5955525"/>
+          </a:xfrm>
+          <a:prstGeom prst="rect">
+            <a:avLst/>
+          </a:prstGeom>
+        </p:spPr>
+      </p:pic>
+      <p:sp>
+        <p:nvSpPr>
+          <p:cNvPr id="2" name="Espaço Reservado para Número de Slide 1">
+            <a:extLst>
+              <a:ext uri="{FF2B5EF4-FFF2-40B4-BE49-F238E27FC236}">
+                <a16:creationId xmlns:a16="http://schemas.microsoft.com/office/drawing/2014/main" id="{00A5C847-9B16-45BB-A00A-7493094466B1}"/>
+              </a:ext>
+            </a:extLst>
+          </p:cNvPr>
+          <p:cNvSpPr>
+            <a:spLocks noGrp="1"/>
+          </p:cNvSpPr>
+          <p:nvPr>
+            <p:ph type="sldNum" sz="quarter" idx="12"/>
+          </p:nvPr>
+        </p:nvSpPr>
+        <p:spPr/>
+        <p:txBody>
+          <a:bodyPr/>
+          <a:lstStyle/>
+          <a:p>
+            <a:fld id="{47797270-BFBB-4212-9FDA-8EE01FE91F8C}" type="slidenum">
+              <a:rPr lang="pt-BR" smtClean="0"/>
+              <a:t>13</a:t>
+            </a:fld>
+            <a:endParaRPr lang="pt-BR"/>
+          </a:p>
+        </p:txBody>
+      </p:sp>
+      <p:sp>
+        <p:nvSpPr>
+          <p:cNvPr id="7" name="Retângulo 6">
+            <a:extLst>
+              <a:ext uri="{FF2B5EF4-FFF2-40B4-BE49-F238E27FC236}">
+                <a16:creationId xmlns:a16="http://schemas.microsoft.com/office/drawing/2014/main" id="{C0911691-8E5D-4130-9DEF-B295AC8F85B1}"/>
+              </a:ext>
+            </a:extLst>
+          </p:cNvPr>
+          <p:cNvSpPr/>
+          <p:nvPr/>
+        </p:nvSpPr>
+        <p:spPr>
+          <a:xfrm>
+            <a:off x="-134911" y="0"/>
+            <a:ext cx="1758759" cy="6840036"/>
+          </a:xfrm>
+          <a:prstGeom prst="rect">
+            <a:avLst/>
+          </a:prstGeom>
+          <a:solidFill>
+            <a:srgbClr val="053566"/>
+          </a:solidFill>
+        </p:spPr>
+        <p:style>
+          <a:lnRef idx="2">
+            <a:schemeClr val="accent1">
+              <a:shade val="50000"/>
+            </a:schemeClr>
+          </a:lnRef>
+          <a:fillRef idx="1">
+            <a:schemeClr val="accent1"/>
+          </a:fillRef>
+          <a:effectRef idx="0">
+            <a:schemeClr val="accent1"/>
+          </a:effectRef>
+          <a:fontRef idx="minor">
+            <a:schemeClr val="lt1"/>
+          </a:fontRef>
+        </p:style>
+        <p:txBody>
+          <a:bodyPr rtlCol="0" anchor="ctr"/>
+          <a:lstStyle/>
+          <a:p>
+            <a:pPr algn="ctr"/>
+            <a:endParaRPr lang="pt-BR"/>
+          </a:p>
+        </p:txBody>
+      </p:sp>
+      <p:pic>
+        <p:nvPicPr>
+          <p:cNvPr id="4" name="Imagem 3" descr="Logotipo&#10;&#10;Descrição gerada automaticamente">
+            <a:extLst>
+              <a:ext uri="{FF2B5EF4-FFF2-40B4-BE49-F238E27FC236}">
+                <a16:creationId xmlns:a16="http://schemas.microsoft.com/office/drawing/2014/main" id="{A8415950-AE8E-45C0-A2E5-D9B394DF621D}"/>
+              </a:ext>
+            </a:extLst>
+          </p:cNvPr>
+          <p:cNvPicPr>
+            <a:picLocks noChangeAspect="1"/>
+          </p:cNvPicPr>
+          <p:nvPr/>
+        </p:nvPicPr>
+        <p:blipFill>
+          <a:blip r:embed="rId3" cstate="print">
+            <a:extLst>
+              <a:ext uri="{28A0092B-C50C-407E-A947-70E740481C1C}">
+                <a14:useLocalDpi xmlns:a14="http://schemas.microsoft.com/office/drawing/2010/main" val="0"/>
+              </a:ext>
+            </a:extLst>
+          </a:blip>
+          <a:stretch>
+            <a:fillRect/>
+          </a:stretch>
+        </p:blipFill>
+        <p:spPr>
+          <a:xfrm>
+            <a:off x="196516" y="205083"/>
+            <a:ext cx="1106542" cy="1096089"/>
+          </a:xfrm>
+          <a:prstGeom prst="rect">
+            <a:avLst/>
+          </a:prstGeom>
+        </p:spPr>
+      </p:pic>
+      <p:sp>
+        <p:nvSpPr>
+          <p:cNvPr id="5" name="TextBox 4">
+            <a:extLst>
+              <a:ext uri="{FF2B5EF4-FFF2-40B4-BE49-F238E27FC236}">
+                <a16:creationId xmlns:a16="http://schemas.microsoft.com/office/drawing/2014/main" id="{751BADB0-5D73-43E9-9ABB-321766D8AE39}"/>
+              </a:ext>
+            </a:extLst>
+          </p:cNvPr>
+          <p:cNvSpPr txBox="1"/>
+          <p:nvPr/>
+        </p:nvSpPr>
+        <p:spPr>
+          <a:xfrm>
+            <a:off x="2167689" y="483268"/>
+            <a:ext cx="9310436" cy="707886"/>
+          </a:xfrm>
+          <a:prstGeom prst="rect">
+            <a:avLst/>
+          </a:prstGeom>
+          <a:noFill/>
+        </p:spPr>
+        <p:txBody>
+          <a:bodyPr rot="0" spcFirstLastPara="0" vertOverflow="overflow" horzOverflow="overflow" vert="horz" wrap="square" lIns="91440" tIns="45720" rIns="91440" bIns="45720" numCol="1" spcCol="0" rtlCol="0" fromWordArt="0" anchor="t" anchorCtr="0" forceAA="0" compatLnSpc="1">
+            <a:prstTxWarp prst="textNoShape">
+              <a:avLst/>
+            </a:prstTxWarp>
+            <a:spAutoFit/>
+          </a:bodyPr>
+          <a:lstStyle/>
+          <a:p>
+            <a:r>
+              <a:rPr lang="en-US" sz="4000">
+                <a:cs typeface="Calibri"/>
+              </a:rPr>
+              <a:t>3.5 - </a:t>
+            </a:r>
+            <a:r>
+              <a:rPr lang="en-US" sz="4000" dirty="0">
+                <a:ea typeface="+mn-lt"/>
+                <a:cs typeface="+mn-lt"/>
+              </a:rPr>
+              <a:t>Nivel 2</a:t>
+            </a:r>
+            <a:endParaRPr lang="en-US" sz="4000" dirty="0">
+              <a:cs typeface="Calibri"/>
+            </a:endParaRPr>
+          </a:p>
+        </p:txBody>
+      </p:sp>
+    </p:spTree>
+    <p:extLst>
+      <p:ext uri="{BB962C8B-B14F-4D97-AF65-F5344CB8AC3E}">
+        <p14:creationId xmlns:p14="http://schemas.microsoft.com/office/powerpoint/2010/main" val="3493888325"/>
+      </p:ext>
+    </p:extLst>
+  </p:cSld>
+  <p:clrMapOvr>
+    <a:masterClrMapping/>
+  </p:clrMapOvr>
+</p:sld>
+</file>
+
+<file path=ppt/slides/slide14.xml><?xml version="1.0" encoding="utf-8"?>
+<p:sld xmlns:a="http://schemas.openxmlformats.org/drawingml/2006/main" xmlns:r="http://schemas.openxmlformats.org/officeDocument/2006/relationships" xmlns:p="http://schemas.openxmlformats.org/presentationml/2006/main">
+  <p:cSld>
+    <p:spTree>
+      <p:nvGrpSpPr>
+        <p:cNvPr id="1" name=""/>
+        <p:cNvGrpSpPr/>
+        <p:nvPr/>
+      </p:nvGrpSpPr>
+      <p:grpSpPr>
+        <a:xfrm>
+          <a:off x="0" y="0"/>
+          <a:ext cx="0" cy="0"/>
+          <a:chOff x="0" y="0"/>
+          <a:chExt cx="0" cy="0"/>
+        </a:xfrm>
+      </p:grpSpPr>
+      <p:sp>
+        <p:nvSpPr>
+          <p:cNvPr id="2" name="Espaço Reservado para Número de Slide 1">
+            <a:extLst>
+              <a:ext uri="{FF2B5EF4-FFF2-40B4-BE49-F238E27FC236}">
+                <a16:creationId xmlns:a16="http://schemas.microsoft.com/office/drawing/2014/main" id="{00A5C847-9B16-45BB-A00A-7493094466B1}"/>
+              </a:ext>
+            </a:extLst>
+          </p:cNvPr>
+          <p:cNvSpPr>
+            <a:spLocks noGrp="1"/>
+          </p:cNvSpPr>
+          <p:nvPr>
+            <p:ph type="sldNum" sz="quarter" idx="12"/>
+          </p:nvPr>
+        </p:nvSpPr>
+        <p:spPr/>
+        <p:txBody>
+          <a:bodyPr/>
+          <a:lstStyle/>
+          <a:p>
+            <a:fld id="{47797270-BFBB-4212-9FDA-8EE01FE91F8C}" type="slidenum">
+              <a:rPr lang="pt-BR" smtClean="0"/>
+              <a:t>14</a:t>
+            </a:fld>
+            <a:endParaRPr lang="pt-BR"/>
+          </a:p>
+        </p:txBody>
+      </p:sp>
+      <p:sp>
+        <p:nvSpPr>
+          <p:cNvPr id="7" name="Retângulo 6">
+            <a:extLst>
+              <a:ext uri="{FF2B5EF4-FFF2-40B4-BE49-F238E27FC236}">
+                <a16:creationId xmlns:a16="http://schemas.microsoft.com/office/drawing/2014/main" id="{C0911691-8E5D-4130-9DEF-B295AC8F85B1}"/>
+              </a:ext>
+            </a:extLst>
+          </p:cNvPr>
+          <p:cNvSpPr/>
+          <p:nvPr/>
+        </p:nvSpPr>
+        <p:spPr>
+          <a:xfrm>
+            <a:off x="-134911" y="0"/>
+            <a:ext cx="1758759" cy="6840036"/>
+          </a:xfrm>
+          <a:prstGeom prst="rect">
+            <a:avLst/>
+          </a:prstGeom>
+          <a:solidFill>
+            <a:srgbClr val="053566"/>
+          </a:solidFill>
+        </p:spPr>
+        <p:style>
+          <a:lnRef idx="2">
+            <a:schemeClr val="accent1">
+              <a:shade val="50000"/>
+            </a:schemeClr>
+          </a:lnRef>
+          <a:fillRef idx="1">
+            <a:schemeClr val="accent1"/>
+          </a:fillRef>
+          <a:effectRef idx="0">
+            <a:schemeClr val="accent1"/>
+          </a:effectRef>
+          <a:fontRef idx="minor">
+            <a:schemeClr val="lt1"/>
+          </a:fontRef>
+        </p:style>
+        <p:txBody>
+          <a:bodyPr rtlCol="0" anchor="ctr"/>
+          <a:lstStyle/>
+          <a:p>
+            <a:pPr algn="ctr"/>
+            <a:endParaRPr lang="pt-BR"/>
+          </a:p>
+        </p:txBody>
+      </p:sp>
+      <p:pic>
+        <p:nvPicPr>
+          <p:cNvPr id="4" name="Imagem 3" descr="Logotipo&#10;&#10;Descrição gerada automaticamente">
+            <a:extLst>
+              <a:ext uri="{FF2B5EF4-FFF2-40B4-BE49-F238E27FC236}">
+                <a16:creationId xmlns:a16="http://schemas.microsoft.com/office/drawing/2014/main" id="{A8415950-AE8E-45C0-A2E5-D9B394DF621D}"/>
+              </a:ext>
+            </a:extLst>
+          </p:cNvPr>
+          <p:cNvPicPr>
+            <a:picLocks noChangeAspect="1"/>
+          </p:cNvPicPr>
+          <p:nvPr/>
+        </p:nvPicPr>
+        <p:blipFill>
+          <a:blip r:embed="rId2" cstate="print">
+            <a:extLst>
+              <a:ext uri="{28A0092B-C50C-407E-A947-70E740481C1C}">
+                <a14:useLocalDpi xmlns:a14="http://schemas.microsoft.com/office/drawing/2010/main" val="0"/>
+              </a:ext>
+            </a:extLst>
+          </a:blip>
+          <a:stretch>
+            <a:fillRect/>
+          </a:stretch>
+        </p:blipFill>
+        <p:spPr>
+          <a:xfrm>
+            <a:off x="196516" y="205083"/>
+            <a:ext cx="1106542" cy="1096089"/>
+          </a:xfrm>
+          <a:prstGeom prst="rect">
+            <a:avLst/>
+          </a:prstGeom>
+        </p:spPr>
+      </p:pic>
+      <p:sp>
+        <p:nvSpPr>
+          <p:cNvPr id="5" name="TextBox 4">
+            <a:extLst>
+              <a:ext uri="{FF2B5EF4-FFF2-40B4-BE49-F238E27FC236}">
+                <a16:creationId xmlns:a16="http://schemas.microsoft.com/office/drawing/2014/main" id="{751BADB0-5D73-43E9-9ABB-321766D8AE39}"/>
+              </a:ext>
+            </a:extLst>
+          </p:cNvPr>
+          <p:cNvSpPr txBox="1"/>
+          <p:nvPr/>
+        </p:nvSpPr>
+        <p:spPr>
+          <a:xfrm>
+            <a:off x="2167689" y="483268"/>
+            <a:ext cx="9310436" cy="707886"/>
+          </a:xfrm>
+          <a:prstGeom prst="rect">
+            <a:avLst/>
+          </a:prstGeom>
+          <a:noFill/>
+        </p:spPr>
+        <p:txBody>
+          <a:bodyPr rot="0" spcFirstLastPara="0" vertOverflow="overflow" horzOverflow="overflow" vert="horz" wrap="square" lIns="91440" tIns="45720" rIns="91440" bIns="45720" numCol="1" spcCol="0" rtlCol="0" fromWordArt="0" anchor="t" anchorCtr="0" forceAA="0" compatLnSpc="1">
+            <a:prstTxWarp prst="textNoShape">
+              <a:avLst/>
+            </a:prstTxWarp>
+            <a:spAutoFit/>
+          </a:bodyPr>
+          <a:lstStyle/>
+          <a:p>
+            <a:r>
+              <a:rPr lang="en-US" sz="4000">
+                <a:cs typeface="Calibri"/>
+              </a:rPr>
+              <a:t>4 - </a:t>
+            </a:r>
+            <a:r>
+              <a:rPr lang="en-US" sz="4000">
+                <a:ea typeface="+mn-lt"/>
+                <a:cs typeface="+mn-lt"/>
+              </a:rPr>
+              <a:t>Custos</a:t>
+            </a:r>
+            <a:endParaRPr lang="en-US" sz="4000">
+              <a:cs typeface="Calibri"/>
+            </a:endParaRPr>
+          </a:p>
+        </p:txBody>
+      </p:sp>
+    </p:spTree>
+    <p:extLst>
+      <p:ext uri="{BB962C8B-B14F-4D97-AF65-F5344CB8AC3E}">
+        <p14:creationId xmlns:p14="http://schemas.microsoft.com/office/powerpoint/2010/main" val="1989630067"/>
+      </p:ext>
+    </p:extLst>
+  </p:cSld>
+  <p:clrMapOvr>
+    <a:masterClrMapping/>
+  </p:clrMapOvr>
+</p:sld>
+</file>
+
+<file path=ppt/slides/slide15.xml><?xml version="1.0" encoding="utf-8"?>
+<p:sld xmlns:a="http://schemas.openxmlformats.org/drawingml/2006/main" xmlns:r="http://schemas.openxmlformats.org/officeDocument/2006/relationships" xmlns:p="http://schemas.openxmlformats.org/presentationml/2006/main">
+  <p:cSld>
+    <p:spTree>
+      <p:nvGrpSpPr>
+        <p:cNvPr id="1" name=""/>
+        <p:cNvGrpSpPr/>
+        <p:nvPr/>
+      </p:nvGrpSpPr>
+      <p:grpSpPr>
+        <a:xfrm>
+          <a:off x="0" y="0"/>
+          <a:ext cx="0" cy="0"/>
+          <a:chOff x="0" y="0"/>
+          <a:chExt cx="0" cy="0"/>
+        </a:xfrm>
+      </p:grpSpPr>
+      <p:sp>
+        <p:nvSpPr>
+          <p:cNvPr id="2" name="Espaço Reservado para Número de Slide 1">
+            <a:extLst>
+              <a:ext uri="{FF2B5EF4-FFF2-40B4-BE49-F238E27FC236}">
+                <a16:creationId xmlns:a16="http://schemas.microsoft.com/office/drawing/2014/main" id="{00A5C847-9B16-45BB-A00A-7493094466B1}"/>
+              </a:ext>
+            </a:extLst>
+          </p:cNvPr>
+          <p:cNvSpPr>
+            <a:spLocks noGrp="1"/>
+          </p:cNvSpPr>
+          <p:nvPr>
+            <p:ph type="sldNum" sz="quarter" idx="12"/>
+          </p:nvPr>
+        </p:nvSpPr>
+        <p:spPr/>
+        <p:txBody>
+          <a:bodyPr/>
+          <a:lstStyle/>
+          <a:p>
+            <a:fld id="{47797270-BFBB-4212-9FDA-8EE01FE91F8C}" type="slidenum">
+              <a:rPr lang="pt-BR" smtClean="0"/>
+              <a:t>15</a:t>
+            </a:fld>
+            <a:endParaRPr lang="pt-BR"/>
+          </a:p>
+        </p:txBody>
+      </p:sp>
+      <p:sp>
+        <p:nvSpPr>
+          <p:cNvPr id="7" name="Retângulo 6">
+            <a:extLst>
+              <a:ext uri="{FF2B5EF4-FFF2-40B4-BE49-F238E27FC236}">
+                <a16:creationId xmlns:a16="http://schemas.microsoft.com/office/drawing/2014/main" id="{C0911691-8E5D-4130-9DEF-B295AC8F85B1}"/>
+              </a:ext>
+            </a:extLst>
+          </p:cNvPr>
+          <p:cNvSpPr/>
+          <p:nvPr/>
+        </p:nvSpPr>
+        <p:spPr>
+          <a:xfrm>
+            <a:off x="-134911" y="0"/>
+            <a:ext cx="1758759" cy="6840036"/>
+          </a:xfrm>
+          <a:prstGeom prst="rect">
+            <a:avLst/>
+          </a:prstGeom>
+          <a:solidFill>
+            <a:srgbClr val="053566"/>
+          </a:solidFill>
+        </p:spPr>
+        <p:style>
+          <a:lnRef idx="2">
+            <a:schemeClr val="accent1">
+              <a:shade val="50000"/>
+            </a:schemeClr>
+          </a:lnRef>
+          <a:fillRef idx="1">
+            <a:schemeClr val="accent1"/>
+          </a:fillRef>
+          <a:effectRef idx="0">
+            <a:schemeClr val="accent1"/>
+          </a:effectRef>
+          <a:fontRef idx="minor">
+            <a:schemeClr val="lt1"/>
+          </a:fontRef>
+        </p:style>
+        <p:txBody>
+          <a:bodyPr rtlCol="0" anchor="ctr"/>
+          <a:lstStyle/>
+          <a:p>
+            <a:pPr algn="ctr"/>
+            <a:endParaRPr lang="pt-BR"/>
+          </a:p>
+        </p:txBody>
+      </p:sp>
+      <p:pic>
+        <p:nvPicPr>
+          <p:cNvPr id="4" name="Imagem 3" descr="Logotipo&#10;&#10;Descrição gerada automaticamente">
+            <a:extLst>
+              <a:ext uri="{FF2B5EF4-FFF2-40B4-BE49-F238E27FC236}">
+                <a16:creationId xmlns:a16="http://schemas.microsoft.com/office/drawing/2014/main" id="{A8415950-AE8E-45C0-A2E5-D9B394DF621D}"/>
+              </a:ext>
+            </a:extLst>
+          </p:cNvPr>
+          <p:cNvPicPr>
+            <a:picLocks noChangeAspect="1"/>
+          </p:cNvPicPr>
+          <p:nvPr/>
+        </p:nvPicPr>
+        <p:blipFill>
+          <a:blip r:embed="rId2" cstate="print">
+            <a:extLst>
+              <a:ext uri="{28A0092B-C50C-407E-A947-70E740481C1C}">
+                <a14:useLocalDpi xmlns:a14="http://schemas.microsoft.com/office/drawing/2010/main" val="0"/>
+              </a:ext>
+            </a:extLst>
+          </a:blip>
+          <a:stretch>
+            <a:fillRect/>
+          </a:stretch>
+        </p:blipFill>
+        <p:spPr>
+          <a:xfrm>
+            <a:off x="196516" y="205083"/>
+            <a:ext cx="1106542" cy="1096089"/>
+          </a:xfrm>
+          <a:prstGeom prst="rect">
+            <a:avLst/>
+          </a:prstGeom>
+        </p:spPr>
+      </p:pic>
+      <p:sp>
+        <p:nvSpPr>
+          <p:cNvPr id="5" name="TextBox 4">
+            <a:extLst>
+              <a:ext uri="{FF2B5EF4-FFF2-40B4-BE49-F238E27FC236}">
+                <a16:creationId xmlns:a16="http://schemas.microsoft.com/office/drawing/2014/main" id="{751BADB0-5D73-43E9-9ABB-321766D8AE39}"/>
+              </a:ext>
+            </a:extLst>
+          </p:cNvPr>
+          <p:cNvSpPr txBox="1"/>
+          <p:nvPr/>
+        </p:nvSpPr>
+        <p:spPr>
+          <a:xfrm>
+            <a:off x="2167689" y="483268"/>
+            <a:ext cx="9310436" cy="707886"/>
+          </a:xfrm>
+          <a:prstGeom prst="rect">
+            <a:avLst/>
+          </a:prstGeom>
+          <a:noFill/>
+        </p:spPr>
+        <p:txBody>
+          <a:bodyPr rot="0" spcFirstLastPara="0" vertOverflow="overflow" horzOverflow="overflow" vert="horz" wrap="square" lIns="91440" tIns="45720" rIns="91440" bIns="45720" numCol="1" spcCol="0" rtlCol="0" fromWordArt="0" anchor="t" anchorCtr="0" forceAA="0" compatLnSpc="1">
+            <a:prstTxWarp prst="textNoShape">
+              <a:avLst/>
+            </a:prstTxWarp>
+            <a:spAutoFit/>
+          </a:bodyPr>
+          <a:lstStyle/>
+          <a:p>
+            <a:r>
+              <a:rPr lang="en-US" sz="4000">
+                <a:cs typeface="Calibri"/>
+              </a:rPr>
+              <a:t>5 - </a:t>
+            </a:r>
+            <a:r>
+              <a:rPr lang="en-US" sz="4000">
+                <a:ea typeface="+mn-lt"/>
+                <a:cs typeface="+mn-lt"/>
+              </a:rPr>
+              <a:t>Considerações</a:t>
+            </a:r>
+            <a:endParaRPr lang="en-US" sz="4000">
+              <a:cs typeface="Calibri"/>
+            </a:endParaRPr>
+          </a:p>
+        </p:txBody>
+      </p:sp>
+    </p:spTree>
+    <p:extLst>
+      <p:ext uri="{BB962C8B-B14F-4D97-AF65-F5344CB8AC3E}">
+        <p14:creationId xmlns:p14="http://schemas.microsoft.com/office/powerpoint/2010/main" val="122286710"/>
+      </p:ext>
+    </p:extLst>
+  </p:cSld>
+  <p:clrMapOvr>
+    <a:masterClrMapping/>
+  </p:clrMapOvr>
+</p:sld>
+</file>
+
+<file path=ppt/slides/slide16.xml><?xml version="1.0" encoding="utf-8"?>
+<p:sld xmlns:a="http://schemas.openxmlformats.org/drawingml/2006/main" xmlns:r="http://schemas.openxmlformats.org/officeDocument/2006/relationships" xmlns:p="http://schemas.openxmlformats.org/presentationml/2006/main">
+  <p:cSld>
+    <p:spTree>
+      <p:nvGrpSpPr>
+        <p:cNvPr id="1" name=""/>
+        <p:cNvGrpSpPr/>
+        <p:nvPr/>
+      </p:nvGrpSpPr>
+      <p:grpSpPr>
+        <a:xfrm>
+          <a:off x="0" y="0"/>
+          <a:ext cx="0" cy="0"/>
+          <a:chOff x="0" y="0"/>
+          <a:chExt cx="0" cy="0"/>
+        </a:xfrm>
+      </p:grpSpPr>
+      <p:sp>
+        <p:nvSpPr>
+          <p:cNvPr id="2" name="Espaço Reservado para Número de Slide 1">
+            <a:extLst>
+              <a:ext uri="{FF2B5EF4-FFF2-40B4-BE49-F238E27FC236}">
+                <a16:creationId xmlns:a16="http://schemas.microsoft.com/office/drawing/2014/main" id="{00A5C847-9B16-45BB-A00A-7493094466B1}"/>
+              </a:ext>
+            </a:extLst>
+          </p:cNvPr>
+          <p:cNvSpPr>
+            <a:spLocks noGrp="1"/>
+          </p:cNvSpPr>
+          <p:nvPr>
+            <p:ph type="sldNum" sz="quarter" idx="12"/>
+          </p:nvPr>
+        </p:nvSpPr>
+        <p:spPr/>
+        <p:txBody>
+          <a:bodyPr/>
+          <a:lstStyle/>
+          <a:p>
+            <a:fld id="{47797270-BFBB-4212-9FDA-8EE01FE91F8C}" type="slidenum">
+              <a:rPr lang="pt-BR" smtClean="0"/>
+              <a:t>16</a:t>
+            </a:fld>
+            <a:endParaRPr lang="pt-BR"/>
+          </a:p>
+        </p:txBody>
+      </p:sp>
+      <p:sp>
+        <p:nvSpPr>
+          <p:cNvPr id="7" name="Retângulo 6">
+            <a:extLst>
+              <a:ext uri="{FF2B5EF4-FFF2-40B4-BE49-F238E27FC236}">
+                <a16:creationId xmlns:a16="http://schemas.microsoft.com/office/drawing/2014/main" id="{C0911691-8E5D-4130-9DEF-B295AC8F85B1}"/>
+              </a:ext>
+            </a:extLst>
+          </p:cNvPr>
+          <p:cNvSpPr/>
+          <p:nvPr/>
+        </p:nvSpPr>
+        <p:spPr>
+          <a:xfrm>
+            <a:off x="-134911" y="0"/>
+            <a:ext cx="1758759" cy="6840036"/>
+          </a:xfrm>
+          <a:prstGeom prst="rect">
+            <a:avLst/>
+          </a:prstGeom>
+          <a:solidFill>
+            <a:srgbClr val="053566"/>
+          </a:solidFill>
+        </p:spPr>
+        <p:style>
+          <a:lnRef idx="2">
+            <a:schemeClr val="accent1">
+              <a:shade val="50000"/>
+            </a:schemeClr>
+          </a:lnRef>
+          <a:fillRef idx="1">
+            <a:schemeClr val="accent1"/>
+          </a:fillRef>
+          <a:effectRef idx="0">
+            <a:schemeClr val="accent1"/>
+          </a:effectRef>
+          <a:fontRef idx="minor">
+            <a:schemeClr val="lt1"/>
+          </a:fontRef>
+        </p:style>
+        <p:txBody>
+          <a:bodyPr rtlCol="0" anchor="ctr"/>
+          <a:lstStyle/>
+          <a:p>
+            <a:pPr algn="ctr"/>
+            <a:endParaRPr lang="pt-BR"/>
+          </a:p>
+        </p:txBody>
+      </p:sp>
+      <p:pic>
+        <p:nvPicPr>
+          <p:cNvPr id="4" name="Imagem 3" descr="Logotipo&#10;&#10;Descrição gerada automaticamente">
+            <a:extLst>
+              <a:ext uri="{FF2B5EF4-FFF2-40B4-BE49-F238E27FC236}">
+                <a16:creationId xmlns:a16="http://schemas.microsoft.com/office/drawing/2014/main" id="{A8415950-AE8E-45C0-A2E5-D9B394DF621D}"/>
+              </a:ext>
+            </a:extLst>
+          </p:cNvPr>
+          <p:cNvPicPr>
+            <a:picLocks noChangeAspect="1"/>
+          </p:cNvPicPr>
+          <p:nvPr/>
+        </p:nvPicPr>
+        <p:blipFill>
+          <a:blip r:embed="rId2" cstate="print">
+            <a:extLst>
+              <a:ext uri="{28A0092B-C50C-407E-A947-70E740481C1C}">
+                <a14:useLocalDpi xmlns:a14="http://schemas.microsoft.com/office/drawing/2010/main" val="0"/>
+              </a:ext>
+            </a:extLst>
+          </a:blip>
+          <a:stretch>
+            <a:fillRect/>
+          </a:stretch>
+        </p:blipFill>
+        <p:spPr>
+          <a:xfrm>
+            <a:off x="196516" y="205083"/>
+            <a:ext cx="1106542" cy="1096089"/>
+          </a:xfrm>
+          <a:prstGeom prst="rect">
+            <a:avLst/>
+          </a:prstGeom>
+        </p:spPr>
+      </p:pic>
+      <p:sp>
+        <p:nvSpPr>
+          <p:cNvPr id="5" name="TextBox 4">
+            <a:extLst>
+              <a:ext uri="{FF2B5EF4-FFF2-40B4-BE49-F238E27FC236}">
+                <a16:creationId xmlns:a16="http://schemas.microsoft.com/office/drawing/2014/main" id="{751BADB0-5D73-43E9-9ABB-321766D8AE39}"/>
+              </a:ext>
+            </a:extLst>
+          </p:cNvPr>
+          <p:cNvSpPr txBox="1"/>
+          <p:nvPr/>
+        </p:nvSpPr>
+        <p:spPr>
+          <a:xfrm>
+            <a:off x="2167689" y="483268"/>
+            <a:ext cx="9310436" cy="707886"/>
+          </a:xfrm>
+          <a:prstGeom prst="rect">
+            <a:avLst/>
+          </a:prstGeom>
+          <a:noFill/>
+        </p:spPr>
+        <p:txBody>
+          <a:bodyPr rot="0" spcFirstLastPara="0" vertOverflow="overflow" horzOverflow="overflow" vert="horz" wrap="square" lIns="91440" tIns="45720" rIns="91440" bIns="45720" numCol="1" spcCol="0" rtlCol="0" fromWordArt="0" anchor="t" anchorCtr="0" forceAA="0" compatLnSpc="1">
+            <a:prstTxWarp prst="textNoShape">
+              <a:avLst/>
+            </a:prstTxWarp>
+            <a:spAutoFit/>
+          </a:bodyPr>
+          <a:lstStyle/>
+          <a:p>
+            <a:r>
+              <a:rPr lang="en-US" sz="4000">
+                <a:cs typeface="Calibri"/>
+              </a:rPr>
+              <a:t>6 - </a:t>
+            </a:r>
+            <a:r>
+              <a:rPr lang="en-US" sz="4000">
+                <a:ea typeface="+mn-lt"/>
+                <a:cs typeface="+mn-lt"/>
+              </a:rPr>
+              <a:t>Perguntas</a:t>
+            </a:r>
+            <a:endParaRPr lang="en-US" sz="4000">
+              <a:cs typeface="Calibri"/>
+            </a:endParaRPr>
+          </a:p>
+        </p:txBody>
+      </p:sp>
+      <p:pic>
+        <p:nvPicPr>
+          <p:cNvPr id="3" name="Gráfico 5" descr="Perguntas com preenchimento sólido">
+            <a:extLst>
+              <a:ext uri="{FF2B5EF4-FFF2-40B4-BE49-F238E27FC236}">
+                <a16:creationId xmlns:a16="http://schemas.microsoft.com/office/drawing/2014/main" id="{B35E9272-4ADA-42A4-887A-FC3950232D19}"/>
+              </a:ext>
+            </a:extLst>
+          </p:cNvPr>
+          <p:cNvPicPr>
+            <a:picLocks noChangeAspect="1"/>
+          </p:cNvPicPr>
+          <p:nvPr/>
+        </p:nvPicPr>
+        <p:blipFill>
+          <a:blip r:embed="rId3">
+            <a:extLst>
+              <a:ext uri="{96DAC541-7B7A-43D3-8B79-37D633B846F1}">
+                <asvg:svgBlip xmlns:asvg="http://schemas.microsoft.com/office/drawing/2016/SVG/main" r:embed="rId4"/>
+              </a:ext>
+            </a:extLst>
+          </a:blip>
+          <a:stretch>
+            <a:fillRect/>
+          </a:stretch>
+        </p:blipFill>
+        <p:spPr>
+          <a:xfrm>
+            <a:off x="4838700" y="1809750"/>
+            <a:ext cx="3476625" cy="3476625"/>
+          </a:xfrm>
+          <a:prstGeom prst="rect">
+            <a:avLst/>
+          </a:prstGeom>
+        </p:spPr>
+      </p:pic>
+    </p:spTree>
+    <p:extLst>
+      <p:ext uri="{BB962C8B-B14F-4D97-AF65-F5344CB8AC3E}">
+        <p14:creationId xmlns:p14="http://schemas.microsoft.com/office/powerpoint/2010/main" val="541333889"/>
+      </p:ext>
+    </p:extLst>
+  </p:cSld>
+  <p:clrMapOvr>
+    <a:masterClrMapping/>
+  </p:clrMapOvr>
+</p:sld>
+</file>
+
+<file path=ppt/slides/slide17.xml><?xml version="1.0" encoding="utf-8"?>
+<p:sld xmlns:a="http://schemas.openxmlformats.org/drawingml/2006/main" xmlns:r="http://schemas.openxmlformats.org/officeDocument/2006/relationships" xmlns:p="http://schemas.openxmlformats.org/presentationml/2006/main">
+  <p:cSld>
+    <p:spTree>
+      <p:nvGrpSpPr>
+        <p:cNvPr id="1" name=""/>
+        <p:cNvGrpSpPr/>
+        <p:nvPr/>
+      </p:nvGrpSpPr>
+      <p:grpSpPr>
+        <a:xfrm>
+          <a:off x="0" y="0"/>
+          <a:ext cx="0" cy="0"/>
+          <a:chOff x="0" y="0"/>
+          <a:chExt cx="0" cy="0"/>
+        </a:xfrm>
+      </p:grpSpPr>
+      <p:sp>
+        <p:nvSpPr>
+          <p:cNvPr id="2" name="Espaço Reservado para Número de Slide 1">
+            <a:extLst>
+              <a:ext uri="{FF2B5EF4-FFF2-40B4-BE49-F238E27FC236}">
+                <a16:creationId xmlns:a16="http://schemas.microsoft.com/office/drawing/2014/main" id="{00A5C847-9B16-45BB-A00A-7493094466B1}"/>
+              </a:ext>
+            </a:extLst>
+          </p:cNvPr>
+          <p:cNvSpPr>
+            <a:spLocks noGrp="1"/>
+          </p:cNvSpPr>
+          <p:nvPr>
+            <p:ph type="sldNum" sz="quarter" idx="12"/>
+          </p:nvPr>
+        </p:nvSpPr>
+        <p:spPr/>
+        <p:txBody>
+          <a:bodyPr/>
+          <a:lstStyle/>
+          <a:p>
+            <a:fld id="{47797270-BFBB-4212-9FDA-8EE01FE91F8C}" type="slidenum">
+              <a:rPr lang="pt-BR" smtClean="0"/>
+              <a:t>17</a:t>
+            </a:fld>
+            <a:endParaRPr lang="pt-BR"/>
+          </a:p>
+        </p:txBody>
+      </p:sp>
+      <p:sp>
+        <p:nvSpPr>
+          <p:cNvPr id="7" name="Retângulo 6">
+            <a:extLst>
+              <a:ext uri="{FF2B5EF4-FFF2-40B4-BE49-F238E27FC236}">
+                <a16:creationId xmlns:a16="http://schemas.microsoft.com/office/drawing/2014/main" id="{C0911691-8E5D-4130-9DEF-B295AC8F85B1}"/>
+              </a:ext>
+            </a:extLst>
+          </p:cNvPr>
+          <p:cNvSpPr/>
+          <p:nvPr/>
+        </p:nvSpPr>
+        <p:spPr>
+          <a:xfrm>
+            <a:off x="-134911" y="0"/>
+            <a:ext cx="1758759" cy="6840036"/>
+          </a:xfrm>
+          <a:prstGeom prst="rect">
+            <a:avLst/>
+          </a:prstGeom>
+          <a:solidFill>
+            <a:srgbClr val="053566"/>
+          </a:solidFill>
+        </p:spPr>
+        <p:style>
+          <a:lnRef idx="2">
+            <a:schemeClr val="accent1">
+              <a:shade val="50000"/>
+            </a:schemeClr>
+          </a:lnRef>
+          <a:fillRef idx="1">
+            <a:schemeClr val="accent1"/>
+          </a:fillRef>
+          <a:effectRef idx="0">
+            <a:schemeClr val="accent1"/>
+          </a:effectRef>
+          <a:fontRef idx="minor">
+            <a:schemeClr val="lt1"/>
+          </a:fontRef>
+        </p:style>
+        <p:txBody>
+          <a:bodyPr rtlCol="0" anchor="ctr"/>
+          <a:lstStyle/>
+          <a:p>
+            <a:pPr algn="ctr"/>
+            <a:endParaRPr lang="pt-BR"/>
+          </a:p>
+        </p:txBody>
+      </p:sp>
+      <p:pic>
+        <p:nvPicPr>
+          <p:cNvPr id="4" name="Imagem 3" descr="Logotipo&#10;&#10;Descrição gerada automaticamente">
+            <a:extLst>
+              <a:ext uri="{FF2B5EF4-FFF2-40B4-BE49-F238E27FC236}">
+                <a16:creationId xmlns:a16="http://schemas.microsoft.com/office/drawing/2014/main" id="{A8415950-AE8E-45C0-A2E5-D9B394DF621D}"/>
+              </a:ext>
+            </a:extLst>
+          </p:cNvPr>
+          <p:cNvPicPr>
+            <a:picLocks noChangeAspect="1"/>
+          </p:cNvPicPr>
+          <p:nvPr/>
+        </p:nvPicPr>
+        <p:blipFill>
+          <a:blip r:embed="rId2" cstate="print">
+            <a:extLst>
+              <a:ext uri="{28A0092B-C50C-407E-A947-70E740481C1C}">
+                <a14:useLocalDpi xmlns:a14="http://schemas.microsoft.com/office/drawing/2010/main" val="0"/>
+              </a:ext>
+            </a:extLst>
+          </a:blip>
+          <a:stretch>
+            <a:fillRect/>
+          </a:stretch>
+        </p:blipFill>
+        <p:spPr>
+          <a:xfrm>
+            <a:off x="196516" y="205083"/>
+            <a:ext cx="1106542" cy="1096089"/>
+          </a:xfrm>
+          <a:prstGeom prst="rect">
+            <a:avLst/>
+          </a:prstGeom>
+        </p:spPr>
+      </p:pic>
+      <p:sp>
+        <p:nvSpPr>
+          <p:cNvPr id="5" name="TextBox 4">
+            <a:extLst>
+              <a:ext uri="{FF2B5EF4-FFF2-40B4-BE49-F238E27FC236}">
+                <a16:creationId xmlns:a16="http://schemas.microsoft.com/office/drawing/2014/main" id="{751BADB0-5D73-43E9-9ABB-321766D8AE39}"/>
+              </a:ext>
+            </a:extLst>
+          </p:cNvPr>
+          <p:cNvSpPr txBox="1"/>
+          <p:nvPr/>
+        </p:nvSpPr>
+        <p:spPr>
+          <a:xfrm>
+            <a:off x="2167689" y="483268"/>
+            <a:ext cx="9310436" cy="707886"/>
+          </a:xfrm>
+          <a:prstGeom prst="rect">
+            <a:avLst/>
+          </a:prstGeom>
+          <a:noFill/>
+        </p:spPr>
+        <p:txBody>
+          <a:bodyPr rot="0" spcFirstLastPara="0" vertOverflow="overflow" horzOverflow="overflow" vert="horz" wrap="square" lIns="91440" tIns="45720" rIns="91440" bIns="45720" numCol="1" spcCol="0" rtlCol="0" fromWordArt="0" anchor="t" anchorCtr="0" forceAA="0" compatLnSpc="1">
+            <a:prstTxWarp prst="textNoShape">
+              <a:avLst/>
+            </a:prstTxWarp>
+            <a:spAutoFit/>
+          </a:bodyPr>
+          <a:lstStyle/>
+          <a:p>
+            <a:r>
+              <a:rPr lang="en-US" sz="4000">
+                <a:cs typeface="Calibri"/>
+              </a:rPr>
+              <a:t>Referencias</a:t>
+            </a:r>
+            <a:endParaRPr lang="en-US"/>
+          </a:p>
+        </p:txBody>
+      </p:sp>
+      <p:sp>
+        <p:nvSpPr>
+          <p:cNvPr id="6" name="TextBox 5">
+            <a:extLst>
+              <a:ext uri="{FF2B5EF4-FFF2-40B4-BE49-F238E27FC236}">
+                <a16:creationId xmlns:a16="http://schemas.microsoft.com/office/drawing/2014/main" id="{553D447B-6377-4757-977D-CB26B99C59EC}"/>
+              </a:ext>
+            </a:extLst>
+          </p:cNvPr>
+          <p:cNvSpPr txBox="1"/>
+          <p:nvPr/>
+        </p:nvSpPr>
+        <p:spPr>
+          <a:xfrm>
+            <a:off x="2242751" y="1666103"/>
+            <a:ext cx="6460524" cy="923330"/>
+          </a:xfrm>
+          <a:prstGeom prst="rect">
+            <a:avLst/>
+          </a:prstGeom>
+          <a:noFill/>
+        </p:spPr>
+        <p:txBody>
+          <a:bodyPr rot="0" spcFirstLastPara="0" vertOverflow="overflow" horzOverflow="overflow" vert="horz" wrap="square" lIns="91440" tIns="45720" rIns="91440" bIns="45720" numCol="1" spcCol="0" rtlCol="0" fromWordArt="0" anchor="t" anchorCtr="0" forceAA="0" compatLnSpc="1">
+            <a:prstTxWarp prst="textNoShape">
+              <a:avLst/>
+            </a:prstTxWarp>
+            <a:spAutoFit/>
+          </a:bodyPr>
+          <a:lstStyle/>
+          <a:p>
+            <a:r>
+              <a:rPr lang="en-US">
+                <a:hlinkClick r:id="rId3"/>
+              </a:rPr>
+              <a:t>https://www.npmjs.com/package/c4builder?activeTab=readme</a:t>
+            </a:r>
+            <a:endParaRPr lang="en-US"/>
+          </a:p>
+          <a:p>
+            <a:r>
+              <a:rPr lang="en-US">
+                <a:ea typeface="+mn-lt"/>
+                <a:cs typeface="+mn-lt"/>
+                <a:hlinkClick r:id="rId4"/>
+              </a:rPr>
+              <a:t>https://github.com/adrianvlupu/C4-Builder</a:t>
+            </a:r>
+            <a:endParaRPr lang="en-US">
+              <a:ea typeface="+mn-lt"/>
+              <a:cs typeface="+mn-lt"/>
+            </a:endParaRPr>
+          </a:p>
+          <a:p>
+            <a:endParaRPr lang="en-US">
+              <a:cs typeface="Calibri"/>
+            </a:endParaRPr>
+          </a:p>
+        </p:txBody>
+      </p:sp>
+    </p:spTree>
+    <p:extLst>
+      <p:ext uri="{BB962C8B-B14F-4D97-AF65-F5344CB8AC3E}">
+        <p14:creationId xmlns:p14="http://schemas.microsoft.com/office/powerpoint/2010/main" val="2004314188"/>
+      </p:ext>
+    </p:extLst>
+  </p:cSld>
+  <p:clrMapOvr>
+    <a:masterClrMapping/>
+  </p:clrMapOvr>
+</p:sld>
+</file>
+
+<file path=ppt/slides/slide18.xml><?xml version="1.0" encoding="utf-8"?>
+<p:sld xmlns:a="http://schemas.openxmlformats.org/drawingml/2006/main" xmlns:r="http://schemas.openxmlformats.org/officeDocument/2006/relationships" xmlns:p="http://schemas.openxmlformats.org/presentationml/2006/main">
+  <p:cSld>
+    <p:spTree>
+      <p:nvGrpSpPr>
+        <p:cNvPr id="1" name=""/>
+        <p:cNvGrpSpPr/>
+        <p:nvPr/>
+      </p:nvGrpSpPr>
+      <p:grpSpPr>
+        <a:xfrm>
+          <a:off x="0" y="0"/>
+          <a:ext cx="0" cy="0"/>
+          <a:chOff x="0" y="0"/>
+          <a:chExt cx="0" cy="0"/>
+        </a:xfrm>
+      </p:grpSpPr>
+      <p:sp>
+        <p:nvSpPr>
+          <p:cNvPr id="6" name="Retângulo 5">
+            <a:extLst>
+              <a:ext uri="{FF2B5EF4-FFF2-40B4-BE49-F238E27FC236}">
+                <a16:creationId xmlns:a16="http://schemas.microsoft.com/office/drawing/2014/main" id="{1A99BFEF-E15F-4101-9163-CC25659DBF38}"/>
+              </a:ext>
+            </a:extLst>
+          </p:cNvPr>
+          <p:cNvSpPr/>
+          <p:nvPr/>
+        </p:nvSpPr>
+        <p:spPr>
+          <a:xfrm>
+            <a:off x="0" y="0"/>
+            <a:ext cx="12192000" cy="4646951"/>
+          </a:xfrm>
+          <a:prstGeom prst="rect">
+            <a:avLst/>
+          </a:prstGeom>
+          <a:solidFill>
+            <a:srgbClr val="053566"/>
+          </a:solidFill>
+        </p:spPr>
+        <p:style>
+          <a:lnRef idx="2">
+            <a:schemeClr val="accent1">
+              <a:shade val="50000"/>
+            </a:schemeClr>
+          </a:lnRef>
+          <a:fillRef idx="1">
+            <a:schemeClr val="accent1"/>
+          </a:fillRef>
+          <a:effectRef idx="0">
+            <a:schemeClr val="accent1"/>
+          </a:effectRef>
+          <a:fontRef idx="minor">
+            <a:schemeClr val="lt1"/>
+          </a:fontRef>
+        </p:style>
+        <p:txBody>
+          <a:bodyPr rtlCol="0" anchor="ctr"/>
+          <a:lstStyle/>
+          <a:p>
+            <a:pPr algn="ctr"/>
+            <a:endParaRPr lang="pt-BR"/>
+          </a:p>
+        </p:txBody>
+      </p:sp>
+      <p:sp>
+        <p:nvSpPr>
+          <p:cNvPr id="3" name="Subtítulo 2"/>
+          <p:cNvSpPr>
+            <a:spLocks noGrp="1"/>
+          </p:cNvSpPr>
+          <p:nvPr>
+            <p:ph type="subTitle" idx="1"/>
+          </p:nvPr>
+        </p:nvSpPr>
+        <p:spPr>
+          <a:xfrm>
+            <a:off x="0" y="4960137"/>
+            <a:ext cx="12192000" cy="1463040"/>
+          </a:xfrm>
+          <a:solidFill>
+            <a:schemeClr val="bg1"/>
+          </a:solidFill>
+        </p:spPr>
+        <p:txBody>
+          <a:bodyPr vert="horz" lIns="91440" tIns="45720" rIns="91440" bIns="45720" rtlCol="0" anchor="t">
+            <a:normAutofit/>
+          </a:bodyPr>
+          <a:lstStyle/>
+          <a:p>
+            <a:r>
+              <a:rPr lang="pt-BR" sz="2800">
+                <a:cs typeface="Calibri"/>
+              </a:rPr>
+              <a:t>Obrigado!</a:t>
+            </a:r>
+            <a:endParaRPr lang="en-US">
+              <a:cs typeface="Calibri" panose="020F0502020204030204"/>
+            </a:endParaRPr>
+          </a:p>
+        </p:txBody>
+      </p:sp>
+      <p:pic>
+        <p:nvPicPr>
+          <p:cNvPr id="4" name="Imagem 3"/>
+          <p:cNvPicPr>
+            <a:picLocks noChangeAspect="1"/>
+          </p:cNvPicPr>
+          <p:nvPr/>
+        </p:nvPicPr>
+        <p:blipFill>
+          <a:blip r:embed="rId3" cstate="print">
+            <a:extLst>
+              <a:ext uri="{28A0092B-C50C-407E-A947-70E740481C1C}">
+                <a14:useLocalDpi xmlns:a14="http://schemas.microsoft.com/office/drawing/2010/main" val="0"/>
+              </a:ext>
+            </a:extLst>
+          </a:blip>
+          <a:stretch>
+            <a:fillRect/>
+          </a:stretch>
+        </p:blipFill>
+        <p:spPr>
+          <a:xfrm>
+            <a:off x="457200" y="415636"/>
+            <a:ext cx="3532909" cy="3522456"/>
+          </a:xfrm>
+          <a:prstGeom prst="rect">
+            <a:avLst/>
+          </a:prstGeom>
+        </p:spPr>
+      </p:pic>
+      <p:sp>
+        <p:nvSpPr>
+          <p:cNvPr id="5" name="Título 1"/>
+          <p:cNvSpPr txBox="1">
+            <a:spLocks/>
+          </p:cNvSpPr>
+          <p:nvPr/>
+        </p:nvSpPr>
+        <p:spPr>
+          <a:xfrm>
+            <a:off x="3990109" y="415636"/>
+            <a:ext cx="7772400" cy="2386941"/>
+          </a:xfrm>
+          <a:prstGeom prst="rect">
+            <a:avLst/>
+          </a:prstGeom>
+        </p:spPr>
+        <p:txBody>
+          <a:bodyPr vert="horz" lIns="91440" tIns="45720" rIns="91440" bIns="45720" rtlCol="0" anchor="ctr">
+            <a:normAutofit/>
+          </a:bodyPr>
+          <a:lstStyle>
+            <a:lvl1pPr algn="r" defTabSz="914400" rtl="0" eaLnBrk="1" latinLnBrk="0" hangingPunct="1">
+              <a:lnSpc>
+                <a:spcPct val="80000"/>
+              </a:lnSpc>
+              <a:spcBef>
+                <a:spcPct val="0"/>
+              </a:spcBef>
+              <a:buNone/>
+              <a:defRPr sz="5000" kern="1200" cap="all" spc="200" baseline="0">
+                <a:solidFill>
+                  <a:schemeClr val="tx1">
+                    <a:lumMod val="90000"/>
+                    <a:lumOff val="10000"/>
+                  </a:schemeClr>
+                </a:solidFill>
+                <a:latin typeface="+mj-lt"/>
+                <a:ea typeface="+mj-ea"/>
+                <a:cs typeface="+mj-cs"/>
+              </a:defRPr>
+            </a:lvl1pPr>
+          </a:lstStyle>
+          <a:p>
+            <a:r>
+              <a:rPr lang="pt-BR">
+                <a:solidFill>
+                  <a:schemeClr val="bg1"/>
+                </a:solidFill>
+                <a:cs typeface="Calibri Light"/>
+              </a:rPr>
+              <a:t>PGPARQ01C1-2N-P1 - Arquitetura de Software</a:t>
+            </a:r>
+            <a:endParaRPr lang="en-US">
+              <a:solidFill>
+                <a:schemeClr val="bg1"/>
+              </a:solidFill>
+              <a:cs typeface="Calibri Light"/>
+            </a:endParaRPr>
+          </a:p>
+          <a:p>
+            <a:endParaRPr lang="pt-BR">
+              <a:solidFill>
+                <a:schemeClr val="bg1"/>
+              </a:solidFill>
+              <a:cs typeface="Calibri Light"/>
+            </a:endParaRPr>
+          </a:p>
+        </p:txBody>
+      </p:sp>
+    </p:spTree>
+    <p:extLst>
+      <p:ext uri="{BB962C8B-B14F-4D97-AF65-F5344CB8AC3E}">
+        <p14:creationId xmlns:p14="http://schemas.microsoft.com/office/powerpoint/2010/main" val="892426542"/>
       </p:ext>
     </p:extLst>
   </p:cSld>
@@ -6951,10 +7126,39 @@
       </p:grpSpPr>
       <p:sp>
         <p:nvSpPr>
-          <p:cNvPr id="3" name="Retângulo 2">
-            <a:extLst>
-              <a:ext uri="{FF2B5EF4-FFF2-40B4-BE49-F238E27FC236}">
-                <a16:creationId xmlns:a16="http://schemas.microsoft.com/office/drawing/2014/main" id="{1DCD5CE8-A540-4FA4-B2D0-DFD01903AA34}"/>
+          <p:cNvPr id="2" name="Espaço Reservado para Número de Slide 1">
+            <a:extLst>
+              <a:ext uri="{FF2B5EF4-FFF2-40B4-BE49-F238E27FC236}">
+                <a16:creationId xmlns:a16="http://schemas.microsoft.com/office/drawing/2014/main" id="{00A5C847-9B16-45BB-A00A-7493094466B1}"/>
+              </a:ext>
+            </a:extLst>
+          </p:cNvPr>
+          <p:cNvSpPr>
+            <a:spLocks noGrp="1"/>
+          </p:cNvSpPr>
+          <p:nvPr>
+            <p:ph type="sldNum" sz="quarter" idx="12"/>
+          </p:nvPr>
+        </p:nvSpPr>
+        <p:spPr/>
+        <p:txBody>
+          <a:bodyPr/>
+          <a:lstStyle/>
+          <a:p>
+            <a:fld id="{47797270-BFBB-4212-9FDA-8EE01FE91F8C}" type="slidenum">
+              <a:rPr lang="pt-BR" smtClean="0"/>
+              <a:t>2</a:t>
+            </a:fld>
+            <a:endParaRPr lang="pt-BR"/>
+          </a:p>
+        </p:txBody>
+      </p:sp>
+      <p:sp>
+        <p:nvSpPr>
+          <p:cNvPr id="7" name="Retângulo 6">
+            <a:extLst>
+              <a:ext uri="{FF2B5EF4-FFF2-40B4-BE49-F238E27FC236}">
+                <a16:creationId xmlns:a16="http://schemas.microsoft.com/office/drawing/2014/main" id="{C0911691-8E5D-4130-9DEF-B295AC8F85B1}"/>
               </a:ext>
             </a:extLst>
           </p:cNvPr>
@@ -6963,8 +7167,8 @@
         </p:nvSpPr>
         <p:spPr>
           <a:xfrm>
-            <a:off x="-134911" y="-119921"/>
-            <a:ext cx="12456826" cy="7195278"/>
+            <a:off x="-134911" y="0"/>
+            <a:ext cx="1758759" cy="6840036"/>
           </a:xfrm>
           <a:prstGeom prst="rect">
             <a:avLst/>
@@ -6998,86 +7202,237 @@
           </a:p>
         </p:txBody>
       </p:sp>
-      <p:sp>
-        <p:nvSpPr>
-          <p:cNvPr id="2" name="Espaço Reservado para Número de Slide 1">
-            <a:extLst>
-              <a:ext uri="{FF2B5EF4-FFF2-40B4-BE49-F238E27FC236}">
-                <a16:creationId xmlns:a16="http://schemas.microsoft.com/office/drawing/2014/main" id="{20C59EFC-95D1-4ED5-ACC3-463386462F45}"/>
-              </a:ext>
-            </a:extLst>
-          </p:cNvPr>
-          <p:cNvSpPr>
-            <a:spLocks noGrp="1"/>
-          </p:cNvSpPr>
-          <p:nvPr>
-            <p:ph type="sldNum" sz="quarter" idx="12"/>
-          </p:nvPr>
-        </p:nvSpPr>
-        <p:spPr/>
-        <p:txBody>
-          <a:bodyPr/>
-          <a:lstStyle/>
-          <a:p>
-            <a:fld id="{47797270-BFBB-4212-9FDA-8EE01FE91F8C}" type="slidenum">
-              <a:rPr lang="pt-BR" smtClean="0"/>
-              <a:t>2</a:t>
-            </a:fld>
-            <a:endParaRPr lang="pt-BR"/>
-          </a:p>
-        </p:txBody>
-      </p:sp>
       <p:pic>
         <p:nvPicPr>
-          <p:cNvPr id="4" name="Picture 2" descr="Nova Logo Tim Png - Tim Logo Branco Clipart - Large Size Png Image - PikPng">
-            <a:extLst>
-              <a:ext uri="{FF2B5EF4-FFF2-40B4-BE49-F238E27FC236}">
-                <a16:creationId xmlns:a16="http://schemas.microsoft.com/office/drawing/2014/main" id="{1EBEBDF5-26E4-4BBD-9635-48AF3E8FEAC7}"/>
+          <p:cNvPr id="4" name="Imagem 3" descr="Logotipo&#10;&#10;Descrição gerada automaticamente">
+            <a:extLst>
+              <a:ext uri="{FF2B5EF4-FFF2-40B4-BE49-F238E27FC236}">
+                <a16:creationId xmlns:a16="http://schemas.microsoft.com/office/drawing/2014/main" id="{A8415950-AE8E-45C0-A2E5-D9B394DF621D}"/>
               </a:ext>
             </a:extLst>
           </p:cNvPr>
           <p:cNvPicPr>
-            <a:picLocks noChangeAspect="1" noChangeArrowheads="1"/>
+            <a:picLocks noChangeAspect="1"/>
           </p:cNvPicPr>
           <p:nvPr/>
         </p:nvPicPr>
         <p:blipFill>
-          <a:blip r:embed="rId2">
+          <a:blip r:embed="rId2" cstate="print">
             <a:extLst>
               <a:ext uri="{28A0092B-C50C-407E-A947-70E740481C1C}">
                 <a14:useLocalDpi xmlns:a14="http://schemas.microsoft.com/office/drawing/2010/main" val="0"/>
               </a:ext>
             </a:extLst>
           </a:blip>
-          <a:srcRect/>
           <a:stretch>
             <a:fillRect/>
           </a:stretch>
         </p:blipFill>
-        <p:spPr bwMode="auto">
-          <a:xfrm>
-            <a:off x="1945741" y="2365843"/>
-            <a:ext cx="8036459" cy="2126313"/>
+        <p:spPr>
+          <a:xfrm>
+            <a:off x="196516" y="205083"/>
+            <a:ext cx="1106542" cy="1096089"/>
+          </a:xfrm>
+          <a:prstGeom prst="rect">
+            <a:avLst/>
+          </a:prstGeom>
+        </p:spPr>
+      </p:pic>
+      <p:sp>
+        <p:nvSpPr>
+          <p:cNvPr id="5" name="TextBox 4">
+            <a:extLst>
+              <a:ext uri="{FF2B5EF4-FFF2-40B4-BE49-F238E27FC236}">
+                <a16:creationId xmlns:a16="http://schemas.microsoft.com/office/drawing/2014/main" id="{751BADB0-5D73-43E9-9ABB-321766D8AE39}"/>
+              </a:ext>
+            </a:extLst>
+          </p:cNvPr>
+          <p:cNvSpPr txBox="1"/>
+          <p:nvPr/>
+        </p:nvSpPr>
+        <p:spPr>
+          <a:xfrm>
+            <a:off x="2167689" y="483268"/>
+            <a:ext cx="9310436" cy="6063198"/>
           </a:xfrm>
           <a:prstGeom prst="rect">
             <a:avLst/>
           </a:prstGeom>
           <a:noFill/>
-          <a:extLst>
-            <a:ext uri="{909E8E84-426E-40DD-AFC4-6F175D3DCCD1}">
-              <a14:hiddenFill xmlns:a14="http://schemas.microsoft.com/office/drawing/2010/main">
-                <a:solidFill>
-                  <a:srgbClr val="FFFFFF"/>
-                </a:solidFill>
-              </a14:hiddenFill>
-            </a:ext>
-          </a:extLst>
-        </p:spPr>
-      </p:pic>
+        </p:spPr>
+        <p:txBody>
+          <a:bodyPr rot="0" spcFirstLastPara="0" vertOverflow="overflow" horzOverflow="overflow" vert="horz" wrap="square" lIns="91440" tIns="45720" rIns="91440" bIns="45720" numCol="1" spcCol="0" rtlCol="0" fromWordArt="0" anchor="t" anchorCtr="0" forceAA="0" compatLnSpc="1">
+            <a:prstTxWarp prst="textNoShape">
+              <a:avLst/>
+            </a:prstTxWarp>
+            <a:spAutoFit/>
+          </a:bodyPr>
+          <a:lstStyle/>
+          <a:p>
+            <a:pPr algn="l"/>
+            <a:r>
+              <a:rPr lang="en-US" sz="4000">
+                <a:cs typeface="Calibri"/>
+              </a:rPr>
+              <a:t>Agenda</a:t>
+            </a:r>
+          </a:p>
+          <a:p>
+            <a:endParaRPr lang="en-US" sz="4000">
+              <a:cs typeface="Calibri"/>
+            </a:endParaRPr>
+          </a:p>
+          <a:p>
+            <a:pPr marL="742950" indent="-742950">
+              <a:buAutoNum type="arabicPeriod"/>
+            </a:pPr>
+            <a:r>
+              <a:rPr lang="en-US" sz="2800" err="1">
+                <a:cs typeface="Calibri"/>
+              </a:rPr>
+              <a:t>Motivador</a:t>
+            </a:r>
+            <a:endParaRPr lang="en-US" sz="2800">
+              <a:cs typeface="Calibri"/>
+            </a:endParaRPr>
+          </a:p>
+          <a:p>
+            <a:pPr marL="742950" indent="-742950">
+              <a:buAutoNum type="arabicPeriod"/>
+            </a:pPr>
+            <a:r>
+              <a:rPr lang="en-US" sz="2800">
+                <a:cs typeface="Calibri"/>
+              </a:rPr>
+              <a:t>Pesquisa de mercado</a:t>
+            </a:r>
+          </a:p>
+          <a:p>
+            <a:pPr marL="742950" indent="-742950">
+              <a:buAutoNum type="arabicPeriod"/>
+            </a:pPr>
+            <a:r>
+              <a:rPr lang="en-US" sz="2800" err="1">
+                <a:cs typeface="Calibri"/>
+              </a:rPr>
+              <a:t>Arquitetura</a:t>
+            </a:r>
+            <a:r>
+              <a:rPr lang="en-US" sz="2800">
+                <a:cs typeface="Calibri"/>
+              </a:rPr>
+              <a:t> de Software</a:t>
+            </a:r>
+          </a:p>
+          <a:p>
+            <a:pPr marL="1200150" lvl="1" indent="-742950">
+              <a:buAutoNum type="arabicPeriod"/>
+            </a:pPr>
+            <a:r>
+              <a:rPr lang="en-US" sz="2800">
+                <a:cs typeface="Calibri"/>
+              </a:rPr>
+              <a:t>CANVAS</a:t>
+            </a:r>
+          </a:p>
+          <a:p>
+            <a:pPr marL="1200150" lvl="1" indent="-742950">
+              <a:buAutoNum type="arabicPeriod"/>
+            </a:pPr>
+            <a:r>
+              <a:rPr lang="en-US" sz="2800" err="1">
+                <a:cs typeface="Calibri"/>
+              </a:rPr>
+              <a:t>MoSCoW</a:t>
+            </a:r>
+            <a:endParaRPr lang="en-US" sz="2800">
+              <a:cs typeface="Calibri"/>
+            </a:endParaRPr>
+          </a:p>
+          <a:p>
+            <a:pPr marL="1200150" lvl="1" indent="-742950">
+              <a:buAutoNum type="arabicPeriod"/>
+            </a:pPr>
+            <a:r>
+              <a:rPr lang="en-US" sz="2800" err="1">
+                <a:cs typeface="Calibri"/>
+              </a:rPr>
+              <a:t>Fluxos</a:t>
+            </a:r>
+            <a:endParaRPr lang="en-US" sz="2800">
+              <a:cs typeface="Calibri"/>
+            </a:endParaRPr>
+          </a:p>
+          <a:p>
+            <a:pPr marL="1200150" lvl="1" indent="-742950">
+              <a:buAutoNum type="arabicPeriod"/>
+            </a:pPr>
+            <a:r>
+              <a:rPr lang="en-US" sz="2800">
+                <a:cs typeface="Calibri"/>
+              </a:rPr>
+              <a:t>ICE</a:t>
+            </a:r>
+          </a:p>
+          <a:p>
+            <a:pPr marL="1200150" lvl="1" indent="-742950">
+              <a:buAutoNum type="arabicPeriod"/>
+            </a:pPr>
+            <a:r>
+              <a:rPr lang="en-US" sz="2800" err="1">
+                <a:cs typeface="Calibri"/>
+              </a:rPr>
+              <a:t>Diagramas</a:t>
+            </a:r>
+            <a:r>
+              <a:rPr lang="en-US" sz="2800">
+                <a:cs typeface="Calibri"/>
+              </a:rPr>
+              <a:t> C4 Model</a:t>
+            </a:r>
+          </a:p>
+          <a:p>
+            <a:pPr marL="742950" indent="-742950">
+              <a:buAutoNum type="arabicPeriod"/>
+            </a:pPr>
+            <a:r>
+              <a:rPr lang="en-US" sz="2800">
+                <a:cs typeface="Calibri"/>
+              </a:rPr>
+              <a:t>Custos</a:t>
+            </a:r>
+          </a:p>
+          <a:p>
+            <a:pPr marL="742950" indent="-742950">
+              <a:buAutoNum type="arabicPeriod"/>
+            </a:pPr>
+            <a:r>
+              <a:rPr lang="en-US" sz="2800">
+                <a:cs typeface="Calibri"/>
+              </a:rPr>
+              <a:t>Considerações</a:t>
+            </a:r>
+          </a:p>
+          <a:p>
+            <a:pPr marL="742950" indent="-742950">
+              <a:buAutoNum type="arabicPeriod"/>
+            </a:pPr>
+            <a:r>
+              <a:rPr lang="en-US" sz="2800" err="1">
+                <a:cs typeface="Calibri"/>
+              </a:rPr>
+              <a:t>Perguntas</a:t>
+            </a:r>
+            <a:endParaRPr lang="en-US" sz="2800">
+              <a:cs typeface="Calibri"/>
+            </a:endParaRPr>
+          </a:p>
+        </p:txBody>
+      </p:sp>
     </p:spTree>
     <p:extLst>
       <p:ext uri="{BB962C8B-B14F-4D97-AF65-F5344CB8AC3E}">
-        <p14:creationId xmlns:p14="http://schemas.microsoft.com/office/powerpoint/2010/main" val="3587709532"/>
+        <p14:creationId xmlns:p14="http://schemas.microsoft.com/office/powerpoint/2010/main" val="2117840401"/>
       </p:ext>
     </p:extLst>
   </p:cSld>
@@ -7135,130 +7490,6 @@
       </p:sp>
       <p:sp>
         <p:nvSpPr>
-          <p:cNvPr id="3" name="CaixaDeTexto 2">
-            <a:extLst>
-              <a:ext uri="{FF2B5EF4-FFF2-40B4-BE49-F238E27FC236}">
-                <a16:creationId xmlns:a16="http://schemas.microsoft.com/office/drawing/2014/main" id="{5404738F-943C-4AB3-AF9B-E750C450BA5B}"/>
-              </a:ext>
-            </a:extLst>
-          </p:cNvPr>
-          <p:cNvSpPr txBox="1"/>
-          <p:nvPr/>
-        </p:nvSpPr>
-        <p:spPr>
-          <a:xfrm>
-            <a:off x="1943677" y="6387779"/>
-            <a:ext cx="5696431" cy="369332"/>
-          </a:xfrm>
-          <a:prstGeom prst="rect">
-            <a:avLst/>
-          </a:prstGeom>
-          <a:noFill/>
-        </p:spPr>
-        <p:txBody>
-          <a:bodyPr wrap="none" rtlCol="0">
-            <a:spAutoFit/>
-          </a:bodyPr>
-          <a:lstStyle/>
-          <a:p>
-            <a:r>
-              <a:rPr lang="pt-BR" dirty="0"/>
-              <a:t>Fonte: https://www.linkedin.com/company/timbrasil/about/</a:t>
-            </a:r>
-          </a:p>
-        </p:txBody>
-      </p:sp>
-      <p:sp>
-        <p:nvSpPr>
-          <p:cNvPr id="6" name="CaixaDeTexto 5">
-            <a:extLst>
-              <a:ext uri="{FF2B5EF4-FFF2-40B4-BE49-F238E27FC236}">
-                <a16:creationId xmlns:a16="http://schemas.microsoft.com/office/drawing/2014/main" id="{7DFC81C4-0BCB-446A-9E86-0B96208D9DD6}"/>
-              </a:ext>
-            </a:extLst>
-          </p:cNvPr>
-          <p:cNvSpPr txBox="1"/>
-          <p:nvPr/>
-        </p:nvSpPr>
-        <p:spPr>
-          <a:xfrm>
-            <a:off x="1943677" y="160173"/>
-            <a:ext cx="8304646" cy="3046988"/>
-          </a:xfrm>
-          <a:prstGeom prst="rect">
-            <a:avLst/>
-          </a:prstGeom>
-          <a:noFill/>
-        </p:spPr>
-        <p:txBody>
-          <a:bodyPr wrap="none" rtlCol="0">
-            <a:spAutoFit/>
-          </a:bodyPr>
-          <a:lstStyle/>
-          <a:p>
-            <a:r>
-              <a:rPr lang="pt-BR" sz="3200" b="1" dirty="0"/>
-              <a:t>Site:</a:t>
-            </a:r>
-            <a:r>
-              <a:rPr lang="pt-BR" sz="3200" dirty="0"/>
-              <a:t> http://www.tim.com.br</a:t>
-            </a:r>
-          </a:p>
-          <a:p>
-            <a:r>
-              <a:rPr lang="pt-BR" sz="3200" b="1" dirty="0"/>
-              <a:t>Setor: </a:t>
-            </a:r>
-            <a:r>
-              <a:rPr lang="pt-BR" sz="3200" dirty="0"/>
-              <a:t>Telecomunicações</a:t>
-            </a:r>
-          </a:p>
-          <a:p>
-            <a:r>
-              <a:rPr lang="pt-BR" sz="3200" b="1" dirty="0"/>
-              <a:t>Tamanho da empresa: </a:t>
-            </a:r>
-            <a:r>
-              <a:rPr lang="pt-BR" sz="3200" dirty="0"/>
-              <a:t>+ de 10.001 funcionários</a:t>
-            </a:r>
-          </a:p>
-          <a:p>
-            <a:r>
-              <a:rPr lang="pt-BR" sz="3200" b="1" dirty="0"/>
-              <a:t>Sede: </a:t>
-            </a:r>
-            <a:r>
-              <a:rPr lang="pt-BR" sz="3200" dirty="0"/>
-              <a:t>Rio de Janeiro</a:t>
-            </a:r>
-          </a:p>
-          <a:p>
-            <a:r>
-              <a:rPr lang="pt-BR" sz="3200" b="1" dirty="0"/>
-              <a:t>Tipo: </a:t>
-            </a:r>
-            <a:r>
-              <a:rPr lang="pt-BR" sz="3200" dirty="0"/>
-              <a:t>Empresa de capital aberto</a:t>
-            </a:r>
-          </a:p>
-          <a:p>
-            <a:r>
-              <a:rPr lang="pt-BR" sz="3200" b="1" dirty="0"/>
-              <a:t>Fundada em: </a:t>
-            </a:r>
-            <a:r>
-              <a:rPr lang="pt-BR" sz="3200" dirty="0"/>
-              <a:t>1998</a:t>
-            </a:r>
-          </a:p>
-        </p:txBody>
-      </p:sp>
-      <p:sp>
-        <p:nvSpPr>
           <p:cNvPr id="7" name="Retângulo 6">
             <a:extLst>
               <a:ext uri="{FF2B5EF4-FFF2-40B4-BE49-F238E27FC236}">
@@ -7308,15 +7539,15 @@
       </p:sp>
       <p:pic>
         <p:nvPicPr>
-          <p:cNvPr id="8" name="Picture 2" descr="Nova Logo Tim Png - Tim Logo Branco Clipart - Large Size Png Image - PikPng">
-            <a:extLst>
-              <a:ext uri="{FF2B5EF4-FFF2-40B4-BE49-F238E27FC236}">
-                <a16:creationId xmlns:a16="http://schemas.microsoft.com/office/drawing/2014/main" id="{62E14833-CD39-4D90-AC72-75DBFD97B785}"/>
+          <p:cNvPr id="4" name="Imagem 3" descr="Logotipo&#10;&#10;Descrição gerada automaticamente">
+            <a:extLst>
+              <a:ext uri="{FF2B5EF4-FFF2-40B4-BE49-F238E27FC236}">
+                <a16:creationId xmlns:a16="http://schemas.microsoft.com/office/drawing/2014/main" id="{A8415950-AE8E-45C0-A2E5-D9B394DF621D}"/>
               </a:ext>
             </a:extLst>
           </p:cNvPr>
           <p:cNvPicPr>
-            <a:picLocks noChangeAspect="1" noChangeArrowheads="1"/>
+            <a:picLocks noChangeAspect="1"/>
           </p:cNvPicPr>
           <p:nvPr/>
         </p:nvPicPr>
@@ -7328,35 +7559,590 @@
               </a:ext>
             </a:extLst>
           </a:blip>
-          <a:srcRect/>
           <a:stretch>
             <a:fillRect/>
           </a:stretch>
         </p:blipFill>
-        <p:spPr bwMode="auto">
-          <a:xfrm>
-            <a:off x="47298" y="351527"/>
-            <a:ext cx="1395900" cy="369332"/>
+        <p:spPr>
+          <a:xfrm>
+            <a:off x="196516" y="205083"/>
+            <a:ext cx="1106542" cy="1096089"/>
+          </a:xfrm>
+          <a:prstGeom prst="rect">
+            <a:avLst/>
+          </a:prstGeom>
+        </p:spPr>
+      </p:pic>
+      <p:sp>
+        <p:nvSpPr>
+          <p:cNvPr id="5" name="TextBox 4">
+            <a:extLst>
+              <a:ext uri="{FF2B5EF4-FFF2-40B4-BE49-F238E27FC236}">
+                <a16:creationId xmlns:a16="http://schemas.microsoft.com/office/drawing/2014/main" id="{751BADB0-5D73-43E9-9ABB-321766D8AE39}"/>
+              </a:ext>
+            </a:extLst>
+          </p:cNvPr>
+          <p:cNvSpPr txBox="1"/>
+          <p:nvPr/>
+        </p:nvSpPr>
+        <p:spPr>
+          <a:xfrm>
+            <a:off x="2167689" y="483268"/>
+            <a:ext cx="9310436" cy="707886"/>
           </a:xfrm>
           <a:prstGeom prst="rect">
             <a:avLst/>
           </a:prstGeom>
           <a:noFill/>
-          <a:extLst>
-            <a:ext uri="{909E8E84-426E-40DD-AFC4-6F175D3DCCD1}">
-              <a14:hiddenFill xmlns:a14="http://schemas.microsoft.com/office/drawing/2010/main">
-                <a:solidFill>
-                  <a:srgbClr val="FFFFFF"/>
-                </a:solidFill>
-              </a14:hiddenFill>
-            </a:ext>
-          </a:extLst>
-        </p:spPr>
-      </p:pic>
+        </p:spPr>
+        <p:txBody>
+          <a:bodyPr rot="0" spcFirstLastPara="0" vertOverflow="overflow" horzOverflow="overflow" vert="horz" wrap="square" lIns="91440" tIns="45720" rIns="91440" bIns="45720" numCol="1" spcCol="0" rtlCol="0" fromWordArt="0" anchor="t" anchorCtr="0" forceAA="0" compatLnSpc="1">
+            <a:prstTxWarp prst="textNoShape">
+              <a:avLst/>
+            </a:prstTxWarp>
+            <a:spAutoFit/>
+          </a:bodyPr>
+          <a:lstStyle/>
+          <a:p>
+            <a:r>
+              <a:rPr lang="en-US" sz="4000">
+                <a:cs typeface="Calibri"/>
+              </a:rPr>
+              <a:t>1 - Motivador</a:t>
+            </a:r>
+          </a:p>
+        </p:txBody>
+      </p:sp>
+      <p:sp>
+        <p:nvSpPr>
+          <p:cNvPr id="3" name="TextBox 2">
+            <a:extLst>
+              <a:ext uri="{FF2B5EF4-FFF2-40B4-BE49-F238E27FC236}">
+                <a16:creationId xmlns:a16="http://schemas.microsoft.com/office/drawing/2014/main" id="{74DA363A-8FFB-4163-86A6-9AD56C784E38}"/>
+              </a:ext>
+            </a:extLst>
+          </p:cNvPr>
+          <p:cNvSpPr txBox="1"/>
+          <p:nvPr/>
+        </p:nvSpPr>
+        <p:spPr>
+          <a:xfrm>
+            <a:off x="2009775" y="1609725"/>
+            <a:ext cx="9544050" cy="2308324"/>
+          </a:xfrm>
+          <a:prstGeom prst="rect">
+            <a:avLst/>
+          </a:prstGeom>
+          <a:noFill/>
+        </p:spPr>
+        <p:txBody>
+          <a:bodyPr rot="0" spcFirstLastPara="0" vertOverflow="overflow" horzOverflow="overflow" vert="horz" wrap="square" lIns="91440" tIns="45720" rIns="91440" bIns="45720" numCol="1" spcCol="0" rtlCol="0" fromWordArt="0" anchor="t" anchorCtr="0" forceAA="0" compatLnSpc="1">
+            <a:prstTxWarp prst="textNoShape">
+              <a:avLst/>
+            </a:prstTxWarp>
+            <a:spAutoFit/>
+          </a:bodyPr>
+          <a:lstStyle/>
+          <a:p>
+            <a:r>
+              <a:rPr lang="en-US" err="1"/>
+              <a:t>Pensando</a:t>
+            </a:r>
+            <a:r>
+              <a:rPr lang="en-US"/>
+              <a:t> </a:t>
+            </a:r>
+            <a:r>
+              <a:rPr lang="en-US" err="1"/>
+              <a:t>na</a:t>
+            </a:r>
+            <a:r>
+              <a:rPr lang="en-US"/>
+              <a:t> </a:t>
+            </a:r>
+            <a:r>
+              <a:rPr lang="en-US" err="1"/>
+              <a:t>viabilidade</a:t>
+            </a:r>
+            <a:r>
+              <a:rPr lang="en-US"/>
+              <a:t> do </a:t>
+            </a:r>
+            <a:r>
+              <a:rPr lang="en-US" err="1"/>
+              <a:t>uso</a:t>
+            </a:r>
+            <a:r>
+              <a:rPr lang="en-US"/>
+              <a:t> de </a:t>
+            </a:r>
+            <a:r>
+              <a:rPr lang="en-US" err="1"/>
+              <a:t>carros</a:t>
+            </a:r>
+            <a:r>
+              <a:rPr lang="en-US"/>
+              <a:t> </a:t>
+            </a:r>
+            <a:r>
+              <a:rPr lang="en-US" err="1"/>
+              <a:t>eletricos</a:t>
+            </a:r>
+            <a:r>
+              <a:rPr lang="en-US"/>
+              <a:t> </a:t>
+            </a:r>
+            <a:r>
+              <a:rPr lang="en-US" err="1"/>
+              <a:t>compartilhados</a:t>
+            </a:r>
+            <a:r>
+              <a:rPr lang="en-US"/>
+              <a:t>, </a:t>
+            </a:r>
+            <a:r>
+              <a:rPr lang="en-US" err="1"/>
+              <a:t>podemos</a:t>
+            </a:r>
+            <a:r>
+              <a:rPr lang="en-US"/>
+              <a:t> </a:t>
+            </a:r>
+            <a:r>
+              <a:rPr lang="en-US" err="1"/>
+              <a:t>atingir</a:t>
+            </a:r>
+            <a:r>
+              <a:rPr lang="en-US"/>
+              <a:t> </a:t>
+            </a:r>
+            <a:r>
+              <a:rPr lang="en-US" err="1"/>
+              <a:t>diversos</a:t>
+            </a:r>
+            <a:r>
+              <a:rPr lang="en-US"/>
+              <a:t> </a:t>
+            </a:r>
+            <a:r>
+              <a:rPr lang="en-US" err="1"/>
+              <a:t>pontos</a:t>
+            </a:r>
+            <a:r>
+              <a:rPr lang="en-US"/>
+              <a:t> que </a:t>
+            </a:r>
+            <a:r>
+              <a:rPr lang="en-US" err="1"/>
+              <a:t>hoje</a:t>
+            </a:r>
+            <a:r>
+              <a:rPr lang="en-US"/>
+              <a:t> </a:t>
+            </a:r>
+            <a:r>
+              <a:rPr lang="en-US" err="1"/>
+              <a:t>representam</a:t>
+            </a:r>
+            <a:r>
+              <a:rPr lang="en-US"/>
+              <a:t> um </a:t>
+            </a:r>
+            <a:r>
+              <a:rPr lang="en-US" err="1"/>
+              <a:t>grande</a:t>
+            </a:r>
+            <a:r>
+              <a:rPr lang="en-US"/>
+              <a:t> </a:t>
+            </a:r>
+            <a:r>
+              <a:rPr lang="en-US" err="1"/>
+              <a:t>desafio</a:t>
+            </a:r>
+            <a:r>
+              <a:rPr lang="en-US"/>
+              <a:t> de </a:t>
+            </a:r>
+            <a:r>
+              <a:rPr lang="en-US" err="1"/>
+              <a:t>mobilidade</a:t>
+            </a:r>
+            <a:r>
+              <a:rPr lang="en-US"/>
+              <a:t> e </a:t>
+            </a:r>
+            <a:r>
+              <a:rPr lang="en-US" err="1"/>
+              <a:t>despesas</a:t>
+            </a:r>
+            <a:r>
+              <a:rPr lang="en-US"/>
+              <a:t> de </a:t>
+            </a:r>
+            <a:r>
+              <a:rPr lang="en-US" err="1"/>
+              <a:t>kpex</a:t>
+            </a:r>
+            <a:r>
+              <a:rPr lang="en-US"/>
+              <a:t> (a </a:t>
+            </a:r>
+            <a:r>
+              <a:rPr lang="en-US" err="1"/>
+              <a:t>compra</a:t>
+            </a:r>
+            <a:r>
+              <a:rPr lang="en-US"/>
+              <a:t> do </a:t>
+            </a:r>
+            <a:r>
+              <a:rPr lang="en-US" err="1"/>
+              <a:t>carro</a:t>
+            </a:r>
+            <a:r>
+              <a:rPr lang="en-US"/>
+              <a:t>) e </a:t>
+            </a:r>
+            <a:r>
+              <a:rPr lang="en-US" err="1"/>
+              <a:t>opex</a:t>
+            </a:r>
+            <a:r>
+              <a:rPr lang="en-US"/>
+              <a:t> (</a:t>
+            </a:r>
+            <a:r>
+              <a:rPr lang="en-US" err="1"/>
+              <a:t>todo</a:t>
+            </a:r>
+            <a:r>
+              <a:rPr lang="en-US"/>
+              <a:t> o </a:t>
+            </a:r>
+            <a:r>
+              <a:rPr lang="en-US" err="1"/>
+              <a:t>custo</a:t>
+            </a:r>
+            <a:r>
+              <a:rPr lang="en-US"/>
+              <a:t> para se </a:t>
+            </a:r>
+            <a:r>
+              <a:rPr lang="en-US" err="1"/>
+              <a:t>ter</a:t>
+            </a:r>
+            <a:r>
+              <a:rPr lang="en-US"/>
+              <a:t> um </a:t>
+            </a:r>
+            <a:r>
+              <a:rPr lang="en-US" err="1"/>
+              <a:t>carro</a:t>
+            </a:r>
+            <a:r>
+              <a:rPr lang="en-US"/>
+              <a:t> que é </a:t>
+            </a:r>
+            <a:r>
+              <a:rPr lang="en-US" err="1"/>
+              <a:t>diluido</a:t>
+            </a:r>
+            <a:r>
+              <a:rPr lang="en-US"/>
+              <a:t> com </a:t>
+            </a:r>
+            <a:r>
+              <a:rPr lang="en-US" err="1"/>
+              <a:t>despesas</a:t>
+            </a:r>
+            <a:r>
+              <a:rPr lang="en-US"/>
+              <a:t> </a:t>
+            </a:r>
+            <a:r>
+              <a:rPr lang="en-US" err="1"/>
+              <a:t>mensais</a:t>
+            </a:r>
+            <a:r>
+              <a:rPr lang="en-US"/>
+              <a:t>) - e </a:t>
+            </a:r>
+            <a:r>
+              <a:rPr lang="en-US" err="1"/>
+              <a:t>totalmente</a:t>
+            </a:r>
+            <a:r>
+              <a:rPr lang="en-US"/>
+              <a:t> </a:t>
+            </a:r>
+            <a:r>
+              <a:rPr lang="en-US" err="1"/>
+              <a:t>alinhado</a:t>
+            </a:r>
+            <a:r>
+              <a:rPr lang="en-US"/>
+              <a:t> a </a:t>
+            </a:r>
+            <a:r>
+              <a:rPr lang="en-US" err="1"/>
+              <a:t>preocupações</a:t>
+            </a:r>
+            <a:r>
+              <a:rPr lang="en-US"/>
+              <a:t> de </a:t>
+            </a:r>
+            <a:r>
+              <a:rPr lang="en-US" err="1"/>
+              <a:t>sustentabilidade</a:t>
+            </a:r>
+            <a:endParaRPr lang="en-US" err="1">
+              <a:cs typeface="Calibri" panose="020F0502020204030204"/>
+            </a:endParaRPr>
+          </a:p>
+          <a:p>
+            <a:endParaRPr lang="en-US">
+              <a:cs typeface="Calibri"/>
+            </a:endParaRPr>
+          </a:p>
+          <a:p>
+            <a:r>
+              <a:rPr lang="en-US" err="1">
+                <a:cs typeface="Calibri"/>
+              </a:rPr>
+              <a:t>Diminuar</a:t>
+            </a:r>
+            <a:r>
+              <a:rPr lang="en-US">
+                <a:cs typeface="Calibri"/>
+              </a:rPr>
+              <a:t> a </a:t>
+            </a:r>
+            <a:r>
+              <a:rPr lang="en-US" err="1">
+                <a:cs typeface="Calibri"/>
+              </a:rPr>
+              <a:t>quantidade</a:t>
+            </a:r>
+            <a:r>
+              <a:rPr lang="en-US">
+                <a:cs typeface="Calibri"/>
+              </a:rPr>
+              <a:t> de </a:t>
+            </a:r>
+            <a:r>
+              <a:rPr lang="en-US" err="1">
+                <a:cs typeface="Calibri"/>
+              </a:rPr>
+              <a:t>carros</a:t>
+            </a:r>
+            <a:r>
+              <a:rPr lang="en-US">
+                <a:cs typeface="Calibri"/>
+              </a:rPr>
+              <a:t> </a:t>
+            </a:r>
+            <a:r>
+              <a:rPr lang="en-US" err="1">
+                <a:cs typeface="Calibri"/>
+              </a:rPr>
+              <a:t>na</a:t>
+            </a:r>
+            <a:r>
+              <a:rPr lang="en-US">
+                <a:cs typeface="Calibri"/>
+              </a:rPr>
+              <a:t> </a:t>
+            </a:r>
+            <a:r>
+              <a:rPr lang="en-US" err="1">
+                <a:cs typeface="Calibri"/>
+              </a:rPr>
+              <a:t>rua</a:t>
+            </a:r>
+            <a:endParaRPr lang="en-US">
+              <a:cs typeface="Calibri"/>
+            </a:endParaRPr>
+          </a:p>
+          <a:p>
+            <a:r>
+              <a:rPr lang="en-US" err="1">
+                <a:cs typeface="Calibri"/>
+              </a:rPr>
+              <a:t>Só</a:t>
+            </a:r>
+            <a:r>
+              <a:rPr lang="en-US">
+                <a:cs typeface="Calibri"/>
+              </a:rPr>
+              <a:t> </a:t>
+            </a:r>
+            <a:r>
+              <a:rPr lang="en-US" err="1">
+                <a:cs typeface="Calibri"/>
+              </a:rPr>
+              <a:t>será</a:t>
+            </a:r>
+            <a:r>
+              <a:rPr lang="en-US">
+                <a:cs typeface="Calibri"/>
+              </a:rPr>
+              <a:t> </a:t>
+            </a:r>
+            <a:r>
+              <a:rPr lang="en-US" err="1">
+                <a:cs typeface="Calibri"/>
+              </a:rPr>
+              <a:t>consumido</a:t>
+            </a:r>
+            <a:r>
+              <a:rPr lang="en-US">
+                <a:cs typeface="Calibri"/>
+              </a:rPr>
+              <a:t> </a:t>
+            </a:r>
+            <a:r>
+              <a:rPr lang="en-US" err="1">
+                <a:cs typeface="Calibri"/>
+              </a:rPr>
+              <a:t>energia</a:t>
+            </a:r>
+            <a:r>
+              <a:rPr lang="en-US">
+                <a:cs typeface="Calibri"/>
+              </a:rPr>
+              <a:t> de </a:t>
+            </a:r>
+            <a:r>
+              <a:rPr lang="en-US" err="1">
+                <a:cs typeface="Calibri"/>
+              </a:rPr>
+              <a:t>fonte</a:t>
+            </a:r>
+            <a:r>
+              <a:rPr lang="en-US">
+                <a:cs typeface="Calibri"/>
+              </a:rPr>
+              <a:t> </a:t>
+            </a:r>
+            <a:r>
+              <a:rPr lang="en-US" err="1">
+                <a:cs typeface="Calibri"/>
+              </a:rPr>
+              <a:t>renovavel</a:t>
+            </a:r>
+            <a:r>
+              <a:rPr lang="en-US">
+                <a:cs typeface="Calibri"/>
+              </a:rPr>
+              <a:t> (</a:t>
+            </a:r>
+            <a:r>
+              <a:rPr lang="en-US" err="1">
+                <a:cs typeface="Calibri"/>
+              </a:rPr>
+              <a:t>possível</a:t>
+            </a:r>
+            <a:r>
+              <a:rPr lang="en-US">
+                <a:cs typeface="Calibri"/>
+              </a:rPr>
+              <a:t> </a:t>
+            </a:r>
+            <a:r>
+              <a:rPr lang="en-US" err="1">
+                <a:cs typeface="Calibri"/>
+              </a:rPr>
+              <a:t>parceria</a:t>
+            </a:r>
+            <a:r>
+              <a:rPr lang="en-US">
+                <a:cs typeface="Calibri"/>
+              </a:rPr>
+              <a:t> com </a:t>
+            </a:r>
+            <a:r>
+              <a:rPr lang="en-US" err="1">
+                <a:cs typeface="Calibri"/>
+              </a:rPr>
+              <a:t>usina</a:t>
+            </a:r>
+            <a:r>
+              <a:rPr lang="en-US">
+                <a:cs typeface="Calibri"/>
+              </a:rPr>
+              <a:t> de </a:t>
+            </a:r>
+            <a:r>
+              <a:rPr lang="en-US" err="1">
+                <a:cs typeface="Calibri"/>
+              </a:rPr>
+              <a:t>geração</a:t>
+            </a:r>
+            <a:r>
+              <a:rPr lang="en-US">
+                <a:cs typeface="Calibri"/>
+              </a:rPr>
+              <a:t> de </a:t>
+            </a:r>
+            <a:r>
+              <a:rPr lang="en-US" err="1">
+                <a:cs typeface="Calibri"/>
+              </a:rPr>
+              <a:t>enegia</a:t>
+            </a:r>
+            <a:r>
+              <a:rPr lang="en-US">
+                <a:cs typeface="Calibri"/>
+              </a:rPr>
+              <a:t> </a:t>
+            </a:r>
+            <a:r>
+              <a:rPr lang="en-US" err="1">
+                <a:cs typeface="Calibri"/>
+              </a:rPr>
+              <a:t>através</a:t>
+            </a:r>
+            <a:r>
+              <a:rPr lang="en-US">
+                <a:cs typeface="Calibri"/>
+              </a:rPr>
+              <a:t> de </a:t>
+            </a:r>
+            <a:r>
+              <a:rPr lang="en-US" err="1">
+                <a:cs typeface="Calibri"/>
+              </a:rPr>
+              <a:t>placas</a:t>
+            </a:r>
+            <a:r>
+              <a:rPr lang="en-US">
+                <a:cs typeface="Calibri"/>
+              </a:rPr>
+              <a:t> </a:t>
+            </a:r>
+            <a:r>
+              <a:rPr lang="en-US" err="1">
+                <a:cs typeface="Calibri"/>
+              </a:rPr>
+              <a:t>solares</a:t>
+            </a:r>
+            <a:r>
+              <a:rPr lang="en-US">
+                <a:cs typeface="Calibri"/>
+              </a:rPr>
+              <a:t> e eolica.</a:t>
+            </a:r>
+            <a:endParaRPr lang="en-US" err="1">
+              <a:cs typeface="Calibri"/>
+            </a:endParaRPr>
+          </a:p>
+        </p:txBody>
+      </p:sp>
     </p:spTree>
     <p:extLst>
       <p:ext uri="{BB962C8B-B14F-4D97-AF65-F5344CB8AC3E}">
-        <p14:creationId xmlns:p14="http://schemas.microsoft.com/office/powerpoint/2010/main" val="2117840401"/>
+        <p14:creationId xmlns:p14="http://schemas.microsoft.com/office/powerpoint/2010/main" val="3085343870"/>
       </p:ext>
     </p:extLst>
   </p:cSld>
@@ -7388,7 +8174,7 @@
           <p:cNvPr id="2" name="Espaço Reservado para Número de Slide 1">
             <a:extLst>
               <a:ext uri="{FF2B5EF4-FFF2-40B4-BE49-F238E27FC236}">
-                <a16:creationId xmlns:a16="http://schemas.microsoft.com/office/drawing/2014/main" id="{BF785C58-2177-4628-AF2A-F61FE366A583}"/>
+                <a16:creationId xmlns:a16="http://schemas.microsoft.com/office/drawing/2014/main" id="{00A5C847-9B16-45BB-A00A-7493094466B1}"/>
               </a:ext>
             </a:extLst>
           </p:cNvPr>
@@ -7412,40 +8198,97 @@
           </a:p>
         </p:txBody>
       </p:sp>
-      <p:graphicFrame>
-        <p:nvGraphicFramePr>
-          <p:cNvPr id="4" name="Diagrama 3">
-            <a:extLst>
-              <a:ext uri="{FF2B5EF4-FFF2-40B4-BE49-F238E27FC236}">
-                <a16:creationId xmlns:a16="http://schemas.microsoft.com/office/drawing/2014/main" id="{EBDE5D32-6D60-458B-9E78-AFBC7DE457D2}"/>
-              </a:ext>
-            </a:extLst>
-          </p:cNvPr>
-          <p:cNvGraphicFramePr/>
-          <p:nvPr>
-            <p:extLst>
-              <p:ext uri="{D42A27DB-BD31-4B8C-83A1-F6EECF244321}">
-                <p14:modId xmlns:p14="http://schemas.microsoft.com/office/powerpoint/2010/main" val="652984202"/>
-              </p:ext>
-            </p:extLst>
-          </p:nvPr>
-        </p:nvGraphicFramePr>
-        <p:xfrm>
-          <a:off x="0" y="929392"/>
-          <a:ext cx="12192000" cy="3579546"/>
-        </p:xfrm>
-        <a:graphic>
-          <a:graphicData uri="http://schemas.openxmlformats.org/drawingml/2006/diagram">
-            <dgm:relIds xmlns:dgm="http://schemas.openxmlformats.org/drawingml/2006/diagram" xmlns:r="http://schemas.openxmlformats.org/officeDocument/2006/relationships" r:dm="rId3" r:lo="rId4" r:qs="rId5" r:cs="rId6"/>
-          </a:graphicData>
-        </a:graphic>
-      </p:graphicFrame>
-      <p:sp>
-        <p:nvSpPr>
-          <p:cNvPr id="5" name="CaixaDeTexto 4">
-            <a:extLst>
-              <a:ext uri="{FF2B5EF4-FFF2-40B4-BE49-F238E27FC236}">
-                <a16:creationId xmlns:a16="http://schemas.microsoft.com/office/drawing/2014/main" id="{F7F1CB40-1F4D-4559-82C5-65D455469482}"/>
+      <p:sp>
+        <p:nvSpPr>
+          <p:cNvPr id="7" name="Retângulo 6">
+            <a:extLst>
+              <a:ext uri="{FF2B5EF4-FFF2-40B4-BE49-F238E27FC236}">
+                <a16:creationId xmlns:a16="http://schemas.microsoft.com/office/drawing/2014/main" id="{C0911691-8E5D-4130-9DEF-B295AC8F85B1}"/>
+              </a:ext>
+            </a:extLst>
+          </p:cNvPr>
+          <p:cNvSpPr/>
+          <p:nvPr/>
+        </p:nvSpPr>
+        <p:spPr>
+          <a:xfrm>
+            <a:off x="-134911" y="0"/>
+            <a:ext cx="1758759" cy="6840036"/>
+          </a:xfrm>
+          <a:prstGeom prst="rect">
+            <a:avLst/>
+          </a:prstGeom>
+          <a:solidFill>
+            <a:srgbClr val="053566"/>
+          </a:solidFill>
+        </p:spPr>
+        <p:style>
+          <a:lnRef idx="2">
+            <a:schemeClr val="accent1">
+              <a:shade val="50000"/>
+            </a:schemeClr>
+          </a:lnRef>
+          <a:fillRef idx="1">
+            <a:schemeClr val="accent1"/>
+          </a:fillRef>
+          <a:effectRef idx="0">
+            <a:schemeClr val="accent1"/>
+          </a:effectRef>
+          <a:fontRef idx="minor">
+            <a:schemeClr val="lt1"/>
+          </a:fontRef>
+        </p:style>
+        <p:txBody>
+          <a:bodyPr rtlCol="0" anchor="ctr"/>
+          <a:lstStyle/>
+          <a:p>
+            <a:pPr algn="ctr"/>
+            <a:endParaRPr lang="pt-BR"/>
+          </a:p>
+        </p:txBody>
+      </p:sp>
+      <p:pic>
+        <p:nvPicPr>
+          <p:cNvPr id="4" name="Imagem 3" descr="Logotipo&#10;&#10;Descrição gerada automaticamente">
+            <a:extLst>
+              <a:ext uri="{FF2B5EF4-FFF2-40B4-BE49-F238E27FC236}">
+                <a16:creationId xmlns:a16="http://schemas.microsoft.com/office/drawing/2014/main" id="{A8415950-AE8E-45C0-A2E5-D9B394DF621D}"/>
+              </a:ext>
+            </a:extLst>
+          </p:cNvPr>
+          <p:cNvPicPr>
+            <a:picLocks noChangeAspect="1"/>
+          </p:cNvPicPr>
+          <p:nvPr/>
+        </p:nvPicPr>
+        <p:blipFill>
+          <a:blip r:embed="rId2" cstate="print">
+            <a:extLst>
+              <a:ext uri="{28A0092B-C50C-407E-A947-70E740481C1C}">
+                <a14:useLocalDpi xmlns:a14="http://schemas.microsoft.com/office/drawing/2010/main" val="0"/>
+              </a:ext>
+            </a:extLst>
+          </a:blip>
+          <a:stretch>
+            <a:fillRect/>
+          </a:stretch>
+        </p:blipFill>
+        <p:spPr>
+          <a:xfrm>
+            <a:off x="196516" y="205083"/>
+            <a:ext cx="1106542" cy="1096089"/>
+          </a:xfrm>
+          <a:prstGeom prst="rect">
+            <a:avLst/>
+          </a:prstGeom>
+        </p:spPr>
+      </p:pic>
+      <p:sp>
+        <p:nvSpPr>
+          <p:cNvPr id="5" name="TextBox 4">
+            <a:extLst>
+              <a:ext uri="{FF2B5EF4-FFF2-40B4-BE49-F238E27FC236}">
+                <a16:creationId xmlns:a16="http://schemas.microsoft.com/office/drawing/2014/main" id="{751BADB0-5D73-43E9-9ABB-321766D8AE39}"/>
               </a:ext>
             </a:extLst>
           </p:cNvPr>
@@ -7454,8 +8297,8 @@
         </p:nvSpPr>
         <p:spPr>
           <a:xfrm>
-            <a:off x="-8094" y="3237877"/>
-            <a:ext cx="1446550" cy="646331"/>
+            <a:off x="2167689" y="483268"/>
+            <a:ext cx="9310436" cy="707886"/>
           </a:xfrm>
           <a:prstGeom prst="rect">
             <a:avLst/>
@@ -7463,158 +8306,155 @@
           <a:noFill/>
         </p:spPr>
         <p:txBody>
-          <a:bodyPr wrap="none" rtlCol="0">
+          <a:bodyPr rot="0" spcFirstLastPara="0" vertOverflow="overflow" horzOverflow="overflow" vert="horz" wrap="square" lIns="91440" tIns="45720" rIns="91440" bIns="45720" numCol="1" spcCol="0" rtlCol="0" fromWordArt="0" anchor="t" anchorCtr="0" forceAA="0" compatLnSpc="1">
+            <a:prstTxWarp prst="textNoShape">
+              <a:avLst/>
+            </a:prstTxWarp>
             <a:spAutoFit/>
           </a:bodyPr>
           <a:lstStyle/>
           <a:p>
-            <a:pPr algn="ctr"/>
-            <a:r>
-              <a:rPr lang="pt-BR" dirty="0"/>
-              <a:t>Diagnóstico e</a:t>
-            </a:r>
-          </a:p>
-          <a:p>
-            <a:pPr algn="ctr"/>
-            <a:r>
-              <a:rPr lang="pt-BR" dirty="0" err="1"/>
-              <a:t>kickoff</a:t>
-            </a:r>
-            <a:endParaRPr lang="pt-BR" dirty="0"/>
-          </a:p>
-        </p:txBody>
-      </p:sp>
-      <p:sp>
-        <p:nvSpPr>
-          <p:cNvPr id="6" name="CaixaDeTexto 5">
-            <a:extLst>
-              <a:ext uri="{FF2B5EF4-FFF2-40B4-BE49-F238E27FC236}">
-                <a16:creationId xmlns:a16="http://schemas.microsoft.com/office/drawing/2014/main" id="{A629EA86-720D-41B2-830C-2A52AE51DC21}"/>
-              </a:ext>
-            </a:extLst>
-          </p:cNvPr>
-          <p:cNvSpPr txBox="1"/>
+            <a:r>
+              <a:rPr lang="en-US" sz="4000">
+                <a:cs typeface="Calibri"/>
+              </a:rPr>
+              <a:t>2 - </a:t>
+            </a:r>
+            <a:r>
+              <a:rPr lang="en-US" sz="4000">
+                <a:ea typeface="+mn-lt"/>
+                <a:cs typeface="+mn-lt"/>
+              </a:rPr>
+              <a:t>Pesquisa de mercado</a:t>
+            </a:r>
+            <a:endParaRPr lang="en-US"/>
+          </a:p>
+        </p:txBody>
+      </p:sp>
+      <p:pic>
+        <p:nvPicPr>
+          <p:cNvPr id="3" name="Imagem 5" descr="Gráfico, Gráfico de barras&#10;&#10;Descrição gerada automaticamente">
+            <a:extLst>
+              <a:ext uri="{FF2B5EF4-FFF2-40B4-BE49-F238E27FC236}">
+                <a16:creationId xmlns:a16="http://schemas.microsoft.com/office/drawing/2014/main" id="{31B248D4-2F91-4016-8BC4-6ACE3A446CD9}"/>
+              </a:ext>
+            </a:extLst>
+          </p:cNvPr>
+          <p:cNvPicPr>
+            <a:picLocks noChangeAspect="1"/>
+          </p:cNvPicPr>
           <p:nvPr/>
-        </p:nvSpPr>
-        <p:spPr>
-          <a:xfrm>
-            <a:off x="1438456" y="3259477"/>
-            <a:ext cx="1972976" cy="646331"/>
+        </p:nvPicPr>
+        <p:blipFill>
+          <a:blip r:embed="rId3"/>
+          <a:stretch>
+            <a:fillRect/>
+          </a:stretch>
+        </p:blipFill>
+        <p:spPr>
+          <a:xfrm>
+            <a:off x="2028825" y="1551214"/>
+            <a:ext cx="4352925" cy="2260146"/>
           </a:xfrm>
           <a:prstGeom prst="rect">
             <a:avLst/>
           </a:prstGeom>
-          <a:noFill/>
-        </p:spPr>
-        <p:txBody>
-          <a:bodyPr wrap="none" rtlCol="0">
-            <a:spAutoFit/>
-          </a:bodyPr>
-          <a:lstStyle/>
-          <a:p>
-            <a:pPr algn="ctr"/>
-            <a:r>
-              <a:rPr lang="pt-BR" dirty="0"/>
-              <a:t>Análise e</a:t>
-            </a:r>
-          </a:p>
-          <a:p>
-            <a:pPr algn="ctr"/>
-            <a:r>
-              <a:rPr lang="pt-BR" dirty="0"/>
-              <a:t>criação de políticas</a:t>
-            </a:r>
-          </a:p>
-        </p:txBody>
-      </p:sp>
-      <p:sp>
-        <p:nvSpPr>
-          <p:cNvPr id="7" name="CaixaDeTexto 6">
-            <a:extLst>
-              <a:ext uri="{FF2B5EF4-FFF2-40B4-BE49-F238E27FC236}">
-                <a16:creationId xmlns:a16="http://schemas.microsoft.com/office/drawing/2014/main" id="{BD177997-7539-49CD-906A-DFB346D39324}"/>
-              </a:ext>
-            </a:extLst>
-          </p:cNvPr>
-          <p:cNvSpPr txBox="1"/>
+        </p:spPr>
+      </p:pic>
+      <p:pic>
+        <p:nvPicPr>
+          <p:cNvPr id="6" name="Imagem 7" descr="Gráfico, Gráfico de pizza&#10;&#10;Descrição gerada automaticamente">
+            <a:extLst>
+              <a:ext uri="{FF2B5EF4-FFF2-40B4-BE49-F238E27FC236}">
+                <a16:creationId xmlns:a16="http://schemas.microsoft.com/office/drawing/2014/main" id="{5382D199-8F50-47B9-B196-1441FB3D15A8}"/>
+              </a:ext>
+            </a:extLst>
+          </p:cNvPr>
+          <p:cNvPicPr>
+            <a:picLocks noChangeAspect="1"/>
+          </p:cNvPicPr>
           <p:nvPr/>
-        </p:nvSpPr>
-        <p:spPr>
-          <a:xfrm>
-            <a:off x="4473546" y="3259477"/>
-            <a:ext cx="1790555" cy="646331"/>
+        </p:nvPicPr>
+        <p:blipFill>
+          <a:blip r:embed="rId4"/>
+          <a:stretch>
+            <a:fillRect/>
+          </a:stretch>
+        </p:blipFill>
+        <p:spPr>
+          <a:xfrm>
+            <a:off x="6572250" y="1547624"/>
+            <a:ext cx="4352925" cy="2248276"/>
           </a:xfrm>
           <a:prstGeom prst="rect">
             <a:avLst/>
           </a:prstGeom>
-          <a:noFill/>
-        </p:spPr>
-        <p:txBody>
-          <a:bodyPr wrap="none" rtlCol="0">
-            <a:spAutoFit/>
-          </a:bodyPr>
-          <a:lstStyle/>
-          <a:p>
-            <a:r>
-              <a:rPr lang="pt-BR" dirty="0"/>
-              <a:t>Análise e escolha</a:t>
-            </a:r>
-          </a:p>
-          <a:p>
-            <a:pPr algn="ctr"/>
-            <a:r>
-              <a:rPr lang="pt-BR" dirty="0"/>
-              <a:t>das Ferramentas</a:t>
-            </a:r>
-          </a:p>
-        </p:txBody>
-      </p:sp>
-      <p:sp>
-        <p:nvSpPr>
-          <p:cNvPr id="8" name="CaixaDeTexto 7">
-            <a:extLst>
-              <a:ext uri="{FF2B5EF4-FFF2-40B4-BE49-F238E27FC236}">
-                <a16:creationId xmlns:a16="http://schemas.microsoft.com/office/drawing/2014/main" id="{83340FB0-0918-4C78-81C5-0E75BB36239E}"/>
-              </a:ext>
-            </a:extLst>
-          </p:cNvPr>
-          <p:cNvSpPr txBox="1"/>
+        </p:spPr>
+      </p:pic>
+      <p:pic>
+        <p:nvPicPr>
+          <p:cNvPr id="8" name="Imagem 8" descr="Gráfico, Gráfico de pizza&#10;&#10;Descrição gerada automaticamente">
+            <a:extLst>
+              <a:ext uri="{FF2B5EF4-FFF2-40B4-BE49-F238E27FC236}">
+                <a16:creationId xmlns:a16="http://schemas.microsoft.com/office/drawing/2014/main" id="{9C1BF2D2-FC9C-4BBA-9047-9B2715375AEF}"/>
+              </a:ext>
+            </a:extLst>
+          </p:cNvPr>
+          <p:cNvPicPr>
+            <a:picLocks noChangeAspect="1"/>
+          </p:cNvPicPr>
           <p:nvPr/>
-        </p:nvSpPr>
-        <p:spPr>
-          <a:xfrm>
-            <a:off x="8834514" y="3259477"/>
-            <a:ext cx="2295372" cy="646331"/>
+        </p:nvPicPr>
+        <p:blipFill>
+          <a:blip r:embed="rId5"/>
+          <a:stretch>
+            <a:fillRect/>
+          </a:stretch>
+        </p:blipFill>
+        <p:spPr>
+          <a:xfrm>
+            <a:off x="2028825" y="4083028"/>
+            <a:ext cx="4352925" cy="2263820"/>
           </a:xfrm>
           <a:prstGeom prst="rect">
             <a:avLst/>
           </a:prstGeom>
-          <a:noFill/>
-        </p:spPr>
-        <p:txBody>
-          <a:bodyPr wrap="none" rtlCol="0">
-            <a:spAutoFit/>
-          </a:bodyPr>
-          <a:lstStyle/>
-          <a:p>
-            <a:r>
-              <a:rPr lang="pt-BR" dirty="0"/>
-              <a:t>Análise, implantação e</a:t>
-            </a:r>
-          </a:p>
-          <a:p>
-            <a:pPr algn="ctr"/>
-            <a:r>
-              <a:rPr lang="pt-BR" dirty="0"/>
-              <a:t>monitoramento</a:t>
-            </a:r>
-          </a:p>
-        </p:txBody>
-      </p:sp>
+        </p:spPr>
+      </p:pic>
+      <p:pic>
+        <p:nvPicPr>
+          <p:cNvPr id="9" name="Imagem 9" descr="Gráfico, Gráfico de pizza&#10;&#10;Descrição gerada automaticamente">
+            <a:extLst>
+              <a:ext uri="{FF2B5EF4-FFF2-40B4-BE49-F238E27FC236}">
+                <a16:creationId xmlns:a16="http://schemas.microsoft.com/office/drawing/2014/main" id="{0D1207E3-63EF-4FB0-A274-6D9E1B38BFDD}"/>
+              </a:ext>
+            </a:extLst>
+          </p:cNvPr>
+          <p:cNvPicPr>
+            <a:picLocks noChangeAspect="1"/>
+          </p:cNvPicPr>
+          <p:nvPr/>
+        </p:nvPicPr>
+        <p:blipFill>
+          <a:blip r:embed="rId6"/>
+          <a:stretch>
+            <a:fillRect/>
+          </a:stretch>
+        </p:blipFill>
+        <p:spPr>
+          <a:xfrm>
+            <a:off x="6572250" y="4081274"/>
+            <a:ext cx="4352925" cy="2248276"/>
+          </a:xfrm>
+          <a:prstGeom prst="rect">
+            <a:avLst/>
+          </a:prstGeom>
+        </p:spPr>
+      </p:pic>
     </p:spTree>
     <p:extLst>
       <p:ext uri="{BB962C8B-B14F-4D97-AF65-F5344CB8AC3E}">
-        <p14:creationId xmlns:p14="http://schemas.microsoft.com/office/powerpoint/2010/main" val="254477450"/>
+        <p14:creationId xmlns:p14="http://schemas.microsoft.com/office/powerpoint/2010/main" val="3296025950"/>
       </p:ext>
     </p:extLst>
   </p:cSld>
@@ -7641,12 +8481,72 @@
           <a:chExt cx="0" cy="0"/>
         </a:xfrm>
       </p:grpSpPr>
+      <p:pic>
+        <p:nvPicPr>
+          <p:cNvPr id="11" name="Imagem 11" descr="Gráfico, Gráfico de pizza&#10;&#10;Descrição gerada automaticamente">
+            <a:extLst>
+              <a:ext uri="{FF2B5EF4-FFF2-40B4-BE49-F238E27FC236}">
+                <a16:creationId xmlns:a16="http://schemas.microsoft.com/office/drawing/2014/main" id="{10C51801-AB1F-4D5D-B42A-DA48C83D4DB7}"/>
+              </a:ext>
+            </a:extLst>
+          </p:cNvPr>
+          <p:cNvPicPr>
+            <a:picLocks noChangeAspect="1"/>
+          </p:cNvPicPr>
+          <p:nvPr/>
+        </p:nvPicPr>
+        <p:blipFill>
+          <a:blip r:embed="rId2"/>
+          <a:stretch>
+            <a:fillRect/>
+          </a:stretch>
+        </p:blipFill>
+        <p:spPr>
+          <a:xfrm>
+            <a:off x="2028825" y="4098719"/>
+            <a:ext cx="4352925" cy="2251487"/>
+          </a:xfrm>
+          <a:prstGeom prst="rect">
+            <a:avLst/>
+          </a:prstGeom>
+        </p:spPr>
+      </p:pic>
+      <p:pic>
+        <p:nvPicPr>
+          <p:cNvPr id="10" name="Imagem 10" descr="Gráfico, Gráfico de pizza&#10;&#10;Descrição gerada automaticamente">
+            <a:extLst>
+              <a:ext uri="{FF2B5EF4-FFF2-40B4-BE49-F238E27FC236}">
+                <a16:creationId xmlns:a16="http://schemas.microsoft.com/office/drawing/2014/main" id="{C1C978F9-4B36-4471-8EE0-C0E8A2E2D384}"/>
+              </a:ext>
+            </a:extLst>
+          </p:cNvPr>
+          <p:cNvPicPr>
+            <a:picLocks noChangeAspect="1"/>
+          </p:cNvPicPr>
+          <p:nvPr/>
+        </p:nvPicPr>
+        <p:blipFill>
+          <a:blip r:embed="rId3"/>
+          <a:stretch>
+            <a:fillRect/>
+          </a:stretch>
+        </p:blipFill>
+        <p:spPr>
+          <a:xfrm>
+            <a:off x="2028825" y="1554773"/>
+            <a:ext cx="4352925" cy="2253029"/>
+          </a:xfrm>
+          <a:prstGeom prst="rect">
+            <a:avLst/>
+          </a:prstGeom>
+        </p:spPr>
+      </p:pic>
       <p:sp>
         <p:nvSpPr>
           <p:cNvPr id="2" name="Espaço Reservado para Número de Slide 1">
             <a:extLst>
               <a:ext uri="{FF2B5EF4-FFF2-40B4-BE49-F238E27FC236}">
-                <a16:creationId xmlns:a16="http://schemas.microsoft.com/office/drawing/2014/main" id="{4316C9F5-979C-45DD-B039-05087D2CA1B5}"/>
+                <a16:creationId xmlns:a16="http://schemas.microsoft.com/office/drawing/2014/main" id="{00A5C847-9B16-45BB-A00A-7493094466B1}"/>
               </a:ext>
             </a:extLst>
           </p:cNvPr>
@@ -7672,158 +8572,10 @@
       </p:sp>
       <p:sp>
         <p:nvSpPr>
-          <p:cNvPr id="3" name="CaixaDeTexto 2">
-            <a:extLst>
-              <a:ext uri="{FF2B5EF4-FFF2-40B4-BE49-F238E27FC236}">
-                <a16:creationId xmlns:a16="http://schemas.microsoft.com/office/drawing/2014/main" id="{D3990294-9CAD-4665-A84E-DA11685CA51F}"/>
-              </a:ext>
-            </a:extLst>
-          </p:cNvPr>
-          <p:cNvSpPr txBox="1"/>
-          <p:nvPr/>
-        </p:nvSpPr>
-        <p:spPr>
-          <a:xfrm>
-            <a:off x="1806058" y="272533"/>
-            <a:ext cx="9836214" cy="8710077"/>
-          </a:xfrm>
-          <a:prstGeom prst="rect">
-            <a:avLst/>
-          </a:prstGeom>
-          <a:noFill/>
-        </p:spPr>
-        <p:txBody>
-          <a:bodyPr wrap="square" rtlCol="0">
-            <a:spAutoFit/>
-          </a:bodyPr>
-          <a:lstStyle/>
-          <a:p>
-            <a:r>
-              <a:rPr lang="pt-BR" sz="2000" dirty="0"/>
-              <a:t>1. Ninguém concorda com os controles da Gestão de Mudanças e Segurança</a:t>
-            </a:r>
-          </a:p>
-          <a:p>
-            <a:br>
-              <a:rPr lang="pt-BR" sz="2000" dirty="0"/>
-            </a:br>
-            <a:r>
-              <a:rPr lang="pt-BR" sz="2000" dirty="0"/>
-              <a:t>2. Processo de bônus acirra disputas entre os gerentes das áreas e equipes</a:t>
-            </a:r>
-          </a:p>
-          <a:p>
-            <a:br>
-              <a:rPr lang="pt-BR" sz="2000" dirty="0"/>
-            </a:br>
-            <a:r>
-              <a:rPr lang="pt-BR" sz="2000" dirty="0"/>
-              <a:t>3. As pessoas tem medo de expressar opiniões e sentem-se pressionadas a não falar tudo que sabem quando ocorrem incidentes críticos</a:t>
-            </a:r>
-          </a:p>
-          <a:p>
-            <a:endParaRPr lang="pt-BR" sz="2000" dirty="0"/>
-          </a:p>
-          <a:p>
-            <a:r>
-              <a:rPr lang="pt-BR" sz="2000" dirty="0"/>
-              <a:t>4. Desenvolvedores não sabem o resultado real das suas implantações</a:t>
-            </a:r>
-          </a:p>
-          <a:p>
-            <a:br>
-              <a:rPr lang="pt-BR" sz="2000" dirty="0"/>
-            </a:br>
-            <a:r>
-              <a:rPr lang="pt-BR" sz="2000" dirty="0"/>
-              <a:t>5. Ninguém conhece as transações mais críticas utilizadas pelos clientes</a:t>
-            </a:r>
-          </a:p>
-          <a:p>
-            <a:br>
-              <a:rPr lang="pt-BR" sz="2000" dirty="0"/>
-            </a:br>
-            <a:r>
-              <a:rPr lang="pt-BR" sz="2000" dirty="0"/>
-              <a:t>6. Débito técnico desgovernado</a:t>
-            </a:r>
-          </a:p>
-          <a:p>
-            <a:br>
-              <a:rPr lang="pt-BR" sz="2000" dirty="0"/>
-            </a:br>
-            <a:r>
-              <a:rPr lang="pt-BR" sz="2000" dirty="0"/>
-              <a:t>7. Alto custo com horas extras para testes manuais</a:t>
-            </a:r>
-          </a:p>
-          <a:p>
-            <a:br>
-              <a:rPr lang="pt-BR" sz="2000" dirty="0"/>
-            </a:br>
-            <a:r>
-              <a:rPr lang="pt-BR" sz="2000" dirty="0"/>
-              <a:t>8. Conflitos entre os times de desenvolvimento e operações</a:t>
-            </a:r>
-          </a:p>
-          <a:p>
-            <a:br>
-              <a:rPr lang="pt-BR" sz="2000" dirty="0"/>
-            </a:br>
-            <a:r>
-              <a:rPr lang="pt-BR" sz="2000" dirty="0"/>
-              <a:t>9. Aumento na </a:t>
-            </a:r>
-            <a:r>
-              <a:rPr lang="pt-BR" sz="2000" dirty="0" err="1"/>
-              <a:t>qtd</a:t>
-            </a:r>
-            <a:r>
-              <a:rPr lang="pt-BR" sz="2000" dirty="0"/>
-              <a:t> de incidentes em produção nos últimos 3 meses</a:t>
-            </a:r>
-          </a:p>
-          <a:p>
-            <a:br>
-              <a:rPr lang="pt-BR" sz="2000" dirty="0"/>
-            </a:br>
-            <a:r>
-              <a:rPr lang="pt-BR" sz="2000" dirty="0"/>
-              <a:t>10. Falta de processo que resolva a causa raiz dos problemas</a:t>
-            </a:r>
-          </a:p>
-          <a:p>
-            <a:endParaRPr lang="pt-BR" sz="2000" dirty="0"/>
-          </a:p>
-          <a:p>
-            <a:endParaRPr lang="pt-BR" sz="2000" dirty="0"/>
-          </a:p>
-          <a:p>
-            <a:endParaRPr lang="pt-BR" sz="2000" dirty="0"/>
-          </a:p>
-          <a:p>
-            <a:endParaRPr lang="pt-BR" sz="2000" dirty="0"/>
-          </a:p>
-          <a:p>
-            <a:endParaRPr lang="pt-BR" sz="2000" dirty="0"/>
-          </a:p>
-          <a:p>
-            <a:br>
-              <a:rPr lang="pt-BR" sz="2000" dirty="0"/>
-            </a:br>
-            <a:endParaRPr lang="pt-BR" sz="2000" dirty="0"/>
-          </a:p>
-          <a:p>
-            <a:endParaRPr lang="pt-BR" sz="2000" b="1" dirty="0"/>
-          </a:p>
-        </p:txBody>
-      </p:sp>
-      <p:sp>
-        <p:nvSpPr>
-          <p:cNvPr id="5" name="Retângulo 4">
-            <a:extLst>
-              <a:ext uri="{FF2B5EF4-FFF2-40B4-BE49-F238E27FC236}">
-                <a16:creationId xmlns:a16="http://schemas.microsoft.com/office/drawing/2014/main" id="{AC0B74B4-B194-4390-BFD1-8E2F65CA1678}"/>
+          <p:cNvPr id="7" name="Retângulo 6">
+            <a:extLst>
+              <a:ext uri="{FF2B5EF4-FFF2-40B4-BE49-F238E27FC236}">
+                <a16:creationId xmlns:a16="http://schemas.microsoft.com/office/drawing/2014/main" id="{C0911691-8E5D-4130-9DEF-B295AC8F85B1}"/>
               </a:ext>
             </a:extLst>
           </p:cNvPr>
@@ -7869,55 +8621,122 @@
       </p:sp>
       <p:pic>
         <p:nvPicPr>
-          <p:cNvPr id="6" name="Picture 2" descr="Nova Logo Tim Png - Tim Logo Branco Clipart - Large Size Png Image - PikPng">
-            <a:extLst>
-              <a:ext uri="{FF2B5EF4-FFF2-40B4-BE49-F238E27FC236}">
-                <a16:creationId xmlns:a16="http://schemas.microsoft.com/office/drawing/2014/main" id="{26584BFD-DAB4-4F0D-B7C9-6D06490F607B}"/>
+          <p:cNvPr id="4" name="Imagem 3" descr="Logotipo&#10;&#10;Descrição gerada automaticamente">
+            <a:extLst>
+              <a:ext uri="{FF2B5EF4-FFF2-40B4-BE49-F238E27FC236}">
+                <a16:creationId xmlns:a16="http://schemas.microsoft.com/office/drawing/2014/main" id="{A8415950-AE8E-45C0-A2E5-D9B394DF621D}"/>
               </a:ext>
             </a:extLst>
           </p:cNvPr>
           <p:cNvPicPr>
-            <a:picLocks noChangeAspect="1" noChangeArrowheads="1"/>
+            <a:picLocks noChangeAspect="1"/>
           </p:cNvPicPr>
           <p:nvPr/>
         </p:nvPicPr>
         <p:blipFill>
-          <a:blip r:embed="rId2" cstate="print">
+          <a:blip r:embed="rId4" cstate="print">
             <a:extLst>
               <a:ext uri="{28A0092B-C50C-407E-A947-70E740481C1C}">
                 <a14:useLocalDpi xmlns:a14="http://schemas.microsoft.com/office/drawing/2010/main" val="0"/>
               </a:ext>
             </a:extLst>
           </a:blip>
-          <a:srcRect/>
           <a:stretch>
             <a:fillRect/>
           </a:stretch>
         </p:blipFill>
-        <p:spPr bwMode="auto">
-          <a:xfrm>
-            <a:off x="47298" y="351527"/>
-            <a:ext cx="1395900" cy="369332"/>
+        <p:spPr>
+          <a:xfrm>
+            <a:off x="196516" y="205083"/>
+            <a:ext cx="1106542" cy="1096089"/>
+          </a:xfrm>
+          <a:prstGeom prst="rect">
+            <a:avLst/>
+          </a:prstGeom>
+        </p:spPr>
+      </p:pic>
+      <p:sp>
+        <p:nvSpPr>
+          <p:cNvPr id="5" name="TextBox 4">
+            <a:extLst>
+              <a:ext uri="{FF2B5EF4-FFF2-40B4-BE49-F238E27FC236}">
+                <a16:creationId xmlns:a16="http://schemas.microsoft.com/office/drawing/2014/main" id="{751BADB0-5D73-43E9-9ABB-321766D8AE39}"/>
+              </a:ext>
+            </a:extLst>
+          </p:cNvPr>
+          <p:cNvSpPr txBox="1"/>
+          <p:nvPr/>
+        </p:nvSpPr>
+        <p:spPr>
+          <a:xfrm>
+            <a:off x="2167689" y="483268"/>
+            <a:ext cx="9310436" cy="707886"/>
           </a:xfrm>
           <a:prstGeom prst="rect">
             <a:avLst/>
           </a:prstGeom>
           <a:noFill/>
-          <a:extLst>
-            <a:ext uri="{909E8E84-426E-40DD-AFC4-6F175D3DCCD1}">
-              <a14:hiddenFill xmlns:a14="http://schemas.microsoft.com/office/drawing/2010/main">
-                <a:solidFill>
-                  <a:srgbClr val="FFFFFF"/>
-                </a:solidFill>
-              </a14:hiddenFill>
-            </a:ext>
-          </a:extLst>
+        </p:spPr>
+        <p:txBody>
+          <a:bodyPr rot="0" spcFirstLastPara="0" vertOverflow="overflow" horzOverflow="overflow" vert="horz" wrap="square" lIns="91440" tIns="45720" rIns="91440" bIns="45720" numCol="1" spcCol="0" rtlCol="0" fromWordArt="0" anchor="t" anchorCtr="0" forceAA="0" compatLnSpc="1">
+            <a:prstTxWarp prst="textNoShape">
+              <a:avLst/>
+            </a:prstTxWarp>
+            <a:spAutoFit/>
+          </a:bodyPr>
+          <a:lstStyle/>
+          <a:p>
+            <a:r>
+              <a:rPr lang="en-US" sz="4000">
+                <a:cs typeface="Calibri"/>
+              </a:rPr>
+              <a:t>2 - </a:t>
+            </a:r>
+            <a:r>
+              <a:rPr lang="en-US" sz="4000">
+                <a:ea typeface="+mn-lt"/>
+                <a:cs typeface="+mn-lt"/>
+              </a:rPr>
+              <a:t>Pesquisa de mercado</a:t>
+            </a:r>
+            <a:endParaRPr lang="en-US"/>
+          </a:p>
+        </p:txBody>
+      </p:sp>
+      <p:pic>
+        <p:nvPicPr>
+          <p:cNvPr id="12" name="Imagem 12" descr="Gráfico, Gráfico de pizza&#10;&#10;Descrição gerada automaticamente">
+            <a:extLst>
+              <a:ext uri="{FF2B5EF4-FFF2-40B4-BE49-F238E27FC236}">
+                <a16:creationId xmlns:a16="http://schemas.microsoft.com/office/drawing/2014/main" id="{E1355076-B8A2-4AC8-B6B9-07291649B613}"/>
+              </a:ext>
+            </a:extLst>
+          </p:cNvPr>
+          <p:cNvPicPr>
+            <a:picLocks noChangeAspect="1"/>
+          </p:cNvPicPr>
+          <p:nvPr/>
+        </p:nvPicPr>
+        <p:blipFill>
+          <a:blip r:embed="rId5"/>
+          <a:stretch>
+            <a:fillRect/>
+          </a:stretch>
+        </p:blipFill>
+        <p:spPr>
+          <a:xfrm>
+            <a:off x="6724650" y="2416320"/>
+            <a:ext cx="5067300" cy="2892135"/>
+          </a:xfrm>
+          <a:prstGeom prst="rect">
+            <a:avLst/>
+          </a:prstGeom>
         </p:spPr>
       </p:pic>
     </p:spTree>
     <p:extLst>
       <p:ext uri="{BB962C8B-B14F-4D97-AF65-F5344CB8AC3E}">
-        <p14:creationId xmlns:p14="http://schemas.microsoft.com/office/powerpoint/2010/main" val="4247562050"/>
+        <p14:creationId xmlns:p14="http://schemas.microsoft.com/office/powerpoint/2010/main" val="3217926180"/>
       </p:ext>
     </p:extLst>
   </p:cSld>
@@ -7946,10 +8765,39 @@
       </p:grpSpPr>
       <p:sp>
         <p:nvSpPr>
-          <p:cNvPr id="2" name="Retângulo 1">
-            <a:extLst>
-              <a:ext uri="{FF2B5EF4-FFF2-40B4-BE49-F238E27FC236}">
-                <a16:creationId xmlns:a16="http://schemas.microsoft.com/office/drawing/2014/main" id="{230C2E89-AFF8-4A20-91A8-9429ED8F7A8E}"/>
+          <p:cNvPr id="2" name="Espaço Reservado para Número de Slide 1">
+            <a:extLst>
+              <a:ext uri="{FF2B5EF4-FFF2-40B4-BE49-F238E27FC236}">
+                <a16:creationId xmlns:a16="http://schemas.microsoft.com/office/drawing/2014/main" id="{00A5C847-9B16-45BB-A00A-7493094466B1}"/>
+              </a:ext>
+            </a:extLst>
+          </p:cNvPr>
+          <p:cNvSpPr>
+            <a:spLocks noGrp="1"/>
+          </p:cNvSpPr>
+          <p:nvPr>
+            <p:ph type="sldNum" sz="quarter" idx="12"/>
+          </p:nvPr>
+        </p:nvSpPr>
+        <p:spPr/>
+        <p:txBody>
+          <a:bodyPr/>
+          <a:lstStyle/>
+          <a:p>
+            <a:fld id="{47797270-BFBB-4212-9FDA-8EE01FE91F8C}" type="slidenum">
+              <a:rPr lang="pt-BR" smtClean="0"/>
+              <a:t>6</a:t>
+            </a:fld>
+            <a:endParaRPr lang="pt-BR"/>
+          </a:p>
+        </p:txBody>
+      </p:sp>
+      <p:sp>
+        <p:nvSpPr>
+          <p:cNvPr id="7" name="Retângulo 6">
+            <a:extLst>
+              <a:ext uri="{FF2B5EF4-FFF2-40B4-BE49-F238E27FC236}">
+                <a16:creationId xmlns:a16="http://schemas.microsoft.com/office/drawing/2014/main" id="{C0911691-8E5D-4130-9DEF-B295AC8F85B1}"/>
               </a:ext>
             </a:extLst>
           </p:cNvPr>
@@ -7958,8 +8806,8 @@
         </p:nvSpPr>
         <p:spPr>
           <a:xfrm>
-            <a:off x="0" y="0"/>
-            <a:ext cx="12192000" cy="4646951"/>
+            <a:off x="-134911" y="0"/>
+            <a:ext cx="1758759" cy="6840036"/>
           </a:xfrm>
           <a:prstGeom prst="rect">
             <a:avLst/>
@@ -7993,49 +8841,22 @@
           </a:p>
         </p:txBody>
       </p:sp>
-      <p:sp>
-        <p:nvSpPr>
-          <p:cNvPr id="3" name="Subtítulo 2"/>
-          <p:cNvSpPr>
-            <a:spLocks noGrp="1"/>
-          </p:cNvSpPr>
-          <p:nvPr>
-            <p:ph type="subTitle" idx="1"/>
-          </p:nvPr>
-        </p:nvSpPr>
-        <p:spPr>
-          <a:xfrm>
-            <a:off x="0" y="4960137"/>
-            <a:ext cx="12192000" cy="1463040"/>
-          </a:xfrm>
-          <a:solidFill>
-            <a:schemeClr val="bg1"/>
-          </a:solidFill>
-        </p:spPr>
-        <p:txBody>
-          <a:bodyPr>
-            <a:normAutofit/>
-          </a:bodyPr>
-          <a:lstStyle/>
-          <a:p>
-            <a:pPr algn="ctr"/>
-            <a:r>
-              <a:rPr lang="pt-BR" sz="3200" dirty="0"/>
-              <a:t>Obrigado!</a:t>
-            </a:r>
-          </a:p>
-        </p:txBody>
-      </p:sp>
       <p:pic>
         <p:nvPicPr>
-          <p:cNvPr id="4" name="Imagem 3"/>
+          <p:cNvPr id="4" name="Imagem 3" descr="Logotipo&#10;&#10;Descrição gerada automaticamente">
+            <a:extLst>
+              <a:ext uri="{FF2B5EF4-FFF2-40B4-BE49-F238E27FC236}">
+                <a16:creationId xmlns:a16="http://schemas.microsoft.com/office/drawing/2014/main" id="{A8415950-AE8E-45C0-A2E5-D9B394DF621D}"/>
+              </a:ext>
+            </a:extLst>
+          </p:cNvPr>
           <p:cNvPicPr>
             <a:picLocks noChangeAspect="1"/>
           </p:cNvPicPr>
           <p:nvPr/>
         </p:nvPicPr>
         <p:blipFill>
-          <a:blip r:embed="rId3" cstate="print">
+          <a:blip r:embed="rId2" cstate="print">
             <a:extLst>
               <a:ext uri="{28A0092B-C50C-407E-A947-70E740481C1C}">
                 <a14:useLocalDpi xmlns:a14="http://schemas.microsoft.com/office/drawing/2010/main" val="0"/>
@@ -8048,8 +8869,8 @@
         </p:blipFill>
         <p:spPr>
           <a:xfrm>
-            <a:off x="457200" y="415636"/>
-            <a:ext cx="3532909" cy="3522456"/>
+            <a:off x="196516" y="205083"/>
+            <a:ext cx="1106542" cy="1096089"/>
           </a:xfrm>
           <a:prstGeom prst="rect">
             <a:avLst/>
@@ -8058,79 +8879,739 @@
       </p:pic>
       <p:sp>
         <p:nvSpPr>
-          <p:cNvPr id="5" name="Título 1"/>
-          <p:cNvSpPr txBox="1">
-            <a:spLocks/>
-          </p:cNvSpPr>
+          <p:cNvPr id="5" name="TextBox 4">
+            <a:extLst>
+              <a:ext uri="{FF2B5EF4-FFF2-40B4-BE49-F238E27FC236}">
+                <a16:creationId xmlns:a16="http://schemas.microsoft.com/office/drawing/2014/main" id="{751BADB0-5D73-43E9-9ABB-321766D8AE39}"/>
+              </a:ext>
+            </a:extLst>
+          </p:cNvPr>
+          <p:cNvSpPr txBox="1"/>
           <p:nvPr/>
         </p:nvSpPr>
         <p:spPr>
           <a:xfrm>
-            <a:off x="3990109" y="415636"/>
-            <a:ext cx="7772400" cy="2386941"/>
+            <a:off x="2167689" y="483268"/>
+            <a:ext cx="9310436" cy="707886"/>
           </a:xfrm>
           <a:prstGeom prst="rect">
             <a:avLst/>
           </a:prstGeom>
-        </p:spPr>
-        <p:txBody>
-          <a:bodyPr vert="horz" lIns="91440" tIns="45720" rIns="91440" bIns="45720" rtlCol="0" anchor="ctr">
-            <a:normAutofit/>
+          <a:noFill/>
+        </p:spPr>
+        <p:txBody>
+          <a:bodyPr rot="0" spcFirstLastPara="0" vertOverflow="overflow" horzOverflow="overflow" vert="horz" wrap="square" lIns="91440" tIns="45720" rIns="91440" bIns="45720" numCol="1" spcCol="0" rtlCol="0" fromWordArt="0" anchor="t" anchorCtr="0" forceAA="0" compatLnSpc="1">
+            <a:prstTxWarp prst="textNoShape">
+              <a:avLst/>
+            </a:prstTxWarp>
+            <a:spAutoFit/>
           </a:bodyPr>
-          <a:lstStyle>
-            <a:lvl1pPr algn="r" defTabSz="914400" rtl="0" eaLnBrk="1" latinLnBrk="0" hangingPunct="1">
-              <a:lnSpc>
-                <a:spcPct val="80000"/>
-              </a:lnSpc>
-              <a:spcBef>
-                <a:spcPct val="0"/>
-              </a:spcBef>
-              <a:buNone/>
-              <a:defRPr sz="5000" kern="1200" cap="all" spc="200" baseline="0">
-                <a:solidFill>
-                  <a:schemeClr val="tx1">
-                    <a:lumMod val="90000"/>
-                    <a:lumOff val="10000"/>
-                  </a:schemeClr>
-                </a:solidFill>
-                <a:latin typeface="+mj-lt"/>
-                <a:ea typeface="+mj-ea"/>
-                <a:cs typeface="+mj-cs"/>
-              </a:defRPr>
-            </a:lvl1pPr>
-          </a:lstStyle>
-          <a:p>
-            <a:r>
-              <a:rPr lang="pt-BR" dirty="0">
-                <a:solidFill>
-                  <a:schemeClr val="bg1"/>
-                </a:solidFill>
+          <a:lstStyle/>
+          <a:p>
+            <a:r>
+              <a:rPr lang="en-US" sz="4000">
+                <a:cs typeface="Calibri"/>
               </a:rPr>
-              <a:t>Integração Contínua, </a:t>
-            </a:r>
-            <a:r>
-              <a:rPr lang="pt-BR" dirty="0" err="1">
-                <a:solidFill>
-                  <a:schemeClr val="bg1"/>
-                </a:solidFill>
+              <a:t>3.1 - </a:t>
+            </a:r>
+            <a:r>
+              <a:rPr lang="en-US" sz="4000">
+                <a:ea typeface="+mn-lt"/>
+                <a:cs typeface="+mn-lt"/>
               </a:rPr>
-              <a:t>DevOps</a:t>
-            </a:r>
-            <a:r>
-              <a:rPr lang="pt-BR" dirty="0">
-                <a:solidFill>
-                  <a:schemeClr val="bg1"/>
-                </a:solidFill>
-              </a:rPr>
-              <a:t> e Computação em Nuvem</a:t>
-            </a:r>
-          </a:p>
-        </p:txBody>
-      </p:sp>
+              <a:t>CANVAS</a:t>
+            </a:r>
+            <a:endParaRPr lang="en-US" sz="4000">
+              <a:cs typeface="Calibri"/>
+            </a:endParaRPr>
+          </a:p>
+        </p:txBody>
+      </p:sp>
+      <p:pic>
+        <p:nvPicPr>
+          <p:cNvPr id="6" name="Imagem 7" descr="Uma imagem contendo Gráfico de mapa de árvore&#10;&#10;Descrição gerada automaticamente">
+            <a:extLst>
+              <a:ext uri="{FF2B5EF4-FFF2-40B4-BE49-F238E27FC236}">
+                <a16:creationId xmlns:a16="http://schemas.microsoft.com/office/drawing/2014/main" id="{B1929BA4-230C-4795-9D5F-7988AABBAA0D}"/>
+              </a:ext>
+            </a:extLst>
+          </p:cNvPr>
+          <p:cNvPicPr>
+            <a:picLocks noChangeAspect="1"/>
+          </p:cNvPicPr>
+          <p:nvPr/>
+        </p:nvPicPr>
+        <p:blipFill>
+          <a:blip r:embed="rId3"/>
+          <a:stretch>
+            <a:fillRect/>
+          </a:stretch>
+        </p:blipFill>
+        <p:spPr>
+          <a:xfrm>
+            <a:off x="2250141" y="1189066"/>
+            <a:ext cx="9305364" cy="5214973"/>
+          </a:xfrm>
+          <a:prstGeom prst="rect">
+            <a:avLst/>
+          </a:prstGeom>
+        </p:spPr>
+      </p:pic>
     </p:spTree>
     <p:extLst>
       <p:ext uri="{BB962C8B-B14F-4D97-AF65-F5344CB8AC3E}">
-        <p14:creationId xmlns:p14="http://schemas.microsoft.com/office/powerpoint/2010/main" val="2477862328"/>
+        <p14:creationId xmlns:p14="http://schemas.microsoft.com/office/powerpoint/2010/main" val="1889809419"/>
+      </p:ext>
+    </p:extLst>
+  </p:cSld>
+  <p:clrMapOvr>
+    <a:masterClrMapping/>
+  </p:clrMapOvr>
+</p:sld>
+</file>
+
+<file path=ppt/slides/slide7.xml><?xml version="1.0" encoding="utf-8"?>
+<p:sld xmlns:a="http://schemas.openxmlformats.org/drawingml/2006/main" xmlns:r="http://schemas.openxmlformats.org/officeDocument/2006/relationships" xmlns:p="http://schemas.openxmlformats.org/presentationml/2006/main">
+  <p:cSld>
+    <p:spTree>
+      <p:nvGrpSpPr>
+        <p:cNvPr id="1" name=""/>
+        <p:cNvGrpSpPr/>
+        <p:nvPr/>
+      </p:nvGrpSpPr>
+      <p:grpSpPr>
+        <a:xfrm>
+          <a:off x="0" y="0"/>
+          <a:ext cx="0" cy="0"/>
+          <a:chOff x="0" y="0"/>
+          <a:chExt cx="0" cy="0"/>
+        </a:xfrm>
+      </p:grpSpPr>
+      <p:sp>
+        <p:nvSpPr>
+          <p:cNvPr id="2" name="Espaço Reservado para Número de Slide 1">
+            <a:extLst>
+              <a:ext uri="{FF2B5EF4-FFF2-40B4-BE49-F238E27FC236}">
+                <a16:creationId xmlns:a16="http://schemas.microsoft.com/office/drawing/2014/main" id="{00A5C847-9B16-45BB-A00A-7493094466B1}"/>
+              </a:ext>
+            </a:extLst>
+          </p:cNvPr>
+          <p:cNvSpPr>
+            <a:spLocks noGrp="1"/>
+          </p:cNvSpPr>
+          <p:nvPr>
+            <p:ph type="sldNum" sz="quarter" idx="12"/>
+          </p:nvPr>
+        </p:nvSpPr>
+        <p:spPr/>
+        <p:txBody>
+          <a:bodyPr/>
+          <a:lstStyle/>
+          <a:p>
+            <a:fld id="{47797270-BFBB-4212-9FDA-8EE01FE91F8C}" type="slidenum">
+              <a:rPr lang="pt-BR" smtClean="0"/>
+              <a:t>7</a:t>
+            </a:fld>
+            <a:endParaRPr lang="pt-BR"/>
+          </a:p>
+        </p:txBody>
+      </p:sp>
+      <p:sp>
+        <p:nvSpPr>
+          <p:cNvPr id="7" name="Retângulo 6">
+            <a:extLst>
+              <a:ext uri="{FF2B5EF4-FFF2-40B4-BE49-F238E27FC236}">
+                <a16:creationId xmlns:a16="http://schemas.microsoft.com/office/drawing/2014/main" id="{C0911691-8E5D-4130-9DEF-B295AC8F85B1}"/>
+              </a:ext>
+            </a:extLst>
+          </p:cNvPr>
+          <p:cNvSpPr/>
+          <p:nvPr/>
+        </p:nvSpPr>
+        <p:spPr>
+          <a:xfrm>
+            <a:off x="-134911" y="0"/>
+            <a:ext cx="1758759" cy="6840036"/>
+          </a:xfrm>
+          <a:prstGeom prst="rect">
+            <a:avLst/>
+          </a:prstGeom>
+          <a:solidFill>
+            <a:srgbClr val="053566"/>
+          </a:solidFill>
+        </p:spPr>
+        <p:style>
+          <a:lnRef idx="2">
+            <a:schemeClr val="accent1">
+              <a:shade val="50000"/>
+            </a:schemeClr>
+          </a:lnRef>
+          <a:fillRef idx="1">
+            <a:schemeClr val="accent1"/>
+          </a:fillRef>
+          <a:effectRef idx="0">
+            <a:schemeClr val="accent1"/>
+          </a:effectRef>
+          <a:fontRef idx="minor">
+            <a:schemeClr val="lt1"/>
+          </a:fontRef>
+        </p:style>
+        <p:txBody>
+          <a:bodyPr rtlCol="0" anchor="ctr"/>
+          <a:lstStyle/>
+          <a:p>
+            <a:pPr algn="ctr"/>
+            <a:endParaRPr lang="pt-BR"/>
+          </a:p>
+        </p:txBody>
+      </p:sp>
+      <p:pic>
+        <p:nvPicPr>
+          <p:cNvPr id="4" name="Imagem 3" descr="Logotipo&#10;&#10;Descrição gerada automaticamente">
+            <a:extLst>
+              <a:ext uri="{FF2B5EF4-FFF2-40B4-BE49-F238E27FC236}">
+                <a16:creationId xmlns:a16="http://schemas.microsoft.com/office/drawing/2014/main" id="{A8415950-AE8E-45C0-A2E5-D9B394DF621D}"/>
+              </a:ext>
+            </a:extLst>
+          </p:cNvPr>
+          <p:cNvPicPr>
+            <a:picLocks noChangeAspect="1"/>
+          </p:cNvPicPr>
+          <p:nvPr/>
+        </p:nvPicPr>
+        <p:blipFill>
+          <a:blip r:embed="rId2" cstate="print">
+            <a:extLst>
+              <a:ext uri="{28A0092B-C50C-407E-A947-70E740481C1C}">
+                <a14:useLocalDpi xmlns:a14="http://schemas.microsoft.com/office/drawing/2010/main" val="0"/>
+              </a:ext>
+            </a:extLst>
+          </a:blip>
+          <a:stretch>
+            <a:fillRect/>
+          </a:stretch>
+        </p:blipFill>
+        <p:spPr>
+          <a:xfrm>
+            <a:off x="196516" y="205083"/>
+            <a:ext cx="1106542" cy="1096089"/>
+          </a:xfrm>
+          <a:prstGeom prst="rect">
+            <a:avLst/>
+          </a:prstGeom>
+        </p:spPr>
+      </p:pic>
+      <p:sp>
+        <p:nvSpPr>
+          <p:cNvPr id="5" name="TextBox 4">
+            <a:extLst>
+              <a:ext uri="{FF2B5EF4-FFF2-40B4-BE49-F238E27FC236}">
+                <a16:creationId xmlns:a16="http://schemas.microsoft.com/office/drawing/2014/main" id="{751BADB0-5D73-43E9-9ABB-321766D8AE39}"/>
+              </a:ext>
+            </a:extLst>
+          </p:cNvPr>
+          <p:cNvSpPr txBox="1"/>
+          <p:nvPr/>
+        </p:nvSpPr>
+        <p:spPr>
+          <a:xfrm>
+            <a:off x="2167689" y="483268"/>
+            <a:ext cx="9310436" cy="707886"/>
+          </a:xfrm>
+          <a:prstGeom prst="rect">
+            <a:avLst/>
+          </a:prstGeom>
+          <a:noFill/>
+        </p:spPr>
+        <p:txBody>
+          <a:bodyPr rot="0" spcFirstLastPara="0" vertOverflow="overflow" horzOverflow="overflow" vert="horz" wrap="square" lIns="91440" tIns="45720" rIns="91440" bIns="45720" numCol="1" spcCol="0" rtlCol="0" fromWordArt="0" anchor="t" anchorCtr="0" forceAA="0" compatLnSpc="1">
+            <a:prstTxWarp prst="textNoShape">
+              <a:avLst/>
+            </a:prstTxWarp>
+            <a:spAutoFit/>
+          </a:bodyPr>
+          <a:lstStyle/>
+          <a:p>
+            <a:r>
+              <a:rPr lang="en-US" sz="4000">
+                <a:cs typeface="Calibri"/>
+              </a:rPr>
+              <a:t>3.2 - </a:t>
+            </a:r>
+            <a:r>
+              <a:rPr lang="en-US" sz="4000" err="1">
+                <a:cs typeface="Calibri"/>
+              </a:rPr>
+              <a:t>MoSCoW</a:t>
+            </a:r>
+            <a:endParaRPr lang="en-US" sz="4000">
+              <a:cs typeface="Calibri"/>
+            </a:endParaRPr>
+          </a:p>
+        </p:txBody>
+      </p:sp>
+      <p:pic>
+        <p:nvPicPr>
+          <p:cNvPr id="3" name="Picture 5" descr="Table&#10;&#10;Description automatically generated">
+            <a:extLst>
+              <a:ext uri="{FF2B5EF4-FFF2-40B4-BE49-F238E27FC236}">
+                <a16:creationId xmlns:a16="http://schemas.microsoft.com/office/drawing/2014/main" id="{6BFD81E6-E3BC-4575-BD62-73290C78CC79}"/>
+              </a:ext>
+            </a:extLst>
+          </p:cNvPr>
+          <p:cNvPicPr>
+            <a:picLocks noChangeAspect="1"/>
+          </p:cNvPicPr>
+          <p:nvPr/>
+        </p:nvPicPr>
+        <p:blipFill>
+          <a:blip r:embed="rId3"/>
+          <a:stretch>
+            <a:fillRect/>
+          </a:stretch>
+        </p:blipFill>
+        <p:spPr>
+          <a:xfrm>
+            <a:off x="2857500" y="1231856"/>
+            <a:ext cx="7934325" cy="5232488"/>
+          </a:xfrm>
+          <a:prstGeom prst="rect">
+            <a:avLst/>
+          </a:prstGeom>
+        </p:spPr>
+      </p:pic>
+    </p:spTree>
+    <p:extLst>
+      <p:ext uri="{BB962C8B-B14F-4D97-AF65-F5344CB8AC3E}">
+        <p14:creationId xmlns:p14="http://schemas.microsoft.com/office/powerpoint/2010/main" val="1111943198"/>
+      </p:ext>
+    </p:extLst>
+  </p:cSld>
+  <p:clrMapOvr>
+    <a:masterClrMapping/>
+  </p:clrMapOvr>
+</p:sld>
+</file>
+
+<file path=ppt/slides/slide8.xml><?xml version="1.0" encoding="utf-8"?>
+<p:sld xmlns:a="http://schemas.openxmlformats.org/drawingml/2006/main" xmlns:r="http://schemas.openxmlformats.org/officeDocument/2006/relationships" xmlns:p="http://schemas.openxmlformats.org/presentationml/2006/main">
+  <p:cSld>
+    <p:spTree>
+      <p:nvGrpSpPr>
+        <p:cNvPr id="1" name=""/>
+        <p:cNvGrpSpPr/>
+        <p:nvPr/>
+      </p:nvGrpSpPr>
+      <p:grpSpPr>
+        <a:xfrm>
+          <a:off x="0" y="0"/>
+          <a:ext cx="0" cy="0"/>
+          <a:chOff x="0" y="0"/>
+          <a:chExt cx="0" cy="0"/>
+        </a:xfrm>
+      </p:grpSpPr>
+      <p:sp>
+        <p:nvSpPr>
+          <p:cNvPr id="2" name="Espaço Reservado para Número de Slide 1">
+            <a:extLst>
+              <a:ext uri="{FF2B5EF4-FFF2-40B4-BE49-F238E27FC236}">
+                <a16:creationId xmlns:a16="http://schemas.microsoft.com/office/drawing/2014/main" id="{00A5C847-9B16-45BB-A00A-7493094466B1}"/>
+              </a:ext>
+            </a:extLst>
+          </p:cNvPr>
+          <p:cNvSpPr>
+            <a:spLocks noGrp="1"/>
+          </p:cNvSpPr>
+          <p:nvPr>
+            <p:ph type="sldNum" sz="quarter" idx="12"/>
+          </p:nvPr>
+        </p:nvSpPr>
+        <p:spPr/>
+        <p:txBody>
+          <a:bodyPr/>
+          <a:lstStyle/>
+          <a:p>
+            <a:fld id="{47797270-BFBB-4212-9FDA-8EE01FE91F8C}" type="slidenum">
+              <a:rPr lang="pt-BR" smtClean="0"/>
+              <a:t>8</a:t>
+            </a:fld>
+            <a:endParaRPr lang="pt-BR"/>
+          </a:p>
+        </p:txBody>
+      </p:sp>
+      <p:sp>
+        <p:nvSpPr>
+          <p:cNvPr id="7" name="Retângulo 6">
+            <a:extLst>
+              <a:ext uri="{FF2B5EF4-FFF2-40B4-BE49-F238E27FC236}">
+                <a16:creationId xmlns:a16="http://schemas.microsoft.com/office/drawing/2014/main" id="{C0911691-8E5D-4130-9DEF-B295AC8F85B1}"/>
+              </a:ext>
+            </a:extLst>
+          </p:cNvPr>
+          <p:cNvSpPr/>
+          <p:nvPr/>
+        </p:nvSpPr>
+        <p:spPr>
+          <a:xfrm>
+            <a:off x="-134911" y="0"/>
+            <a:ext cx="1758759" cy="6840036"/>
+          </a:xfrm>
+          <a:prstGeom prst="rect">
+            <a:avLst/>
+          </a:prstGeom>
+          <a:solidFill>
+            <a:srgbClr val="053566"/>
+          </a:solidFill>
+        </p:spPr>
+        <p:style>
+          <a:lnRef idx="2">
+            <a:schemeClr val="accent1">
+              <a:shade val="50000"/>
+            </a:schemeClr>
+          </a:lnRef>
+          <a:fillRef idx="1">
+            <a:schemeClr val="accent1"/>
+          </a:fillRef>
+          <a:effectRef idx="0">
+            <a:schemeClr val="accent1"/>
+          </a:effectRef>
+          <a:fontRef idx="minor">
+            <a:schemeClr val="lt1"/>
+          </a:fontRef>
+        </p:style>
+        <p:txBody>
+          <a:bodyPr rtlCol="0" anchor="ctr"/>
+          <a:lstStyle/>
+          <a:p>
+            <a:pPr algn="ctr"/>
+            <a:endParaRPr lang="pt-BR"/>
+          </a:p>
+        </p:txBody>
+      </p:sp>
+      <p:pic>
+        <p:nvPicPr>
+          <p:cNvPr id="4" name="Imagem 3" descr="Logotipo&#10;&#10;Descrição gerada automaticamente">
+            <a:extLst>
+              <a:ext uri="{FF2B5EF4-FFF2-40B4-BE49-F238E27FC236}">
+                <a16:creationId xmlns:a16="http://schemas.microsoft.com/office/drawing/2014/main" id="{A8415950-AE8E-45C0-A2E5-D9B394DF621D}"/>
+              </a:ext>
+            </a:extLst>
+          </p:cNvPr>
+          <p:cNvPicPr>
+            <a:picLocks noChangeAspect="1"/>
+          </p:cNvPicPr>
+          <p:nvPr/>
+        </p:nvPicPr>
+        <p:blipFill>
+          <a:blip r:embed="rId2" cstate="print">
+            <a:extLst>
+              <a:ext uri="{28A0092B-C50C-407E-A947-70E740481C1C}">
+                <a14:useLocalDpi xmlns:a14="http://schemas.microsoft.com/office/drawing/2010/main" val="0"/>
+              </a:ext>
+            </a:extLst>
+          </a:blip>
+          <a:stretch>
+            <a:fillRect/>
+          </a:stretch>
+        </p:blipFill>
+        <p:spPr>
+          <a:xfrm>
+            <a:off x="196516" y="205083"/>
+            <a:ext cx="1106542" cy="1096089"/>
+          </a:xfrm>
+          <a:prstGeom prst="rect">
+            <a:avLst/>
+          </a:prstGeom>
+        </p:spPr>
+      </p:pic>
+      <p:sp>
+        <p:nvSpPr>
+          <p:cNvPr id="5" name="TextBox 4">
+            <a:extLst>
+              <a:ext uri="{FF2B5EF4-FFF2-40B4-BE49-F238E27FC236}">
+                <a16:creationId xmlns:a16="http://schemas.microsoft.com/office/drawing/2014/main" id="{751BADB0-5D73-43E9-9ABB-321766D8AE39}"/>
+              </a:ext>
+            </a:extLst>
+          </p:cNvPr>
+          <p:cNvSpPr txBox="1"/>
+          <p:nvPr/>
+        </p:nvSpPr>
+        <p:spPr>
+          <a:xfrm>
+            <a:off x="2167689" y="483268"/>
+            <a:ext cx="9310436" cy="707886"/>
+          </a:xfrm>
+          <a:prstGeom prst="rect">
+            <a:avLst/>
+          </a:prstGeom>
+          <a:noFill/>
+        </p:spPr>
+        <p:txBody>
+          <a:bodyPr rot="0" spcFirstLastPara="0" vertOverflow="overflow" horzOverflow="overflow" vert="horz" wrap="square" lIns="91440" tIns="45720" rIns="91440" bIns="45720" numCol="1" spcCol="0" rtlCol="0" fromWordArt="0" anchor="t" anchorCtr="0" forceAA="0" compatLnSpc="1">
+            <a:prstTxWarp prst="textNoShape">
+              <a:avLst/>
+            </a:prstTxWarp>
+            <a:spAutoFit/>
+          </a:bodyPr>
+          <a:lstStyle/>
+          <a:p>
+            <a:r>
+              <a:rPr lang="en-US" sz="4000">
+                <a:cs typeface="Calibri"/>
+              </a:rPr>
+              <a:t>3.3 - Fluxo de retirada de veículos</a:t>
+            </a:r>
+          </a:p>
+        </p:txBody>
+      </p:sp>
+      <p:pic>
+        <p:nvPicPr>
+          <p:cNvPr id="8" name="Picture 8" descr="Diagram&#10;&#10;Description automatically generated">
+            <a:extLst>
+              <a:ext uri="{FF2B5EF4-FFF2-40B4-BE49-F238E27FC236}">
+                <a16:creationId xmlns:a16="http://schemas.microsoft.com/office/drawing/2014/main" id="{1039AAE0-00A4-43B8-9209-8716554220A8}"/>
+              </a:ext>
+            </a:extLst>
+          </p:cNvPr>
+          <p:cNvPicPr>
+            <a:picLocks noChangeAspect="1"/>
+          </p:cNvPicPr>
+          <p:nvPr/>
+        </p:nvPicPr>
+        <p:blipFill>
+          <a:blip r:embed="rId3"/>
+          <a:stretch>
+            <a:fillRect/>
+          </a:stretch>
+        </p:blipFill>
+        <p:spPr>
+          <a:xfrm>
+            <a:off x="2914650" y="1095893"/>
+            <a:ext cx="7600950" cy="5628239"/>
+          </a:xfrm>
+          <a:prstGeom prst="rect">
+            <a:avLst/>
+          </a:prstGeom>
+        </p:spPr>
+      </p:pic>
+    </p:spTree>
+    <p:extLst>
+      <p:ext uri="{BB962C8B-B14F-4D97-AF65-F5344CB8AC3E}">
+        <p14:creationId xmlns:p14="http://schemas.microsoft.com/office/powerpoint/2010/main" val="90675956"/>
+      </p:ext>
+    </p:extLst>
+  </p:cSld>
+  <p:clrMapOvr>
+    <a:masterClrMapping/>
+  </p:clrMapOvr>
+</p:sld>
+</file>
+
+<file path=ppt/slides/slide9.xml><?xml version="1.0" encoding="utf-8"?>
+<p:sld xmlns:a="http://schemas.openxmlformats.org/drawingml/2006/main" xmlns:r="http://schemas.openxmlformats.org/officeDocument/2006/relationships" xmlns:p="http://schemas.openxmlformats.org/presentationml/2006/main">
+  <p:cSld>
+    <p:spTree>
+      <p:nvGrpSpPr>
+        <p:cNvPr id="1" name=""/>
+        <p:cNvGrpSpPr/>
+        <p:nvPr/>
+      </p:nvGrpSpPr>
+      <p:grpSpPr>
+        <a:xfrm>
+          <a:off x="0" y="0"/>
+          <a:ext cx="0" cy="0"/>
+          <a:chOff x="0" y="0"/>
+          <a:chExt cx="0" cy="0"/>
+        </a:xfrm>
+      </p:grpSpPr>
+      <p:sp>
+        <p:nvSpPr>
+          <p:cNvPr id="2" name="Espaço Reservado para Número de Slide 1">
+            <a:extLst>
+              <a:ext uri="{FF2B5EF4-FFF2-40B4-BE49-F238E27FC236}">
+                <a16:creationId xmlns:a16="http://schemas.microsoft.com/office/drawing/2014/main" id="{00A5C847-9B16-45BB-A00A-7493094466B1}"/>
+              </a:ext>
+            </a:extLst>
+          </p:cNvPr>
+          <p:cNvSpPr>
+            <a:spLocks noGrp="1"/>
+          </p:cNvSpPr>
+          <p:nvPr>
+            <p:ph type="sldNum" sz="quarter" idx="12"/>
+          </p:nvPr>
+        </p:nvSpPr>
+        <p:spPr/>
+        <p:txBody>
+          <a:bodyPr/>
+          <a:lstStyle/>
+          <a:p>
+            <a:fld id="{47797270-BFBB-4212-9FDA-8EE01FE91F8C}" type="slidenum">
+              <a:rPr lang="pt-BR" smtClean="0"/>
+              <a:t>9</a:t>
+            </a:fld>
+            <a:endParaRPr lang="pt-BR"/>
+          </a:p>
+        </p:txBody>
+      </p:sp>
+      <p:sp>
+        <p:nvSpPr>
+          <p:cNvPr id="7" name="Retângulo 6">
+            <a:extLst>
+              <a:ext uri="{FF2B5EF4-FFF2-40B4-BE49-F238E27FC236}">
+                <a16:creationId xmlns:a16="http://schemas.microsoft.com/office/drawing/2014/main" id="{C0911691-8E5D-4130-9DEF-B295AC8F85B1}"/>
+              </a:ext>
+            </a:extLst>
+          </p:cNvPr>
+          <p:cNvSpPr/>
+          <p:nvPr/>
+        </p:nvSpPr>
+        <p:spPr>
+          <a:xfrm>
+            <a:off x="-134911" y="0"/>
+            <a:ext cx="1758759" cy="6840036"/>
+          </a:xfrm>
+          <a:prstGeom prst="rect">
+            <a:avLst/>
+          </a:prstGeom>
+          <a:solidFill>
+            <a:srgbClr val="053566"/>
+          </a:solidFill>
+        </p:spPr>
+        <p:style>
+          <a:lnRef idx="2">
+            <a:schemeClr val="accent1">
+              <a:shade val="50000"/>
+            </a:schemeClr>
+          </a:lnRef>
+          <a:fillRef idx="1">
+            <a:schemeClr val="accent1"/>
+          </a:fillRef>
+          <a:effectRef idx="0">
+            <a:schemeClr val="accent1"/>
+          </a:effectRef>
+          <a:fontRef idx="minor">
+            <a:schemeClr val="lt1"/>
+          </a:fontRef>
+        </p:style>
+        <p:txBody>
+          <a:bodyPr rtlCol="0" anchor="ctr"/>
+          <a:lstStyle/>
+          <a:p>
+            <a:pPr algn="ctr"/>
+            <a:endParaRPr lang="pt-BR"/>
+          </a:p>
+        </p:txBody>
+      </p:sp>
+      <p:pic>
+        <p:nvPicPr>
+          <p:cNvPr id="4" name="Imagem 3" descr="Logotipo&#10;&#10;Descrição gerada automaticamente">
+            <a:extLst>
+              <a:ext uri="{FF2B5EF4-FFF2-40B4-BE49-F238E27FC236}">
+                <a16:creationId xmlns:a16="http://schemas.microsoft.com/office/drawing/2014/main" id="{A8415950-AE8E-45C0-A2E5-D9B394DF621D}"/>
+              </a:ext>
+            </a:extLst>
+          </p:cNvPr>
+          <p:cNvPicPr>
+            <a:picLocks noChangeAspect="1"/>
+          </p:cNvPicPr>
+          <p:nvPr/>
+        </p:nvPicPr>
+        <p:blipFill>
+          <a:blip r:embed="rId2" cstate="print">
+            <a:extLst>
+              <a:ext uri="{28A0092B-C50C-407E-A947-70E740481C1C}">
+                <a14:useLocalDpi xmlns:a14="http://schemas.microsoft.com/office/drawing/2010/main" val="0"/>
+              </a:ext>
+            </a:extLst>
+          </a:blip>
+          <a:stretch>
+            <a:fillRect/>
+          </a:stretch>
+        </p:blipFill>
+        <p:spPr>
+          <a:xfrm>
+            <a:off x="196516" y="205083"/>
+            <a:ext cx="1106542" cy="1096089"/>
+          </a:xfrm>
+          <a:prstGeom prst="rect">
+            <a:avLst/>
+          </a:prstGeom>
+        </p:spPr>
+      </p:pic>
+      <p:sp>
+        <p:nvSpPr>
+          <p:cNvPr id="5" name="TextBox 4">
+            <a:extLst>
+              <a:ext uri="{FF2B5EF4-FFF2-40B4-BE49-F238E27FC236}">
+                <a16:creationId xmlns:a16="http://schemas.microsoft.com/office/drawing/2014/main" id="{751BADB0-5D73-43E9-9ABB-321766D8AE39}"/>
+              </a:ext>
+            </a:extLst>
+          </p:cNvPr>
+          <p:cNvSpPr txBox="1"/>
+          <p:nvPr/>
+        </p:nvSpPr>
+        <p:spPr>
+          <a:xfrm>
+            <a:off x="2167689" y="483268"/>
+            <a:ext cx="9310436" cy="707886"/>
+          </a:xfrm>
+          <a:prstGeom prst="rect">
+            <a:avLst/>
+          </a:prstGeom>
+          <a:noFill/>
+        </p:spPr>
+        <p:txBody>
+          <a:bodyPr rot="0" spcFirstLastPara="0" vertOverflow="overflow" horzOverflow="overflow" vert="horz" wrap="square" lIns="91440" tIns="45720" rIns="91440" bIns="45720" numCol="1" spcCol="0" rtlCol="0" fromWordArt="0" anchor="t" anchorCtr="0" forceAA="0" compatLnSpc="1">
+            <a:prstTxWarp prst="textNoShape">
+              <a:avLst/>
+            </a:prstTxWarp>
+            <a:spAutoFit/>
+          </a:bodyPr>
+          <a:lstStyle/>
+          <a:p>
+            <a:r>
+              <a:rPr lang="en-US" sz="4000">
+                <a:cs typeface="Calibri"/>
+              </a:rPr>
+              <a:t>3.3 - Fluxo de devolução de veículos</a:t>
+            </a:r>
+          </a:p>
+        </p:txBody>
+      </p:sp>
+      <p:pic>
+        <p:nvPicPr>
+          <p:cNvPr id="3" name="Picture 7" descr="Diagram&#10;&#10;Description automatically generated">
+            <a:extLst>
+              <a:ext uri="{FF2B5EF4-FFF2-40B4-BE49-F238E27FC236}">
+                <a16:creationId xmlns:a16="http://schemas.microsoft.com/office/drawing/2014/main" id="{2A6095D7-7919-4577-9748-F971A662B4CE}"/>
+              </a:ext>
+            </a:extLst>
+          </p:cNvPr>
+          <p:cNvPicPr>
+            <a:picLocks noChangeAspect="1"/>
+          </p:cNvPicPr>
+          <p:nvPr/>
+        </p:nvPicPr>
+        <p:blipFill>
+          <a:blip r:embed="rId3"/>
+          <a:stretch>
+            <a:fillRect/>
+          </a:stretch>
+        </p:blipFill>
+        <p:spPr>
+          <a:xfrm>
+            <a:off x="2105025" y="2494730"/>
+            <a:ext cx="9153525" cy="2925814"/>
+          </a:xfrm>
+          <a:prstGeom prst="rect">
+            <a:avLst/>
+          </a:prstGeom>
+        </p:spPr>
+      </p:pic>
+    </p:spTree>
+    <p:extLst>
+      <p:ext uri="{BB962C8B-B14F-4D97-AF65-F5344CB8AC3E}">
+        <p14:creationId xmlns:p14="http://schemas.microsoft.com/office/powerpoint/2010/main" val="3999866499"/>
       </p:ext>
     </p:extLst>
   </p:cSld>

--- a/ppt/PGPARQ01C1-2N-P1 - Arquitetura de Software.pptx
+++ b/ppt/PGPARQ01C1-2N-P1 - Arquitetura de Software.pptx
@@ -5,7 +5,7 @@
     <p:sldMasterId id="2147483738" r:id="rId1"/>
   </p:sldMasterIdLst>
   <p:notesMasterIdLst>
-    <p:notesMasterId r:id="rId20"/>
+    <p:notesMasterId r:id="rId23"/>
   </p:notesMasterIdLst>
   <p:sldIdLst>
     <p:sldId id="256" r:id="rId2"/>
@@ -21,11 +21,14 @@
     <p:sldId id="295" r:id="rId12"/>
     <p:sldId id="296" r:id="rId13"/>
     <p:sldId id="297" r:id="rId14"/>
-    <p:sldId id="290" r:id="rId15"/>
-    <p:sldId id="300" r:id="rId16"/>
-    <p:sldId id="301" r:id="rId17"/>
-    <p:sldId id="291" r:id="rId18"/>
-    <p:sldId id="292" r:id="rId19"/>
+    <p:sldId id="302" r:id="rId15"/>
+    <p:sldId id="290" r:id="rId16"/>
+    <p:sldId id="303" r:id="rId17"/>
+    <p:sldId id="304" r:id="rId18"/>
+    <p:sldId id="300" r:id="rId19"/>
+    <p:sldId id="301" r:id="rId20"/>
+    <p:sldId id="291" r:id="rId21"/>
+    <p:sldId id="292" r:id="rId22"/>
   </p:sldIdLst>
   <p:sldSz cx="12192000" cy="6858000"/>
   <p:notesSz cx="7104063" cy="10234613"/>
@@ -139,967 +142,14 @@
     <p1510:client id="{4977DD9D-EA69-4843-8034-71706C86C333}" v="6" dt="2021-03-25T00:56:34.840"/>
     <p1510:client id="{4EE39FDC-CAEA-3DB8-3E04-1CFADB30E36B}" v="43" dt="2021-03-25T23:46:37.432"/>
     <p1510:client id="{5B6186B0-7081-49D5-8340-A849E98161A3}" v="41" dt="2021-04-01T01:03:56.084"/>
-    <p1510:client id="{7BAE0262-C88C-40B0-BFA5-F2698D7FE8E4}" v="167" dt="2021-04-04T23:12:00.725"/>
+    <p1510:client id="{7BAE0262-C88C-40B0-BFA5-F2698D7FE8E4}" v="254" dt="2021-04-05T00:30:55.105"/>
     <p1510:client id="{A33AB79F-0080-0000-A601-74A67EDE26F0}" v="17" dt="2021-03-23T23:50:29.607"/>
+    <p1510:client id="{BEDFD529-80C9-475A-319A-02F5B0BA6186}" v="203" dt="2021-04-05T00:48:35.673"/>
     <p1510:client id="{F0707D82-BC8A-2371-448F-4451FCBB9D26}" v="4" dt="2021-03-25T23:45:53.978"/>
     <p1510:client id="{F1671F70-D6D8-F201-53D1-861BBCD45610}" v="1185" dt="2021-03-25T01:54:21.650"/>
     <p1510:client id="{FA7F1767-3B46-84DA-72AB-F84CEE8D6F8A}" v="5" dt="2021-03-25T00:54:07.138"/>
   </p1510:revLst>
 </p1510:revInfo>
-</file>
-
-<file path=ppt/changesInfos/changesInfo1.xml><?xml version="1.0" encoding="utf-8"?>
-<pc:chgInfo xmlns:a="http://schemas.openxmlformats.org/drawingml/2006/main" xmlns:r="http://schemas.openxmlformats.org/officeDocument/2006/relationships" xmlns:ac="http://schemas.microsoft.com/office/drawing/2013/main/command" xmlns:pc="http://schemas.microsoft.com/office/powerpoint/2013/main/command">
-  <pc:docChgLst>
-    <pc:chgData name="Felipe Pimentel Augusto" userId="S::felipe.augusto@al.infnet.edu.br::971e80a8-d807-4b15-b541-2b289748ef42" providerId="AD" clId="Web-{4EE39FDC-CAEA-3DB8-3E04-1CFADB30E36B}"/>
-    <pc:docChg chg="delSld modSld">
-      <pc:chgData name="Felipe Pimentel Augusto" userId="S::felipe.augusto@al.infnet.edu.br::971e80a8-d807-4b15-b541-2b289748ef42" providerId="AD" clId="Web-{4EE39FDC-CAEA-3DB8-3E04-1CFADB30E36B}" dt="2021-03-25T23:46:37.432" v="35" actId="1076"/>
-      <pc:docMkLst>
-        <pc:docMk/>
-      </pc:docMkLst>
-      <pc:sldChg chg="del">
-        <pc:chgData name="Felipe Pimentel Augusto" userId="S::felipe.augusto@al.infnet.edu.br::971e80a8-d807-4b15-b541-2b289748ef42" providerId="AD" clId="Web-{4EE39FDC-CAEA-3DB8-3E04-1CFADB30E36B}" dt="2021-03-25T23:41:34.112" v="1"/>
-        <pc:sldMkLst>
-          <pc:docMk/>
-          <pc:sldMk cId="4064229715" sldId="289"/>
-        </pc:sldMkLst>
-      </pc:sldChg>
-      <pc:sldChg chg="del">
-        <pc:chgData name="Felipe Pimentel Augusto" userId="S::felipe.augusto@al.infnet.edu.br::971e80a8-d807-4b15-b541-2b289748ef42" providerId="AD" clId="Web-{4EE39FDC-CAEA-3DB8-3E04-1CFADB30E36B}" dt="2021-03-25T23:41:27.736" v="0"/>
-        <pc:sldMkLst>
-          <pc:docMk/>
-          <pc:sldMk cId="1244966846" sldId="294"/>
-        </pc:sldMkLst>
-      </pc:sldChg>
-      <pc:sldChg chg="addSp delSp modSp">
-        <pc:chgData name="Felipe Pimentel Augusto" userId="S::felipe.augusto@al.infnet.edu.br::971e80a8-d807-4b15-b541-2b289748ef42" providerId="AD" clId="Web-{4EE39FDC-CAEA-3DB8-3E04-1CFADB30E36B}" dt="2021-03-25T23:46:37.432" v="35" actId="1076"/>
-        <pc:sldMkLst>
-          <pc:docMk/>
-          <pc:sldMk cId="3173208299" sldId="295"/>
-        </pc:sldMkLst>
-        <pc:spChg chg="add del mod">
-          <ac:chgData name="Felipe Pimentel Augusto" userId="S::felipe.augusto@al.infnet.edu.br::971e80a8-d807-4b15-b541-2b289748ef42" providerId="AD" clId="Web-{4EE39FDC-CAEA-3DB8-3E04-1CFADB30E36B}" dt="2021-03-25T23:46:06.384" v="24"/>
-          <ac:spMkLst>
-            <pc:docMk/>
-            <pc:sldMk cId="3173208299" sldId="295"/>
-            <ac:spMk id="9" creationId="{D8BD5754-FFAD-49EE-9662-6D28C12F9E2E}"/>
-          </ac:spMkLst>
-        </pc:spChg>
-        <pc:spChg chg="add del mod">
-          <ac:chgData name="Felipe Pimentel Augusto" userId="S::felipe.augusto@al.infnet.edu.br::971e80a8-d807-4b15-b541-2b289748ef42" providerId="AD" clId="Web-{4EE39FDC-CAEA-3DB8-3E04-1CFADB30E36B}" dt="2021-03-25T23:46:33.073" v="34"/>
-          <ac:spMkLst>
-            <pc:docMk/>
-            <pc:sldMk cId="3173208299" sldId="295"/>
-            <ac:spMk id="10" creationId="{138D74A6-3540-4187-970B-AF777BD6CF66}"/>
-          </ac:spMkLst>
-        </pc:spChg>
-        <pc:picChg chg="mod">
-          <ac:chgData name="Felipe Pimentel Augusto" userId="S::felipe.augusto@al.infnet.edu.br::971e80a8-d807-4b15-b541-2b289748ef42" providerId="AD" clId="Web-{4EE39FDC-CAEA-3DB8-3E04-1CFADB30E36B}" dt="2021-03-25T23:46:37.432" v="35" actId="1076"/>
-          <ac:picMkLst>
-            <pc:docMk/>
-            <pc:sldMk cId="3173208299" sldId="295"/>
-            <ac:picMk id="6" creationId="{ABC56352-2CCF-4552-AF40-7827E1BF3722}"/>
-          </ac:picMkLst>
-        </pc:picChg>
-        <pc:picChg chg="add del mod">
-          <ac:chgData name="Felipe Pimentel Augusto" userId="S::felipe.augusto@al.infnet.edu.br::971e80a8-d807-4b15-b541-2b289748ef42" providerId="AD" clId="Web-{4EE39FDC-CAEA-3DB8-3E04-1CFADB30E36B}" dt="2021-03-25T23:46:14.963" v="27" actId="1076"/>
-          <ac:picMkLst>
-            <pc:docMk/>
-            <pc:sldMk cId="3173208299" sldId="295"/>
-            <ac:picMk id="8" creationId="{AB7DC138-DF0D-42C0-9BB5-8623EBF1CABB}"/>
-          </ac:picMkLst>
-        </pc:picChg>
-      </pc:sldChg>
-    </pc:docChg>
-  </pc:docChgLst>
-  <pc:docChgLst>
-    <pc:chgData name="Rodrigo Germano Da Silva" userId="S::rodrigo.germanos@al.infnet.edu.br::8b0db1b5-67c8-45df-9e21-6398c0430ca9" providerId="AD" clId="Web-{7BAE0262-C88C-40B0-BFA5-F2698D7FE8E4}"/>
-    <pc:docChg chg="addSld delSld modSld">
-      <pc:chgData name="Rodrigo Germano Da Silva" userId="S::rodrigo.germanos@al.infnet.edu.br::8b0db1b5-67c8-45df-9e21-6398c0430ca9" providerId="AD" clId="Web-{7BAE0262-C88C-40B0-BFA5-F2698D7FE8E4}" dt="2021-04-04T23:12:00.725" v="124" actId="1076"/>
-      <pc:docMkLst>
-        <pc:docMk/>
-      </pc:docMkLst>
-      <pc:sldChg chg="modSp">
-        <pc:chgData name="Rodrigo Germano Da Silva" userId="S::rodrigo.germanos@al.infnet.edu.br::8b0db1b5-67c8-45df-9e21-6398c0430ca9" providerId="AD" clId="Web-{7BAE0262-C88C-40B0-BFA5-F2698D7FE8E4}" dt="2021-04-04T23:09:44.514" v="115" actId="20577"/>
-        <pc:sldMkLst>
-          <pc:docMk/>
-          <pc:sldMk cId="2117840401" sldId="267"/>
-        </pc:sldMkLst>
-        <pc:spChg chg="mod">
-          <ac:chgData name="Rodrigo Germano Da Silva" userId="S::rodrigo.germanos@al.infnet.edu.br::8b0db1b5-67c8-45df-9e21-6398c0430ca9" providerId="AD" clId="Web-{7BAE0262-C88C-40B0-BFA5-F2698D7FE8E4}" dt="2021-04-04T23:09:44.514" v="115" actId="20577"/>
-          <ac:spMkLst>
-            <pc:docMk/>
-            <pc:sldMk cId="2117840401" sldId="267"/>
-            <ac:spMk id="5" creationId="{751BADB0-5D73-43E9-9ABB-321766D8AE39}"/>
-          </ac:spMkLst>
-        </pc:spChg>
-      </pc:sldChg>
-      <pc:sldChg chg="addSp modSp">
-        <pc:chgData name="Rodrigo Germano Da Silva" userId="S::rodrigo.germanos@al.infnet.edu.br::8b0db1b5-67c8-45df-9e21-6398c0430ca9" providerId="AD" clId="Web-{7BAE0262-C88C-40B0-BFA5-F2698D7FE8E4}" dt="2021-04-04T22:53:07.738" v="52" actId="1076"/>
-        <pc:sldMkLst>
-          <pc:docMk/>
-          <pc:sldMk cId="3296025950" sldId="285"/>
-        </pc:sldMkLst>
-        <pc:picChg chg="add mod">
-          <ac:chgData name="Rodrigo Germano Da Silva" userId="S::rodrigo.germanos@al.infnet.edu.br::8b0db1b5-67c8-45df-9e21-6398c0430ca9" providerId="AD" clId="Web-{7BAE0262-C88C-40B0-BFA5-F2698D7FE8E4}" dt="2021-04-04T22:52:02.407" v="40" actId="1076"/>
-          <ac:picMkLst>
-            <pc:docMk/>
-            <pc:sldMk cId="3296025950" sldId="285"/>
-            <ac:picMk id="3" creationId="{31B248D4-2F91-4016-8BC4-6ACE3A446CD9}"/>
-          </ac:picMkLst>
-        </pc:picChg>
-        <pc:picChg chg="add mod">
-          <ac:chgData name="Rodrigo Germano Da Silva" userId="S::rodrigo.germanos@al.infnet.edu.br::8b0db1b5-67c8-45df-9e21-6398c0430ca9" providerId="AD" clId="Web-{7BAE0262-C88C-40B0-BFA5-F2698D7FE8E4}" dt="2021-04-04T22:52:59.597" v="49" actId="1076"/>
-          <ac:picMkLst>
-            <pc:docMk/>
-            <pc:sldMk cId="3296025950" sldId="285"/>
-            <ac:picMk id="6" creationId="{5382D199-8F50-47B9-B196-1441FB3D15A8}"/>
-          </ac:picMkLst>
-        </pc:picChg>
-        <pc:picChg chg="add mod">
-          <ac:chgData name="Rodrigo Germano Da Silva" userId="S::rodrigo.germanos@al.infnet.edu.br::8b0db1b5-67c8-45df-9e21-6398c0430ca9" providerId="AD" clId="Web-{7BAE0262-C88C-40B0-BFA5-F2698D7FE8E4}" dt="2021-04-04T22:52:02.422" v="41" actId="1076"/>
-          <ac:picMkLst>
-            <pc:docMk/>
-            <pc:sldMk cId="3296025950" sldId="285"/>
-            <ac:picMk id="8" creationId="{9C1BF2D2-FC9C-4BBA-9047-9B2715375AEF}"/>
-          </ac:picMkLst>
-        </pc:picChg>
-        <pc:picChg chg="add mod">
-          <ac:chgData name="Rodrigo Germano Da Silva" userId="S::rodrigo.germanos@al.infnet.edu.br::8b0db1b5-67c8-45df-9e21-6398c0430ca9" providerId="AD" clId="Web-{7BAE0262-C88C-40B0-BFA5-F2698D7FE8E4}" dt="2021-04-04T22:53:07.738" v="52" actId="1076"/>
-          <ac:picMkLst>
-            <pc:docMk/>
-            <pc:sldMk cId="3296025950" sldId="285"/>
-            <ac:picMk id="9" creationId="{0D1207E3-63EF-4FB0-A274-6D9E1B38BFDD}"/>
-          </ac:picMkLst>
-        </pc:picChg>
-      </pc:sldChg>
-      <pc:sldChg chg="modSp">
-        <pc:chgData name="Rodrigo Germano Da Silva" userId="S::rodrigo.germanos@al.infnet.edu.br::8b0db1b5-67c8-45df-9e21-6398c0430ca9" providerId="AD" clId="Web-{7BAE0262-C88C-40B0-BFA5-F2698D7FE8E4}" dt="2021-04-04T23:08:41.698" v="107" actId="20577"/>
-        <pc:sldMkLst>
-          <pc:docMk/>
-          <pc:sldMk cId="1989630067" sldId="290"/>
-        </pc:sldMkLst>
-        <pc:spChg chg="mod">
-          <ac:chgData name="Rodrigo Germano Da Silva" userId="S::rodrigo.germanos@al.infnet.edu.br::8b0db1b5-67c8-45df-9e21-6398c0430ca9" providerId="AD" clId="Web-{7BAE0262-C88C-40B0-BFA5-F2698D7FE8E4}" dt="2021-04-04T23:08:41.698" v="107" actId="20577"/>
-          <ac:spMkLst>
-            <pc:docMk/>
-            <pc:sldMk cId="1989630067" sldId="290"/>
-            <ac:spMk id="5" creationId="{751BADB0-5D73-43E9-9ABB-321766D8AE39}"/>
-          </ac:spMkLst>
-        </pc:spChg>
-      </pc:sldChg>
-      <pc:sldChg chg="modSp">
-        <pc:chgData name="Rodrigo Germano Da Silva" userId="S::rodrigo.germanos@al.infnet.edu.br::8b0db1b5-67c8-45df-9e21-6398c0430ca9" providerId="AD" clId="Web-{7BAE0262-C88C-40B0-BFA5-F2698D7FE8E4}" dt="2021-04-04T23:01:36.658" v="83" actId="20577"/>
-        <pc:sldMkLst>
-          <pc:docMk/>
-          <pc:sldMk cId="3173208299" sldId="295"/>
-        </pc:sldMkLst>
-        <pc:spChg chg="mod">
-          <ac:chgData name="Rodrigo Germano Da Silva" userId="S::rodrigo.germanos@al.infnet.edu.br::8b0db1b5-67c8-45df-9e21-6398c0430ca9" providerId="AD" clId="Web-{7BAE0262-C88C-40B0-BFA5-F2698D7FE8E4}" dt="2021-04-04T23:01:36.658" v="83" actId="20577"/>
-          <ac:spMkLst>
-            <pc:docMk/>
-            <pc:sldMk cId="3173208299" sldId="295"/>
-            <ac:spMk id="5" creationId="{751BADB0-5D73-43E9-9ABB-321766D8AE39}"/>
-          </ac:spMkLst>
-        </pc:spChg>
-      </pc:sldChg>
-      <pc:sldChg chg="modSp">
-        <pc:chgData name="Rodrigo Germano Da Silva" userId="S::rodrigo.germanos@al.infnet.edu.br::8b0db1b5-67c8-45df-9e21-6398c0430ca9" providerId="AD" clId="Web-{7BAE0262-C88C-40B0-BFA5-F2698D7FE8E4}" dt="2021-04-04T23:01:39.986" v="84" actId="20577"/>
-        <pc:sldMkLst>
-          <pc:docMk/>
-          <pc:sldMk cId="2498489773" sldId="296"/>
-        </pc:sldMkLst>
-        <pc:spChg chg="mod">
-          <ac:chgData name="Rodrigo Germano Da Silva" userId="S::rodrigo.germanos@al.infnet.edu.br::8b0db1b5-67c8-45df-9e21-6398c0430ca9" providerId="AD" clId="Web-{7BAE0262-C88C-40B0-BFA5-F2698D7FE8E4}" dt="2021-04-04T23:01:39.986" v="84" actId="20577"/>
-          <ac:spMkLst>
-            <pc:docMk/>
-            <pc:sldMk cId="2498489773" sldId="296"/>
-            <ac:spMk id="5" creationId="{751BADB0-5D73-43E9-9ABB-321766D8AE39}"/>
-          </ac:spMkLst>
-        </pc:spChg>
-      </pc:sldChg>
-      <pc:sldChg chg="modSp">
-        <pc:chgData name="Rodrigo Germano Da Silva" userId="S::rodrigo.germanos@al.infnet.edu.br::8b0db1b5-67c8-45df-9e21-6398c0430ca9" providerId="AD" clId="Web-{7BAE0262-C88C-40B0-BFA5-F2698D7FE8E4}" dt="2021-04-04T23:01:44.518" v="85" actId="20577"/>
-        <pc:sldMkLst>
-          <pc:docMk/>
-          <pc:sldMk cId="3493888325" sldId="297"/>
-        </pc:sldMkLst>
-        <pc:spChg chg="mod">
-          <ac:chgData name="Rodrigo Germano Da Silva" userId="S::rodrigo.germanos@al.infnet.edu.br::8b0db1b5-67c8-45df-9e21-6398c0430ca9" providerId="AD" clId="Web-{7BAE0262-C88C-40B0-BFA5-F2698D7FE8E4}" dt="2021-04-04T23:01:44.518" v="85" actId="20577"/>
-          <ac:spMkLst>
-            <pc:docMk/>
-            <pc:sldMk cId="3493888325" sldId="297"/>
-            <ac:spMk id="5" creationId="{751BADB0-5D73-43E9-9ABB-321766D8AE39}"/>
-          </ac:spMkLst>
-        </pc:spChg>
-      </pc:sldChg>
-      <pc:sldChg chg="add del replId">
-        <pc:chgData name="Rodrigo Germano Da Silva" userId="S::rodrigo.germanos@al.infnet.edu.br::8b0db1b5-67c8-45df-9e21-6398c0430ca9" providerId="AD" clId="Web-{7BAE0262-C88C-40B0-BFA5-F2698D7FE8E4}" dt="2021-04-04T22:53:26.771" v="53"/>
-        <pc:sldMkLst>
-          <pc:docMk/>
-          <pc:sldMk cId="107083055" sldId="298"/>
-        </pc:sldMkLst>
-      </pc:sldChg>
-      <pc:sldChg chg="addSp delSp modSp add replId">
-        <pc:chgData name="Rodrigo Germano Da Silva" userId="S::rodrigo.germanos@al.infnet.edu.br::8b0db1b5-67c8-45df-9e21-6398c0430ca9" providerId="AD" clId="Web-{7BAE0262-C88C-40B0-BFA5-F2698D7FE8E4}" dt="2021-04-04T22:56:02.764" v="79" actId="1076"/>
-        <pc:sldMkLst>
-          <pc:docMk/>
-          <pc:sldMk cId="3217926180" sldId="298"/>
-        </pc:sldMkLst>
-        <pc:picChg chg="del">
-          <ac:chgData name="Rodrigo Germano Da Silva" userId="S::rodrigo.germanos@al.infnet.edu.br::8b0db1b5-67c8-45df-9e21-6398c0430ca9" providerId="AD" clId="Web-{7BAE0262-C88C-40B0-BFA5-F2698D7FE8E4}" dt="2021-04-04T22:53:58.476" v="60"/>
-          <ac:picMkLst>
-            <pc:docMk/>
-            <pc:sldMk cId="3217926180" sldId="298"/>
-            <ac:picMk id="3" creationId="{31B248D4-2F91-4016-8BC4-6ACE3A446CD9}"/>
-          </ac:picMkLst>
-        </pc:picChg>
-        <pc:picChg chg="del">
-          <ac:chgData name="Rodrigo Germano Da Silva" userId="S::rodrigo.germanos@al.infnet.edu.br::8b0db1b5-67c8-45df-9e21-6398c0430ca9" providerId="AD" clId="Web-{7BAE0262-C88C-40B0-BFA5-F2698D7FE8E4}" dt="2021-04-04T22:54:33.712" v="67"/>
-          <ac:picMkLst>
-            <pc:docMk/>
-            <pc:sldMk cId="3217926180" sldId="298"/>
-            <ac:picMk id="6" creationId="{5382D199-8F50-47B9-B196-1441FB3D15A8}"/>
-          </ac:picMkLst>
-        </pc:picChg>
-        <pc:picChg chg="del">
-          <ac:chgData name="Rodrigo Germano Da Silva" userId="S::rodrigo.germanos@al.infnet.edu.br::8b0db1b5-67c8-45df-9e21-6398c0430ca9" providerId="AD" clId="Web-{7BAE0262-C88C-40B0-BFA5-F2698D7FE8E4}" dt="2021-04-04T22:54:47.197" v="71"/>
-          <ac:picMkLst>
-            <pc:docMk/>
-            <pc:sldMk cId="3217926180" sldId="298"/>
-            <ac:picMk id="8" creationId="{9C1BF2D2-FC9C-4BBA-9047-9B2715375AEF}"/>
-          </ac:picMkLst>
-        </pc:picChg>
-        <pc:picChg chg="del">
-          <ac:chgData name="Rodrigo Germano Da Silva" userId="S::rodrigo.germanos@al.infnet.edu.br::8b0db1b5-67c8-45df-9e21-6398c0430ca9" providerId="AD" clId="Web-{7BAE0262-C88C-40B0-BFA5-F2698D7FE8E4}" dt="2021-04-04T22:54:47.947" v="72"/>
-          <ac:picMkLst>
-            <pc:docMk/>
-            <pc:sldMk cId="3217926180" sldId="298"/>
-            <ac:picMk id="9" creationId="{0D1207E3-63EF-4FB0-A274-6D9E1B38BFDD}"/>
-          </ac:picMkLst>
-        </pc:picChg>
-        <pc:picChg chg="add mod ord">
-          <ac:chgData name="Rodrigo Germano Da Silva" userId="S::rodrigo.germanos@al.infnet.edu.br::8b0db1b5-67c8-45df-9e21-6398c0430ca9" providerId="AD" clId="Web-{7BAE0262-C88C-40B0-BFA5-F2698D7FE8E4}" dt="2021-04-04T22:53:53.757" v="59"/>
-          <ac:picMkLst>
-            <pc:docMk/>
-            <pc:sldMk cId="3217926180" sldId="298"/>
-            <ac:picMk id="10" creationId="{C1C978F9-4B36-4471-8EE0-C0E8A2E2D384}"/>
-          </ac:picMkLst>
-        </pc:picChg>
-        <pc:picChg chg="add mod ord">
-          <ac:chgData name="Rodrigo Germano Da Silva" userId="S::rodrigo.germanos@al.infnet.edu.br::8b0db1b5-67c8-45df-9e21-6398c0430ca9" providerId="AD" clId="Web-{7BAE0262-C88C-40B0-BFA5-F2698D7FE8E4}" dt="2021-04-04T22:54:54.198" v="76" actId="1076"/>
-          <ac:picMkLst>
-            <pc:docMk/>
-            <pc:sldMk cId="3217926180" sldId="298"/>
-            <ac:picMk id="11" creationId="{10C51801-AB1F-4D5D-B42A-DA48C83D4DB7}"/>
-          </ac:picMkLst>
-        </pc:picChg>
-        <pc:picChg chg="add mod">
-          <ac:chgData name="Rodrigo Germano Da Silva" userId="S::rodrigo.germanos@al.infnet.edu.br::8b0db1b5-67c8-45df-9e21-6398c0430ca9" providerId="AD" clId="Web-{7BAE0262-C88C-40B0-BFA5-F2698D7FE8E4}" dt="2021-04-04T22:56:02.764" v="79" actId="1076"/>
-          <ac:picMkLst>
-            <pc:docMk/>
-            <pc:sldMk cId="3217926180" sldId="298"/>
-            <ac:picMk id="12" creationId="{E1355076-B8A2-4AC8-B6B9-07291649B613}"/>
-          </ac:picMkLst>
-        </pc:picChg>
-      </pc:sldChg>
-      <pc:sldChg chg="addSp delSp modSp add replId">
-        <pc:chgData name="Rodrigo Germano Da Silva" userId="S::rodrigo.germanos@al.infnet.edu.br::8b0db1b5-67c8-45df-9e21-6398c0430ca9" providerId="AD" clId="Web-{7BAE0262-C88C-40B0-BFA5-F2698D7FE8E4}" dt="2021-04-04T23:02:33.724" v="93" actId="1076"/>
-        <pc:sldMkLst>
-          <pc:docMk/>
-          <pc:sldMk cId="1024525223" sldId="299"/>
-        </pc:sldMkLst>
-        <pc:spChg chg="mod">
-          <ac:chgData name="Rodrigo Germano Da Silva" userId="S::rodrigo.germanos@al.infnet.edu.br::8b0db1b5-67c8-45df-9e21-6398c0430ca9" providerId="AD" clId="Web-{7BAE0262-C88C-40B0-BFA5-F2698D7FE8E4}" dt="2021-04-04T23:01:57.284" v="88" actId="20577"/>
-          <ac:spMkLst>
-            <pc:docMk/>
-            <pc:sldMk cId="1024525223" sldId="299"/>
-            <ac:spMk id="5" creationId="{751BADB0-5D73-43E9-9ABB-321766D8AE39}"/>
-          </ac:spMkLst>
-        </pc:spChg>
-        <pc:picChg chg="del">
-          <ac:chgData name="Rodrigo Germano Da Silva" userId="S::rodrigo.germanos@al.infnet.edu.br::8b0db1b5-67c8-45df-9e21-6398c0430ca9" providerId="AD" clId="Web-{7BAE0262-C88C-40B0-BFA5-F2698D7FE8E4}" dt="2021-04-04T23:01:58.675" v="89"/>
-          <ac:picMkLst>
-            <pc:docMk/>
-            <pc:sldMk cId="1024525223" sldId="299"/>
-            <ac:picMk id="3" creationId="{2A6095D7-7919-4577-9748-F971A662B4CE}"/>
-          </ac:picMkLst>
-        </pc:picChg>
-        <pc:picChg chg="add mod">
-          <ac:chgData name="Rodrigo Germano Da Silva" userId="S::rodrigo.germanos@al.infnet.edu.br::8b0db1b5-67c8-45df-9e21-6398c0430ca9" providerId="AD" clId="Web-{7BAE0262-C88C-40B0-BFA5-F2698D7FE8E4}" dt="2021-04-04T23:02:33.724" v="93" actId="1076"/>
-          <ac:picMkLst>
-            <pc:docMk/>
-            <pc:sldMk cId="1024525223" sldId="299"/>
-            <ac:picMk id="6" creationId="{5F325229-59D5-4A86-A01B-951BDDCEF999}"/>
-          </ac:picMkLst>
-        </pc:picChg>
-      </pc:sldChg>
-      <pc:sldChg chg="modSp add replId">
-        <pc:chgData name="Rodrigo Germano Da Silva" userId="S::rodrigo.germanos@al.infnet.edu.br::8b0db1b5-67c8-45df-9e21-6398c0430ca9" providerId="AD" clId="Web-{7BAE0262-C88C-40B0-BFA5-F2698D7FE8E4}" dt="2021-04-04T23:10:15.032" v="117" actId="20577"/>
-        <pc:sldMkLst>
-          <pc:docMk/>
-          <pc:sldMk cId="122286710" sldId="300"/>
-        </pc:sldMkLst>
-        <pc:spChg chg="mod">
-          <ac:chgData name="Rodrigo Germano Da Silva" userId="S::rodrigo.germanos@al.infnet.edu.br::8b0db1b5-67c8-45df-9e21-6398c0430ca9" providerId="AD" clId="Web-{7BAE0262-C88C-40B0-BFA5-F2698D7FE8E4}" dt="2021-04-04T23:10:15.032" v="117" actId="20577"/>
-          <ac:spMkLst>
-            <pc:docMk/>
-            <pc:sldMk cId="122286710" sldId="300"/>
-            <ac:spMk id="5" creationId="{751BADB0-5D73-43E9-9ABB-321766D8AE39}"/>
-          </ac:spMkLst>
-        </pc:spChg>
-      </pc:sldChg>
-      <pc:sldChg chg="addSp modSp add replId">
-        <pc:chgData name="Rodrigo Germano Da Silva" userId="S::rodrigo.germanos@al.infnet.edu.br::8b0db1b5-67c8-45df-9e21-6398c0430ca9" providerId="AD" clId="Web-{7BAE0262-C88C-40B0-BFA5-F2698D7FE8E4}" dt="2021-04-04T23:12:00.725" v="124" actId="1076"/>
-        <pc:sldMkLst>
-          <pc:docMk/>
-          <pc:sldMk cId="541333889" sldId="301"/>
-        </pc:sldMkLst>
-        <pc:spChg chg="mod">
-          <ac:chgData name="Rodrigo Germano Da Silva" userId="S::rodrigo.germanos@al.infnet.edu.br::8b0db1b5-67c8-45df-9e21-6398c0430ca9" providerId="AD" clId="Web-{7BAE0262-C88C-40B0-BFA5-F2698D7FE8E4}" dt="2021-04-04T23:10:20.797" v="119" actId="20577"/>
-          <ac:spMkLst>
-            <pc:docMk/>
-            <pc:sldMk cId="541333889" sldId="301"/>
-            <ac:spMk id="5" creationId="{751BADB0-5D73-43E9-9ABB-321766D8AE39}"/>
-          </ac:spMkLst>
-        </pc:spChg>
-        <pc:picChg chg="add mod">
-          <ac:chgData name="Rodrigo Germano Da Silva" userId="S::rodrigo.germanos@al.infnet.edu.br::8b0db1b5-67c8-45df-9e21-6398c0430ca9" providerId="AD" clId="Web-{7BAE0262-C88C-40B0-BFA5-F2698D7FE8E4}" dt="2021-04-04T23:12:00.725" v="124" actId="1076"/>
-          <ac:picMkLst>
-            <pc:docMk/>
-            <pc:sldMk cId="541333889" sldId="301"/>
-            <ac:picMk id="3" creationId="{B35E9272-4ADA-42A4-887A-FC3950232D19}"/>
-          </ac:picMkLst>
-        </pc:picChg>
-      </pc:sldChg>
-    </pc:docChg>
-  </pc:docChgLst>
-  <pc:docChgLst>
-    <pc:chgData name="Rodrigo Germano Da Silva" userId="S::rodrigo.germanos@al.infnet.edu.br::8b0db1b5-67c8-45df-9e21-6398c0430ca9" providerId="AD" clId="Web-{F0707D82-BC8A-2371-448F-4451FCBB9D26}"/>
-    <pc:docChg chg="modSld">
-      <pc:chgData name="Rodrigo Germano Da Silva" userId="S::rodrigo.germanos@al.infnet.edu.br::8b0db1b5-67c8-45df-9e21-6398c0430ca9" providerId="AD" clId="Web-{F0707D82-BC8A-2371-448F-4451FCBB9D26}" dt="2021-03-25T23:45:53.978" v="2"/>
-      <pc:docMkLst>
-        <pc:docMk/>
-      </pc:docMkLst>
-      <pc:sldChg chg="addSp delSp modSp">
-        <pc:chgData name="Rodrigo Germano Da Silva" userId="S::rodrigo.germanos@al.infnet.edu.br::8b0db1b5-67c8-45df-9e21-6398c0430ca9" providerId="AD" clId="Web-{F0707D82-BC8A-2371-448F-4451FCBB9D26}" dt="2021-03-25T23:45:53.978" v="2"/>
-        <pc:sldMkLst>
-          <pc:docMk/>
-          <pc:sldMk cId="3173208299" sldId="295"/>
-        </pc:sldMkLst>
-        <pc:picChg chg="add del mod">
-          <ac:chgData name="Rodrigo Germano Da Silva" userId="S::rodrigo.germanos@al.infnet.edu.br::8b0db1b5-67c8-45df-9e21-6398c0430ca9" providerId="AD" clId="Web-{F0707D82-BC8A-2371-448F-4451FCBB9D26}" dt="2021-03-25T23:45:53.978" v="2"/>
-          <ac:picMkLst>
-            <pc:docMk/>
-            <pc:sldMk cId="3173208299" sldId="295"/>
-            <ac:picMk id="9" creationId="{886918F1-8E54-4331-95B6-6E1038DCFD36}"/>
-          </ac:picMkLst>
-        </pc:picChg>
-      </pc:sldChg>
-    </pc:docChg>
-  </pc:docChgLst>
-  <pc:docChgLst>
-    <pc:chgData name="Felipe Pimentel Augusto" userId="S::felipe.augusto@al.infnet.edu.br::971e80a8-d807-4b15-b541-2b289748ef42" providerId="AD" clId="Web-{3CF7EB51-8AB0-3267-7FDE-E37FE84FACB6}"/>
-    <pc:docChg chg="addSld delSld modSld sldOrd">
-      <pc:chgData name="Felipe Pimentel Augusto" userId="S::felipe.augusto@al.infnet.edu.br::971e80a8-d807-4b15-b541-2b289748ef42" providerId="AD" clId="Web-{3CF7EB51-8AB0-3267-7FDE-E37FE84FACB6}" dt="2021-03-23T23:58:26.395" v="338"/>
-      <pc:docMkLst>
-        <pc:docMk/>
-      </pc:docMkLst>
-      <pc:sldChg chg="modSp">
-        <pc:chgData name="Felipe Pimentel Augusto" userId="S::felipe.augusto@al.infnet.edu.br::971e80a8-d807-4b15-b541-2b289748ef42" providerId="AD" clId="Web-{3CF7EB51-8AB0-3267-7FDE-E37FE84FACB6}" dt="2021-03-23T23:50:13.799" v="44" actId="20577"/>
-        <pc:sldMkLst>
-          <pc:docMk/>
-          <pc:sldMk cId="1071933082" sldId="256"/>
-        </pc:sldMkLst>
-        <pc:spChg chg="mod">
-          <ac:chgData name="Felipe Pimentel Augusto" userId="S::felipe.augusto@al.infnet.edu.br::971e80a8-d807-4b15-b541-2b289748ef42" providerId="AD" clId="Web-{3CF7EB51-8AB0-3267-7FDE-E37FE84FACB6}" dt="2021-03-23T23:50:13.799" v="44" actId="20577"/>
-          <ac:spMkLst>
-            <pc:docMk/>
-            <pc:sldMk cId="1071933082" sldId="256"/>
-            <ac:spMk id="3" creationId="{00000000-0000-0000-0000-000000000000}"/>
-          </ac:spMkLst>
-        </pc:spChg>
-        <pc:spChg chg="mod">
-          <ac:chgData name="Felipe Pimentel Augusto" userId="S::felipe.augusto@al.infnet.edu.br::971e80a8-d807-4b15-b541-2b289748ef42" providerId="AD" clId="Web-{3CF7EB51-8AB0-3267-7FDE-E37FE84FACB6}" dt="2021-03-23T23:48:51.466" v="18" actId="20577"/>
-          <ac:spMkLst>
-            <pc:docMk/>
-            <pc:sldMk cId="1071933082" sldId="256"/>
-            <ac:spMk id="5" creationId="{00000000-0000-0000-0000-000000000000}"/>
-          </ac:spMkLst>
-        </pc:spChg>
-      </pc:sldChg>
-      <pc:sldChg chg="del">
-        <pc:chgData name="Felipe Pimentel Augusto" userId="S::felipe.augusto@al.infnet.edu.br::971e80a8-d807-4b15-b541-2b289748ef42" providerId="AD" clId="Web-{3CF7EB51-8AB0-3267-7FDE-E37FE84FACB6}" dt="2021-03-23T23:58:26.395" v="338"/>
-        <pc:sldMkLst>
-          <pc:docMk/>
-          <pc:sldMk cId="2477862328" sldId="266"/>
-        </pc:sldMkLst>
-      </pc:sldChg>
-      <pc:sldChg chg="addSp delSp modSp">
-        <pc:chgData name="Felipe Pimentel Augusto" userId="S::felipe.augusto@al.infnet.edu.br::971e80a8-d807-4b15-b541-2b289748ef42" providerId="AD" clId="Web-{3CF7EB51-8AB0-3267-7FDE-E37FE84FACB6}" dt="2021-03-23T23:55:16.913" v="252" actId="20577"/>
-        <pc:sldMkLst>
-          <pc:docMk/>
-          <pc:sldMk cId="2117840401" sldId="267"/>
-        </pc:sldMkLst>
-        <pc:spChg chg="del mod">
-          <ac:chgData name="Felipe Pimentel Augusto" userId="S::felipe.augusto@al.infnet.edu.br::971e80a8-d807-4b15-b541-2b289748ef42" providerId="AD" clId="Web-{3CF7EB51-8AB0-3267-7FDE-E37FE84FACB6}" dt="2021-03-23T23:50:27.238" v="47"/>
-          <ac:spMkLst>
-            <pc:docMk/>
-            <pc:sldMk cId="2117840401" sldId="267"/>
-            <ac:spMk id="3" creationId="{5404738F-943C-4AB3-AF9B-E750C450BA5B}"/>
-          </ac:spMkLst>
-        </pc:spChg>
-        <pc:spChg chg="add mod">
-          <ac:chgData name="Felipe Pimentel Augusto" userId="S::felipe.augusto@al.infnet.edu.br::971e80a8-d807-4b15-b541-2b289748ef42" providerId="AD" clId="Web-{3CF7EB51-8AB0-3267-7FDE-E37FE84FACB6}" dt="2021-03-23T23:55:16.913" v="252" actId="20577"/>
-          <ac:spMkLst>
-            <pc:docMk/>
-            <pc:sldMk cId="2117840401" sldId="267"/>
-            <ac:spMk id="5" creationId="{751BADB0-5D73-43E9-9ABB-321766D8AE39}"/>
-          </ac:spMkLst>
-        </pc:spChg>
-      </pc:sldChg>
-      <pc:sldChg chg="del">
-        <pc:chgData name="Felipe Pimentel Augusto" userId="S::felipe.augusto@al.infnet.edu.br::971e80a8-d807-4b15-b541-2b289748ef42" providerId="AD" clId="Web-{3CF7EB51-8AB0-3267-7FDE-E37FE84FACB6}" dt="2021-03-23T23:55:18.898" v="253"/>
-        <pc:sldMkLst>
-          <pc:docMk/>
-          <pc:sldMk cId="254477450" sldId="268"/>
-        </pc:sldMkLst>
-      </pc:sldChg>
-      <pc:sldChg chg="del">
-        <pc:chgData name="Felipe Pimentel Augusto" userId="S::felipe.augusto@al.infnet.edu.br::971e80a8-d807-4b15-b541-2b289748ef42" providerId="AD" clId="Web-{3CF7EB51-8AB0-3267-7FDE-E37FE84FACB6}" dt="2021-03-23T23:57:48.048" v="328"/>
-        <pc:sldMkLst>
-          <pc:docMk/>
-          <pc:sldMk cId="4247562050" sldId="283"/>
-        </pc:sldMkLst>
-      </pc:sldChg>
-      <pc:sldChg chg="modSp add replId">
-        <pc:chgData name="Felipe Pimentel Augusto" userId="S::felipe.augusto@al.infnet.edu.br::971e80a8-d807-4b15-b541-2b289748ef42" providerId="AD" clId="Web-{3CF7EB51-8AB0-3267-7FDE-E37FE84FACB6}" dt="2021-03-23T23:55:37.899" v="268" actId="20577"/>
-        <pc:sldMkLst>
-          <pc:docMk/>
-          <pc:sldMk cId="3085343870" sldId="284"/>
-        </pc:sldMkLst>
-        <pc:spChg chg="mod">
-          <ac:chgData name="Felipe Pimentel Augusto" userId="S::felipe.augusto@al.infnet.edu.br::971e80a8-d807-4b15-b541-2b289748ef42" providerId="AD" clId="Web-{3CF7EB51-8AB0-3267-7FDE-E37FE84FACB6}" dt="2021-03-23T23:55:37.899" v="268" actId="20577"/>
-          <ac:spMkLst>
-            <pc:docMk/>
-            <pc:sldMk cId="3085343870" sldId="284"/>
-            <ac:spMk id="5" creationId="{751BADB0-5D73-43E9-9ABB-321766D8AE39}"/>
-          </ac:spMkLst>
-        </pc:spChg>
-      </pc:sldChg>
-      <pc:sldChg chg="modSp add replId">
-        <pc:chgData name="Felipe Pimentel Augusto" userId="S::felipe.augusto@al.infnet.edu.br::971e80a8-d807-4b15-b541-2b289748ef42" providerId="AD" clId="Web-{3CF7EB51-8AB0-3267-7FDE-E37FE84FACB6}" dt="2021-03-23T23:55:58.307" v="272" actId="20577"/>
-        <pc:sldMkLst>
-          <pc:docMk/>
-          <pc:sldMk cId="3296025950" sldId="285"/>
-        </pc:sldMkLst>
-        <pc:spChg chg="mod">
-          <ac:chgData name="Felipe Pimentel Augusto" userId="S::felipe.augusto@al.infnet.edu.br::971e80a8-d807-4b15-b541-2b289748ef42" providerId="AD" clId="Web-{3CF7EB51-8AB0-3267-7FDE-E37FE84FACB6}" dt="2021-03-23T23:55:58.307" v="272" actId="20577"/>
-          <ac:spMkLst>
-            <pc:docMk/>
-            <pc:sldMk cId="3296025950" sldId="285"/>
-            <ac:spMk id="5" creationId="{751BADB0-5D73-43E9-9ABB-321766D8AE39}"/>
-          </ac:spMkLst>
-        </pc:spChg>
-      </pc:sldChg>
-      <pc:sldChg chg="modSp add replId">
-        <pc:chgData name="Felipe Pimentel Augusto" userId="S::felipe.augusto@al.infnet.edu.br::971e80a8-d807-4b15-b541-2b289748ef42" providerId="AD" clId="Web-{3CF7EB51-8AB0-3267-7FDE-E37FE84FACB6}" dt="2021-03-23T23:56:26.746" v="279" actId="20577"/>
-        <pc:sldMkLst>
-          <pc:docMk/>
-          <pc:sldMk cId="1889809419" sldId="286"/>
-        </pc:sldMkLst>
-        <pc:spChg chg="mod">
-          <ac:chgData name="Felipe Pimentel Augusto" userId="S::felipe.augusto@al.infnet.edu.br::971e80a8-d807-4b15-b541-2b289748ef42" providerId="AD" clId="Web-{3CF7EB51-8AB0-3267-7FDE-E37FE84FACB6}" dt="2021-03-23T23:56:26.746" v="279" actId="20577"/>
-          <ac:spMkLst>
-            <pc:docMk/>
-            <pc:sldMk cId="1889809419" sldId="286"/>
-            <ac:spMk id="5" creationId="{751BADB0-5D73-43E9-9ABB-321766D8AE39}"/>
-          </ac:spMkLst>
-        </pc:spChg>
-      </pc:sldChg>
-      <pc:sldChg chg="modSp add replId">
-        <pc:chgData name="Felipe Pimentel Augusto" userId="S::felipe.augusto@al.infnet.edu.br::971e80a8-d807-4b15-b541-2b289748ef42" providerId="AD" clId="Web-{3CF7EB51-8AB0-3267-7FDE-E37FE84FACB6}" dt="2021-03-23T23:56:47.419" v="295" actId="20577"/>
-        <pc:sldMkLst>
-          <pc:docMk/>
-          <pc:sldMk cId="1111943198" sldId="287"/>
-        </pc:sldMkLst>
-        <pc:spChg chg="mod">
-          <ac:chgData name="Felipe Pimentel Augusto" userId="S::felipe.augusto@al.infnet.edu.br::971e80a8-d807-4b15-b541-2b289748ef42" providerId="AD" clId="Web-{3CF7EB51-8AB0-3267-7FDE-E37FE84FACB6}" dt="2021-03-23T23:56:47.419" v="295" actId="20577"/>
-          <ac:spMkLst>
-            <pc:docMk/>
-            <pc:sldMk cId="1111943198" sldId="287"/>
-            <ac:spMk id="5" creationId="{751BADB0-5D73-43E9-9ABB-321766D8AE39}"/>
-          </ac:spMkLst>
-        </pc:spChg>
-      </pc:sldChg>
-      <pc:sldChg chg="modSp add replId">
-        <pc:chgData name="Felipe Pimentel Augusto" userId="S::felipe.augusto@al.infnet.edu.br::971e80a8-d807-4b15-b541-2b289748ef42" providerId="AD" clId="Web-{3CF7EB51-8AB0-3267-7FDE-E37FE84FACB6}" dt="2021-03-23T23:56:54.998" v="305" actId="20577"/>
-        <pc:sldMkLst>
-          <pc:docMk/>
-          <pc:sldMk cId="90675956" sldId="288"/>
-        </pc:sldMkLst>
-        <pc:spChg chg="mod">
-          <ac:chgData name="Felipe Pimentel Augusto" userId="S::felipe.augusto@al.infnet.edu.br::971e80a8-d807-4b15-b541-2b289748ef42" providerId="AD" clId="Web-{3CF7EB51-8AB0-3267-7FDE-E37FE84FACB6}" dt="2021-03-23T23:56:54.998" v="305" actId="20577"/>
-          <ac:spMkLst>
-            <pc:docMk/>
-            <pc:sldMk cId="90675956" sldId="288"/>
-            <ac:spMk id="5" creationId="{751BADB0-5D73-43E9-9ABB-321766D8AE39}"/>
-          </ac:spMkLst>
-        </pc:spChg>
-      </pc:sldChg>
-      <pc:sldChg chg="modSp add replId">
-        <pc:chgData name="Felipe Pimentel Augusto" userId="S::felipe.augusto@al.infnet.edu.br::971e80a8-d807-4b15-b541-2b289748ef42" providerId="AD" clId="Web-{3CF7EB51-8AB0-3267-7FDE-E37FE84FACB6}" dt="2021-03-23T23:57:13.593" v="315" actId="20577"/>
-        <pc:sldMkLst>
-          <pc:docMk/>
-          <pc:sldMk cId="4064229715" sldId="289"/>
-        </pc:sldMkLst>
-        <pc:spChg chg="mod">
-          <ac:chgData name="Felipe Pimentel Augusto" userId="S::felipe.augusto@al.infnet.edu.br::971e80a8-d807-4b15-b541-2b289748ef42" providerId="AD" clId="Web-{3CF7EB51-8AB0-3267-7FDE-E37FE84FACB6}" dt="2021-03-23T23:57:13.593" v="315" actId="20577"/>
-          <ac:spMkLst>
-            <pc:docMk/>
-            <pc:sldMk cId="4064229715" sldId="289"/>
-            <ac:spMk id="5" creationId="{751BADB0-5D73-43E9-9ABB-321766D8AE39}"/>
-          </ac:spMkLst>
-        </pc:spChg>
-      </pc:sldChg>
-      <pc:sldChg chg="modSp add replId">
-        <pc:chgData name="Felipe Pimentel Augusto" userId="S::felipe.augusto@al.infnet.edu.br::971e80a8-d807-4b15-b541-2b289748ef42" providerId="AD" clId="Web-{3CF7EB51-8AB0-3267-7FDE-E37FE84FACB6}" dt="2021-03-23T23:57:22.703" v="318" actId="20577"/>
-        <pc:sldMkLst>
-          <pc:docMk/>
-          <pc:sldMk cId="1989630067" sldId="290"/>
-        </pc:sldMkLst>
-        <pc:spChg chg="mod">
-          <ac:chgData name="Felipe Pimentel Augusto" userId="S::felipe.augusto@al.infnet.edu.br::971e80a8-d807-4b15-b541-2b289748ef42" providerId="AD" clId="Web-{3CF7EB51-8AB0-3267-7FDE-E37FE84FACB6}" dt="2021-03-23T23:57:22.703" v="318" actId="20577"/>
-          <ac:spMkLst>
-            <pc:docMk/>
-            <pc:sldMk cId="1989630067" sldId="290"/>
-            <ac:spMk id="5" creationId="{751BADB0-5D73-43E9-9ABB-321766D8AE39}"/>
-          </ac:spMkLst>
-        </pc:spChg>
-      </pc:sldChg>
-      <pc:sldChg chg="modSp add replId">
-        <pc:chgData name="Felipe Pimentel Augusto" userId="S::felipe.augusto@al.infnet.edu.br::971e80a8-d807-4b15-b541-2b289748ef42" providerId="AD" clId="Web-{3CF7EB51-8AB0-3267-7FDE-E37FE84FACB6}" dt="2021-03-23T23:57:42.392" v="327" actId="20577"/>
-        <pc:sldMkLst>
-          <pc:docMk/>
-          <pc:sldMk cId="2004314188" sldId="291"/>
-        </pc:sldMkLst>
-        <pc:spChg chg="mod">
-          <ac:chgData name="Felipe Pimentel Augusto" userId="S::felipe.augusto@al.infnet.edu.br::971e80a8-d807-4b15-b541-2b289748ef42" providerId="AD" clId="Web-{3CF7EB51-8AB0-3267-7FDE-E37FE84FACB6}" dt="2021-03-23T23:57:42.392" v="327" actId="20577"/>
-          <ac:spMkLst>
-            <pc:docMk/>
-            <pc:sldMk cId="2004314188" sldId="291"/>
-            <ac:spMk id="5" creationId="{751BADB0-5D73-43E9-9ABB-321766D8AE39}"/>
-          </ac:spMkLst>
-        </pc:spChg>
-      </pc:sldChg>
-      <pc:sldChg chg="modSp add ord replId">
-        <pc:chgData name="Felipe Pimentel Augusto" userId="S::felipe.augusto@al.infnet.edu.br::971e80a8-d807-4b15-b541-2b289748ef42" providerId="AD" clId="Web-{3CF7EB51-8AB0-3267-7FDE-E37FE84FACB6}" dt="2021-03-23T23:58:23.379" v="337" actId="20577"/>
-        <pc:sldMkLst>
-          <pc:docMk/>
-          <pc:sldMk cId="892426542" sldId="292"/>
-        </pc:sldMkLst>
-        <pc:spChg chg="mod">
-          <ac:chgData name="Felipe Pimentel Augusto" userId="S::felipe.augusto@al.infnet.edu.br::971e80a8-d807-4b15-b541-2b289748ef42" providerId="AD" clId="Web-{3CF7EB51-8AB0-3267-7FDE-E37FE84FACB6}" dt="2021-03-23T23:58:23.379" v="337" actId="20577"/>
-          <ac:spMkLst>
-            <pc:docMk/>
-            <pc:sldMk cId="892426542" sldId="292"/>
-            <ac:spMk id="3" creationId="{00000000-0000-0000-0000-000000000000}"/>
-          </ac:spMkLst>
-        </pc:spChg>
-      </pc:sldChg>
-    </pc:docChg>
-  </pc:docChgLst>
-  <pc:docChgLst>
-    <pc:chgData name="Rodrigo Germano Da Silva" userId="S::rodrigo.germanos@al.infnet.edu.br::8b0db1b5-67c8-45df-9e21-6398c0430ca9" providerId="AD" clId="Web-{A33AB79F-0080-0000-A601-74A67EDE26F0}"/>
-    <pc:docChg chg="delSld modSld">
-      <pc:chgData name="Rodrigo Germano Da Silva" userId="S::rodrigo.germanos@al.infnet.edu.br::8b0db1b5-67c8-45df-9e21-6398c0430ca9" providerId="AD" clId="Web-{A33AB79F-0080-0000-A601-74A67EDE26F0}" dt="2021-03-23T23:50:29.607" v="9"/>
-      <pc:docMkLst>
-        <pc:docMk/>
-      </pc:docMkLst>
-      <pc:sldChg chg="modSp">
-        <pc:chgData name="Rodrigo Germano Da Silva" userId="S::rodrigo.germanos@al.infnet.edu.br::8b0db1b5-67c8-45df-9e21-6398c0430ca9" providerId="AD" clId="Web-{A33AB79F-0080-0000-A601-74A67EDE26F0}" dt="2021-03-23T23:49:05.839" v="2" actId="20577"/>
-        <pc:sldMkLst>
-          <pc:docMk/>
-          <pc:sldMk cId="1071933082" sldId="256"/>
-        </pc:sldMkLst>
-        <pc:spChg chg="mod">
-          <ac:chgData name="Rodrigo Germano Da Silva" userId="S::rodrigo.germanos@al.infnet.edu.br::8b0db1b5-67c8-45df-9e21-6398c0430ca9" providerId="AD" clId="Web-{A33AB79F-0080-0000-A601-74A67EDE26F0}" dt="2021-03-23T23:49:05.839" v="2" actId="20577"/>
-          <ac:spMkLst>
-            <pc:docMk/>
-            <pc:sldMk cId="1071933082" sldId="256"/>
-            <ac:spMk id="3" creationId="{00000000-0000-0000-0000-000000000000}"/>
-          </ac:spMkLst>
-        </pc:spChg>
-      </pc:sldChg>
-      <pc:sldChg chg="del">
-        <pc:chgData name="Rodrigo Germano Da Silva" userId="S::rodrigo.germanos@al.infnet.edu.br::8b0db1b5-67c8-45df-9e21-6398c0430ca9" providerId="AD" clId="Web-{A33AB79F-0080-0000-A601-74A67EDE26F0}" dt="2021-03-23T23:50:08.575" v="3"/>
-        <pc:sldMkLst>
-          <pc:docMk/>
-          <pc:sldMk cId="3587709532" sldId="265"/>
-        </pc:sldMkLst>
-      </pc:sldChg>
-      <pc:sldChg chg="addSp delSp modSp">
-        <pc:chgData name="Rodrigo Germano Da Silva" userId="S::rodrigo.germanos@al.infnet.edu.br::8b0db1b5-67c8-45df-9e21-6398c0430ca9" providerId="AD" clId="Web-{A33AB79F-0080-0000-A601-74A67EDE26F0}" dt="2021-03-23T23:50:29.607" v="9"/>
-        <pc:sldMkLst>
-          <pc:docMk/>
-          <pc:sldMk cId="2117840401" sldId="267"/>
-        </pc:sldMkLst>
-        <pc:spChg chg="del">
-          <ac:chgData name="Rodrigo Germano Da Silva" userId="S::rodrigo.germanos@al.infnet.edu.br::8b0db1b5-67c8-45df-9e21-6398c0430ca9" providerId="AD" clId="Web-{A33AB79F-0080-0000-A601-74A67EDE26F0}" dt="2021-03-23T23:50:29.607" v="9"/>
-          <ac:spMkLst>
-            <pc:docMk/>
-            <pc:sldMk cId="2117840401" sldId="267"/>
-            <ac:spMk id="6" creationId="{7DFC81C4-0BCB-446A-9E86-0B96208D9DD6}"/>
-          </ac:spMkLst>
-        </pc:spChg>
-        <pc:picChg chg="add mod">
-          <ac:chgData name="Rodrigo Germano Da Silva" userId="S::rodrigo.germanos@al.infnet.edu.br::8b0db1b5-67c8-45df-9e21-6398c0430ca9" providerId="AD" clId="Web-{A33AB79F-0080-0000-A601-74A67EDE26F0}" dt="2021-03-23T23:50:24.560" v="8" actId="1076"/>
-          <ac:picMkLst>
-            <pc:docMk/>
-            <pc:sldMk cId="2117840401" sldId="267"/>
-            <ac:picMk id="4" creationId="{A8415950-AE8E-45C0-A2E5-D9B394DF621D}"/>
-          </ac:picMkLst>
-        </pc:picChg>
-        <pc:picChg chg="del">
-          <ac:chgData name="Rodrigo Germano Da Silva" userId="S::rodrigo.germanos@al.infnet.edu.br::8b0db1b5-67c8-45df-9e21-6398c0430ca9" providerId="AD" clId="Web-{A33AB79F-0080-0000-A601-74A67EDE26F0}" dt="2021-03-23T23:50:11.810" v="4"/>
-          <ac:picMkLst>
-            <pc:docMk/>
-            <pc:sldMk cId="2117840401" sldId="267"/>
-            <ac:picMk id="8" creationId="{62E14833-CD39-4D90-AC72-75DBFD97B785}"/>
-          </ac:picMkLst>
-        </pc:picChg>
-      </pc:sldChg>
-    </pc:docChg>
-  </pc:docChgLst>
-  <pc:docChgLst>
-    <pc:chgData name="Rodrigo Germano Da Silva" userId="S::rodrigo.germanos@al.infnet.edu.br::8b0db1b5-67c8-45df-9e21-6398c0430ca9" providerId="AD" clId="Web-{5B6186B0-7081-49D5-8340-A849E98161A3}"/>
-    <pc:docChg chg="addSld modSld">
-      <pc:chgData name="Rodrigo Germano Da Silva" userId="S::rodrigo.germanos@al.infnet.edu.br::8b0db1b5-67c8-45df-9e21-6398c0430ca9" providerId="AD" clId="Web-{5B6186B0-7081-49D5-8340-A849E98161A3}" dt="2021-04-01T01:03:56.084" v="27"/>
-      <pc:docMkLst>
-        <pc:docMk/>
-      </pc:docMkLst>
-      <pc:sldChg chg="addSp delSp modSp add replId">
-        <pc:chgData name="Rodrigo Germano Da Silva" userId="S::rodrigo.germanos@al.infnet.edu.br::8b0db1b5-67c8-45df-9e21-6398c0430ca9" providerId="AD" clId="Web-{5B6186B0-7081-49D5-8340-A849E98161A3}" dt="2021-04-01T01:03:14.661" v="19" actId="1076"/>
-        <pc:sldMkLst>
-          <pc:docMk/>
-          <pc:sldMk cId="2498489773" sldId="296"/>
-        </pc:sldMkLst>
-        <pc:spChg chg="mod">
-          <ac:chgData name="Rodrigo Germano Da Silva" userId="S::rodrigo.germanos@al.infnet.edu.br::8b0db1b5-67c8-45df-9e21-6398c0430ca9" providerId="AD" clId="Web-{5B6186B0-7081-49D5-8340-A849E98161A3}" dt="2021-03-31T22:30:04.678" v="7" actId="20577"/>
-          <ac:spMkLst>
-            <pc:docMk/>
-            <pc:sldMk cId="2498489773" sldId="296"/>
-            <ac:spMk id="5" creationId="{751BADB0-5D73-43E9-9ABB-321766D8AE39}"/>
-          </ac:spMkLst>
-        </pc:spChg>
-        <pc:picChg chg="add mod ord">
-          <ac:chgData name="Rodrigo Germano Da Silva" userId="S::rodrigo.germanos@al.infnet.edu.br::8b0db1b5-67c8-45df-9e21-6398c0430ca9" providerId="AD" clId="Web-{5B6186B0-7081-49D5-8340-A849E98161A3}" dt="2021-04-01T01:03:14.661" v="19" actId="1076"/>
-          <ac:picMkLst>
-            <pc:docMk/>
-            <pc:sldMk cId="2498489773" sldId="296"/>
-            <ac:picMk id="3" creationId="{E93F4318-EE41-4453-B35C-0CEE8CAD8470}"/>
-          </ac:picMkLst>
-        </pc:picChg>
-        <pc:picChg chg="del">
-          <ac:chgData name="Rodrigo Germano Da Silva" userId="S::rodrigo.germanos@al.infnet.edu.br::8b0db1b5-67c8-45df-9e21-6398c0430ca9" providerId="AD" clId="Web-{5B6186B0-7081-49D5-8340-A849E98161A3}" dt="2021-03-31T22:29:48.303" v="1"/>
-          <ac:picMkLst>
-            <pc:docMk/>
-            <pc:sldMk cId="2498489773" sldId="296"/>
-            <ac:picMk id="3" creationId="{F61E806B-DB67-4104-9C65-6450A8F11989}"/>
-          </ac:picMkLst>
-        </pc:picChg>
-        <pc:picChg chg="del">
-          <ac:chgData name="Rodrigo Germano Da Silva" userId="S::rodrigo.germanos@al.infnet.edu.br::8b0db1b5-67c8-45df-9e21-6398c0430ca9" providerId="AD" clId="Web-{5B6186B0-7081-49D5-8340-A849E98161A3}" dt="2021-03-31T22:29:56.225" v="5"/>
-          <ac:picMkLst>
-            <pc:docMk/>
-            <pc:sldMk cId="2498489773" sldId="296"/>
-            <ac:picMk id="6" creationId="{ABC56352-2CCF-4552-AF40-7827E1BF3722}"/>
-          </ac:picMkLst>
-        </pc:picChg>
-        <pc:picChg chg="del">
-          <ac:chgData name="Rodrigo Germano Da Silva" userId="S::rodrigo.germanos@al.infnet.edu.br::8b0db1b5-67c8-45df-9e21-6398c0430ca9" providerId="AD" clId="Web-{5B6186B0-7081-49D5-8340-A849E98161A3}" dt="2021-03-31T22:29:56.600" v="6"/>
-          <ac:picMkLst>
-            <pc:docMk/>
-            <pc:sldMk cId="2498489773" sldId="296"/>
-            <ac:picMk id="8" creationId="{AB7DC138-DF0D-42C0-9BB5-8623EBF1CABB}"/>
-          </ac:picMkLst>
-        </pc:picChg>
-        <pc:picChg chg="add del mod">
-          <ac:chgData name="Rodrigo Germano Da Silva" userId="S::rodrigo.germanos@al.infnet.edu.br::8b0db1b5-67c8-45df-9e21-6398c0430ca9" providerId="AD" clId="Web-{5B6186B0-7081-49D5-8340-A849E98161A3}" dt="2021-04-01T01:02:56.349" v="12"/>
-          <ac:picMkLst>
-            <pc:docMk/>
-            <pc:sldMk cId="2498489773" sldId="296"/>
-            <ac:picMk id="9" creationId="{4B403958-D7E9-41E5-ADAE-860A8CA9DDED}"/>
-          </ac:picMkLst>
-        </pc:picChg>
-      </pc:sldChg>
-      <pc:sldChg chg="addSp delSp modSp add replId">
-        <pc:chgData name="Rodrigo Germano Da Silva" userId="S::rodrigo.germanos@al.infnet.edu.br::8b0db1b5-67c8-45df-9e21-6398c0430ca9" providerId="AD" clId="Web-{5B6186B0-7081-49D5-8340-A849E98161A3}" dt="2021-04-01T01:03:56.084" v="27"/>
-        <pc:sldMkLst>
-          <pc:docMk/>
-          <pc:sldMk cId="3493888325" sldId="297"/>
-        </pc:sldMkLst>
-        <pc:spChg chg="mod">
-          <ac:chgData name="Rodrigo Germano Da Silva" userId="S::rodrigo.germanos@al.infnet.edu.br::8b0db1b5-67c8-45df-9e21-6398c0430ca9" providerId="AD" clId="Web-{5B6186B0-7081-49D5-8340-A849E98161A3}" dt="2021-04-01T01:03:24.896" v="23" actId="20577"/>
-          <ac:spMkLst>
-            <pc:docMk/>
-            <pc:sldMk cId="3493888325" sldId="297"/>
-            <ac:spMk id="5" creationId="{751BADB0-5D73-43E9-9ABB-321766D8AE39}"/>
-          </ac:spMkLst>
-        </pc:spChg>
-        <pc:picChg chg="del">
-          <ac:chgData name="Rodrigo Germano Da Silva" userId="S::rodrigo.germanos@al.infnet.edu.br::8b0db1b5-67c8-45df-9e21-6398c0430ca9" providerId="AD" clId="Web-{5B6186B0-7081-49D5-8340-A849E98161A3}" dt="2021-04-01T01:03:22.208" v="21"/>
-          <ac:picMkLst>
-            <pc:docMk/>
-            <pc:sldMk cId="3493888325" sldId="297"/>
-            <ac:picMk id="3" creationId="{E93F4318-EE41-4453-B35C-0CEE8CAD8470}"/>
-          </ac:picMkLst>
-        </pc:picChg>
-        <pc:picChg chg="add mod ord">
-          <ac:chgData name="Rodrigo Germano Da Silva" userId="S::rodrigo.germanos@al.infnet.edu.br::8b0db1b5-67c8-45df-9e21-6398c0430ca9" providerId="AD" clId="Web-{5B6186B0-7081-49D5-8340-A849E98161A3}" dt="2021-04-01T01:03:56.084" v="27"/>
-          <ac:picMkLst>
-            <pc:docMk/>
-            <pc:sldMk cId="3493888325" sldId="297"/>
-            <ac:picMk id="6" creationId="{CBECF66A-9EDF-45D2-B012-9A1FC4626388}"/>
-          </ac:picMkLst>
-        </pc:picChg>
-      </pc:sldChg>
-    </pc:docChg>
-  </pc:docChgLst>
-  <pc:docChgLst>
-    <pc:chgData name="Rodrigo Germano Da Silva" userId="S::rodrigo.germanos@al.infnet.edu.br::8b0db1b5-67c8-45df-9e21-6398c0430ca9" providerId="AD" clId="Web-{4977DD9D-EA69-4843-8034-71706C86C333}"/>
-    <pc:docChg chg="modSld">
-      <pc:chgData name="Rodrigo Germano Da Silva" userId="S::rodrigo.germanos@al.infnet.edu.br::8b0db1b5-67c8-45df-9e21-6398c0430ca9" providerId="AD" clId="Web-{4977DD9D-EA69-4843-8034-71706C86C333}" dt="2021-03-25T00:56:34.433" v="4" actId="1076"/>
-      <pc:docMkLst>
-        <pc:docMk/>
-      </pc:docMkLst>
-      <pc:sldChg chg="addSp delSp modSp">
-        <pc:chgData name="Rodrigo Germano Da Silva" userId="S::rodrigo.germanos@al.infnet.edu.br::8b0db1b5-67c8-45df-9e21-6398c0430ca9" providerId="AD" clId="Web-{4977DD9D-EA69-4843-8034-71706C86C333}" dt="2021-03-25T00:56:34.433" v="4" actId="1076"/>
-        <pc:sldMkLst>
-          <pc:docMk/>
-          <pc:sldMk cId="1889809419" sldId="286"/>
-        </pc:sldMkLst>
-        <pc:picChg chg="del">
-          <ac:chgData name="Rodrigo Germano Da Silva" userId="S::rodrigo.germanos@al.infnet.edu.br::8b0db1b5-67c8-45df-9e21-6398c0430ca9" providerId="AD" clId="Web-{4977DD9D-EA69-4843-8034-71706C86C333}" dt="2021-03-25T00:56:24.793" v="0"/>
-          <ac:picMkLst>
-            <pc:docMk/>
-            <pc:sldMk cId="1889809419" sldId="286"/>
-            <ac:picMk id="3" creationId="{62DFA0C4-8D08-470A-938C-875BA8C428BC}"/>
-          </ac:picMkLst>
-        </pc:picChg>
-        <pc:picChg chg="add mod">
-          <ac:chgData name="Rodrigo Germano Da Silva" userId="S::rodrigo.germanos@al.infnet.edu.br::8b0db1b5-67c8-45df-9e21-6398c0430ca9" providerId="AD" clId="Web-{4977DD9D-EA69-4843-8034-71706C86C333}" dt="2021-03-25T00:56:34.433" v="4" actId="1076"/>
-          <ac:picMkLst>
-            <pc:docMk/>
-            <pc:sldMk cId="1889809419" sldId="286"/>
-            <ac:picMk id="6" creationId="{B1929BA4-230C-4795-9D5F-7988AABBAA0D}"/>
-          </ac:picMkLst>
-        </pc:picChg>
-      </pc:sldChg>
-    </pc:docChg>
-  </pc:docChgLst>
-  <pc:docChgLst>
-    <pc:chgData name="Felipe Pimentel Augusto" userId="S::felipe.augusto@al.infnet.edu.br::971e80a8-d807-4b15-b541-2b289748ef42" providerId="AD" clId="Web-{FA7F1767-3B46-84DA-72AB-F84CEE8D6F8A}"/>
-    <pc:docChg chg="modSld">
-      <pc:chgData name="Felipe Pimentel Augusto" userId="S::felipe.augusto@al.infnet.edu.br::971e80a8-d807-4b15-b541-2b289748ef42" providerId="AD" clId="Web-{FA7F1767-3B46-84DA-72AB-F84CEE8D6F8A}" dt="2021-03-25T00:54:07.138" v="3" actId="1076"/>
-      <pc:docMkLst>
-        <pc:docMk/>
-      </pc:docMkLst>
-      <pc:sldChg chg="addSp modSp">
-        <pc:chgData name="Felipe Pimentel Augusto" userId="S::felipe.augusto@al.infnet.edu.br::971e80a8-d807-4b15-b541-2b289748ef42" providerId="AD" clId="Web-{FA7F1767-3B46-84DA-72AB-F84CEE8D6F8A}" dt="2021-03-25T00:54:07.138" v="3" actId="1076"/>
-        <pc:sldMkLst>
-          <pc:docMk/>
-          <pc:sldMk cId="1889809419" sldId="286"/>
-        </pc:sldMkLst>
-        <pc:picChg chg="add mod">
-          <ac:chgData name="Felipe Pimentel Augusto" userId="S::felipe.augusto@al.infnet.edu.br::971e80a8-d807-4b15-b541-2b289748ef42" providerId="AD" clId="Web-{FA7F1767-3B46-84DA-72AB-F84CEE8D6F8A}" dt="2021-03-25T00:54:07.138" v="3" actId="1076"/>
-          <ac:picMkLst>
-            <pc:docMk/>
-            <pc:sldMk cId="1889809419" sldId="286"/>
-            <ac:picMk id="3" creationId="{62DFA0C4-8D08-470A-938C-875BA8C428BC}"/>
-          </ac:picMkLst>
-        </pc:picChg>
-      </pc:sldChg>
-    </pc:docChg>
-  </pc:docChgLst>
-  <pc:docChgLst>
-    <pc:chgData name="Felipe Pimentel Augusto" userId="S::felipe.augusto@al.infnet.edu.br::971e80a8-d807-4b15-b541-2b289748ef42" providerId="AD" clId="Web-{F1671F70-D6D8-F201-53D1-861BBCD45610}"/>
-    <pc:docChg chg="addSld modSld">
-      <pc:chgData name="Felipe Pimentel Augusto" userId="S::felipe.augusto@al.infnet.edu.br::971e80a8-d807-4b15-b541-2b289748ef42" providerId="AD" clId="Web-{F1671F70-D6D8-F201-53D1-861BBCD45610}" dt="2021-03-25T01:54:20.713" v="611" actId="20577"/>
-      <pc:docMkLst>
-        <pc:docMk/>
-      </pc:docMkLst>
-      <pc:sldChg chg="addSp modSp">
-        <pc:chgData name="Felipe Pimentel Augusto" userId="S::felipe.augusto@al.infnet.edu.br::971e80a8-d807-4b15-b541-2b289748ef42" providerId="AD" clId="Web-{F1671F70-D6D8-F201-53D1-861BBCD45610}" dt="2021-03-25T01:06:19.197" v="533" actId="20577"/>
-        <pc:sldMkLst>
-          <pc:docMk/>
-          <pc:sldMk cId="3085343870" sldId="284"/>
-        </pc:sldMkLst>
-        <pc:spChg chg="add mod">
-          <ac:chgData name="Felipe Pimentel Augusto" userId="S::felipe.augusto@al.infnet.edu.br::971e80a8-d807-4b15-b541-2b289748ef42" providerId="AD" clId="Web-{F1671F70-D6D8-F201-53D1-861BBCD45610}" dt="2021-03-25T01:06:19.197" v="533" actId="20577"/>
-          <ac:spMkLst>
-            <pc:docMk/>
-            <pc:sldMk cId="3085343870" sldId="284"/>
-            <ac:spMk id="3" creationId="{74DA363A-8FFB-4163-86A6-9AD56C784E38}"/>
-          </ac:spMkLst>
-        </pc:spChg>
-      </pc:sldChg>
-      <pc:sldChg chg="addSp modSp">
-        <pc:chgData name="Felipe Pimentel Augusto" userId="S::felipe.augusto@al.infnet.edu.br::971e80a8-d807-4b15-b541-2b289748ef42" providerId="AD" clId="Web-{F1671F70-D6D8-F201-53D1-861BBCD45610}" dt="2021-03-25T01:16:47.977" v="539" actId="1076"/>
-        <pc:sldMkLst>
-          <pc:docMk/>
-          <pc:sldMk cId="1111943198" sldId="287"/>
-        </pc:sldMkLst>
-        <pc:picChg chg="add mod">
-          <ac:chgData name="Felipe Pimentel Augusto" userId="S::felipe.augusto@al.infnet.edu.br::971e80a8-d807-4b15-b541-2b289748ef42" providerId="AD" clId="Web-{F1671F70-D6D8-F201-53D1-861BBCD45610}" dt="2021-03-25T01:16:47.977" v="539" actId="1076"/>
-          <ac:picMkLst>
-            <pc:docMk/>
-            <pc:sldMk cId="1111943198" sldId="287"/>
-            <ac:picMk id="3" creationId="{6BFD81E6-E3BC-4575-BD62-73290C78CC79}"/>
-          </ac:picMkLst>
-        </pc:picChg>
-      </pc:sldChg>
-      <pc:sldChg chg="addSp delSp modSp">
-        <pc:chgData name="Felipe Pimentel Augusto" userId="S::felipe.augusto@al.infnet.edu.br::971e80a8-d807-4b15-b541-2b289748ef42" providerId="AD" clId="Web-{F1671F70-D6D8-F201-53D1-861BBCD45610}" dt="2021-03-25T01:36:48.768" v="578" actId="1076"/>
-        <pc:sldMkLst>
-          <pc:docMk/>
-          <pc:sldMk cId="90675956" sldId="288"/>
-        </pc:sldMkLst>
-        <pc:spChg chg="mod">
-          <ac:chgData name="Felipe Pimentel Augusto" userId="S::felipe.augusto@al.infnet.edu.br::971e80a8-d807-4b15-b541-2b289748ef42" providerId="AD" clId="Web-{F1671F70-D6D8-F201-53D1-861BBCD45610}" dt="2021-03-25T01:35:49.659" v="563" actId="20577"/>
-          <ac:spMkLst>
-            <pc:docMk/>
-            <pc:sldMk cId="90675956" sldId="288"/>
-            <ac:spMk id="5" creationId="{751BADB0-5D73-43E9-9ABB-321766D8AE39}"/>
-          </ac:spMkLst>
-        </pc:spChg>
-        <pc:picChg chg="add del mod">
-          <ac:chgData name="Felipe Pimentel Augusto" userId="S::felipe.augusto@al.infnet.edu.br::971e80a8-d807-4b15-b541-2b289748ef42" providerId="AD" clId="Web-{F1671F70-D6D8-F201-53D1-861BBCD45610}" dt="2021-03-25T01:35:14.425" v="548"/>
-          <ac:picMkLst>
-            <pc:docMk/>
-            <pc:sldMk cId="90675956" sldId="288"/>
-            <ac:picMk id="3" creationId="{D8C48BFD-BF80-4BC2-ABC8-01BB563A012D}"/>
-          </ac:picMkLst>
-        </pc:picChg>
-        <pc:picChg chg="add del mod">
-          <ac:chgData name="Felipe Pimentel Augusto" userId="S::felipe.augusto@al.infnet.edu.br::971e80a8-d807-4b15-b541-2b289748ef42" providerId="AD" clId="Web-{F1671F70-D6D8-F201-53D1-861BBCD45610}" dt="2021-03-25T01:36:41.596" v="575"/>
-          <ac:picMkLst>
-            <pc:docMk/>
-            <pc:sldMk cId="90675956" sldId="288"/>
-            <ac:picMk id="6" creationId="{B860B717-6C80-48A6-B49A-9D384B9F985B}"/>
-          </ac:picMkLst>
-        </pc:picChg>
-        <pc:picChg chg="add mod">
-          <ac:chgData name="Felipe Pimentel Augusto" userId="S::felipe.augusto@al.infnet.edu.br::971e80a8-d807-4b15-b541-2b289748ef42" providerId="AD" clId="Web-{F1671F70-D6D8-F201-53D1-861BBCD45610}" dt="2021-03-25T01:36:48.768" v="578" actId="1076"/>
-          <ac:picMkLst>
-            <pc:docMk/>
-            <pc:sldMk cId="90675956" sldId="288"/>
-            <ac:picMk id="8" creationId="{1039AAE0-00A4-43B8-9209-8716554220A8}"/>
-          </ac:picMkLst>
-        </pc:picChg>
-      </pc:sldChg>
-      <pc:sldChg chg="addSp modSp">
-        <pc:chgData name="Felipe Pimentel Augusto" userId="S::felipe.augusto@al.infnet.edu.br::971e80a8-d807-4b15-b541-2b289748ef42" providerId="AD" clId="Web-{F1671F70-D6D8-F201-53D1-861BBCD45610}" dt="2021-03-25T01:51:53.682" v="590" actId="1076"/>
-        <pc:sldMkLst>
-          <pc:docMk/>
-          <pc:sldMk cId="4064229715" sldId="289"/>
-        </pc:sldMkLst>
-        <pc:picChg chg="add mod">
-          <ac:chgData name="Felipe Pimentel Augusto" userId="S::felipe.augusto@al.infnet.edu.br::971e80a8-d807-4b15-b541-2b289748ef42" providerId="AD" clId="Web-{F1671F70-D6D8-F201-53D1-861BBCD45610}" dt="2021-03-25T01:49:45.168" v="586" actId="1076"/>
-          <ac:picMkLst>
-            <pc:docMk/>
-            <pc:sldMk cId="4064229715" sldId="289"/>
-            <ac:picMk id="3" creationId="{F61E806B-DB67-4104-9C65-6450A8F11989}"/>
-          </ac:picMkLst>
-        </pc:picChg>
-        <pc:picChg chg="add mod">
-          <ac:chgData name="Felipe Pimentel Augusto" userId="S::felipe.augusto@al.infnet.edu.br::971e80a8-d807-4b15-b541-2b289748ef42" providerId="AD" clId="Web-{F1671F70-D6D8-F201-53D1-861BBCD45610}" dt="2021-03-25T01:51:53.682" v="590" actId="1076"/>
-          <ac:picMkLst>
-            <pc:docMk/>
-            <pc:sldMk cId="4064229715" sldId="289"/>
-            <ac:picMk id="6" creationId="{ABC56352-2CCF-4552-AF40-7827E1BF3722}"/>
-          </ac:picMkLst>
-        </pc:picChg>
-      </pc:sldChg>
-      <pc:sldChg chg="addSp delSp modSp">
-        <pc:chgData name="Felipe Pimentel Augusto" userId="S::felipe.augusto@al.infnet.edu.br::971e80a8-d807-4b15-b541-2b289748ef42" providerId="AD" clId="Web-{F1671F70-D6D8-F201-53D1-861BBCD45610}" dt="2021-03-25T01:54:20.713" v="611" actId="20577"/>
-        <pc:sldMkLst>
-          <pc:docMk/>
-          <pc:sldMk cId="2004314188" sldId="291"/>
-        </pc:sldMkLst>
-        <pc:spChg chg="add del mod">
-          <ac:chgData name="Felipe Pimentel Augusto" userId="S::felipe.augusto@al.infnet.edu.br::971e80a8-d807-4b15-b541-2b289748ef42" providerId="AD" clId="Web-{F1671F70-D6D8-F201-53D1-861BBCD45610}" dt="2021-03-25T01:53:46.291" v="600"/>
-          <ac:spMkLst>
-            <pc:docMk/>
-            <pc:sldMk cId="2004314188" sldId="291"/>
-            <ac:spMk id="3" creationId="{98806EFB-9CF1-4A80-8A26-835729129A53}"/>
-          </ac:spMkLst>
-        </pc:spChg>
-        <pc:spChg chg="add mod">
-          <ac:chgData name="Felipe Pimentel Augusto" userId="S::felipe.augusto@al.infnet.edu.br::971e80a8-d807-4b15-b541-2b289748ef42" providerId="AD" clId="Web-{F1671F70-D6D8-F201-53D1-861BBCD45610}" dt="2021-03-25T01:54:20.713" v="611" actId="20577"/>
-          <ac:spMkLst>
-            <pc:docMk/>
-            <pc:sldMk cId="2004314188" sldId="291"/>
-            <ac:spMk id="6" creationId="{553D447B-6377-4757-977D-CB26B99C59EC}"/>
-          </ac:spMkLst>
-        </pc:spChg>
-      </pc:sldChg>
-      <pc:sldChg chg="addSp delSp modSp add replId">
-        <pc:chgData name="Felipe Pimentel Augusto" userId="S::felipe.augusto@al.infnet.edu.br::971e80a8-d807-4b15-b541-2b289748ef42" providerId="AD" clId="Web-{F1671F70-D6D8-F201-53D1-861BBCD45610}" dt="2021-03-25T01:37:18.065" v="581" actId="1076"/>
-        <pc:sldMkLst>
-          <pc:docMk/>
-          <pc:sldMk cId="3999866499" sldId="293"/>
-        </pc:sldMkLst>
-        <pc:spChg chg="mod">
-          <ac:chgData name="Felipe Pimentel Augusto" userId="S::felipe.augusto@al.infnet.edu.br::971e80a8-d807-4b15-b541-2b289748ef42" providerId="AD" clId="Web-{F1671F70-D6D8-F201-53D1-861BBCD45610}" dt="2021-03-25T01:36:12.955" v="573" actId="20577"/>
-          <ac:spMkLst>
-            <pc:docMk/>
-            <pc:sldMk cId="3999866499" sldId="293"/>
-            <ac:spMk id="5" creationId="{751BADB0-5D73-43E9-9ABB-321766D8AE39}"/>
-          </ac:spMkLst>
-        </pc:spChg>
-        <pc:picChg chg="add mod">
-          <ac:chgData name="Felipe Pimentel Augusto" userId="S::felipe.augusto@al.infnet.edu.br::971e80a8-d807-4b15-b541-2b289748ef42" providerId="AD" clId="Web-{F1671F70-D6D8-F201-53D1-861BBCD45610}" dt="2021-03-25T01:37:18.065" v="581" actId="1076"/>
-          <ac:picMkLst>
-            <pc:docMk/>
-            <pc:sldMk cId="3999866499" sldId="293"/>
-            <ac:picMk id="3" creationId="{2A6095D7-7919-4577-9748-F971A662B4CE}"/>
-          </ac:picMkLst>
-        </pc:picChg>
-        <pc:picChg chg="del">
-          <ac:chgData name="Felipe Pimentel Augusto" userId="S::felipe.augusto@al.infnet.edu.br::971e80a8-d807-4b15-b541-2b289748ef42" providerId="AD" clId="Web-{F1671F70-D6D8-F201-53D1-861BBCD45610}" dt="2021-03-25T01:36:16.941" v="574"/>
-          <ac:picMkLst>
-            <pc:docMk/>
-            <pc:sldMk cId="3999866499" sldId="293"/>
-            <ac:picMk id="6" creationId="{B860B717-6C80-48A6-B49A-9D384B9F985B}"/>
-          </ac:picMkLst>
-        </pc:picChg>
-      </pc:sldChg>
-      <pc:sldChg chg="add replId">
-        <pc:chgData name="Felipe Pimentel Augusto" userId="S::felipe.augusto@al.infnet.edu.br::971e80a8-d807-4b15-b541-2b289748ef42" providerId="AD" clId="Web-{F1671F70-D6D8-F201-53D1-861BBCD45610}" dt="2021-03-25T01:52:28.807" v="591"/>
-        <pc:sldMkLst>
-          <pc:docMk/>
-          <pc:sldMk cId="1244966846" sldId="294"/>
-        </pc:sldMkLst>
-      </pc:sldChg>
-      <pc:sldChg chg="addSp modSp add replId">
-        <pc:chgData name="Felipe Pimentel Augusto" userId="S::felipe.augusto@al.infnet.edu.br::971e80a8-d807-4b15-b541-2b289748ef42" providerId="AD" clId="Web-{F1671F70-D6D8-F201-53D1-861BBCD45610}" dt="2021-03-25T01:52:53.073" v="597" actId="1076"/>
-        <pc:sldMkLst>
-          <pc:docMk/>
-          <pc:sldMk cId="3173208299" sldId="295"/>
-        </pc:sldMkLst>
-        <pc:picChg chg="add mod">
-          <ac:chgData name="Felipe Pimentel Augusto" userId="S::felipe.augusto@al.infnet.edu.br::971e80a8-d807-4b15-b541-2b289748ef42" providerId="AD" clId="Web-{F1671F70-D6D8-F201-53D1-861BBCD45610}" dt="2021-03-25T01:52:53.073" v="597" actId="1076"/>
-          <ac:picMkLst>
-            <pc:docMk/>
-            <pc:sldMk cId="3173208299" sldId="295"/>
-            <ac:picMk id="8" creationId="{AB7DC138-DF0D-42C0-9BB5-8623EBF1CABB}"/>
-          </ac:picMkLst>
-        </pc:picChg>
-      </pc:sldChg>
-    </pc:docChg>
-  </pc:docChgLst>
-</pc:chgInfo>
 </file>
 
 <file path=ppt/notesMasters/notesMaster1.xml><?xml version="1.0" encoding="utf-8"?>
@@ -1600,7 +650,7 @@
           <a:p>
             <a:fld id="{788568F6-5D13-43A5-A7AE-BAB951121075}" type="slidenum">
               <a:rPr lang="pt-BR" smtClean="0"/>
-              <a:t>14</a:t>
+              <a:t>21</a:t>
             </a:fld>
             <a:endParaRPr lang="pt-BR"/>
           </a:p>
@@ -5458,20 +4508,20 @@
               <a:t>3.5 - </a:t>
             </a:r>
             <a:r>
-              <a:rPr lang="en-US" sz="4000" dirty="0" err="1">
+              <a:rPr lang="en-US" sz="4000" err="1">
                 <a:ea typeface="+mn-lt"/>
                 <a:cs typeface="+mn-lt"/>
               </a:rPr>
               <a:t>Diagramas</a:t>
             </a:r>
             <a:r>
-              <a:rPr lang="en-US" sz="4000" dirty="0">
+              <a:rPr lang="en-US" sz="4000">
                 <a:ea typeface="+mn-lt"/>
                 <a:cs typeface="+mn-lt"/>
               </a:rPr>
               <a:t> C4 Model</a:t>
             </a:r>
-            <a:endParaRPr lang="en-US" sz="4000" dirty="0">
+            <a:endParaRPr lang="en-US" sz="4000">
               <a:cs typeface="Calibri"/>
             </a:endParaRPr>
           </a:p>
@@ -5499,7 +4549,7 @@
         </p:blipFill>
         <p:spPr>
           <a:xfrm>
-            <a:off x="3181350" y="1716321"/>
+            <a:off x="2168236" y="1716321"/>
             <a:ext cx="6591300" cy="4101633"/>
           </a:xfrm>
           <a:prstGeom prst="rect">
@@ -5561,6 +4611,36 @@
           <a:xfrm>
             <a:off x="6928794" y="6035512"/>
             <a:ext cx="714633" cy="686294"/>
+          </a:xfrm>
+          <a:prstGeom prst="rect">
+            <a:avLst/>
+          </a:prstGeom>
+        </p:spPr>
+      </p:pic>
+      <p:pic>
+        <p:nvPicPr>
+          <p:cNvPr id="9" name="Picture 9" descr="Qr code&#10;&#10;Description automatically generated">
+            <a:extLst>
+              <a:ext uri="{FF2B5EF4-FFF2-40B4-BE49-F238E27FC236}">
+                <a16:creationId xmlns:a16="http://schemas.microsoft.com/office/drawing/2014/main" id="{0F82C1F7-C9D2-4A0C-8BA4-D16111E46252}"/>
+              </a:ext>
+            </a:extLst>
+          </p:cNvPr>
+          <p:cNvPicPr>
+            <a:picLocks noChangeAspect="1"/>
+          </p:cNvPicPr>
+          <p:nvPr/>
+        </p:nvPicPr>
+        <p:blipFill>
+          <a:blip r:embed="rId6"/>
+          <a:stretch>
+            <a:fillRect/>
+          </a:stretch>
+        </p:blipFill>
+        <p:spPr>
+          <a:xfrm>
+            <a:off x="9450098" y="2751859"/>
+            <a:ext cx="1933575" cy="1943100"/>
           </a:xfrm>
           <a:prstGeom prst="rect">
             <a:avLst/>
@@ -5581,7 +4661,7 @@
 </file>
 
 <file path=ppt/slides/slide12.xml><?xml version="1.0" encoding="utf-8"?>
-<p:sld xmlns:a="http://schemas.openxmlformats.org/drawingml/2006/main" xmlns:r="http://schemas.openxmlformats.org/officeDocument/2006/relationships" xmlns:p="http://schemas.openxmlformats.org/presentationml/2006/main">
+<p:sld xmlns:a="http://schemas.openxmlformats.org/drawingml/2006/main" xmlns:r="http://schemas.openxmlformats.org/officeDocument/2006/relationships" xmlns:p="http://schemas.openxmlformats.org/presentationml/2006/main" show="0">
   <p:cSld>
     <p:spTree>
       <p:nvGrpSpPr>
@@ -5597,36 +4677,6 @@
           <a:chExt cx="0" cy="0"/>
         </a:xfrm>
       </p:grpSpPr>
-      <p:pic>
-        <p:nvPicPr>
-          <p:cNvPr id="3" name="Imagem 5" descr="Diagrama&#10;&#10;Descrição gerada automaticamente">
-            <a:extLst>
-              <a:ext uri="{FF2B5EF4-FFF2-40B4-BE49-F238E27FC236}">
-                <a16:creationId xmlns:a16="http://schemas.microsoft.com/office/drawing/2014/main" id="{E93F4318-EE41-4453-B35C-0CEE8CAD8470}"/>
-              </a:ext>
-            </a:extLst>
-          </p:cNvPr>
-          <p:cNvPicPr>
-            <a:picLocks noChangeAspect="1"/>
-          </p:cNvPicPr>
-          <p:nvPr/>
-        </p:nvPicPr>
-        <p:blipFill>
-          <a:blip r:embed="rId2"/>
-          <a:stretch>
-            <a:fillRect/>
-          </a:stretch>
-        </p:blipFill>
-        <p:spPr>
-          <a:xfrm>
-            <a:off x="4186519" y="1053936"/>
-            <a:ext cx="4204446" cy="5807964"/>
-          </a:xfrm>
-          <a:prstGeom prst="rect">
-            <a:avLst/>
-          </a:prstGeom>
-        </p:spPr>
-      </p:pic>
       <p:sp>
         <p:nvSpPr>
           <p:cNvPr id="2" name="Espaço Reservado para Número de Slide 1">
@@ -5720,7 +4770,7 @@
           <p:nvPr/>
         </p:nvPicPr>
         <p:blipFill>
-          <a:blip r:embed="rId3" cstate="print">
+          <a:blip r:embed="rId2" cstate="print">
             <a:extLst>
               <a:ext uri="{28A0092B-C50C-407E-A947-70E740481C1C}">
                 <a14:useLocalDpi xmlns:a14="http://schemas.microsoft.com/office/drawing/2010/main" val="0"/>
@@ -5779,18 +4829,48 @@
               <a:t>3.5 - </a:t>
             </a:r>
             <a:r>
-              <a:rPr lang="en-US" sz="4000" dirty="0">
+              <a:rPr lang="en-US" sz="4000">
                 <a:ea typeface="+mn-lt"/>
                 <a:cs typeface="+mn-lt"/>
               </a:rPr>
               <a:t>Nivel 1</a:t>
             </a:r>
-            <a:endParaRPr lang="en-US" sz="4000" dirty="0">
+            <a:endParaRPr lang="en-US" sz="4000">
               <a:cs typeface="Calibri"/>
             </a:endParaRPr>
           </a:p>
         </p:txBody>
       </p:sp>
+      <p:pic>
+        <p:nvPicPr>
+          <p:cNvPr id="6" name="Imagem 7" descr="Diagrama&#10;&#10;Descrição gerada automaticamente">
+            <a:extLst>
+              <a:ext uri="{FF2B5EF4-FFF2-40B4-BE49-F238E27FC236}">
+                <a16:creationId xmlns:a16="http://schemas.microsoft.com/office/drawing/2014/main" id="{F633A75E-C6D1-4D43-88DE-4689D51AB7F2}"/>
+              </a:ext>
+            </a:extLst>
+          </p:cNvPr>
+          <p:cNvPicPr>
+            <a:picLocks noChangeAspect="1"/>
+          </p:cNvPicPr>
+          <p:nvPr/>
+        </p:nvPicPr>
+        <p:blipFill>
+          <a:blip r:embed="rId3"/>
+          <a:stretch>
+            <a:fillRect/>
+          </a:stretch>
+        </p:blipFill>
+        <p:spPr>
+          <a:xfrm>
+            <a:off x="3924300" y="1015739"/>
+            <a:ext cx="4648200" cy="5721871"/>
+          </a:xfrm>
+          <a:prstGeom prst="rect">
+            <a:avLst/>
+          </a:prstGeom>
+        </p:spPr>
+      </p:pic>
     </p:spTree>
     <p:extLst>
       <p:ext uri="{BB962C8B-B14F-4D97-AF65-F5344CB8AC3E}">
@@ -5805,7 +4885,7 @@
 </file>
 
 <file path=ppt/slides/slide13.xml><?xml version="1.0" encoding="utf-8"?>
-<p:sld xmlns:a="http://schemas.openxmlformats.org/drawingml/2006/main" xmlns:r="http://schemas.openxmlformats.org/officeDocument/2006/relationships" xmlns:p="http://schemas.openxmlformats.org/presentationml/2006/main">
+<p:sld xmlns:a="http://schemas.openxmlformats.org/drawingml/2006/main" xmlns:r="http://schemas.openxmlformats.org/officeDocument/2006/relationships" xmlns:p="http://schemas.openxmlformats.org/presentationml/2006/main" show="0">
   <p:cSld>
     <p:spTree>
       <p:nvGrpSpPr>
@@ -5821,36 +4901,6 @@
           <a:chExt cx="0" cy="0"/>
         </a:xfrm>
       </p:grpSpPr>
-      <p:pic>
-        <p:nvPicPr>
-          <p:cNvPr id="6" name="Imagem 7" descr="Diagrama&#10;&#10;Descrição gerada automaticamente">
-            <a:extLst>
-              <a:ext uri="{FF2B5EF4-FFF2-40B4-BE49-F238E27FC236}">
-                <a16:creationId xmlns:a16="http://schemas.microsoft.com/office/drawing/2014/main" id="{CBECF66A-9EDF-45D2-B012-9A1FC4626388}"/>
-              </a:ext>
-            </a:extLst>
-          </p:cNvPr>
-          <p:cNvPicPr>
-            <a:picLocks noChangeAspect="1"/>
-          </p:cNvPicPr>
-          <p:nvPr/>
-        </p:nvPicPr>
-        <p:blipFill>
-          <a:blip r:embed="rId2"/>
-          <a:stretch>
-            <a:fillRect/>
-          </a:stretch>
-        </p:blipFill>
-        <p:spPr>
-          <a:xfrm>
-            <a:off x="3738283" y="881543"/>
-            <a:ext cx="5495364" cy="5955525"/>
-          </a:xfrm>
-          <a:prstGeom prst="rect">
-            <a:avLst/>
-          </a:prstGeom>
-        </p:spPr>
-      </p:pic>
       <p:sp>
         <p:nvSpPr>
           <p:cNvPr id="2" name="Espaço Reservado para Número de Slide 1">
@@ -5944,7 +4994,7 @@
           <p:nvPr/>
         </p:nvPicPr>
         <p:blipFill>
-          <a:blip r:embed="rId3" cstate="print">
+          <a:blip r:embed="rId2" cstate="print">
             <a:extLst>
               <a:ext uri="{28A0092B-C50C-407E-A947-70E740481C1C}">
                 <a14:useLocalDpi xmlns:a14="http://schemas.microsoft.com/office/drawing/2010/main" val="0"/>
@@ -6003,18 +5053,48 @@
               <a:t>3.5 - </a:t>
             </a:r>
             <a:r>
-              <a:rPr lang="en-US" sz="4000" dirty="0">
+              <a:rPr lang="en-US" sz="4000">
                 <a:ea typeface="+mn-lt"/>
                 <a:cs typeface="+mn-lt"/>
               </a:rPr>
               <a:t>Nivel 2</a:t>
             </a:r>
-            <a:endParaRPr lang="en-US" sz="4000" dirty="0">
+            <a:endParaRPr lang="en-US" sz="4000">
               <a:cs typeface="Calibri"/>
             </a:endParaRPr>
           </a:p>
         </p:txBody>
       </p:sp>
+      <p:pic>
+        <p:nvPicPr>
+          <p:cNvPr id="3" name="Imagem 7" descr="Diagrama&#10;&#10;Descrição gerada automaticamente">
+            <a:extLst>
+              <a:ext uri="{FF2B5EF4-FFF2-40B4-BE49-F238E27FC236}">
+                <a16:creationId xmlns:a16="http://schemas.microsoft.com/office/drawing/2014/main" id="{2C25355A-297A-4F5A-A973-FCF83653EF30}"/>
+              </a:ext>
+            </a:extLst>
+          </p:cNvPr>
+          <p:cNvPicPr>
+            <a:picLocks noChangeAspect="1"/>
+          </p:cNvPicPr>
+          <p:nvPr/>
+        </p:nvPicPr>
+        <p:blipFill>
+          <a:blip r:embed="rId3"/>
+          <a:stretch>
+            <a:fillRect/>
+          </a:stretch>
+        </p:blipFill>
+        <p:spPr>
+          <a:xfrm>
+            <a:off x="3343275" y="1076325"/>
+            <a:ext cx="6162675" cy="5467350"/>
+          </a:xfrm>
+          <a:prstGeom prst="rect">
+            <a:avLst/>
+          </a:prstGeom>
+        </p:spPr>
+      </p:pic>
     </p:spTree>
     <p:extLst>
       <p:ext uri="{BB962C8B-B14F-4D97-AF65-F5344CB8AC3E}">
@@ -6029,7 +5109,7 @@
 </file>
 
 <file path=ppt/slides/slide14.xml><?xml version="1.0" encoding="utf-8"?>
-<p:sld xmlns:a="http://schemas.openxmlformats.org/drawingml/2006/main" xmlns:r="http://schemas.openxmlformats.org/officeDocument/2006/relationships" xmlns:p="http://schemas.openxmlformats.org/presentationml/2006/main">
+<p:sld xmlns:a="http://schemas.openxmlformats.org/drawingml/2006/main" xmlns:r="http://schemas.openxmlformats.org/officeDocument/2006/relationships" xmlns:p="http://schemas.openxmlformats.org/presentationml/2006/main" show="0">
   <p:cSld>
     <p:spTree>
       <p:nvGrpSpPr>
@@ -6194,14 +5274,14 @@
               <a:rPr lang="en-US" sz="4000">
                 <a:cs typeface="Calibri"/>
               </a:rPr>
-              <a:t>4 - </a:t>
+              <a:t>3.5 - </a:t>
             </a:r>
             <a:r>
               <a:rPr lang="en-US" sz="4000">
                 <a:ea typeface="+mn-lt"/>
                 <a:cs typeface="+mn-lt"/>
               </a:rPr>
-              <a:t>Custos</a:t>
+              <a:t>Nivel 3</a:t>
             </a:r>
             <a:endParaRPr lang="en-US" sz="4000">
               <a:cs typeface="Calibri"/>
@@ -6209,10 +5289,40 @@
           </a:p>
         </p:txBody>
       </p:sp>
+      <p:pic>
+        <p:nvPicPr>
+          <p:cNvPr id="8" name="Picture 8" descr="Diagram, engineering drawing&#10;&#10;Description automatically generated">
+            <a:extLst>
+              <a:ext uri="{FF2B5EF4-FFF2-40B4-BE49-F238E27FC236}">
+                <a16:creationId xmlns:a16="http://schemas.microsoft.com/office/drawing/2014/main" id="{5B49F05A-0558-435F-A750-E4EA644F6EE4}"/>
+              </a:ext>
+            </a:extLst>
+          </p:cNvPr>
+          <p:cNvPicPr>
+            <a:picLocks noChangeAspect="1"/>
+          </p:cNvPicPr>
+          <p:nvPr/>
+        </p:nvPicPr>
+        <p:blipFill>
+          <a:blip r:embed="rId3"/>
+          <a:stretch>
+            <a:fillRect/>
+          </a:stretch>
+        </p:blipFill>
+        <p:spPr>
+          <a:xfrm>
+            <a:off x="2204605" y="1380714"/>
+            <a:ext cx="8986404" cy="4971142"/>
+          </a:xfrm>
+          <a:prstGeom prst="rect">
+            <a:avLst/>
+          </a:prstGeom>
+        </p:spPr>
+      </p:pic>
     </p:spTree>
     <p:extLst>
       <p:ext uri="{BB962C8B-B14F-4D97-AF65-F5344CB8AC3E}">
-        <p14:creationId xmlns:p14="http://schemas.microsoft.com/office/powerpoint/2010/main" val="1989630067"/>
+        <p14:creationId xmlns:p14="http://schemas.microsoft.com/office/powerpoint/2010/main" val="1605062798"/>
       </p:ext>
     </p:extLst>
   </p:cSld>
@@ -6385,17 +5495,17 @@
           <a:lstStyle/>
           <a:p>
             <a:r>
-              <a:rPr lang="en-US" sz="4000">
+              <a:rPr lang="en-US" sz="4000" dirty="0">
                 <a:cs typeface="Calibri"/>
               </a:rPr>
-              <a:t>5 - </a:t>
+              <a:t>4 - </a:t>
             </a:r>
             <a:r>
               <a:rPr lang="en-US" sz="4000">
                 <a:ea typeface="+mn-lt"/>
                 <a:cs typeface="+mn-lt"/>
               </a:rPr>
-              <a:t>Considerações</a:t>
+              <a:t>Custos com nuvem</a:t>
             </a:r>
             <a:endParaRPr lang="en-US" sz="4000">
               <a:cs typeface="Calibri"/>
@@ -6403,10 +5513,70 @@
           </a:p>
         </p:txBody>
       </p:sp>
+      <p:pic>
+        <p:nvPicPr>
+          <p:cNvPr id="3" name="Picture 5" descr="Table&#10;&#10;Description automatically generated">
+            <a:extLst>
+              <a:ext uri="{FF2B5EF4-FFF2-40B4-BE49-F238E27FC236}">
+                <a16:creationId xmlns:a16="http://schemas.microsoft.com/office/drawing/2014/main" id="{6B72FFC1-CBE6-459A-850A-1762A4CABFF6}"/>
+              </a:ext>
+            </a:extLst>
+          </p:cNvPr>
+          <p:cNvPicPr>
+            <a:picLocks noChangeAspect="1"/>
+          </p:cNvPicPr>
+          <p:nvPr/>
+        </p:nvPicPr>
+        <p:blipFill>
+          <a:blip r:embed="rId3"/>
+          <a:stretch>
+            <a:fillRect/>
+          </a:stretch>
+        </p:blipFill>
+        <p:spPr>
+          <a:xfrm>
+            <a:off x="2724150" y="1465854"/>
+            <a:ext cx="8440881" cy="4160087"/>
+          </a:xfrm>
+          <a:prstGeom prst="rect">
+            <a:avLst/>
+          </a:prstGeom>
+        </p:spPr>
+      </p:pic>
+      <p:pic>
+        <p:nvPicPr>
+          <p:cNvPr id="6" name="Picture 7" descr="Qr code&#10;&#10;Description automatically generated">
+            <a:extLst>
+              <a:ext uri="{FF2B5EF4-FFF2-40B4-BE49-F238E27FC236}">
+                <a16:creationId xmlns:a16="http://schemas.microsoft.com/office/drawing/2014/main" id="{FFBA9CAC-A5CD-444F-8347-749B970F4915}"/>
+              </a:ext>
+            </a:extLst>
+          </p:cNvPr>
+          <p:cNvPicPr>
+            <a:picLocks noChangeAspect="1"/>
+          </p:cNvPicPr>
+          <p:nvPr/>
+        </p:nvPicPr>
+        <p:blipFill>
+          <a:blip r:embed="rId4"/>
+          <a:stretch>
+            <a:fillRect/>
+          </a:stretch>
+        </p:blipFill>
+        <p:spPr>
+          <a:xfrm>
+            <a:off x="6382182" y="5358677"/>
+            <a:ext cx="1367271" cy="1396712"/>
+          </a:xfrm>
+          <a:prstGeom prst="rect">
+            <a:avLst/>
+          </a:prstGeom>
+        </p:spPr>
+      </p:pic>
     </p:spTree>
     <p:extLst>
       <p:ext uri="{BB962C8B-B14F-4D97-AF65-F5344CB8AC3E}">
-        <p14:creationId xmlns:p14="http://schemas.microsoft.com/office/powerpoint/2010/main" val="122286710"/>
+        <p14:creationId xmlns:p14="http://schemas.microsoft.com/office/powerpoint/2010/main" val="1989630067"/>
       </p:ext>
     </p:extLst>
   </p:cSld>
@@ -6582,14 +5752,14 @@
               <a:rPr lang="en-US" sz="4000">
                 <a:cs typeface="Calibri"/>
               </a:rPr>
-              <a:t>6 - </a:t>
+              <a:t>4 - </a:t>
             </a:r>
             <a:r>
               <a:rPr lang="en-US" sz="4000">
                 <a:ea typeface="+mn-lt"/>
                 <a:cs typeface="+mn-lt"/>
               </a:rPr>
-              <a:t>Perguntas</a:t>
+              <a:t>Custos com serviços</a:t>
             </a:r>
             <a:endParaRPr lang="en-US" sz="4000">
               <a:cs typeface="Calibri"/>
@@ -6599,10 +5769,10 @@
       </p:sp>
       <p:pic>
         <p:nvPicPr>
-          <p:cNvPr id="3" name="Gráfico 5" descr="Perguntas com preenchimento sólido">
-            <a:extLst>
-              <a:ext uri="{FF2B5EF4-FFF2-40B4-BE49-F238E27FC236}">
-                <a16:creationId xmlns:a16="http://schemas.microsoft.com/office/drawing/2014/main" id="{B35E9272-4ADA-42A4-887A-FC3950232D19}"/>
+          <p:cNvPr id="6" name="Picture 7" descr="Graphical user interface, application&#10;&#10;Description automatically generated">
+            <a:extLst>
+              <a:ext uri="{FF2B5EF4-FFF2-40B4-BE49-F238E27FC236}">
+                <a16:creationId xmlns:a16="http://schemas.microsoft.com/office/drawing/2014/main" id="{98B117E2-0BFF-4507-81AF-398455E01617}"/>
               </a:ext>
             </a:extLst>
           </p:cNvPr>
@@ -6612,21 +5782,45 @@
           <p:nvPr/>
         </p:nvPicPr>
         <p:blipFill>
-          <a:blip r:embed="rId3">
-            <a:extLst>
-              <a:ext uri="{96DAC541-7B7A-43D3-8B79-37D633B846F1}">
-                <asvg:svgBlip xmlns:asvg="http://schemas.microsoft.com/office/drawing/2016/SVG/main" r:embed="rId4"/>
-              </a:ext>
-            </a:extLst>
-          </a:blip>
+          <a:blip r:embed="rId3"/>
           <a:stretch>
             <a:fillRect/>
           </a:stretch>
         </p:blipFill>
         <p:spPr>
           <a:xfrm>
-            <a:off x="4838700" y="1809750"/>
-            <a:ext cx="3476625" cy="3476625"/>
+            <a:off x="3560618" y="1773565"/>
+            <a:ext cx="2743200" cy="4005330"/>
+          </a:xfrm>
+          <a:prstGeom prst="rect">
+            <a:avLst/>
+          </a:prstGeom>
+        </p:spPr>
+      </p:pic>
+      <p:pic>
+        <p:nvPicPr>
+          <p:cNvPr id="8" name="Picture 8" descr="Graphical user interface, text, application&#10;&#10;Description automatically generated">
+            <a:extLst>
+              <a:ext uri="{FF2B5EF4-FFF2-40B4-BE49-F238E27FC236}">
+                <a16:creationId xmlns:a16="http://schemas.microsoft.com/office/drawing/2014/main" id="{642E0EDD-0B63-4D55-BA6D-B11B6439BA66}"/>
+              </a:ext>
+            </a:extLst>
+          </p:cNvPr>
+          <p:cNvPicPr>
+            <a:picLocks noChangeAspect="1"/>
+          </p:cNvPicPr>
+          <p:nvPr/>
+        </p:nvPicPr>
+        <p:blipFill>
+          <a:blip r:embed="rId4"/>
+          <a:stretch>
+            <a:fillRect/>
+          </a:stretch>
+        </p:blipFill>
+        <p:spPr>
+          <a:xfrm>
+            <a:off x="7685809" y="2298294"/>
+            <a:ext cx="2743200" cy="2884868"/>
           </a:xfrm>
           <a:prstGeom prst="rect">
             <a:avLst/>
@@ -6636,7 +5830,7 @@
     </p:spTree>
     <p:extLst>
       <p:ext uri="{BB962C8B-B14F-4D97-AF65-F5344CB8AC3E}">
-        <p14:creationId xmlns:p14="http://schemas.microsoft.com/office/powerpoint/2010/main" val="541333889"/>
+        <p14:creationId xmlns:p14="http://schemas.microsoft.com/office/powerpoint/2010/main" val="1308843001"/>
       </p:ext>
     </p:extLst>
   </p:cSld>
@@ -6809,79 +6003,88 @@
           <a:lstStyle/>
           <a:p>
             <a:r>
+              <a:rPr lang="en-US" sz="4000" dirty="0">
+                <a:cs typeface="Calibri"/>
+              </a:rPr>
+              <a:t>4 - </a:t>
+            </a:r>
+            <a:r>
               <a:rPr lang="en-US" sz="4000">
-                <a:cs typeface="Calibri"/>
-              </a:rPr>
-              <a:t>Referencias</a:t>
-            </a:r>
-            <a:endParaRPr lang="en-US"/>
-          </a:p>
-        </p:txBody>
-      </p:sp>
-      <p:sp>
-        <p:nvSpPr>
-          <p:cNvPr id="6" name="TextBox 5">
-            <a:extLst>
-              <a:ext uri="{FF2B5EF4-FFF2-40B4-BE49-F238E27FC236}">
-                <a16:creationId xmlns:a16="http://schemas.microsoft.com/office/drawing/2014/main" id="{553D447B-6377-4757-977D-CB26B99C59EC}"/>
-              </a:ext>
-            </a:extLst>
-          </p:cNvPr>
-          <p:cNvSpPr txBox="1"/>
+                <a:ea typeface="+mn-lt"/>
+                <a:cs typeface="+mn-lt"/>
+              </a:rPr>
+              <a:t>Custos com transações bancarias</a:t>
+            </a:r>
+            <a:endParaRPr lang="en-US" sz="4000">
+              <a:cs typeface="Calibri"/>
+            </a:endParaRPr>
+          </a:p>
+        </p:txBody>
+      </p:sp>
+      <p:pic>
+        <p:nvPicPr>
+          <p:cNvPr id="3" name="Picture 8" descr="Table&#10;&#10;Description automatically generated">
+            <a:extLst>
+              <a:ext uri="{FF2B5EF4-FFF2-40B4-BE49-F238E27FC236}">
+                <a16:creationId xmlns:a16="http://schemas.microsoft.com/office/drawing/2014/main" id="{431CC95B-CACA-43BC-8300-1832878987BE}"/>
+              </a:ext>
+            </a:extLst>
+          </p:cNvPr>
+          <p:cNvPicPr>
+            <a:picLocks noChangeAspect="1"/>
+          </p:cNvPicPr>
           <p:nvPr/>
-        </p:nvSpPr>
-        <p:spPr>
-          <a:xfrm>
-            <a:off x="2242751" y="1666103"/>
-            <a:ext cx="6460524" cy="923330"/>
+        </p:nvPicPr>
+        <p:blipFill>
+          <a:blip r:embed="rId3"/>
+          <a:stretch>
+            <a:fillRect/>
+          </a:stretch>
+        </p:blipFill>
+        <p:spPr>
+          <a:xfrm>
+            <a:off x="3295650" y="1444337"/>
+            <a:ext cx="7003472" cy="5095009"/>
           </a:xfrm>
           <a:prstGeom prst="rect">
             <a:avLst/>
           </a:prstGeom>
-          <a:noFill/>
-        </p:spPr>
-        <p:txBody>
-          <a:bodyPr rot="0" spcFirstLastPara="0" vertOverflow="overflow" horzOverflow="overflow" vert="horz" wrap="square" lIns="91440" tIns="45720" rIns="91440" bIns="45720" numCol="1" spcCol="0" rtlCol="0" fromWordArt="0" anchor="t" anchorCtr="0" forceAA="0" compatLnSpc="1">
-            <a:prstTxWarp prst="textNoShape">
-              <a:avLst/>
-            </a:prstTxWarp>
-            <a:spAutoFit/>
-          </a:bodyPr>
-          <a:lstStyle/>
-          <a:p>
-            <a:r>
-              <a:rPr lang="en-US">
-                <a:hlinkClick r:id="rId3"/>
-              </a:rPr>
-              <a:t>https://www.npmjs.com/package/c4builder?activeTab=readme</a:t>
-            </a:r>
-            <a:endParaRPr lang="en-US"/>
-          </a:p>
-          <a:p>
-            <a:r>
-              <a:rPr lang="en-US">
-                <a:ea typeface="+mn-lt"/>
-                <a:cs typeface="+mn-lt"/>
-                <a:hlinkClick r:id="rId4"/>
-              </a:rPr>
-              <a:t>https://github.com/adrianvlupu/C4-Builder</a:t>
-            </a:r>
-            <a:endParaRPr lang="en-US">
-              <a:ea typeface="+mn-lt"/>
-              <a:cs typeface="+mn-lt"/>
-            </a:endParaRPr>
-          </a:p>
-          <a:p>
-            <a:endParaRPr lang="en-US">
-              <a:cs typeface="Calibri"/>
-            </a:endParaRPr>
-          </a:p>
-        </p:txBody>
-      </p:sp>
+        </p:spPr>
+      </p:pic>
+      <p:pic>
+        <p:nvPicPr>
+          <p:cNvPr id="9" name="Picture 9" descr="Logo&#10;&#10;Description automatically generated">
+            <a:extLst>
+              <a:ext uri="{FF2B5EF4-FFF2-40B4-BE49-F238E27FC236}">
+                <a16:creationId xmlns:a16="http://schemas.microsoft.com/office/drawing/2014/main" id="{42B93DF4-4306-4628-B766-4EEC109916B6}"/>
+              </a:ext>
+            </a:extLst>
+          </p:cNvPr>
+          <p:cNvPicPr>
+            <a:picLocks noChangeAspect="1"/>
+          </p:cNvPicPr>
+          <p:nvPr/>
+        </p:nvPicPr>
+        <p:blipFill>
+          <a:blip r:embed="rId4"/>
+          <a:stretch>
+            <a:fillRect/>
+          </a:stretch>
+        </p:blipFill>
+        <p:spPr>
+          <a:xfrm>
+            <a:off x="1805853" y="5631007"/>
+            <a:ext cx="1323975" cy="514350"/>
+          </a:xfrm>
+          <a:prstGeom prst="rect">
+            <a:avLst/>
+          </a:prstGeom>
+        </p:spPr>
+      </p:pic>
     </p:spTree>
     <p:extLst>
       <p:ext uri="{BB962C8B-B14F-4D97-AF65-F5344CB8AC3E}">
-        <p14:creationId xmlns:p14="http://schemas.microsoft.com/office/powerpoint/2010/main" val="2004314188"/>
+        <p14:creationId xmlns:p14="http://schemas.microsoft.com/office/powerpoint/2010/main" val="2748873102"/>
       </p:ext>
     </p:extLst>
   </p:cSld>
@@ -6910,10 +6113,39 @@
       </p:grpSpPr>
       <p:sp>
         <p:nvSpPr>
-          <p:cNvPr id="6" name="Retângulo 5">
-            <a:extLst>
-              <a:ext uri="{FF2B5EF4-FFF2-40B4-BE49-F238E27FC236}">
-                <a16:creationId xmlns:a16="http://schemas.microsoft.com/office/drawing/2014/main" id="{1A99BFEF-E15F-4101-9163-CC25659DBF38}"/>
+          <p:cNvPr id="2" name="Espaço Reservado para Número de Slide 1">
+            <a:extLst>
+              <a:ext uri="{FF2B5EF4-FFF2-40B4-BE49-F238E27FC236}">
+                <a16:creationId xmlns:a16="http://schemas.microsoft.com/office/drawing/2014/main" id="{00A5C847-9B16-45BB-A00A-7493094466B1}"/>
+              </a:ext>
+            </a:extLst>
+          </p:cNvPr>
+          <p:cNvSpPr>
+            <a:spLocks noGrp="1"/>
+          </p:cNvSpPr>
+          <p:nvPr>
+            <p:ph type="sldNum" sz="quarter" idx="12"/>
+          </p:nvPr>
+        </p:nvSpPr>
+        <p:spPr/>
+        <p:txBody>
+          <a:bodyPr/>
+          <a:lstStyle/>
+          <a:p>
+            <a:fld id="{47797270-BFBB-4212-9FDA-8EE01FE91F8C}" type="slidenum">
+              <a:rPr lang="pt-BR" smtClean="0"/>
+              <a:t>18</a:t>
+            </a:fld>
+            <a:endParaRPr lang="pt-BR"/>
+          </a:p>
+        </p:txBody>
+      </p:sp>
+      <p:sp>
+        <p:nvSpPr>
+          <p:cNvPr id="7" name="Retângulo 6">
+            <a:extLst>
+              <a:ext uri="{FF2B5EF4-FFF2-40B4-BE49-F238E27FC236}">
+                <a16:creationId xmlns:a16="http://schemas.microsoft.com/office/drawing/2014/main" id="{C0911691-8E5D-4130-9DEF-B295AC8F85B1}"/>
               </a:ext>
             </a:extLst>
           </p:cNvPr>
@@ -6922,8 +6154,8 @@
         </p:nvSpPr>
         <p:spPr>
           <a:xfrm>
-            <a:off x="0" y="0"/>
-            <a:ext cx="12192000" cy="4646951"/>
+            <a:off x="-134911" y="0"/>
+            <a:ext cx="1758759" cy="6840036"/>
           </a:xfrm>
           <a:prstGeom prst="rect">
             <a:avLst/>
@@ -6957,53 +6189,22 @@
           </a:p>
         </p:txBody>
       </p:sp>
-      <p:sp>
-        <p:nvSpPr>
-          <p:cNvPr id="3" name="Subtítulo 2"/>
-          <p:cNvSpPr>
-            <a:spLocks noGrp="1"/>
-          </p:cNvSpPr>
-          <p:nvPr>
-            <p:ph type="subTitle" idx="1"/>
-          </p:nvPr>
-        </p:nvSpPr>
-        <p:spPr>
-          <a:xfrm>
-            <a:off x="0" y="4960137"/>
-            <a:ext cx="12192000" cy="1463040"/>
-          </a:xfrm>
-          <a:solidFill>
-            <a:schemeClr val="bg1"/>
-          </a:solidFill>
-        </p:spPr>
-        <p:txBody>
-          <a:bodyPr vert="horz" lIns="91440" tIns="45720" rIns="91440" bIns="45720" rtlCol="0" anchor="t">
-            <a:normAutofit/>
-          </a:bodyPr>
-          <a:lstStyle/>
-          <a:p>
-            <a:r>
-              <a:rPr lang="pt-BR" sz="2800">
-                <a:cs typeface="Calibri"/>
-              </a:rPr>
-              <a:t>Obrigado!</a:t>
-            </a:r>
-            <a:endParaRPr lang="en-US">
-              <a:cs typeface="Calibri" panose="020F0502020204030204"/>
-            </a:endParaRPr>
-          </a:p>
-        </p:txBody>
-      </p:sp>
       <p:pic>
         <p:nvPicPr>
-          <p:cNvPr id="4" name="Imagem 3"/>
+          <p:cNvPr id="4" name="Imagem 3" descr="Logotipo&#10;&#10;Descrição gerada automaticamente">
+            <a:extLst>
+              <a:ext uri="{FF2B5EF4-FFF2-40B4-BE49-F238E27FC236}">
+                <a16:creationId xmlns:a16="http://schemas.microsoft.com/office/drawing/2014/main" id="{A8415950-AE8E-45C0-A2E5-D9B394DF621D}"/>
+              </a:ext>
+            </a:extLst>
+          </p:cNvPr>
           <p:cNvPicPr>
             <a:picLocks noChangeAspect="1"/>
           </p:cNvPicPr>
           <p:nvPr/>
         </p:nvPicPr>
         <p:blipFill>
-          <a:blip r:embed="rId3" cstate="print">
+          <a:blip r:embed="rId2" cstate="print">
             <a:extLst>
               <a:ext uri="{28A0092B-C50C-407E-A947-70E740481C1C}">
                 <a14:useLocalDpi xmlns:a14="http://schemas.microsoft.com/office/drawing/2010/main" val="0"/>
@@ -7016,8 +6217,8 @@
         </p:blipFill>
         <p:spPr>
           <a:xfrm>
-            <a:off x="457200" y="415636"/>
-            <a:ext cx="3532909" cy="3522456"/>
+            <a:off x="196516" y="205083"/>
+            <a:ext cx="1106542" cy="1096089"/>
           </a:xfrm>
           <a:prstGeom prst="rect">
             <a:avLst/>
@@ -7026,70 +6227,50 @@
       </p:pic>
       <p:sp>
         <p:nvSpPr>
-          <p:cNvPr id="5" name="Título 1"/>
-          <p:cNvSpPr txBox="1">
-            <a:spLocks/>
-          </p:cNvSpPr>
+          <p:cNvPr id="5" name="TextBox 4">
+            <a:extLst>
+              <a:ext uri="{FF2B5EF4-FFF2-40B4-BE49-F238E27FC236}">
+                <a16:creationId xmlns:a16="http://schemas.microsoft.com/office/drawing/2014/main" id="{751BADB0-5D73-43E9-9ABB-321766D8AE39}"/>
+              </a:ext>
+            </a:extLst>
+          </p:cNvPr>
+          <p:cNvSpPr txBox="1"/>
           <p:nvPr/>
         </p:nvSpPr>
         <p:spPr>
           <a:xfrm>
-            <a:off x="3990109" y="415636"/>
-            <a:ext cx="7772400" cy="2386941"/>
+            <a:off x="2167689" y="483268"/>
+            <a:ext cx="9310436" cy="707886"/>
           </a:xfrm>
           <a:prstGeom prst="rect">
             <a:avLst/>
           </a:prstGeom>
-        </p:spPr>
-        <p:txBody>
-          <a:bodyPr vert="horz" lIns="91440" tIns="45720" rIns="91440" bIns="45720" rtlCol="0" anchor="ctr">
-            <a:normAutofit/>
+          <a:noFill/>
+        </p:spPr>
+        <p:txBody>
+          <a:bodyPr rot="0" spcFirstLastPara="0" vertOverflow="overflow" horzOverflow="overflow" vert="horz" wrap="square" lIns="91440" tIns="45720" rIns="91440" bIns="45720" numCol="1" spcCol="0" rtlCol="0" fromWordArt="0" anchor="t" anchorCtr="0" forceAA="0" compatLnSpc="1">
+            <a:prstTxWarp prst="textNoShape">
+              <a:avLst/>
+            </a:prstTxWarp>
+            <a:spAutoFit/>
           </a:bodyPr>
-          <a:lstStyle>
-            <a:lvl1pPr algn="r" defTabSz="914400" rtl="0" eaLnBrk="1" latinLnBrk="0" hangingPunct="1">
-              <a:lnSpc>
-                <a:spcPct val="80000"/>
-              </a:lnSpc>
-              <a:spcBef>
-                <a:spcPct val="0"/>
-              </a:spcBef>
-              <a:buNone/>
-              <a:defRPr sz="5000" kern="1200" cap="all" spc="200" baseline="0">
-                <a:solidFill>
-                  <a:schemeClr val="tx1">
-                    <a:lumMod val="90000"/>
-                    <a:lumOff val="10000"/>
-                  </a:schemeClr>
-                </a:solidFill>
-                <a:latin typeface="+mj-lt"/>
-                <a:ea typeface="+mj-ea"/>
-                <a:cs typeface="+mj-cs"/>
-              </a:defRPr>
-            </a:lvl1pPr>
-          </a:lstStyle>
-          <a:p>
-            <a:r>
-              <a:rPr lang="pt-BR">
-                <a:solidFill>
-                  <a:schemeClr val="bg1"/>
-                </a:solidFill>
-                <a:cs typeface="Calibri Light"/>
-              </a:rPr>
-              <a:t>PGPARQ01C1-2N-P1 - Arquitetura de Software</a:t>
-            </a:r>
-            <a:endParaRPr lang="en-US">
-              <a:solidFill>
-                <a:schemeClr val="bg1"/>
-              </a:solidFill>
-              <a:cs typeface="Calibri Light"/>
-            </a:endParaRPr>
-          </a:p>
-          <a:p>
-            <a:endParaRPr lang="pt-BR">
-              <a:solidFill>
-                <a:schemeClr val="bg1"/>
-              </a:solidFill>
-              <a:cs typeface="Calibri Light"/>
+          <a:lstStyle/>
+          <a:p>
+            <a:r>
+              <a:rPr lang="en-US" sz="4000">
+                <a:cs typeface="Calibri"/>
+              </a:rPr>
+              <a:t>5 - </a:t>
+            </a:r>
+            <a:r>
+              <a:rPr lang="en-US" sz="4000">
+                <a:ea typeface="+mn-lt"/>
+                <a:cs typeface="+mn-lt"/>
+              </a:rPr>
+              <a:t>Considerações</a:t>
+            </a:r>
+            <a:endParaRPr lang="en-US" sz="4000">
+              <a:cs typeface="Calibri"/>
             </a:endParaRPr>
           </a:p>
         </p:txBody>
@@ -7097,7 +6278,237 @@
     </p:spTree>
     <p:extLst>
       <p:ext uri="{BB962C8B-B14F-4D97-AF65-F5344CB8AC3E}">
-        <p14:creationId xmlns:p14="http://schemas.microsoft.com/office/powerpoint/2010/main" val="892426542"/>
+        <p14:creationId xmlns:p14="http://schemas.microsoft.com/office/powerpoint/2010/main" val="122286710"/>
+      </p:ext>
+    </p:extLst>
+  </p:cSld>
+  <p:clrMapOvr>
+    <a:masterClrMapping/>
+  </p:clrMapOvr>
+</p:sld>
+</file>
+
+<file path=ppt/slides/slide19.xml><?xml version="1.0" encoding="utf-8"?>
+<p:sld xmlns:a="http://schemas.openxmlformats.org/drawingml/2006/main" xmlns:r="http://schemas.openxmlformats.org/officeDocument/2006/relationships" xmlns:p="http://schemas.openxmlformats.org/presentationml/2006/main">
+  <p:cSld>
+    <p:spTree>
+      <p:nvGrpSpPr>
+        <p:cNvPr id="1" name=""/>
+        <p:cNvGrpSpPr/>
+        <p:nvPr/>
+      </p:nvGrpSpPr>
+      <p:grpSpPr>
+        <a:xfrm>
+          <a:off x="0" y="0"/>
+          <a:ext cx="0" cy="0"/>
+          <a:chOff x="0" y="0"/>
+          <a:chExt cx="0" cy="0"/>
+        </a:xfrm>
+      </p:grpSpPr>
+      <p:sp>
+        <p:nvSpPr>
+          <p:cNvPr id="2" name="Espaço Reservado para Número de Slide 1">
+            <a:extLst>
+              <a:ext uri="{FF2B5EF4-FFF2-40B4-BE49-F238E27FC236}">
+                <a16:creationId xmlns:a16="http://schemas.microsoft.com/office/drawing/2014/main" id="{00A5C847-9B16-45BB-A00A-7493094466B1}"/>
+              </a:ext>
+            </a:extLst>
+          </p:cNvPr>
+          <p:cNvSpPr>
+            <a:spLocks noGrp="1"/>
+          </p:cNvSpPr>
+          <p:nvPr>
+            <p:ph type="sldNum" sz="quarter" idx="12"/>
+          </p:nvPr>
+        </p:nvSpPr>
+        <p:spPr/>
+        <p:txBody>
+          <a:bodyPr/>
+          <a:lstStyle/>
+          <a:p>
+            <a:fld id="{47797270-BFBB-4212-9FDA-8EE01FE91F8C}" type="slidenum">
+              <a:rPr lang="pt-BR" smtClean="0"/>
+              <a:t>19</a:t>
+            </a:fld>
+            <a:endParaRPr lang="pt-BR"/>
+          </a:p>
+        </p:txBody>
+      </p:sp>
+      <p:sp>
+        <p:nvSpPr>
+          <p:cNvPr id="7" name="Retângulo 6">
+            <a:extLst>
+              <a:ext uri="{FF2B5EF4-FFF2-40B4-BE49-F238E27FC236}">
+                <a16:creationId xmlns:a16="http://schemas.microsoft.com/office/drawing/2014/main" id="{C0911691-8E5D-4130-9DEF-B295AC8F85B1}"/>
+              </a:ext>
+            </a:extLst>
+          </p:cNvPr>
+          <p:cNvSpPr/>
+          <p:nvPr/>
+        </p:nvSpPr>
+        <p:spPr>
+          <a:xfrm>
+            <a:off x="-134911" y="0"/>
+            <a:ext cx="1758759" cy="6840036"/>
+          </a:xfrm>
+          <a:prstGeom prst="rect">
+            <a:avLst/>
+          </a:prstGeom>
+          <a:solidFill>
+            <a:srgbClr val="053566"/>
+          </a:solidFill>
+        </p:spPr>
+        <p:style>
+          <a:lnRef idx="2">
+            <a:schemeClr val="accent1">
+              <a:shade val="50000"/>
+            </a:schemeClr>
+          </a:lnRef>
+          <a:fillRef idx="1">
+            <a:schemeClr val="accent1"/>
+          </a:fillRef>
+          <a:effectRef idx="0">
+            <a:schemeClr val="accent1"/>
+          </a:effectRef>
+          <a:fontRef idx="minor">
+            <a:schemeClr val="lt1"/>
+          </a:fontRef>
+        </p:style>
+        <p:txBody>
+          <a:bodyPr rtlCol="0" anchor="ctr"/>
+          <a:lstStyle/>
+          <a:p>
+            <a:pPr algn="ctr"/>
+            <a:endParaRPr lang="pt-BR"/>
+          </a:p>
+        </p:txBody>
+      </p:sp>
+      <p:pic>
+        <p:nvPicPr>
+          <p:cNvPr id="4" name="Imagem 3" descr="Logotipo&#10;&#10;Descrição gerada automaticamente">
+            <a:extLst>
+              <a:ext uri="{FF2B5EF4-FFF2-40B4-BE49-F238E27FC236}">
+                <a16:creationId xmlns:a16="http://schemas.microsoft.com/office/drawing/2014/main" id="{A8415950-AE8E-45C0-A2E5-D9B394DF621D}"/>
+              </a:ext>
+            </a:extLst>
+          </p:cNvPr>
+          <p:cNvPicPr>
+            <a:picLocks noChangeAspect="1"/>
+          </p:cNvPicPr>
+          <p:nvPr/>
+        </p:nvPicPr>
+        <p:blipFill>
+          <a:blip r:embed="rId2" cstate="print">
+            <a:extLst>
+              <a:ext uri="{28A0092B-C50C-407E-A947-70E740481C1C}">
+                <a14:useLocalDpi xmlns:a14="http://schemas.microsoft.com/office/drawing/2010/main" val="0"/>
+              </a:ext>
+            </a:extLst>
+          </a:blip>
+          <a:stretch>
+            <a:fillRect/>
+          </a:stretch>
+        </p:blipFill>
+        <p:spPr>
+          <a:xfrm>
+            <a:off x="196516" y="205083"/>
+            <a:ext cx="1106542" cy="1096089"/>
+          </a:xfrm>
+          <a:prstGeom prst="rect">
+            <a:avLst/>
+          </a:prstGeom>
+        </p:spPr>
+      </p:pic>
+      <p:sp>
+        <p:nvSpPr>
+          <p:cNvPr id="5" name="TextBox 4">
+            <a:extLst>
+              <a:ext uri="{FF2B5EF4-FFF2-40B4-BE49-F238E27FC236}">
+                <a16:creationId xmlns:a16="http://schemas.microsoft.com/office/drawing/2014/main" id="{751BADB0-5D73-43E9-9ABB-321766D8AE39}"/>
+              </a:ext>
+            </a:extLst>
+          </p:cNvPr>
+          <p:cNvSpPr txBox="1"/>
+          <p:nvPr/>
+        </p:nvSpPr>
+        <p:spPr>
+          <a:xfrm>
+            <a:off x="2167689" y="483268"/>
+            <a:ext cx="9310436" cy="707886"/>
+          </a:xfrm>
+          <a:prstGeom prst="rect">
+            <a:avLst/>
+          </a:prstGeom>
+          <a:noFill/>
+        </p:spPr>
+        <p:txBody>
+          <a:bodyPr rot="0" spcFirstLastPara="0" vertOverflow="overflow" horzOverflow="overflow" vert="horz" wrap="square" lIns="91440" tIns="45720" rIns="91440" bIns="45720" numCol="1" spcCol="0" rtlCol="0" fromWordArt="0" anchor="t" anchorCtr="0" forceAA="0" compatLnSpc="1">
+            <a:prstTxWarp prst="textNoShape">
+              <a:avLst/>
+            </a:prstTxWarp>
+            <a:spAutoFit/>
+          </a:bodyPr>
+          <a:lstStyle/>
+          <a:p>
+            <a:r>
+              <a:rPr lang="en-US" sz="4000">
+                <a:cs typeface="Calibri"/>
+              </a:rPr>
+              <a:t>6 - </a:t>
+            </a:r>
+            <a:r>
+              <a:rPr lang="en-US" sz="4000">
+                <a:ea typeface="+mn-lt"/>
+                <a:cs typeface="+mn-lt"/>
+              </a:rPr>
+              <a:t>Perguntas</a:t>
+            </a:r>
+            <a:endParaRPr lang="en-US" sz="4000">
+              <a:cs typeface="Calibri"/>
+            </a:endParaRPr>
+          </a:p>
+        </p:txBody>
+      </p:sp>
+      <p:pic>
+        <p:nvPicPr>
+          <p:cNvPr id="3" name="Gráfico 5" descr="Perguntas com preenchimento sólido">
+            <a:extLst>
+              <a:ext uri="{FF2B5EF4-FFF2-40B4-BE49-F238E27FC236}">
+                <a16:creationId xmlns:a16="http://schemas.microsoft.com/office/drawing/2014/main" id="{B35E9272-4ADA-42A4-887A-FC3950232D19}"/>
+              </a:ext>
+            </a:extLst>
+          </p:cNvPr>
+          <p:cNvPicPr>
+            <a:picLocks noChangeAspect="1"/>
+          </p:cNvPicPr>
+          <p:nvPr/>
+        </p:nvPicPr>
+        <p:blipFill>
+          <a:blip r:embed="rId3">
+            <a:extLst>
+              <a:ext uri="{96DAC541-7B7A-43D3-8B79-37D633B846F1}">
+                <asvg:svgBlip xmlns:asvg="http://schemas.microsoft.com/office/drawing/2016/SVG/main" r:embed="rId4"/>
+              </a:ext>
+            </a:extLst>
+          </a:blip>
+          <a:stretch>
+            <a:fillRect/>
+          </a:stretch>
+        </p:blipFill>
+        <p:spPr>
+          <a:xfrm>
+            <a:off x="4457700" y="1657350"/>
+            <a:ext cx="4476750" cy="4476750"/>
+          </a:xfrm>
+          <a:prstGeom prst="rect">
+            <a:avLst/>
+          </a:prstGeom>
+        </p:spPr>
+      </p:pic>
+    </p:spTree>
+    <p:extLst>
+      <p:ext uri="{BB962C8B-B14F-4D97-AF65-F5344CB8AC3E}">
+        <p14:creationId xmlns:p14="http://schemas.microsoft.com/office/powerpoint/2010/main" val="541333889"/>
       </p:ext>
     </p:extLst>
   </p:cSld>
@@ -7252,7 +6663,7 @@
         </p:nvSpPr>
         <p:spPr>
           <a:xfrm>
-            <a:off x="2167689" y="483268"/>
+            <a:off x="2238710" y="397401"/>
             <a:ext cx="9310436" cy="6063198"/>
           </a:xfrm>
           <a:prstGeom prst="rect">
@@ -7271,159 +6682,162 @@
           <a:p>
             <a:pPr algn="l"/>
             <a:r>
-              <a:rPr lang="en-US" sz="4000">
+              <a:rPr lang="en-US" sz="4000" dirty="0">
                 <a:cs typeface="Calibri"/>
               </a:rPr>
               <a:t>Agenda</a:t>
             </a:r>
           </a:p>
           <a:p>
-            <a:endParaRPr lang="en-US" sz="4000">
+            <a:endParaRPr lang="en-US" sz="4000" dirty="0">
               <a:cs typeface="Calibri"/>
             </a:endParaRPr>
           </a:p>
           <a:p>
-            <a:pPr marL="742950" indent="-742950">
+            <a:pPr marL="514350" indent="-514350">
               <a:buAutoNum type="arabicPeriod"/>
             </a:pPr>
             <a:r>
-              <a:rPr lang="en-US" sz="2800" err="1">
+              <a:rPr lang="en-US" sz="2800" dirty="0" err="1">
                 <a:cs typeface="Calibri"/>
               </a:rPr>
               <a:t>Motivador</a:t>
             </a:r>
-            <a:endParaRPr lang="en-US" sz="2800">
+            <a:endParaRPr lang="en-US" sz="2800" dirty="0">
               <a:cs typeface="Calibri"/>
             </a:endParaRPr>
           </a:p>
           <a:p>
-            <a:pPr marL="742950" indent="-742950">
+            <a:pPr marL="514350" indent="-514350">
               <a:buAutoNum type="arabicPeriod"/>
             </a:pPr>
             <a:r>
-              <a:rPr lang="en-US" sz="2800">
+              <a:rPr lang="en-US" sz="2800" dirty="0" err="1">
                 <a:cs typeface="Calibri"/>
               </a:rPr>
-              <a:t>Pesquisa de mercado</a:t>
-            </a:r>
-          </a:p>
-          <a:p>
-            <a:pPr marL="742950" indent="-742950">
+              <a:t>Pesquisa</a:t>
+            </a:r>
+            <a:r>
+              <a:rPr lang="en-US" sz="2800" dirty="0">
+                <a:cs typeface="Calibri"/>
+              </a:rPr>
+              <a:t> de mercado</a:t>
+            </a:r>
+          </a:p>
+          <a:p>
+            <a:pPr marL="514350" indent="-514350">
               <a:buAutoNum type="arabicPeriod"/>
             </a:pPr>
             <a:r>
-              <a:rPr lang="en-US" sz="2800" err="1">
+              <a:rPr lang="en-US" sz="2800" dirty="0">
                 <a:cs typeface="Calibri"/>
               </a:rPr>
-              <a:t>Arquitetura</a:t>
-            </a:r>
-            <a:r>
-              <a:rPr lang="en-US" sz="2800">
-                <a:cs typeface="Calibri"/>
-              </a:rPr>
-              <a:t> de Software</a:t>
-            </a:r>
-          </a:p>
-          <a:p>
-            <a:pPr marL="1200150" lvl="1" indent="-742950">
+              <a:t>Arquitetura de Software</a:t>
+            </a:r>
+          </a:p>
+          <a:p>
+            <a:pPr marL="971550" lvl="1" indent="-514350">
               <a:buAutoNum type="arabicPeriod"/>
             </a:pPr>
             <a:r>
-              <a:rPr lang="en-US" sz="2800">
+              <a:rPr lang="en-US" sz="2800" dirty="0">
                 <a:cs typeface="Calibri"/>
               </a:rPr>
               <a:t>CANVAS</a:t>
             </a:r>
           </a:p>
           <a:p>
-            <a:pPr marL="1200150" lvl="1" indent="-742950">
+            <a:pPr marL="971550" lvl="1" indent="-514350">
               <a:buAutoNum type="arabicPeriod"/>
             </a:pPr>
             <a:r>
-              <a:rPr lang="en-US" sz="2800" err="1">
+              <a:rPr lang="en-US" sz="2800" dirty="0" err="1">
                 <a:cs typeface="Calibri"/>
               </a:rPr>
               <a:t>MoSCoW</a:t>
             </a:r>
-            <a:endParaRPr lang="en-US" sz="2800">
+            <a:endParaRPr lang="en-US" sz="2800" dirty="0">
               <a:cs typeface="Calibri"/>
             </a:endParaRPr>
           </a:p>
           <a:p>
-            <a:pPr marL="1200150" lvl="1" indent="-742950">
+            <a:pPr marL="971550" lvl="1" indent="-514350">
               <a:buAutoNum type="arabicPeriod"/>
             </a:pPr>
             <a:r>
-              <a:rPr lang="en-US" sz="2800" err="1">
+              <a:rPr lang="en-US" sz="2800" dirty="0" err="1">
                 <a:cs typeface="Calibri"/>
               </a:rPr>
               <a:t>Fluxos</a:t>
             </a:r>
-            <a:endParaRPr lang="en-US" sz="2800">
+            <a:endParaRPr lang="en-US" sz="2800" dirty="0">
               <a:cs typeface="Calibri"/>
             </a:endParaRPr>
           </a:p>
           <a:p>
-            <a:pPr marL="1200150" lvl="1" indent="-742950">
+            <a:pPr marL="971550" lvl="1" indent="-514350">
               <a:buAutoNum type="arabicPeriod"/>
             </a:pPr>
             <a:r>
-              <a:rPr lang="en-US" sz="2800">
+              <a:rPr lang="en-US" sz="2800" dirty="0">
                 <a:cs typeface="Calibri"/>
               </a:rPr>
               <a:t>ICE</a:t>
             </a:r>
           </a:p>
           <a:p>
-            <a:pPr marL="1200150" lvl="1" indent="-742950">
+            <a:pPr marL="971550" lvl="1" indent="-514350">
               <a:buAutoNum type="arabicPeriod"/>
             </a:pPr>
             <a:r>
-              <a:rPr lang="en-US" sz="2800" err="1">
+              <a:rPr lang="en-US" sz="2800" dirty="0" err="1">
                 <a:cs typeface="Calibri"/>
               </a:rPr>
               <a:t>Diagramas</a:t>
             </a:r>
             <a:r>
-              <a:rPr lang="en-US" sz="2800">
+              <a:rPr lang="en-US" sz="2800" dirty="0">
                 <a:cs typeface="Calibri"/>
               </a:rPr>
               <a:t> C4 Model</a:t>
             </a:r>
           </a:p>
           <a:p>
-            <a:pPr marL="742950" indent="-742950">
+            <a:pPr marL="514350" indent="-514350">
               <a:buAutoNum type="arabicPeriod"/>
             </a:pPr>
             <a:r>
-              <a:rPr lang="en-US" sz="2800">
+              <a:rPr lang="en-US" sz="2800" dirty="0">
                 <a:cs typeface="Calibri"/>
               </a:rPr>
               <a:t>Custos</a:t>
             </a:r>
           </a:p>
           <a:p>
-            <a:pPr marL="742950" indent="-742950">
+            <a:pPr marL="514350" indent="-514350">
               <a:buAutoNum type="arabicPeriod"/>
             </a:pPr>
             <a:r>
-              <a:rPr lang="en-US" sz="2800">
+              <a:rPr lang="en-US" sz="2800" dirty="0" err="1">
                 <a:cs typeface="Calibri"/>
               </a:rPr>
               <a:t>Considerações</a:t>
             </a:r>
-          </a:p>
-          <a:p>
-            <a:pPr marL="742950" indent="-742950">
+            <a:endParaRPr lang="en-US" sz="2800" dirty="0">
+              <a:cs typeface="Calibri"/>
+            </a:endParaRPr>
+          </a:p>
+          <a:p>
+            <a:pPr marL="514350" indent="-514350">
               <a:buAutoNum type="arabicPeriod"/>
             </a:pPr>
             <a:r>
-              <a:rPr lang="en-US" sz="2800" err="1">
+              <a:rPr lang="en-US" sz="2800" dirty="0" err="1">
                 <a:cs typeface="Calibri"/>
               </a:rPr>
               <a:t>Perguntas</a:t>
             </a:r>
-            <a:endParaRPr lang="en-US" sz="2800">
+            <a:endParaRPr lang="en-US" sz="2800" dirty="0">
               <a:cs typeface="Calibri"/>
             </a:endParaRPr>
           </a:p>
@@ -7433,6 +6847,539 @@
     <p:extLst>
       <p:ext uri="{BB962C8B-B14F-4D97-AF65-F5344CB8AC3E}">
         <p14:creationId xmlns:p14="http://schemas.microsoft.com/office/powerpoint/2010/main" val="2117840401"/>
+      </p:ext>
+    </p:extLst>
+  </p:cSld>
+  <p:clrMapOvr>
+    <a:masterClrMapping/>
+  </p:clrMapOvr>
+</p:sld>
+</file>
+
+<file path=ppt/slides/slide20.xml><?xml version="1.0" encoding="utf-8"?>
+<p:sld xmlns:a="http://schemas.openxmlformats.org/drawingml/2006/main" xmlns:r="http://schemas.openxmlformats.org/officeDocument/2006/relationships" xmlns:p="http://schemas.openxmlformats.org/presentationml/2006/main">
+  <p:cSld>
+    <p:spTree>
+      <p:nvGrpSpPr>
+        <p:cNvPr id="1" name=""/>
+        <p:cNvGrpSpPr/>
+        <p:nvPr/>
+      </p:nvGrpSpPr>
+      <p:grpSpPr>
+        <a:xfrm>
+          <a:off x="0" y="0"/>
+          <a:ext cx="0" cy="0"/>
+          <a:chOff x="0" y="0"/>
+          <a:chExt cx="0" cy="0"/>
+        </a:xfrm>
+      </p:grpSpPr>
+      <p:sp>
+        <p:nvSpPr>
+          <p:cNvPr id="2" name="Espaço Reservado para Número de Slide 1">
+            <a:extLst>
+              <a:ext uri="{FF2B5EF4-FFF2-40B4-BE49-F238E27FC236}">
+                <a16:creationId xmlns:a16="http://schemas.microsoft.com/office/drawing/2014/main" id="{00A5C847-9B16-45BB-A00A-7493094466B1}"/>
+              </a:ext>
+            </a:extLst>
+          </p:cNvPr>
+          <p:cNvSpPr>
+            <a:spLocks noGrp="1"/>
+          </p:cNvSpPr>
+          <p:nvPr>
+            <p:ph type="sldNum" sz="quarter" idx="12"/>
+          </p:nvPr>
+        </p:nvSpPr>
+        <p:spPr/>
+        <p:txBody>
+          <a:bodyPr/>
+          <a:lstStyle/>
+          <a:p>
+            <a:fld id="{47797270-BFBB-4212-9FDA-8EE01FE91F8C}" type="slidenum">
+              <a:rPr lang="pt-BR" smtClean="0"/>
+              <a:t>20</a:t>
+            </a:fld>
+            <a:endParaRPr lang="pt-BR"/>
+          </a:p>
+        </p:txBody>
+      </p:sp>
+      <p:sp>
+        <p:nvSpPr>
+          <p:cNvPr id="7" name="Retângulo 6">
+            <a:extLst>
+              <a:ext uri="{FF2B5EF4-FFF2-40B4-BE49-F238E27FC236}">
+                <a16:creationId xmlns:a16="http://schemas.microsoft.com/office/drawing/2014/main" id="{C0911691-8E5D-4130-9DEF-B295AC8F85B1}"/>
+              </a:ext>
+            </a:extLst>
+          </p:cNvPr>
+          <p:cNvSpPr/>
+          <p:nvPr/>
+        </p:nvSpPr>
+        <p:spPr>
+          <a:xfrm>
+            <a:off x="-134911" y="0"/>
+            <a:ext cx="1758759" cy="6840036"/>
+          </a:xfrm>
+          <a:prstGeom prst="rect">
+            <a:avLst/>
+          </a:prstGeom>
+          <a:solidFill>
+            <a:srgbClr val="053566"/>
+          </a:solidFill>
+        </p:spPr>
+        <p:style>
+          <a:lnRef idx="2">
+            <a:schemeClr val="accent1">
+              <a:shade val="50000"/>
+            </a:schemeClr>
+          </a:lnRef>
+          <a:fillRef idx="1">
+            <a:schemeClr val="accent1"/>
+          </a:fillRef>
+          <a:effectRef idx="0">
+            <a:schemeClr val="accent1"/>
+          </a:effectRef>
+          <a:fontRef idx="minor">
+            <a:schemeClr val="lt1"/>
+          </a:fontRef>
+        </p:style>
+        <p:txBody>
+          <a:bodyPr rtlCol="0" anchor="ctr"/>
+          <a:lstStyle/>
+          <a:p>
+            <a:pPr algn="ctr"/>
+            <a:endParaRPr lang="pt-BR"/>
+          </a:p>
+        </p:txBody>
+      </p:sp>
+      <p:pic>
+        <p:nvPicPr>
+          <p:cNvPr id="4" name="Imagem 3" descr="Logotipo&#10;&#10;Descrição gerada automaticamente">
+            <a:extLst>
+              <a:ext uri="{FF2B5EF4-FFF2-40B4-BE49-F238E27FC236}">
+                <a16:creationId xmlns:a16="http://schemas.microsoft.com/office/drawing/2014/main" id="{A8415950-AE8E-45C0-A2E5-D9B394DF621D}"/>
+              </a:ext>
+            </a:extLst>
+          </p:cNvPr>
+          <p:cNvPicPr>
+            <a:picLocks noChangeAspect="1"/>
+          </p:cNvPicPr>
+          <p:nvPr/>
+        </p:nvPicPr>
+        <p:blipFill>
+          <a:blip r:embed="rId2" cstate="print">
+            <a:extLst>
+              <a:ext uri="{28A0092B-C50C-407E-A947-70E740481C1C}">
+                <a14:useLocalDpi xmlns:a14="http://schemas.microsoft.com/office/drawing/2010/main" val="0"/>
+              </a:ext>
+            </a:extLst>
+          </a:blip>
+          <a:stretch>
+            <a:fillRect/>
+          </a:stretch>
+        </p:blipFill>
+        <p:spPr>
+          <a:xfrm>
+            <a:off x="196516" y="205083"/>
+            <a:ext cx="1106542" cy="1096089"/>
+          </a:xfrm>
+          <a:prstGeom prst="rect">
+            <a:avLst/>
+          </a:prstGeom>
+        </p:spPr>
+      </p:pic>
+      <p:sp>
+        <p:nvSpPr>
+          <p:cNvPr id="5" name="TextBox 4">
+            <a:extLst>
+              <a:ext uri="{FF2B5EF4-FFF2-40B4-BE49-F238E27FC236}">
+                <a16:creationId xmlns:a16="http://schemas.microsoft.com/office/drawing/2014/main" id="{751BADB0-5D73-43E9-9ABB-321766D8AE39}"/>
+              </a:ext>
+            </a:extLst>
+          </p:cNvPr>
+          <p:cNvSpPr txBox="1"/>
+          <p:nvPr/>
+        </p:nvSpPr>
+        <p:spPr>
+          <a:xfrm>
+            <a:off x="2167689" y="483268"/>
+            <a:ext cx="9310436" cy="707886"/>
+          </a:xfrm>
+          <a:prstGeom prst="rect">
+            <a:avLst/>
+          </a:prstGeom>
+          <a:noFill/>
+        </p:spPr>
+        <p:txBody>
+          <a:bodyPr rot="0" spcFirstLastPara="0" vertOverflow="overflow" horzOverflow="overflow" vert="horz" wrap="square" lIns="91440" tIns="45720" rIns="91440" bIns="45720" numCol="1" spcCol="0" rtlCol="0" fromWordArt="0" anchor="t" anchorCtr="0" forceAA="0" compatLnSpc="1">
+            <a:prstTxWarp prst="textNoShape">
+              <a:avLst/>
+            </a:prstTxWarp>
+            <a:spAutoFit/>
+          </a:bodyPr>
+          <a:lstStyle/>
+          <a:p>
+            <a:r>
+              <a:rPr lang="en-US" sz="4000">
+                <a:cs typeface="Calibri"/>
+              </a:rPr>
+              <a:t>Referencias</a:t>
+            </a:r>
+            <a:endParaRPr lang="en-US"/>
+          </a:p>
+        </p:txBody>
+      </p:sp>
+      <p:sp>
+        <p:nvSpPr>
+          <p:cNvPr id="6" name="TextBox 5">
+            <a:extLst>
+              <a:ext uri="{FF2B5EF4-FFF2-40B4-BE49-F238E27FC236}">
+                <a16:creationId xmlns:a16="http://schemas.microsoft.com/office/drawing/2014/main" id="{553D447B-6377-4757-977D-CB26B99C59EC}"/>
+              </a:ext>
+            </a:extLst>
+          </p:cNvPr>
+          <p:cNvSpPr txBox="1"/>
+          <p:nvPr/>
+        </p:nvSpPr>
+        <p:spPr>
+          <a:xfrm>
+            <a:off x="2251410" y="1596830"/>
+            <a:ext cx="6460524" cy="3416320"/>
+          </a:xfrm>
+          <a:prstGeom prst="rect">
+            <a:avLst/>
+          </a:prstGeom>
+          <a:noFill/>
+        </p:spPr>
+        <p:txBody>
+          <a:bodyPr rot="0" spcFirstLastPara="0" vertOverflow="overflow" horzOverflow="overflow" vert="horz" wrap="square" lIns="91440" tIns="45720" rIns="91440" bIns="45720" numCol="1" spcCol="0" rtlCol="0" fromWordArt="0" anchor="t" anchorCtr="0" forceAA="0" compatLnSpc="1">
+            <a:prstTxWarp prst="textNoShape">
+              <a:avLst/>
+            </a:prstTxWarp>
+            <a:spAutoFit/>
+          </a:bodyPr>
+          <a:lstStyle/>
+          <a:p>
+            <a:r>
+              <a:rPr lang="en-US" dirty="0">
+                <a:hlinkClick r:id="rId3"/>
+              </a:rPr>
+              <a:t>https://c4model.com</a:t>
+            </a:r>
+            <a:endParaRPr lang="en-US" dirty="0"/>
+          </a:p>
+          <a:p>
+            <a:r>
+              <a:rPr lang="en-US" dirty="0">
+                <a:hlinkClick r:id="rId4"/>
+              </a:rPr>
+              <a:t>https://www.npmjs.com/package/c4builder?activeTab=readme</a:t>
+            </a:r>
+            <a:endParaRPr lang="en-US" dirty="0">
+              <a:cs typeface="Calibri"/>
+            </a:endParaRPr>
+          </a:p>
+          <a:p>
+            <a:r>
+              <a:rPr lang="en-US" dirty="0">
+                <a:ea typeface="+mn-lt"/>
+                <a:cs typeface="+mn-lt"/>
+                <a:hlinkClick r:id="rId5"/>
+              </a:rPr>
+              <a:t>https://github.com/adrianvlupu/C4-Builder</a:t>
+            </a:r>
+            <a:br>
+              <a:rPr lang="en-US" dirty="0">
+                <a:ea typeface="+mn-lt"/>
+                <a:cs typeface="+mn-lt"/>
+              </a:rPr>
+            </a:br>
+            <a:r>
+              <a:rPr lang="en-US" dirty="0">
+                <a:ea typeface="+mn-lt"/>
+                <a:cs typeface="+mn-lt"/>
+                <a:hlinkClick r:id="rId6"/>
+              </a:rPr>
+              <a:t>https://github.com/plantuml-stdlib/Azure-PlantUML</a:t>
+            </a:r>
+            <a:br>
+              <a:rPr lang="en-US" dirty="0">
+                <a:ea typeface="+mn-lt"/>
+                <a:cs typeface="+mn-lt"/>
+              </a:rPr>
+            </a:br>
+            <a:r>
+              <a:rPr lang="en-US" dirty="0">
+                <a:ea typeface="+mn-lt"/>
+                <a:cs typeface="+mn-lt"/>
+                <a:hlinkClick r:id="rId7"/>
+              </a:rPr>
+              <a:t>https://github.com/qjebbs/vscode-plantuml</a:t>
+            </a:r>
+          </a:p>
+          <a:p>
+            <a:r>
+              <a:rPr lang="en-US" dirty="0">
+                <a:ea typeface="+mn-lt"/>
+                <a:cs typeface="+mn-lt"/>
+                <a:hlinkClick r:id="rId8"/>
+              </a:rPr>
+              <a:t>https://azure.microsoft.com/pt-br/pricing/calculator</a:t>
+            </a:r>
+            <a:endParaRPr lang="en-US" dirty="0"/>
+          </a:p>
+          <a:p>
+            <a:r>
+              <a:rPr lang="en-US" dirty="0">
+                <a:ea typeface="+mn-lt"/>
+                <a:cs typeface="+mn-lt"/>
+                <a:hlinkClick r:id="rId9"/>
+              </a:rPr>
+              <a:t>https://www.mercadopago.com.br/ajuda/custo-receber-pagamentos_220</a:t>
+            </a:r>
+            <a:endParaRPr lang="en-US"/>
+          </a:p>
+          <a:p>
+            <a:endParaRPr lang="en-US" dirty="0">
+              <a:cs typeface="Calibri"/>
+            </a:endParaRPr>
+          </a:p>
+          <a:p>
+            <a:endParaRPr lang="en-US">
+              <a:cs typeface="Calibri"/>
+            </a:endParaRPr>
+          </a:p>
+          <a:p>
+            <a:endParaRPr lang="en-US">
+              <a:cs typeface="Calibri"/>
+            </a:endParaRPr>
+          </a:p>
+          <a:p>
+            <a:endParaRPr lang="en-US">
+              <a:cs typeface="Calibri"/>
+            </a:endParaRPr>
+          </a:p>
+        </p:txBody>
+      </p:sp>
+    </p:spTree>
+    <p:extLst>
+      <p:ext uri="{BB962C8B-B14F-4D97-AF65-F5344CB8AC3E}">
+        <p14:creationId xmlns:p14="http://schemas.microsoft.com/office/powerpoint/2010/main" val="2004314188"/>
+      </p:ext>
+    </p:extLst>
+  </p:cSld>
+  <p:clrMapOvr>
+    <a:masterClrMapping/>
+  </p:clrMapOvr>
+</p:sld>
+</file>
+
+<file path=ppt/slides/slide21.xml><?xml version="1.0" encoding="utf-8"?>
+<p:sld xmlns:a="http://schemas.openxmlformats.org/drawingml/2006/main" xmlns:r="http://schemas.openxmlformats.org/officeDocument/2006/relationships" xmlns:p="http://schemas.openxmlformats.org/presentationml/2006/main">
+  <p:cSld>
+    <p:spTree>
+      <p:nvGrpSpPr>
+        <p:cNvPr id="1" name=""/>
+        <p:cNvGrpSpPr/>
+        <p:nvPr/>
+      </p:nvGrpSpPr>
+      <p:grpSpPr>
+        <a:xfrm>
+          <a:off x="0" y="0"/>
+          <a:ext cx="0" cy="0"/>
+          <a:chOff x="0" y="0"/>
+          <a:chExt cx="0" cy="0"/>
+        </a:xfrm>
+      </p:grpSpPr>
+      <p:sp>
+        <p:nvSpPr>
+          <p:cNvPr id="6" name="Retângulo 5">
+            <a:extLst>
+              <a:ext uri="{FF2B5EF4-FFF2-40B4-BE49-F238E27FC236}">
+                <a16:creationId xmlns:a16="http://schemas.microsoft.com/office/drawing/2014/main" id="{1A99BFEF-E15F-4101-9163-CC25659DBF38}"/>
+              </a:ext>
+            </a:extLst>
+          </p:cNvPr>
+          <p:cNvSpPr/>
+          <p:nvPr/>
+        </p:nvSpPr>
+        <p:spPr>
+          <a:xfrm>
+            <a:off x="0" y="0"/>
+            <a:ext cx="12192000" cy="4646951"/>
+          </a:xfrm>
+          <a:prstGeom prst="rect">
+            <a:avLst/>
+          </a:prstGeom>
+          <a:solidFill>
+            <a:srgbClr val="053566"/>
+          </a:solidFill>
+        </p:spPr>
+        <p:style>
+          <a:lnRef idx="2">
+            <a:schemeClr val="accent1">
+              <a:shade val="50000"/>
+            </a:schemeClr>
+          </a:lnRef>
+          <a:fillRef idx="1">
+            <a:schemeClr val="accent1"/>
+          </a:fillRef>
+          <a:effectRef idx="0">
+            <a:schemeClr val="accent1"/>
+          </a:effectRef>
+          <a:fontRef idx="minor">
+            <a:schemeClr val="lt1"/>
+          </a:fontRef>
+        </p:style>
+        <p:txBody>
+          <a:bodyPr rtlCol="0" anchor="ctr"/>
+          <a:lstStyle/>
+          <a:p>
+            <a:pPr algn="ctr"/>
+            <a:endParaRPr lang="pt-BR"/>
+          </a:p>
+        </p:txBody>
+      </p:sp>
+      <p:sp>
+        <p:nvSpPr>
+          <p:cNvPr id="3" name="Subtítulo 2"/>
+          <p:cNvSpPr>
+            <a:spLocks noGrp="1"/>
+          </p:cNvSpPr>
+          <p:nvPr>
+            <p:ph type="subTitle" idx="1"/>
+          </p:nvPr>
+        </p:nvSpPr>
+        <p:spPr>
+          <a:xfrm>
+            <a:off x="0" y="4960137"/>
+            <a:ext cx="12192000" cy="1463040"/>
+          </a:xfrm>
+          <a:solidFill>
+            <a:schemeClr val="bg1"/>
+          </a:solidFill>
+        </p:spPr>
+        <p:txBody>
+          <a:bodyPr vert="horz" lIns="91440" tIns="45720" rIns="91440" bIns="45720" rtlCol="0" anchor="t">
+            <a:normAutofit/>
+          </a:bodyPr>
+          <a:lstStyle/>
+          <a:p>
+            <a:r>
+              <a:rPr lang="pt-BR" sz="2800">
+                <a:cs typeface="Calibri"/>
+              </a:rPr>
+              <a:t>Obrigado!</a:t>
+            </a:r>
+            <a:endParaRPr lang="en-US">
+              <a:cs typeface="Calibri" panose="020F0502020204030204"/>
+            </a:endParaRPr>
+          </a:p>
+        </p:txBody>
+      </p:sp>
+      <p:pic>
+        <p:nvPicPr>
+          <p:cNvPr id="4" name="Imagem 3"/>
+          <p:cNvPicPr>
+            <a:picLocks noChangeAspect="1"/>
+          </p:cNvPicPr>
+          <p:nvPr/>
+        </p:nvPicPr>
+        <p:blipFill>
+          <a:blip r:embed="rId3" cstate="print">
+            <a:extLst>
+              <a:ext uri="{28A0092B-C50C-407E-A947-70E740481C1C}">
+                <a14:useLocalDpi xmlns:a14="http://schemas.microsoft.com/office/drawing/2010/main" val="0"/>
+              </a:ext>
+            </a:extLst>
+          </a:blip>
+          <a:stretch>
+            <a:fillRect/>
+          </a:stretch>
+        </p:blipFill>
+        <p:spPr>
+          <a:xfrm>
+            <a:off x="457200" y="415636"/>
+            <a:ext cx="3532909" cy="3522456"/>
+          </a:xfrm>
+          <a:prstGeom prst="rect">
+            <a:avLst/>
+          </a:prstGeom>
+        </p:spPr>
+      </p:pic>
+      <p:sp>
+        <p:nvSpPr>
+          <p:cNvPr id="5" name="Título 1"/>
+          <p:cNvSpPr txBox="1">
+            <a:spLocks/>
+          </p:cNvSpPr>
+          <p:nvPr/>
+        </p:nvSpPr>
+        <p:spPr>
+          <a:xfrm>
+            <a:off x="3990109" y="415636"/>
+            <a:ext cx="7772400" cy="2386941"/>
+          </a:xfrm>
+          <a:prstGeom prst="rect">
+            <a:avLst/>
+          </a:prstGeom>
+        </p:spPr>
+        <p:txBody>
+          <a:bodyPr vert="horz" lIns="91440" tIns="45720" rIns="91440" bIns="45720" rtlCol="0" anchor="ctr">
+            <a:normAutofit/>
+          </a:bodyPr>
+          <a:lstStyle>
+            <a:lvl1pPr algn="r" defTabSz="914400" rtl="0" eaLnBrk="1" latinLnBrk="0" hangingPunct="1">
+              <a:lnSpc>
+                <a:spcPct val="80000"/>
+              </a:lnSpc>
+              <a:spcBef>
+                <a:spcPct val="0"/>
+              </a:spcBef>
+              <a:buNone/>
+              <a:defRPr sz="5000" kern="1200" cap="all" spc="200" baseline="0">
+                <a:solidFill>
+                  <a:schemeClr val="tx1">
+                    <a:lumMod val="90000"/>
+                    <a:lumOff val="10000"/>
+                  </a:schemeClr>
+                </a:solidFill>
+                <a:latin typeface="+mj-lt"/>
+                <a:ea typeface="+mj-ea"/>
+                <a:cs typeface="+mj-cs"/>
+              </a:defRPr>
+            </a:lvl1pPr>
+          </a:lstStyle>
+          <a:p>
+            <a:r>
+              <a:rPr lang="pt-BR">
+                <a:solidFill>
+                  <a:schemeClr val="bg1"/>
+                </a:solidFill>
+                <a:cs typeface="Calibri Light"/>
+              </a:rPr>
+              <a:t>PGPARQ01C1-2N-P1 - Arquitetura de Software</a:t>
+            </a:r>
+            <a:endParaRPr lang="en-US">
+              <a:solidFill>
+                <a:schemeClr val="bg1"/>
+              </a:solidFill>
+              <a:cs typeface="Calibri Light"/>
+            </a:endParaRPr>
+          </a:p>
+          <a:p>
+            <a:endParaRPr lang="pt-BR">
+              <a:solidFill>
+                <a:schemeClr val="bg1"/>
+              </a:solidFill>
+              <a:cs typeface="Calibri Light"/>
+            </a:endParaRPr>
+          </a:p>
+        </p:txBody>
+      </p:sp>
+    </p:spTree>
+    <p:extLst>
+      <p:ext uri="{BB962C8B-B14F-4D97-AF65-F5344CB8AC3E}">
+        <p14:creationId xmlns:p14="http://schemas.microsoft.com/office/powerpoint/2010/main" val="892426542"/>
       </p:ext>
     </p:extLst>
   </p:cSld>
@@ -7645,497 +7592,525 @@
           <a:lstStyle/>
           <a:p>
             <a:r>
-              <a:rPr lang="en-US" err="1"/>
+              <a:rPr lang="en-US" dirty="0" err="1"/>
               <a:t>Pensando</a:t>
             </a:r>
             <a:r>
-              <a:rPr lang="en-US"/>
+              <a:rPr lang="en-US" dirty="0"/>
               <a:t> </a:t>
             </a:r>
             <a:r>
-              <a:rPr lang="en-US" err="1"/>
+              <a:rPr lang="en-US" dirty="0" err="1"/>
               <a:t>na</a:t>
             </a:r>
             <a:r>
-              <a:rPr lang="en-US"/>
+              <a:rPr lang="en-US" dirty="0"/>
               <a:t> </a:t>
             </a:r>
             <a:r>
-              <a:rPr lang="en-US" err="1"/>
+              <a:rPr lang="en-US" dirty="0" err="1"/>
               <a:t>viabilidade</a:t>
             </a:r>
             <a:r>
-              <a:rPr lang="en-US"/>
+              <a:rPr lang="en-US" dirty="0"/>
               <a:t> do </a:t>
             </a:r>
             <a:r>
-              <a:rPr lang="en-US" err="1"/>
+              <a:rPr lang="en-US" dirty="0" err="1"/>
               <a:t>uso</a:t>
             </a:r>
             <a:r>
-              <a:rPr lang="en-US"/>
+              <a:rPr lang="en-US" dirty="0"/>
               <a:t> de </a:t>
             </a:r>
             <a:r>
-              <a:rPr lang="en-US" err="1"/>
+              <a:rPr lang="en-US" dirty="0" err="1"/>
               <a:t>carros</a:t>
             </a:r>
             <a:r>
-              <a:rPr lang="en-US"/>
+              <a:rPr lang="en-US" dirty="0"/>
               <a:t> </a:t>
             </a:r>
             <a:r>
-              <a:rPr lang="en-US" err="1"/>
-              <a:t>eletricos</a:t>
-            </a:r>
-            <a:r>
-              <a:rPr lang="en-US"/>
+              <a:rPr lang="pt-BR" dirty="0"/>
+              <a:t>elétricos</a:t>
+            </a:r>
+            <a:r>
+              <a:rPr lang="en-US" dirty="0"/>
               <a:t> </a:t>
             </a:r>
             <a:r>
-              <a:rPr lang="en-US" err="1"/>
+              <a:rPr lang="en-US" dirty="0" err="1"/>
               <a:t>compartilhados</a:t>
             </a:r>
             <a:r>
-              <a:rPr lang="en-US"/>
+              <a:rPr lang="en-US" dirty="0"/>
               <a:t>, </a:t>
             </a:r>
             <a:r>
-              <a:rPr lang="en-US" err="1"/>
+              <a:rPr lang="en-US" dirty="0" err="1"/>
               <a:t>podemos</a:t>
             </a:r>
             <a:r>
-              <a:rPr lang="en-US"/>
+              <a:rPr lang="en-US" dirty="0"/>
               <a:t> </a:t>
             </a:r>
             <a:r>
-              <a:rPr lang="en-US" err="1"/>
+              <a:rPr lang="en-US" dirty="0" err="1"/>
               <a:t>atingir</a:t>
             </a:r>
             <a:r>
-              <a:rPr lang="en-US"/>
+              <a:rPr lang="en-US" dirty="0"/>
               <a:t> </a:t>
             </a:r>
             <a:r>
-              <a:rPr lang="en-US" err="1"/>
+              <a:rPr lang="en-US" dirty="0" err="1"/>
               <a:t>diversos</a:t>
             </a:r>
             <a:r>
-              <a:rPr lang="en-US"/>
+              <a:rPr lang="en-US" dirty="0"/>
               <a:t> </a:t>
             </a:r>
             <a:r>
-              <a:rPr lang="en-US" err="1"/>
+              <a:rPr lang="en-US" dirty="0" err="1"/>
               <a:t>pontos</a:t>
             </a:r>
             <a:r>
-              <a:rPr lang="en-US"/>
+              <a:rPr lang="en-US" dirty="0"/>
               <a:t> que </a:t>
             </a:r>
             <a:r>
-              <a:rPr lang="en-US" err="1"/>
+              <a:rPr lang="en-US" dirty="0" err="1"/>
               <a:t>hoje</a:t>
             </a:r>
             <a:r>
-              <a:rPr lang="en-US"/>
+              <a:rPr lang="en-US" dirty="0"/>
               <a:t> </a:t>
             </a:r>
             <a:r>
-              <a:rPr lang="en-US" err="1"/>
+              <a:rPr lang="en-US" dirty="0" err="1"/>
               <a:t>representam</a:t>
             </a:r>
             <a:r>
-              <a:rPr lang="en-US"/>
+              <a:rPr lang="en-US" dirty="0"/>
               <a:t> um </a:t>
             </a:r>
             <a:r>
-              <a:rPr lang="en-US" err="1"/>
+              <a:rPr lang="en-US" dirty="0" err="1"/>
               <a:t>grande</a:t>
             </a:r>
             <a:r>
-              <a:rPr lang="en-US"/>
+              <a:rPr lang="en-US" dirty="0"/>
               <a:t> </a:t>
             </a:r>
             <a:r>
-              <a:rPr lang="en-US" err="1"/>
+              <a:rPr lang="en-US" dirty="0" err="1"/>
               <a:t>desafio</a:t>
             </a:r>
             <a:r>
-              <a:rPr lang="en-US"/>
+              <a:rPr lang="en-US" dirty="0"/>
               <a:t> de </a:t>
             </a:r>
             <a:r>
-              <a:rPr lang="en-US" err="1"/>
+              <a:rPr lang="en-US" dirty="0" err="1"/>
               <a:t>mobilidade</a:t>
             </a:r>
             <a:r>
-              <a:rPr lang="en-US"/>
+              <a:rPr lang="en-US" dirty="0"/>
               <a:t> e </a:t>
             </a:r>
             <a:r>
-              <a:rPr lang="en-US" err="1"/>
+              <a:rPr lang="en-US" dirty="0" err="1"/>
               <a:t>despesas</a:t>
             </a:r>
             <a:r>
-              <a:rPr lang="en-US"/>
+              <a:rPr lang="en-US" dirty="0"/>
               <a:t> de </a:t>
             </a:r>
             <a:r>
-              <a:rPr lang="en-US" err="1"/>
-              <a:t>kpex</a:t>
-            </a:r>
-            <a:r>
-              <a:rPr lang="en-US"/>
+              <a:rPr lang="en-US" dirty="0" err="1"/>
+              <a:t>Kpex</a:t>
+            </a:r>
+            <a:r>
+              <a:rPr lang="en-US" dirty="0"/>
               <a:t> (a </a:t>
             </a:r>
             <a:r>
-              <a:rPr lang="en-US" err="1"/>
+              <a:rPr lang="en-US" dirty="0" err="1"/>
               <a:t>compra</a:t>
             </a:r>
             <a:r>
-              <a:rPr lang="en-US"/>
+              <a:rPr lang="en-US" dirty="0"/>
               <a:t> do </a:t>
             </a:r>
             <a:r>
-              <a:rPr lang="en-US" err="1"/>
+              <a:rPr lang="en-US" dirty="0" err="1"/>
               <a:t>carro</a:t>
             </a:r>
             <a:r>
-              <a:rPr lang="en-US"/>
+              <a:rPr lang="en-US" dirty="0"/>
               <a:t>) e </a:t>
             </a:r>
             <a:r>
-              <a:rPr lang="en-US" err="1"/>
-              <a:t>opex</a:t>
-            </a:r>
-            <a:r>
-              <a:rPr lang="en-US"/>
+              <a:rPr lang="en-US" dirty="0" err="1"/>
+              <a:t>Opex</a:t>
+            </a:r>
+            <a:r>
+              <a:rPr lang="en-US" dirty="0"/>
               <a:t> (</a:t>
             </a:r>
             <a:r>
-              <a:rPr lang="en-US" err="1"/>
+              <a:rPr lang="en-US" dirty="0" err="1"/>
               <a:t>todo</a:t>
             </a:r>
             <a:r>
-              <a:rPr lang="en-US"/>
+              <a:rPr lang="en-US" dirty="0"/>
               <a:t> o </a:t>
             </a:r>
             <a:r>
-              <a:rPr lang="en-US" err="1"/>
+              <a:rPr lang="en-US" dirty="0" err="1"/>
               <a:t>custo</a:t>
             </a:r>
             <a:r>
-              <a:rPr lang="en-US"/>
+              <a:rPr lang="en-US" dirty="0"/>
               <a:t> para se </a:t>
             </a:r>
             <a:r>
-              <a:rPr lang="en-US" err="1"/>
+              <a:rPr lang="en-US" dirty="0" err="1"/>
               <a:t>ter</a:t>
             </a:r>
             <a:r>
-              <a:rPr lang="en-US"/>
+              <a:rPr lang="en-US" dirty="0"/>
               <a:t> um </a:t>
             </a:r>
             <a:r>
-              <a:rPr lang="en-US" err="1"/>
+              <a:rPr lang="en-US" dirty="0" err="1"/>
               <a:t>carro</a:t>
             </a:r>
             <a:r>
-              <a:rPr lang="en-US"/>
+              <a:rPr lang="en-US" dirty="0"/>
               <a:t> que é </a:t>
             </a:r>
             <a:r>
-              <a:rPr lang="en-US" err="1"/>
+              <a:rPr lang="en-US" dirty="0" err="1"/>
               <a:t>diluido</a:t>
             </a:r>
             <a:r>
-              <a:rPr lang="en-US"/>
+              <a:rPr lang="en-US" dirty="0"/>
               <a:t> com </a:t>
             </a:r>
             <a:r>
-              <a:rPr lang="en-US" err="1"/>
+              <a:rPr lang="en-US" dirty="0" err="1"/>
               <a:t>despesas</a:t>
             </a:r>
             <a:r>
-              <a:rPr lang="en-US"/>
+              <a:rPr lang="en-US" dirty="0"/>
               <a:t> </a:t>
             </a:r>
             <a:r>
-              <a:rPr lang="en-US" err="1"/>
+              <a:rPr lang="en-US" dirty="0" err="1"/>
               <a:t>mensais</a:t>
             </a:r>
             <a:r>
-              <a:rPr lang="en-US"/>
+              <a:rPr lang="en-US" dirty="0"/>
               <a:t>) - e </a:t>
             </a:r>
             <a:r>
-              <a:rPr lang="en-US" err="1"/>
+              <a:rPr lang="en-US" dirty="0" err="1"/>
               <a:t>totalmente</a:t>
             </a:r>
             <a:r>
-              <a:rPr lang="en-US"/>
+              <a:rPr lang="en-US" dirty="0"/>
               <a:t> </a:t>
             </a:r>
             <a:r>
-              <a:rPr lang="en-US" err="1"/>
+              <a:rPr lang="en-US" dirty="0" err="1"/>
               <a:t>alinhado</a:t>
             </a:r>
             <a:r>
-              <a:rPr lang="en-US"/>
+              <a:rPr lang="en-US" dirty="0"/>
               <a:t> a </a:t>
             </a:r>
             <a:r>
-              <a:rPr lang="en-US" err="1"/>
+              <a:rPr lang="en-US" dirty="0" err="1"/>
               <a:t>preocupações</a:t>
             </a:r>
             <a:r>
-              <a:rPr lang="en-US"/>
+              <a:rPr lang="en-US" dirty="0"/>
               <a:t> de </a:t>
             </a:r>
             <a:r>
-              <a:rPr lang="en-US" err="1"/>
+              <a:rPr lang="en-US" dirty="0" err="1"/>
               <a:t>sustentabilidade</a:t>
             </a:r>
-            <a:endParaRPr lang="en-US" err="1">
+            <a:r>
+              <a:rPr lang="en-US" dirty="0"/>
+              <a:t>;</a:t>
+            </a:r>
+            <a:endParaRPr lang="en-US" dirty="0">
               <a:cs typeface="Calibri" panose="020F0502020204030204"/>
             </a:endParaRPr>
           </a:p>
           <a:p>
-            <a:endParaRPr lang="en-US">
-              <a:cs typeface="Calibri"/>
+            <a:endParaRPr lang="pt-BR" dirty="0">
+              <a:cs typeface="Calibri" panose="020F0502020204030204"/>
             </a:endParaRPr>
           </a:p>
           <a:p>
             <a:r>
-              <a:rPr lang="en-US" err="1">
+              <a:rPr lang="en-US" dirty="0" err="1">
                 <a:cs typeface="Calibri"/>
               </a:rPr>
-              <a:t>Diminuar</a:t>
-            </a:r>
-            <a:r>
-              <a:rPr lang="en-US">
+              <a:t>Diminuir</a:t>
+            </a:r>
+            <a:r>
+              <a:rPr lang="en-US" dirty="0">
                 <a:cs typeface="Calibri"/>
               </a:rPr>
               <a:t> a </a:t>
             </a:r>
             <a:r>
-              <a:rPr lang="en-US" err="1">
+              <a:rPr lang="en-US" dirty="0" err="1">
                 <a:cs typeface="Calibri"/>
               </a:rPr>
               <a:t>quantidade</a:t>
             </a:r>
             <a:r>
-              <a:rPr lang="en-US">
+              <a:rPr lang="en-US" dirty="0">
                 <a:cs typeface="Calibri"/>
               </a:rPr>
               <a:t> de </a:t>
             </a:r>
             <a:r>
-              <a:rPr lang="en-US" err="1">
+              <a:rPr lang="en-US" dirty="0" err="1">
                 <a:cs typeface="Calibri"/>
               </a:rPr>
               <a:t>carros</a:t>
             </a:r>
             <a:r>
-              <a:rPr lang="en-US">
+              <a:rPr lang="en-US" dirty="0">
                 <a:cs typeface="Calibri"/>
               </a:rPr>
               <a:t> </a:t>
             </a:r>
             <a:r>
-              <a:rPr lang="en-US" err="1">
+              <a:rPr lang="en-US" dirty="0" err="1">
                 <a:cs typeface="Calibri"/>
               </a:rPr>
               <a:t>na</a:t>
             </a:r>
             <a:r>
-              <a:rPr lang="en-US">
+              <a:rPr lang="en-US" dirty="0">
                 <a:cs typeface="Calibri"/>
               </a:rPr>
               <a:t> </a:t>
             </a:r>
             <a:r>
-              <a:rPr lang="en-US" err="1">
+              <a:rPr lang="en-US" dirty="0" err="1">
                 <a:cs typeface="Calibri"/>
               </a:rPr>
               <a:t>rua</a:t>
             </a:r>
-            <a:endParaRPr lang="en-US">
-              <a:cs typeface="Calibri"/>
-            </a:endParaRPr>
-          </a:p>
-          <a:p>
-            <a:r>
-              <a:rPr lang="en-US" err="1">
+            <a:r>
+              <a:rPr lang="en-US" dirty="0">
                 <a:cs typeface="Calibri"/>
               </a:rPr>
-              <a:t>Só</a:t>
-            </a:r>
-            <a:r>
-              <a:rPr lang="en-US">
+              <a:t>;</a:t>
+            </a:r>
+          </a:p>
+          <a:p>
+            <a:r>
+              <a:rPr lang="en-US" dirty="0" err="1">
                 <a:cs typeface="Calibri"/>
               </a:rPr>
+              <a:t>Nossa</a:t>
+            </a:r>
+            <a:r>
+              <a:rPr lang="en-US" dirty="0">
+                <a:cs typeface="Calibri"/>
+              </a:rPr>
+              <a:t> </a:t>
+            </a:r>
+            <a:r>
+              <a:rPr lang="en-US" dirty="0" err="1">
+                <a:cs typeface="Calibri"/>
+              </a:rPr>
+              <a:t>prioridade</a:t>
+            </a:r>
+            <a:r>
+              <a:rPr lang="en-US" dirty="0">
+                <a:cs typeface="Calibri"/>
+              </a:rPr>
+              <a:t> </a:t>
+            </a:r>
+            <a:r>
+              <a:rPr lang="en-US" dirty="0" err="1">
+                <a:cs typeface="Calibri"/>
+              </a:rPr>
+              <a:t>será</a:t>
+            </a:r>
+            <a:r>
+              <a:rPr lang="en-US" dirty="0">
+                <a:cs typeface="Calibri"/>
+              </a:rPr>
+              <a:t> o </a:t>
+            </a:r>
+            <a:r>
+              <a:rPr lang="en-US" dirty="0" err="1">
+                <a:cs typeface="Calibri"/>
+              </a:rPr>
+              <a:t>consumo</a:t>
+            </a:r>
+            <a:r>
+              <a:rPr lang="en-US" dirty="0">
+                <a:cs typeface="Calibri"/>
+              </a:rPr>
+              <a:t> de </a:t>
+            </a:r>
+            <a:r>
+              <a:rPr lang="en-US" dirty="0" err="1">
+                <a:cs typeface="Calibri"/>
+              </a:rPr>
+              <a:t>energia</a:t>
+            </a:r>
+            <a:r>
+              <a:rPr lang="en-US" dirty="0">
+                <a:cs typeface="Calibri"/>
+              </a:rPr>
+              <a:t> de </a:t>
+            </a:r>
+            <a:r>
+              <a:rPr lang="en-US" dirty="0" err="1">
+                <a:cs typeface="Calibri"/>
+              </a:rPr>
+              <a:t>fonte</a:t>
+            </a:r>
+            <a:r>
+              <a:rPr lang="en-US" dirty="0">
+                <a:cs typeface="Calibri"/>
+              </a:rPr>
               <a:t> </a:t>
             </a:r>
             <a:r>
-              <a:rPr lang="en-US" err="1">
+              <a:rPr lang="en-US" dirty="0" err="1">
                 <a:cs typeface="Calibri"/>
               </a:rPr>
-              <a:t>será</a:t>
-            </a:r>
-            <a:r>
-              <a:rPr lang="en-US">
+              <a:t>renovável</a:t>
+            </a:r>
+            <a:r>
+              <a:rPr lang="en-US" dirty="0">
                 <a:cs typeface="Calibri"/>
               </a:rPr>
+              <a:t> (</a:t>
+            </a:r>
+            <a:r>
+              <a:rPr lang="en-US" dirty="0" err="1">
+                <a:cs typeface="Calibri"/>
+              </a:rPr>
+              <a:t>possível</a:t>
+            </a:r>
+            <a:r>
+              <a:rPr lang="en-US" dirty="0">
+                <a:cs typeface="Calibri"/>
+              </a:rPr>
+              <a:t> </a:t>
+            </a:r>
+            <a:r>
+              <a:rPr lang="en-US" dirty="0" err="1">
+                <a:cs typeface="Calibri"/>
+              </a:rPr>
+              <a:t>parceria</a:t>
+            </a:r>
+            <a:r>
+              <a:rPr lang="en-US" dirty="0">
+                <a:cs typeface="Calibri"/>
+              </a:rPr>
+              <a:t> com </a:t>
+            </a:r>
+            <a:r>
+              <a:rPr lang="en-US" dirty="0" err="1">
+                <a:cs typeface="Calibri"/>
+              </a:rPr>
+              <a:t>usina</a:t>
+            </a:r>
+            <a:r>
+              <a:rPr lang="en-US" dirty="0">
+                <a:cs typeface="Calibri"/>
+              </a:rPr>
+              <a:t> de </a:t>
+            </a:r>
+            <a:r>
+              <a:rPr lang="en-US" dirty="0" err="1">
+                <a:cs typeface="Calibri"/>
+              </a:rPr>
+              <a:t>geração</a:t>
+            </a:r>
+            <a:r>
+              <a:rPr lang="en-US" dirty="0">
+                <a:cs typeface="Calibri"/>
+              </a:rPr>
+              <a:t> de </a:t>
+            </a:r>
+            <a:r>
+              <a:rPr lang="en-US" dirty="0" err="1">
+                <a:cs typeface="Calibri"/>
+              </a:rPr>
+              <a:t>enegia</a:t>
+            </a:r>
+            <a:r>
+              <a:rPr lang="en-US" dirty="0">
+                <a:cs typeface="Calibri"/>
+              </a:rPr>
               <a:t> </a:t>
             </a:r>
             <a:r>
-              <a:rPr lang="en-US" err="1">
+              <a:rPr lang="en-US" dirty="0" err="1">
                 <a:cs typeface="Calibri"/>
               </a:rPr>
-              <a:t>consumido</a:t>
-            </a:r>
-            <a:r>
-              <a:rPr lang="en-US">
+              <a:t>através</a:t>
+            </a:r>
+            <a:r>
+              <a:rPr lang="en-US" dirty="0">
                 <a:cs typeface="Calibri"/>
               </a:rPr>
+              <a:t> de </a:t>
+            </a:r>
+            <a:r>
+              <a:rPr lang="en-US" dirty="0" err="1">
+                <a:cs typeface="Calibri"/>
+              </a:rPr>
+              <a:t>placas</a:t>
+            </a:r>
+            <a:r>
+              <a:rPr lang="en-US" dirty="0">
+                <a:cs typeface="Calibri"/>
+              </a:rPr>
               <a:t> </a:t>
             </a:r>
             <a:r>
-              <a:rPr lang="en-US" err="1">
+              <a:rPr lang="en-US" dirty="0" err="1">
                 <a:cs typeface="Calibri"/>
               </a:rPr>
-              <a:t>energia</a:t>
-            </a:r>
-            <a:r>
-              <a:rPr lang="en-US">
+              <a:t>solares</a:t>
+            </a:r>
+            <a:r>
+              <a:rPr lang="en-US" dirty="0">
                 <a:cs typeface="Calibri"/>
               </a:rPr>
-              <a:t> de </a:t>
-            </a:r>
-            <a:r>
-              <a:rPr lang="en-US" err="1">
+              <a:t> e </a:t>
+            </a:r>
+            <a:r>
+              <a:rPr lang="en-US" dirty="0" err="1">
                 <a:cs typeface="Calibri"/>
               </a:rPr>
-              <a:t>fonte</a:t>
-            </a:r>
-            <a:r>
-              <a:rPr lang="en-US">
+              <a:t>eólica</a:t>
+            </a:r>
+            <a:r>
+              <a:rPr lang="en-US" dirty="0">
                 <a:cs typeface="Calibri"/>
               </a:rPr>
-              <a:t> </a:t>
-            </a:r>
-            <a:r>
-              <a:rPr lang="en-US" err="1">
-                <a:cs typeface="Calibri"/>
-              </a:rPr>
-              <a:t>renovavel</a:t>
-            </a:r>
-            <a:r>
-              <a:rPr lang="en-US">
-                <a:cs typeface="Calibri"/>
-              </a:rPr>
-              <a:t> (</a:t>
-            </a:r>
-            <a:r>
-              <a:rPr lang="en-US" err="1">
-                <a:cs typeface="Calibri"/>
-              </a:rPr>
-              <a:t>possível</a:t>
-            </a:r>
-            <a:r>
-              <a:rPr lang="en-US">
-                <a:cs typeface="Calibri"/>
-              </a:rPr>
-              <a:t> </a:t>
-            </a:r>
-            <a:r>
-              <a:rPr lang="en-US" err="1">
-                <a:cs typeface="Calibri"/>
-              </a:rPr>
-              <a:t>parceria</a:t>
-            </a:r>
-            <a:r>
-              <a:rPr lang="en-US">
-                <a:cs typeface="Calibri"/>
-              </a:rPr>
-              <a:t> com </a:t>
-            </a:r>
-            <a:r>
-              <a:rPr lang="en-US" err="1">
-                <a:cs typeface="Calibri"/>
-              </a:rPr>
-              <a:t>usina</a:t>
-            </a:r>
-            <a:r>
-              <a:rPr lang="en-US">
-                <a:cs typeface="Calibri"/>
-              </a:rPr>
-              <a:t> de </a:t>
-            </a:r>
-            <a:r>
-              <a:rPr lang="en-US" err="1">
-                <a:cs typeface="Calibri"/>
-              </a:rPr>
-              <a:t>geração</a:t>
-            </a:r>
-            <a:r>
-              <a:rPr lang="en-US">
-                <a:cs typeface="Calibri"/>
-              </a:rPr>
-              <a:t> de </a:t>
-            </a:r>
-            <a:r>
-              <a:rPr lang="en-US" err="1">
-                <a:cs typeface="Calibri"/>
-              </a:rPr>
-              <a:t>enegia</a:t>
-            </a:r>
-            <a:r>
-              <a:rPr lang="en-US">
-                <a:cs typeface="Calibri"/>
-              </a:rPr>
-              <a:t> </a:t>
-            </a:r>
-            <a:r>
-              <a:rPr lang="en-US" err="1">
-                <a:cs typeface="Calibri"/>
-              </a:rPr>
-              <a:t>através</a:t>
-            </a:r>
-            <a:r>
-              <a:rPr lang="en-US">
-                <a:cs typeface="Calibri"/>
-              </a:rPr>
-              <a:t> de </a:t>
-            </a:r>
-            <a:r>
-              <a:rPr lang="en-US" err="1">
-                <a:cs typeface="Calibri"/>
-              </a:rPr>
-              <a:t>placas</a:t>
-            </a:r>
-            <a:r>
-              <a:rPr lang="en-US">
-                <a:cs typeface="Calibri"/>
-              </a:rPr>
-              <a:t> </a:t>
-            </a:r>
-            <a:r>
-              <a:rPr lang="en-US" err="1">
-                <a:cs typeface="Calibri"/>
-              </a:rPr>
-              <a:t>solares</a:t>
-            </a:r>
-            <a:r>
-              <a:rPr lang="en-US">
-                <a:cs typeface="Calibri"/>
-              </a:rPr>
-              <a:t> e eolica.</a:t>
-            </a:r>
-            <a:endParaRPr lang="en-US" err="1">
-              <a:cs typeface="Calibri"/>
-            </a:endParaRPr>
+              <a:t>).</a:t>
+            </a:r>
           </a:p>
         </p:txBody>
       </p:sp>
@@ -8315,19 +8290,26 @@
           <a:lstStyle/>
           <a:p>
             <a:r>
-              <a:rPr lang="en-US" sz="4000">
+              <a:rPr lang="en-US" sz="4000" dirty="0">
                 <a:cs typeface="Calibri"/>
               </a:rPr>
               <a:t>2 - </a:t>
             </a:r>
             <a:r>
-              <a:rPr lang="en-US" sz="4000">
+              <a:rPr lang="en-US" sz="4000" dirty="0" err="1">
                 <a:ea typeface="+mn-lt"/>
                 <a:cs typeface="+mn-lt"/>
               </a:rPr>
-              <a:t>Pesquisa de mercado</a:t>
-            </a:r>
-            <a:endParaRPr lang="en-US"/>
+              <a:t>Pesquisa</a:t>
+            </a:r>
+            <a:r>
+              <a:rPr lang="en-US" sz="4000" dirty="0">
+                <a:ea typeface="+mn-lt"/>
+                <a:cs typeface="+mn-lt"/>
+              </a:rPr>
+              <a:t> de mercado</a:t>
+            </a:r>
+            <a:endParaRPr lang="en-US" dirty="0"/>
           </a:p>
         </p:txBody>
       </p:sp>

--- a/ppt/PGPARQ01C1-2N-P1 - Arquitetura de Software.pptx
+++ b/ppt/PGPARQ01C1-2N-P1 - Arquitetura de Software.pptx
@@ -5,7 +5,7 @@
     <p:sldMasterId id="2147483738" r:id="rId1"/>
   </p:sldMasterIdLst>
   <p:notesMasterIdLst>
-    <p:notesMasterId r:id="rId23"/>
+    <p:notesMasterId r:id="rId24"/>
   </p:notesMasterIdLst>
   <p:sldIdLst>
     <p:sldId id="256" r:id="rId2"/>
@@ -13,7 +13,7 @@
     <p:sldId id="284" r:id="rId4"/>
     <p:sldId id="285" r:id="rId5"/>
     <p:sldId id="298" r:id="rId6"/>
-    <p:sldId id="286" r:id="rId7"/>
+    <p:sldId id="306" r:id="rId7"/>
     <p:sldId id="287" r:id="rId8"/>
     <p:sldId id="288" r:id="rId9"/>
     <p:sldId id="293" r:id="rId10"/>
@@ -25,10 +25,11 @@
     <p:sldId id="290" r:id="rId16"/>
     <p:sldId id="303" r:id="rId17"/>
     <p:sldId id="304" r:id="rId18"/>
-    <p:sldId id="300" r:id="rId19"/>
-    <p:sldId id="301" r:id="rId20"/>
-    <p:sldId id="291" r:id="rId21"/>
-    <p:sldId id="292" r:id="rId22"/>
+    <p:sldId id="305" r:id="rId19"/>
+    <p:sldId id="300" r:id="rId20"/>
+    <p:sldId id="301" r:id="rId21"/>
+    <p:sldId id="291" r:id="rId22"/>
+    <p:sldId id="292" r:id="rId23"/>
   </p:sldIdLst>
   <p:sldSz cx="12192000" cy="6858000"/>
   <p:notesSz cx="7104063" cy="10234613"/>
@@ -234,7 +235,7 @@
           <a:p>
             <a:fld id="{55BECDCE-FB37-4BE8-AC87-6D19C222C26D}" type="datetimeFigureOut">
               <a:rPr lang="pt-BR" smtClean="0"/>
-              <a:t>04/04/2021</a:t>
+              <a:t>05/04/2021</a:t>
             </a:fld>
             <a:endParaRPr lang="pt-BR"/>
           </a:p>
@@ -650,7 +651,7 @@
           <a:p>
             <a:fld id="{788568F6-5D13-43A5-A7AE-BAB951121075}" type="slidenum">
               <a:rPr lang="pt-BR" smtClean="0"/>
-              <a:t>21</a:t>
+              <a:t>22</a:t>
             </a:fld>
             <a:endParaRPr lang="pt-BR"/>
           </a:p>
@@ -816,7 +817,7 @@
           <a:p>
             <a:fld id="{72401DC7-AFA8-4A4E-8829-B7D40A2E139C}" type="datetime1">
               <a:rPr lang="pt-BR" smtClean="0"/>
-              <a:t>04/04/2021</a:t>
+              <a:t>05/04/2021</a:t>
             </a:fld>
             <a:endParaRPr lang="pt-BR"/>
           </a:p>
@@ -1015,7 +1016,7 @@
           <a:p>
             <a:fld id="{72401DC7-AFA8-4A4E-8829-B7D40A2E139C}" type="datetime1">
               <a:rPr lang="pt-BR" smtClean="0"/>
-              <a:t>04/04/2021</a:t>
+              <a:t>05/04/2021</a:t>
             </a:fld>
             <a:endParaRPr lang="pt-BR"/>
           </a:p>
@@ -1224,7 +1225,7 @@
           <a:p>
             <a:fld id="{72401DC7-AFA8-4A4E-8829-B7D40A2E139C}" type="datetime1">
               <a:rPr lang="pt-BR" smtClean="0"/>
-              <a:t>04/04/2021</a:t>
+              <a:t>05/04/2021</a:t>
             </a:fld>
             <a:endParaRPr lang="pt-BR"/>
           </a:p>
@@ -1423,7 +1424,7 @@
           <a:p>
             <a:fld id="{72401DC7-AFA8-4A4E-8829-B7D40A2E139C}" type="datetime1">
               <a:rPr lang="pt-BR" smtClean="0"/>
-              <a:t>04/04/2021</a:t>
+              <a:t>05/04/2021</a:t>
             </a:fld>
             <a:endParaRPr lang="pt-BR"/>
           </a:p>
@@ -1699,7 +1700,7 @@
           <a:p>
             <a:fld id="{643A11A1-EEE3-4743-8BCA-DE45088FCD18}" type="datetime1">
               <a:rPr lang="pt-BR" smtClean="0"/>
-              <a:t>04/04/2021</a:t>
+              <a:t>05/04/2021</a:t>
             </a:fld>
             <a:endParaRPr lang="pt-BR"/>
           </a:p>
@@ -1964,7 +1965,7 @@
           <a:p>
             <a:fld id="{EE52FBD5-AE7A-4843-8F0B-AC8FDA4415FB}" type="datetime1">
               <a:rPr lang="pt-BR" smtClean="0"/>
-              <a:t>04/04/2021</a:t>
+              <a:t>05/04/2021</a:t>
             </a:fld>
             <a:endParaRPr lang="pt-BR"/>
           </a:p>
@@ -2376,7 +2377,7 @@
           <a:p>
             <a:fld id="{DD4DA1C0-AD60-403C-BAEB-064673A721B4}" type="datetime1">
               <a:rPr lang="pt-BR" smtClean="0"/>
-              <a:t>04/04/2021</a:t>
+              <a:t>05/04/2021</a:t>
             </a:fld>
             <a:endParaRPr lang="pt-BR"/>
           </a:p>
@@ -2517,7 +2518,7 @@
           <a:p>
             <a:fld id="{72401DC7-AFA8-4A4E-8829-B7D40A2E139C}" type="datetime1">
               <a:rPr lang="pt-BR" smtClean="0"/>
-              <a:t>04/04/2021</a:t>
+              <a:t>05/04/2021</a:t>
             </a:fld>
             <a:endParaRPr lang="pt-BR"/>
           </a:p>
@@ -2631,7 +2632,7 @@
           <a:p>
             <a:fld id="{72401DC7-AFA8-4A4E-8829-B7D40A2E139C}" type="datetime1">
               <a:rPr lang="pt-BR" smtClean="0"/>
-              <a:t>04/04/2021</a:t>
+              <a:t>05/04/2021</a:t>
             </a:fld>
             <a:endParaRPr lang="pt-BR"/>
           </a:p>
@@ -2943,7 +2944,7 @@
           <a:p>
             <a:fld id="{2B41905E-D886-47E9-A95E-56DF85E102EF}" type="datetime1">
               <a:rPr lang="pt-BR" smtClean="0"/>
-              <a:t>04/04/2021</a:t>
+              <a:t>05/04/2021</a:t>
             </a:fld>
             <a:endParaRPr lang="pt-BR"/>
           </a:p>
@@ -3231,7 +3232,7 @@
           <a:p>
             <a:fld id="{207BD677-3156-4978-A4C5-AD2FA256F6F2}" type="datetime1">
               <a:rPr lang="pt-BR" smtClean="0"/>
-              <a:t>04/04/2021</a:t>
+              <a:t>05/04/2021</a:t>
             </a:fld>
             <a:endParaRPr lang="pt-BR"/>
           </a:p>
@@ -3472,7 +3473,7 @@
           <a:p>
             <a:fld id="{72401DC7-AFA8-4A4E-8829-B7D40A2E139C}" type="datetime1">
               <a:rPr lang="pt-BR" smtClean="0"/>
-              <a:t>04/04/2021</a:t>
+              <a:t>05/04/2021</a:t>
             </a:fld>
             <a:endParaRPr lang="pt-BR"/>
           </a:p>
@@ -3966,47 +3967,35 @@
           <a:p>
             <a:pPr algn="l"/>
             <a:r>
-              <a:rPr lang="pt-BR" sz="2800">
-                <a:cs typeface="Calibri"/>
-              </a:rPr>
-              <a:t>Professor: </a:t>
-            </a:r>
-            <a:r>
-              <a:rPr lang="pt-BR" sz="2800" err="1">
-                <a:cs typeface="Calibri"/>
-              </a:rPr>
-              <a:t>Ezequial</a:t>
-            </a:r>
-            <a:r>
-              <a:rPr lang="pt-BR" sz="2800">
-                <a:cs typeface="Calibri"/>
-              </a:rPr>
-              <a:t> </a:t>
-            </a:r>
-            <a:r>
-              <a:rPr lang="pt-BR" sz="2800" err="1">
+              <a:rPr lang="pt-BR" sz="2800" dirty="0">
+                <a:cs typeface="Calibri"/>
+              </a:rPr>
+              <a:t>Professor: Ezequiel </a:t>
+            </a:r>
+            <a:r>
+              <a:rPr lang="pt-BR" sz="2800" dirty="0" err="1">
                 <a:cs typeface="Calibri"/>
               </a:rPr>
               <a:t>Bertti</a:t>
             </a:r>
-            <a:endParaRPr lang="pt-BR" sz="2800">
+            <a:endParaRPr lang="pt-BR" sz="2800" dirty="0">
               <a:cs typeface="Calibri"/>
             </a:endParaRPr>
           </a:p>
           <a:p>
             <a:pPr algn="r"/>
             <a:r>
-              <a:rPr lang="pt-BR" sz="2000"/>
+              <a:rPr lang="pt-BR" sz="2000" dirty="0"/>
               <a:t>Felipe Augusto</a:t>
             </a:r>
             <a:br>
-              <a:rPr lang="pt-BR" sz="2000"/>
+              <a:rPr lang="pt-BR" sz="2000" dirty="0"/>
             </a:br>
             <a:r>
-              <a:rPr lang="pt-BR" sz="2000"/>
+              <a:rPr lang="pt-BR" sz="2000" dirty="0"/>
               <a:t>Rodrigo Germano</a:t>
             </a:r>
-            <a:endParaRPr lang="pt-BR" sz="2000">
+            <a:endParaRPr lang="pt-BR" sz="2000" dirty="0">
               <a:cs typeface="Calibri"/>
             </a:endParaRPr>
           </a:p>
@@ -4288,7 +4277,7 @@
           <a:lstStyle/>
           <a:p>
             <a:r>
-              <a:rPr lang="en-US" sz="4000">
+              <a:rPr lang="en-US" sz="4000" dirty="0">
                 <a:cs typeface="Calibri"/>
               </a:rPr>
               <a:t>3.4 - ICE</a:t>
@@ -4318,7 +4307,7 @@
         </p:blipFill>
         <p:spPr>
           <a:xfrm>
-            <a:off x="2409825" y="1791101"/>
+            <a:off x="2331498" y="1890144"/>
             <a:ext cx="7886700" cy="4218772"/>
           </a:xfrm>
           <a:prstGeom prst="rect">
@@ -4326,6 +4315,55 @@
           </a:prstGeom>
         </p:spPr>
       </p:pic>
+      <p:sp>
+        <p:nvSpPr>
+          <p:cNvPr id="3" name="CaixaDeTexto 2">
+            <a:extLst>
+              <a:ext uri="{FF2B5EF4-FFF2-40B4-BE49-F238E27FC236}">
+                <a16:creationId xmlns:a16="http://schemas.microsoft.com/office/drawing/2014/main" id="{265D4B66-BC9D-4573-B7CB-ABA048D455D2}"/>
+              </a:ext>
+            </a:extLst>
+          </p:cNvPr>
+          <p:cNvSpPr txBox="1"/>
+          <p:nvPr/>
+        </p:nvSpPr>
+        <p:spPr>
+          <a:xfrm>
+            <a:off x="10218198" y="375546"/>
+            <a:ext cx="1598515" cy="923330"/>
+          </a:xfrm>
+          <a:prstGeom prst="rect">
+            <a:avLst/>
+          </a:prstGeom>
+          <a:noFill/>
+        </p:spPr>
+        <p:txBody>
+          <a:bodyPr wrap="none" rtlCol="0">
+            <a:spAutoFit/>
+          </a:bodyPr>
+          <a:lstStyle/>
+          <a:p>
+            <a:r>
+              <a:rPr lang="pt-BR" dirty="0"/>
+              <a:t>I  –  Impacto </a:t>
+            </a:r>
+            <a:br>
+              <a:rPr lang="pt-BR" dirty="0"/>
+            </a:br>
+            <a:r>
+              <a:rPr lang="pt-BR" dirty="0"/>
+              <a:t>C – Confiança</a:t>
+            </a:r>
+            <a:br>
+              <a:rPr lang="pt-BR" dirty="0"/>
+            </a:br>
+            <a:r>
+              <a:rPr lang="pt-BR" dirty="0"/>
+              <a:t>E – Experiência</a:t>
+            </a:r>
+          </a:p>
+        </p:txBody>
+      </p:sp>
     </p:spTree>
     <p:extLst>
       <p:ext uri="{BB962C8B-B14F-4D97-AF65-F5344CB8AC3E}">
@@ -5535,7 +5573,7 @@
         </p:blipFill>
         <p:spPr>
           <a:xfrm>
-            <a:off x="2724150" y="1465854"/>
+            <a:off x="2724150" y="1301172"/>
             <a:ext cx="8440881" cy="4160087"/>
           </a:xfrm>
           <a:prstGeom prst="rect">
@@ -5545,10 +5583,10 @@
       </p:pic>
       <p:pic>
         <p:nvPicPr>
-          <p:cNvPr id="6" name="Picture 7" descr="Qr code&#10;&#10;Description automatically generated">
-            <a:extLst>
-              <a:ext uri="{FF2B5EF4-FFF2-40B4-BE49-F238E27FC236}">
-                <a16:creationId xmlns:a16="http://schemas.microsoft.com/office/drawing/2014/main" id="{FFBA9CAC-A5CD-444F-8347-749B970F4915}"/>
+          <p:cNvPr id="9" name="Imagem 8">
+            <a:extLst>
+              <a:ext uri="{FF2B5EF4-FFF2-40B4-BE49-F238E27FC236}">
+                <a16:creationId xmlns:a16="http://schemas.microsoft.com/office/drawing/2014/main" id="{567B6A5E-41F2-4001-AF75-3E942E70282D}"/>
               </a:ext>
             </a:extLst>
           </p:cNvPr>
@@ -5565,8 +5603,8 @@
         </p:blipFill>
         <p:spPr>
           <a:xfrm>
-            <a:off x="6382182" y="5358677"/>
-            <a:ext cx="1367271" cy="1396712"/>
+            <a:off x="5903584" y="5073420"/>
+            <a:ext cx="1609950" cy="1648055"/>
           </a:xfrm>
           <a:prstGeom prst="rect">
             <a:avLst/>
@@ -6257,28 +6295,328 @@
           <a:lstStyle/>
           <a:p>
             <a:r>
-              <a:rPr lang="en-US" sz="4000">
+              <a:rPr lang="en-US" sz="4000" dirty="0">
                 <a:cs typeface="Calibri"/>
               </a:rPr>
               <a:t>5 - </a:t>
             </a:r>
             <a:r>
-              <a:rPr lang="en-US" sz="4000">
-                <a:ea typeface="+mn-lt"/>
-                <a:cs typeface="+mn-lt"/>
-              </a:rPr>
-              <a:t>Considerações</a:t>
-            </a:r>
-            <a:endParaRPr lang="en-US" sz="4000">
+              <a:rPr lang="en-US" sz="4000" dirty="0" err="1">
+                <a:cs typeface="Calibri"/>
+              </a:rPr>
+              <a:t>Possíveis</a:t>
+            </a:r>
+            <a:r>
+              <a:rPr lang="en-US" sz="4000" dirty="0">
+                <a:cs typeface="Calibri"/>
+              </a:rPr>
+              <a:t> </a:t>
+            </a:r>
+            <a:r>
+              <a:rPr lang="en-US" sz="4000" dirty="0" err="1">
+                <a:cs typeface="Calibri"/>
+              </a:rPr>
+              <a:t>pontos</a:t>
+            </a:r>
+            <a:r>
+              <a:rPr lang="en-US" sz="4000" dirty="0">
+                <a:cs typeface="Calibri"/>
+              </a:rPr>
+              <a:t> de </a:t>
+            </a:r>
+            <a:r>
+              <a:rPr lang="en-US" sz="4000" dirty="0" err="1">
+                <a:cs typeface="Calibri"/>
+              </a:rPr>
+              <a:t>falha</a:t>
+            </a:r>
+            <a:endParaRPr lang="en-US" sz="4000" dirty="0">
               <a:cs typeface="Calibri"/>
             </a:endParaRPr>
+          </a:p>
+        </p:txBody>
+      </p:sp>
+      <p:sp>
+        <p:nvSpPr>
+          <p:cNvPr id="8" name="TextBox 2">
+            <a:extLst>
+              <a:ext uri="{FF2B5EF4-FFF2-40B4-BE49-F238E27FC236}">
+                <a16:creationId xmlns:a16="http://schemas.microsoft.com/office/drawing/2014/main" id="{F83F812A-1E87-4A7E-88CE-8F9E8061022F}"/>
+              </a:ext>
+            </a:extLst>
+          </p:cNvPr>
+          <p:cNvSpPr txBox="1"/>
+          <p:nvPr/>
+        </p:nvSpPr>
+        <p:spPr>
+          <a:xfrm>
+            <a:off x="2009775" y="1609725"/>
+            <a:ext cx="9544050" cy="3139321"/>
+          </a:xfrm>
+          <a:prstGeom prst="rect">
+            <a:avLst/>
+          </a:prstGeom>
+          <a:noFill/>
+        </p:spPr>
+        <p:txBody>
+          <a:bodyPr rot="0" spcFirstLastPara="0" vertOverflow="overflow" horzOverflow="overflow" vert="horz" wrap="square" lIns="91440" tIns="45720" rIns="91440" bIns="45720" numCol="1" spcCol="0" rtlCol="0" fromWordArt="0" anchor="t" anchorCtr="0" forceAA="0" compatLnSpc="1">
+            <a:prstTxWarp prst="textNoShape">
+              <a:avLst/>
+            </a:prstTxWarp>
+            <a:spAutoFit/>
+          </a:bodyPr>
+          <a:lstStyle/>
+          <a:p>
+            <a:r>
+              <a:rPr lang="en-US" dirty="0">
+                <a:cs typeface="Calibri"/>
+              </a:rPr>
+              <a:t>Da Arquitetura</a:t>
+            </a:r>
+          </a:p>
+          <a:p>
+            <a:pPr marL="285750" indent="-285750">
+              <a:buFontTx/>
+              <a:buChar char="-"/>
+            </a:pPr>
+            <a:r>
+              <a:rPr lang="en-US" dirty="0" err="1">
+                <a:cs typeface="Calibri"/>
+              </a:rPr>
+              <a:t>Possibilidade</a:t>
+            </a:r>
+            <a:r>
+              <a:rPr lang="en-US" dirty="0">
+                <a:cs typeface="Calibri"/>
+              </a:rPr>
+              <a:t> de </a:t>
+            </a:r>
+            <a:r>
+              <a:rPr lang="en-US" dirty="0" err="1">
+                <a:cs typeface="Calibri"/>
+              </a:rPr>
+              <a:t>maior</a:t>
+            </a:r>
+            <a:r>
+              <a:rPr lang="en-US" dirty="0">
+                <a:cs typeface="Calibri"/>
+              </a:rPr>
+              <a:t> </a:t>
+            </a:r>
+            <a:r>
+              <a:rPr lang="en-US" dirty="0" err="1">
+                <a:cs typeface="Calibri"/>
+              </a:rPr>
+              <a:t>escala</a:t>
+            </a:r>
+            <a:r>
+              <a:rPr lang="en-US" dirty="0">
+                <a:cs typeface="Calibri"/>
+              </a:rPr>
+              <a:t> </a:t>
+            </a:r>
+            <a:r>
+              <a:rPr lang="en-US" dirty="0" err="1">
+                <a:cs typeface="Calibri"/>
+              </a:rPr>
+              <a:t>utilizando</a:t>
+            </a:r>
+            <a:r>
+              <a:rPr lang="en-US" dirty="0">
+                <a:cs typeface="Calibri"/>
+              </a:rPr>
+              <a:t> Kubernetes;</a:t>
+            </a:r>
+          </a:p>
+          <a:p>
+            <a:pPr marL="285750" indent="-285750">
+              <a:buFontTx/>
+              <a:buChar char="-"/>
+            </a:pPr>
+            <a:r>
+              <a:rPr lang="en-US" dirty="0" err="1">
+                <a:cs typeface="Calibri"/>
+              </a:rPr>
+              <a:t>Possíveis</a:t>
+            </a:r>
+            <a:r>
+              <a:rPr lang="en-US" dirty="0">
+                <a:cs typeface="Calibri"/>
+              </a:rPr>
+              <a:t> </a:t>
+            </a:r>
+            <a:r>
+              <a:rPr lang="en-US" dirty="0" err="1">
+                <a:cs typeface="Calibri"/>
+              </a:rPr>
+              <a:t>problemas</a:t>
+            </a:r>
+            <a:r>
+              <a:rPr lang="en-US" dirty="0">
+                <a:cs typeface="Calibri"/>
+              </a:rPr>
+              <a:t> de Qualidade da </a:t>
+            </a:r>
+            <a:r>
+              <a:rPr lang="en-US" dirty="0" err="1">
+                <a:cs typeface="Calibri"/>
+              </a:rPr>
+              <a:t>conectividade</a:t>
+            </a:r>
+            <a:r>
+              <a:rPr lang="en-US" dirty="0">
+                <a:cs typeface="Calibri"/>
+              </a:rPr>
+              <a:t> da internet no Brasil.</a:t>
+            </a:r>
+          </a:p>
+          <a:p>
+            <a:endParaRPr lang="en-US" dirty="0">
+              <a:cs typeface="Calibri"/>
+            </a:endParaRPr>
+          </a:p>
+          <a:p>
+            <a:endParaRPr lang="en-US" dirty="0">
+              <a:cs typeface="Calibri"/>
+            </a:endParaRPr>
+          </a:p>
+          <a:p>
+            <a:endParaRPr lang="en-US" dirty="0">
+              <a:cs typeface="Calibri"/>
+            </a:endParaRPr>
+          </a:p>
+          <a:p>
+            <a:endParaRPr lang="en-US" dirty="0">
+              <a:cs typeface="Calibri"/>
+            </a:endParaRPr>
+          </a:p>
+          <a:p>
+            <a:endParaRPr lang="en-US" dirty="0">
+              <a:cs typeface="Calibri"/>
+            </a:endParaRPr>
+          </a:p>
+          <a:p>
+            <a:r>
+              <a:rPr lang="en-US" dirty="0">
+                <a:cs typeface="Calibri"/>
+              </a:rPr>
+              <a:t>Do Business</a:t>
+            </a:r>
+          </a:p>
+          <a:p>
+            <a:pPr marL="285750" indent="-285750">
+              <a:buFontTx/>
+              <a:buChar char="-"/>
+            </a:pPr>
+            <a:r>
+              <a:rPr lang="en-US" dirty="0" err="1">
+                <a:cs typeface="Calibri"/>
+              </a:rPr>
+              <a:t>Aquisição</a:t>
+            </a:r>
+            <a:r>
+              <a:rPr lang="en-US" dirty="0">
+                <a:cs typeface="Calibri"/>
+              </a:rPr>
+              <a:t> de </a:t>
+            </a:r>
+            <a:r>
+              <a:rPr lang="pt-BR" dirty="0">
+                <a:cs typeface="Calibri"/>
+              </a:rPr>
+              <a:t>veículos</a:t>
+            </a:r>
+            <a:r>
+              <a:rPr lang="en-US" dirty="0">
+                <a:cs typeface="Calibri"/>
+              </a:rPr>
+              <a:t> </a:t>
+            </a:r>
+            <a:r>
+              <a:rPr lang="en-US" dirty="0" err="1">
+                <a:cs typeface="Calibri"/>
+              </a:rPr>
+              <a:t>eletricos</a:t>
+            </a:r>
+            <a:r>
+              <a:rPr lang="en-US" dirty="0">
+                <a:cs typeface="Calibri"/>
+              </a:rPr>
+              <a:t> no Brasil;</a:t>
+            </a:r>
+          </a:p>
+          <a:p>
+            <a:pPr marL="285750" indent="-285750">
+              <a:buFontTx/>
+              <a:buChar char="-"/>
+            </a:pPr>
+            <a:r>
+              <a:rPr lang="en-US" dirty="0" err="1">
+                <a:cs typeface="Calibri"/>
+              </a:rPr>
+              <a:t>Criação</a:t>
+            </a:r>
+            <a:r>
+              <a:rPr lang="en-US" dirty="0">
+                <a:cs typeface="Calibri"/>
+              </a:rPr>
+              <a:t> de </a:t>
+            </a:r>
+            <a:r>
+              <a:rPr lang="en-US" dirty="0" err="1">
+                <a:cs typeface="Calibri"/>
+              </a:rPr>
+              <a:t>pontos</a:t>
+            </a:r>
+            <a:r>
+              <a:rPr lang="en-US" dirty="0">
+                <a:cs typeface="Calibri"/>
+              </a:rPr>
+              <a:t> de </a:t>
+            </a:r>
+            <a:r>
+              <a:rPr lang="en-US" dirty="0" err="1">
+                <a:cs typeface="Calibri"/>
+              </a:rPr>
+              <a:t>recarga</a:t>
+            </a:r>
+            <a:r>
+              <a:rPr lang="en-US" dirty="0">
+                <a:cs typeface="Calibri"/>
+              </a:rPr>
+              <a:t> (</a:t>
+            </a:r>
+            <a:r>
+              <a:rPr lang="en-US" dirty="0" err="1">
+                <a:cs typeface="Calibri"/>
+              </a:rPr>
+              <a:t>energia</a:t>
+            </a:r>
+            <a:r>
+              <a:rPr lang="en-US" dirty="0">
+                <a:cs typeface="Calibri"/>
+              </a:rPr>
+              <a:t> </a:t>
+            </a:r>
+            <a:r>
+              <a:rPr lang="en-US" dirty="0" err="1">
+                <a:cs typeface="Calibri"/>
+              </a:rPr>
+              <a:t>limpa</a:t>
+            </a:r>
+            <a:r>
+              <a:rPr lang="en-US" dirty="0">
+                <a:cs typeface="Calibri"/>
+              </a:rPr>
+              <a:t>).</a:t>
+            </a:r>
           </a:p>
         </p:txBody>
       </p:sp>
     </p:spTree>
     <p:extLst>
       <p:ext uri="{BB962C8B-B14F-4D97-AF65-F5344CB8AC3E}">
-        <p14:creationId xmlns:p14="http://schemas.microsoft.com/office/powerpoint/2010/main" val="122286710"/>
+        <p14:creationId xmlns:p14="http://schemas.microsoft.com/office/powerpoint/2010/main" val="238064669"/>
       </p:ext>
     </p:extLst>
   </p:cSld>
@@ -6289,7 +6627,7 @@
 </file>
 
 <file path=ppt/slides/slide19.xml><?xml version="1.0" encoding="utf-8"?>
-<p:sld xmlns:a="http://schemas.openxmlformats.org/drawingml/2006/main" xmlns:r="http://schemas.openxmlformats.org/officeDocument/2006/relationships" xmlns:p="http://schemas.openxmlformats.org/presentationml/2006/main">
+<p:sld xmlns:a="http://schemas.openxmlformats.org/drawingml/2006/main" xmlns:r="http://schemas.openxmlformats.org/officeDocument/2006/relationships" xmlns:p="http://schemas.openxmlformats.org/presentationml/2006/main" show="0">
   <p:cSld>
     <p:spTree>
       <p:nvGrpSpPr>
@@ -6451,64 +6789,28 @@
           <a:lstStyle/>
           <a:p>
             <a:r>
-              <a:rPr lang="en-US" sz="4000">
+              <a:rPr lang="en-US" sz="4000" dirty="0">
                 <a:cs typeface="Calibri"/>
               </a:rPr>
               <a:t>6 - </a:t>
             </a:r>
             <a:r>
-              <a:rPr lang="en-US" sz="4000">
+              <a:rPr lang="en-US" sz="4000" dirty="0" err="1">
                 <a:ea typeface="+mn-lt"/>
                 <a:cs typeface="+mn-lt"/>
               </a:rPr>
-              <a:t>Perguntas</a:t>
-            </a:r>
-            <a:endParaRPr lang="en-US" sz="4000">
+              <a:t>Considerações</a:t>
+            </a:r>
+            <a:endParaRPr lang="en-US" sz="4000" dirty="0">
               <a:cs typeface="Calibri"/>
             </a:endParaRPr>
           </a:p>
         </p:txBody>
       </p:sp>
-      <p:pic>
-        <p:nvPicPr>
-          <p:cNvPr id="3" name="Gráfico 5" descr="Perguntas com preenchimento sólido">
-            <a:extLst>
-              <a:ext uri="{FF2B5EF4-FFF2-40B4-BE49-F238E27FC236}">
-                <a16:creationId xmlns:a16="http://schemas.microsoft.com/office/drawing/2014/main" id="{B35E9272-4ADA-42A4-887A-FC3950232D19}"/>
-              </a:ext>
-            </a:extLst>
-          </p:cNvPr>
-          <p:cNvPicPr>
-            <a:picLocks noChangeAspect="1"/>
-          </p:cNvPicPr>
-          <p:nvPr/>
-        </p:nvPicPr>
-        <p:blipFill>
-          <a:blip r:embed="rId3">
-            <a:extLst>
-              <a:ext uri="{96DAC541-7B7A-43D3-8B79-37D633B846F1}">
-                <asvg:svgBlip xmlns:asvg="http://schemas.microsoft.com/office/drawing/2016/SVG/main" r:embed="rId4"/>
-              </a:ext>
-            </a:extLst>
-          </a:blip>
-          <a:stretch>
-            <a:fillRect/>
-          </a:stretch>
-        </p:blipFill>
-        <p:spPr>
-          <a:xfrm>
-            <a:off x="4457700" y="1657350"/>
-            <a:ext cx="4476750" cy="4476750"/>
-          </a:xfrm>
-          <a:prstGeom prst="rect">
-            <a:avLst/>
-          </a:prstGeom>
-        </p:spPr>
-      </p:pic>
     </p:spTree>
     <p:extLst>
       <p:ext uri="{BB962C8B-B14F-4D97-AF65-F5344CB8AC3E}">
-        <p14:creationId xmlns:p14="http://schemas.microsoft.com/office/powerpoint/2010/main" val="541333889"/>
+        <p14:creationId xmlns:p14="http://schemas.microsoft.com/office/powerpoint/2010/main" val="122286710"/>
       </p:ext>
     </p:extLst>
   </p:cSld>
@@ -6821,7 +7123,31 @@
               <a:rPr lang="en-US" sz="2800" dirty="0" err="1">
                 <a:cs typeface="Calibri"/>
               </a:rPr>
-              <a:t>Considerações</a:t>
+              <a:t>Possíveis</a:t>
+            </a:r>
+            <a:r>
+              <a:rPr lang="en-US" sz="2800" dirty="0">
+                <a:cs typeface="Calibri"/>
+              </a:rPr>
+              <a:t> </a:t>
+            </a:r>
+            <a:r>
+              <a:rPr lang="en-US" sz="2800" dirty="0" err="1">
+                <a:cs typeface="Calibri"/>
+              </a:rPr>
+              <a:t>pontos</a:t>
+            </a:r>
+            <a:r>
+              <a:rPr lang="en-US" sz="2800" dirty="0">
+                <a:cs typeface="Calibri"/>
+              </a:rPr>
+              <a:t> de </a:t>
+            </a:r>
+            <a:r>
+              <a:rPr lang="en-US" sz="2800" dirty="0" err="1">
+                <a:cs typeface="Calibri"/>
+              </a:rPr>
+              <a:t>falha</a:t>
             </a:r>
             <a:endParaRPr lang="en-US" sz="2800" dirty="0">
               <a:cs typeface="Calibri"/>
@@ -7019,6 +7345,237 @@
           <a:lstStyle/>
           <a:p>
             <a:r>
+              <a:rPr lang="en-US" sz="4000" dirty="0">
+                <a:ea typeface="+mn-lt"/>
+                <a:cs typeface="+mn-lt"/>
+              </a:rPr>
+              <a:t>6 - </a:t>
+            </a:r>
+            <a:r>
+              <a:rPr lang="en-US" sz="4000" dirty="0" err="1">
+                <a:ea typeface="+mn-lt"/>
+                <a:cs typeface="+mn-lt"/>
+              </a:rPr>
+              <a:t>Perguntas</a:t>
+            </a:r>
+            <a:endParaRPr lang="en-US" sz="4000" dirty="0">
+              <a:cs typeface="Calibri"/>
+            </a:endParaRPr>
+          </a:p>
+        </p:txBody>
+      </p:sp>
+      <p:pic>
+        <p:nvPicPr>
+          <p:cNvPr id="3" name="Gráfico 5" descr="Perguntas com preenchimento sólido">
+            <a:extLst>
+              <a:ext uri="{FF2B5EF4-FFF2-40B4-BE49-F238E27FC236}">
+                <a16:creationId xmlns:a16="http://schemas.microsoft.com/office/drawing/2014/main" id="{B35E9272-4ADA-42A4-887A-FC3950232D19}"/>
+              </a:ext>
+            </a:extLst>
+          </p:cNvPr>
+          <p:cNvPicPr>
+            <a:picLocks noChangeAspect="1"/>
+          </p:cNvPicPr>
+          <p:nvPr/>
+        </p:nvPicPr>
+        <p:blipFill>
+          <a:blip r:embed="rId3">
+            <a:extLst>
+              <a:ext uri="{96DAC541-7B7A-43D3-8B79-37D633B846F1}">
+                <asvg:svgBlip xmlns:asvg="http://schemas.microsoft.com/office/drawing/2016/SVG/main" r:embed="rId4"/>
+              </a:ext>
+            </a:extLst>
+          </a:blip>
+          <a:stretch>
+            <a:fillRect/>
+          </a:stretch>
+        </p:blipFill>
+        <p:spPr>
+          <a:xfrm>
+            <a:off x="4457700" y="1657350"/>
+            <a:ext cx="4476750" cy="4476750"/>
+          </a:xfrm>
+          <a:prstGeom prst="rect">
+            <a:avLst/>
+          </a:prstGeom>
+        </p:spPr>
+      </p:pic>
+    </p:spTree>
+    <p:extLst>
+      <p:ext uri="{BB962C8B-B14F-4D97-AF65-F5344CB8AC3E}">
+        <p14:creationId xmlns:p14="http://schemas.microsoft.com/office/powerpoint/2010/main" val="541333889"/>
+      </p:ext>
+    </p:extLst>
+  </p:cSld>
+  <p:clrMapOvr>
+    <a:masterClrMapping/>
+  </p:clrMapOvr>
+</p:sld>
+</file>
+
+<file path=ppt/slides/slide21.xml><?xml version="1.0" encoding="utf-8"?>
+<p:sld xmlns:a="http://schemas.openxmlformats.org/drawingml/2006/main" xmlns:r="http://schemas.openxmlformats.org/officeDocument/2006/relationships" xmlns:p="http://schemas.openxmlformats.org/presentationml/2006/main">
+  <p:cSld>
+    <p:spTree>
+      <p:nvGrpSpPr>
+        <p:cNvPr id="1" name=""/>
+        <p:cNvGrpSpPr/>
+        <p:nvPr/>
+      </p:nvGrpSpPr>
+      <p:grpSpPr>
+        <a:xfrm>
+          <a:off x="0" y="0"/>
+          <a:ext cx="0" cy="0"/>
+          <a:chOff x="0" y="0"/>
+          <a:chExt cx="0" cy="0"/>
+        </a:xfrm>
+      </p:grpSpPr>
+      <p:sp>
+        <p:nvSpPr>
+          <p:cNvPr id="2" name="Espaço Reservado para Número de Slide 1">
+            <a:extLst>
+              <a:ext uri="{FF2B5EF4-FFF2-40B4-BE49-F238E27FC236}">
+                <a16:creationId xmlns:a16="http://schemas.microsoft.com/office/drawing/2014/main" id="{00A5C847-9B16-45BB-A00A-7493094466B1}"/>
+              </a:ext>
+            </a:extLst>
+          </p:cNvPr>
+          <p:cNvSpPr>
+            <a:spLocks noGrp="1"/>
+          </p:cNvSpPr>
+          <p:nvPr>
+            <p:ph type="sldNum" sz="quarter" idx="12"/>
+          </p:nvPr>
+        </p:nvSpPr>
+        <p:spPr/>
+        <p:txBody>
+          <a:bodyPr/>
+          <a:lstStyle/>
+          <a:p>
+            <a:fld id="{47797270-BFBB-4212-9FDA-8EE01FE91F8C}" type="slidenum">
+              <a:rPr lang="pt-BR" smtClean="0"/>
+              <a:t>21</a:t>
+            </a:fld>
+            <a:endParaRPr lang="pt-BR"/>
+          </a:p>
+        </p:txBody>
+      </p:sp>
+      <p:sp>
+        <p:nvSpPr>
+          <p:cNvPr id="7" name="Retângulo 6">
+            <a:extLst>
+              <a:ext uri="{FF2B5EF4-FFF2-40B4-BE49-F238E27FC236}">
+                <a16:creationId xmlns:a16="http://schemas.microsoft.com/office/drawing/2014/main" id="{C0911691-8E5D-4130-9DEF-B295AC8F85B1}"/>
+              </a:ext>
+            </a:extLst>
+          </p:cNvPr>
+          <p:cNvSpPr/>
+          <p:nvPr/>
+        </p:nvSpPr>
+        <p:spPr>
+          <a:xfrm>
+            <a:off x="-134911" y="0"/>
+            <a:ext cx="1758759" cy="6840036"/>
+          </a:xfrm>
+          <a:prstGeom prst="rect">
+            <a:avLst/>
+          </a:prstGeom>
+          <a:solidFill>
+            <a:srgbClr val="053566"/>
+          </a:solidFill>
+        </p:spPr>
+        <p:style>
+          <a:lnRef idx="2">
+            <a:schemeClr val="accent1">
+              <a:shade val="50000"/>
+            </a:schemeClr>
+          </a:lnRef>
+          <a:fillRef idx="1">
+            <a:schemeClr val="accent1"/>
+          </a:fillRef>
+          <a:effectRef idx="0">
+            <a:schemeClr val="accent1"/>
+          </a:effectRef>
+          <a:fontRef idx="minor">
+            <a:schemeClr val="lt1"/>
+          </a:fontRef>
+        </p:style>
+        <p:txBody>
+          <a:bodyPr rtlCol="0" anchor="ctr"/>
+          <a:lstStyle/>
+          <a:p>
+            <a:pPr algn="ctr"/>
+            <a:endParaRPr lang="pt-BR"/>
+          </a:p>
+        </p:txBody>
+      </p:sp>
+      <p:pic>
+        <p:nvPicPr>
+          <p:cNvPr id="4" name="Imagem 3" descr="Logotipo&#10;&#10;Descrição gerada automaticamente">
+            <a:extLst>
+              <a:ext uri="{FF2B5EF4-FFF2-40B4-BE49-F238E27FC236}">
+                <a16:creationId xmlns:a16="http://schemas.microsoft.com/office/drawing/2014/main" id="{A8415950-AE8E-45C0-A2E5-D9B394DF621D}"/>
+              </a:ext>
+            </a:extLst>
+          </p:cNvPr>
+          <p:cNvPicPr>
+            <a:picLocks noChangeAspect="1"/>
+          </p:cNvPicPr>
+          <p:nvPr/>
+        </p:nvPicPr>
+        <p:blipFill>
+          <a:blip r:embed="rId2" cstate="print">
+            <a:extLst>
+              <a:ext uri="{28A0092B-C50C-407E-A947-70E740481C1C}">
+                <a14:useLocalDpi xmlns:a14="http://schemas.microsoft.com/office/drawing/2010/main" val="0"/>
+              </a:ext>
+            </a:extLst>
+          </a:blip>
+          <a:stretch>
+            <a:fillRect/>
+          </a:stretch>
+        </p:blipFill>
+        <p:spPr>
+          <a:xfrm>
+            <a:off x="196516" y="205083"/>
+            <a:ext cx="1106542" cy="1096089"/>
+          </a:xfrm>
+          <a:prstGeom prst="rect">
+            <a:avLst/>
+          </a:prstGeom>
+        </p:spPr>
+      </p:pic>
+      <p:sp>
+        <p:nvSpPr>
+          <p:cNvPr id="5" name="TextBox 4">
+            <a:extLst>
+              <a:ext uri="{FF2B5EF4-FFF2-40B4-BE49-F238E27FC236}">
+                <a16:creationId xmlns:a16="http://schemas.microsoft.com/office/drawing/2014/main" id="{751BADB0-5D73-43E9-9ABB-321766D8AE39}"/>
+              </a:ext>
+            </a:extLst>
+          </p:cNvPr>
+          <p:cNvSpPr txBox="1"/>
+          <p:nvPr/>
+        </p:nvSpPr>
+        <p:spPr>
+          <a:xfrm>
+            <a:off x="2167689" y="483268"/>
+            <a:ext cx="9310436" cy="707886"/>
+          </a:xfrm>
+          <a:prstGeom prst="rect">
+            <a:avLst/>
+          </a:prstGeom>
+          <a:noFill/>
+        </p:spPr>
+        <p:txBody>
+          <a:bodyPr rot="0" spcFirstLastPara="0" vertOverflow="overflow" horzOverflow="overflow" vert="horz" wrap="square" lIns="91440" tIns="45720" rIns="91440" bIns="45720" numCol="1" spcCol="0" rtlCol="0" fromWordArt="0" anchor="t" anchorCtr="0" forceAA="0" compatLnSpc="1">
+            <a:prstTxWarp prst="textNoShape">
+              <a:avLst/>
+            </a:prstTxWarp>
+            <a:spAutoFit/>
+          </a:bodyPr>
+          <a:lstStyle/>
+          <a:p>
+            <a:r>
               <a:rPr lang="en-US" sz="4000">
                 <a:cs typeface="Calibri"/>
               </a:rPr>
@@ -7173,7 +7730,7 @@
 </p:sld>
 </file>
 
-<file path=ppt/slides/slide21.xml><?xml version="1.0" encoding="utf-8"?>
+<file path=ppt/slides/slide22.xml><?xml version="1.0" encoding="utf-8"?>
 <p:sld xmlns:a="http://schemas.openxmlformats.org/drawingml/2006/main" xmlns:r="http://schemas.openxmlformats.org/officeDocument/2006/relationships" xmlns:p="http://schemas.openxmlformats.org/presentationml/2006/main">
   <p:cSld>
     <p:spTree>
@@ -7575,7 +8132,7 @@
         <p:spPr>
           <a:xfrm>
             <a:off x="2009775" y="1609725"/>
-            <a:ext cx="9544050" cy="2308324"/>
+            <a:ext cx="9544050" cy="2585323"/>
           </a:xfrm>
           <a:prstGeom prst="rect">
             <a:avLst/>
@@ -7591,6 +8148,10 @@
           </a:bodyPr>
           <a:lstStyle/>
           <a:p>
+            <a:pPr marL="285750" indent="-285750">
+              <a:buFont typeface="Arial" panose="020B0604020202020204" pitchFamily="34" charset="0"/>
+              <a:buChar char="•"/>
+            </a:pPr>
             <a:r>
               <a:rPr lang="en-US" dirty="0" err="1"/>
               <a:t>Pensando</a:t>
@@ -7725,7 +8286,15 @@
             </a:r>
             <a:r>
               <a:rPr lang="en-US" dirty="0"/>
-              <a:t> de </a:t>
+              <a:t> </a:t>
+            </a:r>
+            <a:r>
+              <a:rPr lang="en-US" dirty="0" err="1"/>
+              <a:t>modelo</a:t>
+            </a:r>
+            <a:r>
+              <a:rPr lang="en-US" dirty="0"/>
+              <a:t> </a:t>
             </a:r>
             <a:r>
               <a:rPr lang="en-US" dirty="0" err="1"/>
@@ -7852,11 +8421,19 @@
             </a:endParaRPr>
           </a:p>
           <a:p>
+            <a:pPr marL="285750" indent="-285750">
+              <a:buFont typeface="Arial" panose="020B0604020202020204" pitchFamily="34" charset="0"/>
+              <a:buChar char="•"/>
+            </a:pPr>
             <a:endParaRPr lang="pt-BR" dirty="0">
               <a:cs typeface="Calibri" panose="020F0502020204030204"/>
             </a:endParaRPr>
           </a:p>
           <a:p>
+            <a:pPr marL="285750" indent="-285750">
+              <a:buFont typeface="Arial" panose="020B0604020202020204" pitchFamily="34" charset="0"/>
+              <a:buChar char="•"/>
+            </a:pPr>
             <a:r>
               <a:rPr lang="en-US" dirty="0" err="1">
                 <a:cs typeface="Calibri"/>
@@ -7919,6 +8496,19 @@
             </a:r>
           </a:p>
           <a:p>
+            <a:pPr marL="285750" indent="-285750">
+              <a:buFont typeface="Arial" panose="020B0604020202020204" pitchFamily="34" charset="0"/>
+              <a:buChar char="•"/>
+            </a:pPr>
+            <a:endParaRPr lang="en-US" dirty="0">
+              <a:cs typeface="Calibri"/>
+            </a:endParaRPr>
+          </a:p>
+          <a:p>
+            <a:pPr marL="285750" indent="-285750">
+              <a:buFont typeface="Arial" panose="020B0604020202020204" pitchFamily="34" charset="0"/>
+              <a:buChar char="•"/>
+            </a:pPr>
             <a:r>
               <a:rPr lang="en-US" dirty="0" err="1">
                 <a:cs typeface="Calibri"/>
@@ -8296,7 +8886,7 @@
               <a:t>2 - </a:t>
             </a:r>
             <a:r>
-              <a:rPr lang="en-US" sz="4000" dirty="0" err="1">
+              <a:rPr lang="pt-BR" sz="4000" dirty="0">
                 <a:ea typeface="+mn-lt"/>
                 <a:cs typeface="+mn-lt"/>
               </a:rPr>
@@ -8911,10 +9501,10 @@
       </p:sp>
       <p:pic>
         <p:nvPicPr>
-          <p:cNvPr id="6" name="Imagem 7" descr="Uma imagem contendo Gráfico de mapa de árvore&#10;&#10;Descrição gerada automaticamente">
-            <a:extLst>
-              <a:ext uri="{FF2B5EF4-FFF2-40B4-BE49-F238E27FC236}">
-                <a16:creationId xmlns:a16="http://schemas.microsoft.com/office/drawing/2014/main" id="{B1929BA4-230C-4795-9D5F-7988AABBAA0D}"/>
+          <p:cNvPr id="8" name="Imagem 7">
+            <a:extLst>
+              <a:ext uri="{FF2B5EF4-FFF2-40B4-BE49-F238E27FC236}">
+                <a16:creationId xmlns:a16="http://schemas.microsoft.com/office/drawing/2014/main" id="{48CBCD3A-2ACA-4B63-9FAA-FC4D3B5704B1}"/>
               </a:ext>
             </a:extLst>
           </p:cNvPr>
@@ -8931,8 +9521,8 @@
         </p:blipFill>
         <p:spPr>
           <a:xfrm>
-            <a:off x="2250141" y="1189066"/>
-            <a:ext cx="9305364" cy="5214973"/>
+            <a:off x="2645546" y="1191154"/>
+            <a:ext cx="9080718" cy="5380888"/>
           </a:xfrm>
           <a:prstGeom prst="rect">
             <a:avLst/>
@@ -8942,7 +9532,7 @@
     </p:spTree>
     <p:extLst>
       <p:ext uri="{BB962C8B-B14F-4D97-AF65-F5344CB8AC3E}">
-        <p14:creationId xmlns:p14="http://schemas.microsoft.com/office/powerpoint/2010/main" val="1889809419"/>
+        <p14:creationId xmlns:p14="http://schemas.microsoft.com/office/powerpoint/2010/main" val="630988368"/>
       </p:ext>
     </p:extLst>
   </p:cSld>

--- a/ppt/PGPARQ01C1-2N-P1 - Arquitetura de Software.pptx
+++ b/ppt/PGPARQ01C1-2N-P1 - Arquitetura de Software.pptx
@@ -5,7 +5,7 @@
     <p:sldMasterId id="2147483738" r:id="rId1"/>
   </p:sldMasterIdLst>
   <p:notesMasterIdLst>
-    <p:notesMasterId r:id="rId24"/>
+    <p:notesMasterId r:id="rId23"/>
   </p:notesMasterIdLst>
   <p:sldIdLst>
     <p:sldId id="256" r:id="rId2"/>
@@ -26,10 +26,9 @@
     <p:sldId id="303" r:id="rId17"/>
     <p:sldId id="304" r:id="rId18"/>
     <p:sldId id="305" r:id="rId19"/>
-    <p:sldId id="300" r:id="rId20"/>
-    <p:sldId id="301" r:id="rId21"/>
-    <p:sldId id="291" r:id="rId22"/>
-    <p:sldId id="292" r:id="rId23"/>
+    <p:sldId id="301" r:id="rId20"/>
+    <p:sldId id="291" r:id="rId21"/>
+    <p:sldId id="292" r:id="rId22"/>
   </p:sldIdLst>
   <p:sldSz cx="12192000" cy="6858000"/>
   <p:notesSz cx="7104063" cy="10234613"/>
@@ -235,7 +234,7 @@
           <a:p>
             <a:fld id="{55BECDCE-FB37-4BE8-AC87-6D19C222C26D}" type="datetimeFigureOut">
               <a:rPr lang="pt-BR" smtClean="0"/>
-              <a:t>05/04/2021</a:t>
+              <a:t>12/04/2021</a:t>
             </a:fld>
             <a:endParaRPr lang="pt-BR"/>
           </a:p>
@@ -651,7 +650,7 @@
           <a:p>
             <a:fld id="{788568F6-5D13-43A5-A7AE-BAB951121075}" type="slidenum">
               <a:rPr lang="pt-BR" smtClean="0"/>
-              <a:t>22</a:t>
+              <a:t>21</a:t>
             </a:fld>
             <a:endParaRPr lang="pt-BR"/>
           </a:p>
@@ -817,7 +816,7 @@
           <a:p>
             <a:fld id="{72401DC7-AFA8-4A4E-8829-B7D40A2E139C}" type="datetime1">
               <a:rPr lang="pt-BR" smtClean="0"/>
-              <a:t>05/04/2021</a:t>
+              <a:t>12/04/2021</a:t>
             </a:fld>
             <a:endParaRPr lang="pt-BR"/>
           </a:p>
@@ -1016,7 +1015,7 @@
           <a:p>
             <a:fld id="{72401DC7-AFA8-4A4E-8829-B7D40A2E139C}" type="datetime1">
               <a:rPr lang="pt-BR" smtClean="0"/>
-              <a:t>05/04/2021</a:t>
+              <a:t>12/04/2021</a:t>
             </a:fld>
             <a:endParaRPr lang="pt-BR"/>
           </a:p>
@@ -1225,7 +1224,7 @@
           <a:p>
             <a:fld id="{72401DC7-AFA8-4A4E-8829-B7D40A2E139C}" type="datetime1">
               <a:rPr lang="pt-BR" smtClean="0"/>
-              <a:t>05/04/2021</a:t>
+              <a:t>12/04/2021</a:t>
             </a:fld>
             <a:endParaRPr lang="pt-BR"/>
           </a:p>
@@ -1424,7 +1423,7 @@
           <a:p>
             <a:fld id="{72401DC7-AFA8-4A4E-8829-B7D40A2E139C}" type="datetime1">
               <a:rPr lang="pt-BR" smtClean="0"/>
-              <a:t>05/04/2021</a:t>
+              <a:t>12/04/2021</a:t>
             </a:fld>
             <a:endParaRPr lang="pt-BR"/>
           </a:p>
@@ -1700,7 +1699,7 @@
           <a:p>
             <a:fld id="{643A11A1-EEE3-4743-8BCA-DE45088FCD18}" type="datetime1">
               <a:rPr lang="pt-BR" smtClean="0"/>
-              <a:t>05/04/2021</a:t>
+              <a:t>12/04/2021</a:t>
             </a:fld>
             <a:endParaRPr lang="pt-BR"/>
           </a:p>
@@ -1965,7 +1964,7 @@
           <a:p>
             <a:fld id="{EE52FBD5-AE7A-4843-8F0B-AC8FDA4415FB}" type="datetime1">
               <a:rPr lang="pt-BR" smtClean="0"/>
-              <a:t>05/04/2021</a:t>
+              <a:t>12/04/2021</a:t>
             </a:fld>
             <a:endParaRPr lang="pt-BR"/>
           </a:p>
@@ -2377,7 +2376,7 @@
           <a:p>
             <a:fld id="{DD4DA1C0-AD60-403C-BAEB-064673A721B4}" type="datetime1">
               <a:rPr lang="pt-BR" smtClean="0"/>
-              <a:t>05/04/2021</a:t>
+              <a:t>12/04/2021</a:t>
             </a:fld>
             <a:endParaRPr lang="pt-BR"/>
           </a:p>
@@ -2518,7 +2517,7 @@
           <a:p>
             <a:fld id="{72401DC7-AFA8-4A4E-8829-B7D40A2E139C}" type="datetime1">
               <a:rPr lang="pt-BR" smtClean="0"/>
-              <a:t>05/04/2021</a:t>
+              <a:t>12/04/2021</a:t>
             </a:fld>
             <a:endParaRPr lang="pt-BR"/>
           </a:p>
@@ -2632,7 +2631,7 @@
           <a:p>
             <a:fld id="{72401DC7-AFA8-4A4E-8829-B7D40A2E139C}" type="datetime1">
               <a:rPr lang="pt-BR" smtClean="0"/>
-              <a:t>05/04/2021</a:t>
+              <a:t>12/04/2021</a:t>
             </a:fld>
             <a:endParaRPr lang="pt-BR"/>
           </a:p>
@@ -2944,7 +2943,7 @@
           <a:p>
             <a:fld id="{2B41905E-D886-47E9-A95E-56DF85E102EF}" type="datetime1">
               <a:rPr lang="pt-BR" smtClean="0"/>
-              <a:t>05/04/2021</a:t>
+              <a:t>12/04/2021</a:t>
             </a:fld>
             <a:endParaRPr lang="pt-BR"/>
           </a:p>
@@ -3232,7 +3231,7 @@
           <a:p>
             <a:fld id="{207BD677-3156-4978-A4C5-AD2FA256F6F2}" type="datetime1">
               <a:rPr lang="pt-BR" smtClean="0"/>
-              <a:t>05/04/2021</a:t>
+              <a:t>12/04/2021</a:t>
             </a:fld>
             <a:endParaRPr lang="pt-BR"/>
           </a:p>
@@ -3473,7 +3472,7 @@
           <a:p>
             <a:fld id="{72401DC7-AFA8-4A4E-8829-B7D40A2E139C}" type="datetime1">
               <a:rPr lang="pt-BR" smtClean="0"/>
-              <a:t>05/04/2021</a:t>
+              <a:t>12/04/2021</a:t>
             </a:fld>
             <a:endParaRPr lang="pt-BR"/>
           </a:p>
@@ -4699,7 +4698,7 @@
 </file>
 
 <file path=ppt/slides/slide12.xml><?xml version="1.0" encoding="utf-8"?>
-<p:sld xmlns:a="http://schemas.openxmlformats.org/drawingml/2006/main" xmlns:r="http://schemas.openxmlformats.org/officeDocument/2006/relationships" xmlns:p="http://schemas.openxmlformats.org/presentationml/2006/main" show="0">
+<p:sld xmlns:a="http://schemas.openxmlformats.org/drawingml/2006/main" xmlns:r="http://schemas.openxmlformats.org/officeDocument/2006/relationships" xmlns:p="http://schemas.openxmlformats.org/presentationml/2006/main">
   <p:cSld>
     <p:spTree>
       <p:nvGrpSpPr>
@@ -4715,6 +4714,36 @@
           <a:chExt cx="0" cy="0"/>
         </a:xfrm>
       </p:grpSpPr>
+      <p:pic>
+        <p:nvPicPr>
+          <p:cNvPr id="9" name="Imagem 8">
+            <a:extLst>
+              <a:ext uri="{FF2B5EF4-FFF2-40B4-BE49-F238E27FC236}">
+                <a16:creationId xmlns:a16="http://schemas.microsoft.com/office/drawing/2014/main" id="{FC0E42B4-53B3-4B62-B09C-B37CFDDD4250}"/>
+              </a:ext>
+            </a:extLst>
+          </p:cNvPr>
+          <p:cNvPicPr>
+            <a:picLocks noChangeAspect="1"/>
+          </p:cNvPicPr>
+          <p:nvPr/>
+        </p:nvPicPr>
+        <p:blipFill>
+          <a:blip r:embed="rId2"/>
+          <a:stretch>
+            <a:fillRect/>
+          </a:stretch>
+        </p:blipFill>
+        <p:spPr>
+          <a:xfrm>
+            <a:off x="4515439" y="1299374"/>
+            <a:ext cx="4125488" cy="5558625"/>
+          </a:xfrm>
+          <a:prstGeom prst="rect">
+            <a:avLst/>
+          </a:prstGeom>
+        </p:spPr>
+      </p:pic>
       <p:sp>
         <p:nvSpPr>
           <p:cNvPr id="2" name="Espaço Reservado para Número de Slide 1">
@@ -4731,13 +4760,19 @@
             <p:ph type="sldNum" sz="quarter" idx="12"/>
           </p:nvPr>
         </p:nvSpPr>
-        <p:spPr/>
+        <p:spPr>
+          <a:xfrm>
+            <a:off x="8610600" y="6356350"/>
+            <a:ext cx="2743200" cy="365125"/>
+          </a:xfrm>
+        </p:spPr>
         <p:txBody>
           <a:bodyPr/>
           <a:lstStyle/>
           <a:p>
             <a:fld id="{47797270-BFBB-4212-9FDA-8EE01FE91F8C}" type="slidenum">
               <a:rPr lang="pt-BR" smtClean="0"/>
+              <a:pPr/>
               <a:t>12</a:t>
             </a:fld>
             <a:endParaRPr lang="pt-BR"/>
@@ -4808,7 +4843,7 @@
           <p:nvPr/>
         </p:nvPicPr>
         <p:blipFill>
-          <a:blip r:embed="rId2" cstate="print">
+          <a:blip r:embed="rId3" cstate="print">
             <a:extLst>
               <a:ext uri="{28A0092B-C50C-407E-A947-70E740481C1C}">
                 <a14:useLocalDpi xmlns:a14="http://schemas.microsoft.com/office/drawing/2010/main" val="0"/>
@@ -4861,54 +4896,24 @@
           <a:lstStyle/>
           <a:p>
             <a:r>
-              <a:rPr lang="en-US" sz="4000">
+              <a:rPr lang="en-US" sz="4000" dirty="0">
                 <a:cs typeface="Calibri"/>
               </a:rPr>
               <a:t>3.5 - </a:t>
             </a:r>
             <a:r>
-              <a:rPr lang="en-US" sz="4000">
+              <a:rPr lang="en-US" sz="4000" dirty="0">
                 <a:ea typeface="+mn-lt"/>
                 <a:cs typeface="+mn-lt"/>
               </a:rPr>
-              <a:t>Nivel 1</a:t>
-            </a:r>
-            <a:endParaRPr lang="en-US" sz="4000">
+              <a:t>C1 Context (system)</a:t>
+            </a:r>
+            <a:endParaRPr lang="en-US" sz="4000" dirty="0">
               <a:cs typeface="Calibri"/>
             </a:endParaRPr>
           </a:p>
         </p:txBody>
       </p:sp>
-      <p:pic>
-        <p:nvPicPr>
-          <p:cNvPr id="6" name="Imagem 7" descr="Diagrama&#10;&#10;Descrição gerada automaticamente">
-            <a:extLst>
-              <a:ext uri="{FF2B5EF4-FFF2-40B4-BE49-F238E27FC236}">
-                <a16:creationId xmlns:a16="http://schemas.microsoft.com/office/drawing/2014/main" id="{F633A75E-C6D1-4D43-88DE-4689D51AB7F2}"/>
-              </a:ext>
-            </a:extLst>
-          </p:cNvPr>
-          <p:cNvPicPr>
-            <a:picLocks noChangeAspect="1"/>
-          </p:cNvPicPr>
-          <p:nvPr/>
-        </p:nvPicPr>
-        <p:blipFill>
-          <a:blip r:embed="rId3"/>
-          <a:stretch>
-            <a:fillRect/>
-          </a:stretch>
-        </p:blipFill>
-        <p:spPr>
-          <a:xfrm>
-            <a:off x="3924300" y="1015739"/>
-            <a:ext cx="4648200" cy="5721871"/>
-          </a:xfrm>
-          <a:prstGeom prst="rect">
-            <a:avLst/>
-          </a:prstGeom>
-        </p:spPr>
-      </p:pic>
     </p:spTree>
     <p:extLst>
       <p:ext uri="{BB962C8B-B14F-4D97-AF65-F5344CB8AC3E}">
@@ -4923,7 +4928,7 @@
 </file>
 
 <file path=ppt/slides/slide13.xml><?xml version="1.0" encoding="utf-8"?>
-<p:sld xmlns:a="http://schemas.openxmlformats.org/drawingml/2006/main" xmlns:r="http://schemas.openxmlformats.org/officeDocument/2006/relationships" xmlns:p="http://schemas.openxmlformats.org/presentationml/2006/main" show="0">
+<p:sld xmlns:a="http://schemas.openxmlformats.org/drawingml/2006/main" xmlns:r="http://schemas.openxmlformats.org/officeDocument/2006/relationships" xmlns:p="http://schemas.openxmlformats.org/presentationml/2006/main">
   <p:cSld>
     <p:spTree>
       <p:nvGrpSpPr>
@@ -4939,6 +4944,36 @@
           <a:chExt cx="0" cy="0"/>
         </a:xfrm>
       </p:grpSpPr>
+      <p:pic>
+        <p:nvPicPr>
+          <p:cNvPr id="8" name="Imagem 7">
+            <a:extLst>
+              <a:ext uri="{FF2B5EF4-FFF2-40B4-BE49-F238E27FC236}">
+                <a16:creationId xmlns:a16="http://schemas.microsoft.com/office/drawing/2014/main" id="{3FFFC752-9B6A-4152-A7CD-6E431B4E0650}"/>
+              </a:ext>
+            </a:extLst>
+          </p:cNvPr>
+          <p:cNvPicPr>
+            <a:picLocks noChangeAspect="1"/>
+          </p:cNvPicPr>
+          <p:nvPr/>
+        </p:nvPicPr>
+        <p:blipFill>
+          <a:blip r:embed="rId2"/>
+          <a:stretch>
+            <a:fillRect/>
+          </a:stretch>
+        </p:blipFill>
+        <p:spPr>
+          <a:xfrm>
+            <a:off x="3497344" y="727973"/>
+            <a:ext cx="5741906" cy="5968102"/>
+          </a:xfrm>
+          <a:prstGeom prst="rect">
+            <a:avLst/>
+          </a:prstGeom>
+        </p:spPr>
+      </p:pic>
       <p:sp>
         <p:nvSpPr>
           <p:cNvPr id="2" name="Espaço Reservado para Número de Slide 1">
@@ -5032,7 +5067,7 @@
           <p:nvPr/>
         </p:nvPicPr>
         <p:blipFill>
-          <a:blip r:embed="rId2" cstate="print">
+          <a:blip r:embed="rId3" cstate="print">
             <a:extLst>
               <a:ext uri="{28A0092B-C50C-407E-A947-70E740481C1C}">
                 <a14:useLocalDpi xmlns:a14="http://schemas.microsoft.com/office/drawing/2010/main" val="0"/>
@@ -5085,54 +5120,24 @@
           <a:lstStyle/>
           <a:p>
             <a:r>
-              <a:rPr lang="en-US" sz="4000">
+              <a:rPr lang="en-US" sz="4000" dirty="0">
                 <a:cs typeface="Calibri"/>
               </a:rPr>
               <a:t>3.5 - </a:t>
             </a:r>
             <a:r>
-              <a:rPr lang="en-US" sz="4000">
+              <a:rPr lang="en-US" sz="4000" dirty="0">
                 <a:ea typeface="+mn-lt"/>
                 <a:cs typeface="+mn-lt"/>
               </a:rPr>
-              <a:t>Nivel 2</a:t>
-            </a:r>
-            <a:endParaRPr lang="en-US" sz="4000">
+              <a:t>C2 Container</a:t>
+            </a:r>
+            <a:endParaRPr lang="en-US" sz="4000" dirty="0">
               <a:cs typeface="Calibri"/>
             </a:endParaRPr>
           </a:p>
         </p:txBody>
       </p:sp>
-      <p:pic>
-        <p:nvPicPr>
-          <p:cNvPr id="3" name="Imagem 7" descr="Diagrama&#10;&#10;Descrição gerada automaticamente">
-            <a:extLst>
-              <a:ext uri="{FF2B5EF4-FFF2-40B4-BE49-F238E27FC236}">
-                <a16:creationId xmlns:a16="http://schemas.microsoft.com/office/drawing/2014/main" id="{2C25355A-297A-4F5A-A973-FCF83653EF30}"/>
-              </a:ext>
-            </a:extLst>
-          </p:cNvPr>
-          <p:cNvPicPr>
-            <a:picLocks noChangeAspect="1"/>
-          </p:cNvPicPr>
-          <p:nvPr/>
-        </p:nvPicPr>
-        <p:blipFill>
-          <a:blip r:embed="rId3"/>
-          <a:stretch>
-            <a:fillRect/>
-          </a:stretch>
-        </p:blipFill>
-        <p:spPr>
-          <a:xfrm>
-            <a:off x="3343275" y="1076325"/>
-            <a:ext cx="6162675" cy="5467350"/>
-          </a:xfrm>
-          <a:prstGeom prst="rect">
-            <a:avLst/>
-          </a:prstGeom>
-        </p:spPr>
-      </p:pic>
     </p:spTree>
     <p:extLst>
       <p:ext uri="{BB962C8B-B14F-4D97-AF65-F5344CB8AC3E}">
@@ -5147,7 +5152,7 @@
 </file>
 
 <file path=ppt/slides/slide14.xml><?xml version="1.0" encoding="utf-8"?>
-<p:sld xmlns:a="http://schemas.openxmlformats.org/drawingml/2006/main" xmlns:r="http://schemas.openxmlformats.org/officeDocument/2006/relationships" xmlns:p="http://schemas.openxmlformats.org/presentationml/2006/main" show="0">
+<p:sld xmlns:a="http://schemas.openxmlformats.org/drawingml/2006/main" xmlns:r="http://schemas.openxmlformats.org/officeDocument/2006/relationships" xmlns:p="http://schemas.openxmlformats.org/presentationml/2006/main">
   <p:cSld>
     <p:spTree>
       <p:nvGrpSpPr>
@@ -5163,6 +5168,36 @@
           <a:chExt cx="0" cy="0"/>
         </a:xfrm>
       </p:grpSpPr>
+      <p:pic>
+        <p:nvPicPr>
+          <p:cNvPr id="6" name="Imagem 5">
+            <a:extLst>
+              <a:ext uri="{FF2B5EF4-FFF2-40B4-BE49-F238E27FC236}">
+                <a16:creationId xmlns:a16="http://schemas.microsoft.com/office/drawing/2014/main" id="{3D7F74C4-C448-4871-92D4-080A0D5845B2}"/>
+              </a:ext>
+            </a:extLst>
+          </p:cNvPr>
+          <p:cNvPicPr>
+            <a:picLocks noChangeAspect="1"/>
+          </p:cNvPicPr>
+          <p:nvPr/>
+        </p:nvPicPr>
+        <p:blipFill>
+          <a:blip r:embed="rId2"/>
+          <a:stretch>
+            <a:fillRect/>
+          </a:stretch>
+        </p:blipFill>
+        <p:spPr>
+          <a:xfrm>
+            <a:off x="2366127" y="1191154"/>
+            <a:ext cx="8527535" cy="5598887"/>
+          </a:xfrm>
+          <a:prstGeom prst="rect">
+            <a:avLst/>
+          </a:prstGeom>
+        </p:spPr>
+      </p:pic>
       <p:sp>
         <p:nvSpPr>
           <p:cNvPr id="2" name="Espaço Reservado para Número de Slide 1">
@@ -5256,7 +5291,7 @@
           <p:nvPr/>
         </p:nvPicPr>
         <p:blipFill>
-          <a:blip r:embed="rId2" cstate="print">
+          <a:blip r:embed="rId3" cstate="print">
             <a:extLst>
               <a:ext uri="{28A0092B-C50C-407E-A947-70E740481C1C}">
                 <a14:useLocalDpi xmlns:a14="http://schemas.microsoft.com/office/drawing/2010/main" val="0"/>
@@ -5309,54 +5344,24 @@
           <a:lstStyle/>
           <a:p>
             <a:r>
-              <a:rPr lang="en-US" sz="4000">
+              <a:rPr lang="en-US" sz="4000" dirty="0">
                 <a:cs typeface="Calibri"/>
               </a:rPr>
               <a:t>3.5 - </a:t>
             </a:r>
             <a:r>
-              <a:rPr lang="en-US" sz="4000">
+              <a:rPr lang="en-US" sz="4000" dirty="0">
                 <a:ea typeface="+mn-lt"/>
                 <a:cs typeface="+mn-lt"/>
               </a:rPr>
-              <a:t>Nivel 3</a:t>
-            </a:r>
-            <a:endParaRPr lang="en-US" sz="4000">
+              <a:t>C3 Component (high-level)</a:t>
+            </a:r>
+            <a:endParaRPr lang="en-US" sz="4000" dirty="0">
               <a:cs typeface="Calibri"/>
             </a:endParaRPr>
           </a:p>
         </p:txBody>
       </p:sp>
-      <p:pic>
-        <p:nvPicPr>
-          <p:cNvPr id="8" name="Picture 8" descr="Diagram, engineering drawing&#10;&#10;Description automatically generated">
-            <a:extLst>
-              <a:ext uri="{FF2B5EF4-FFF2-40B4-BE49-F238E27FC236}">
-                <a16:creationId xmlns:a16="http://schemas.microsoft.com/office/drawing/2014/main" id="{5B49F05A-0558-435F-A750-E4EA644F6EE4}"/>
-              </a:ext>
-            </a:extLst>
-          </p:cNvPr>
-          <p:cNvPicPr>
-            <a:picLocks noChangeAspect="1"/>
-          </p:cNvPicPr>
-          <p:nvPr/>
-        </p:nvPicPr>
-        <p:blipFill>
-          <a:blip r:embed="rId3"/>
-          <a:stretch>
-            <a:fillRect/>
-          </a:stretch>
-        </p:blipFill>
-        <p:spPr>
-          <a:xfrm>
-            <a:off x="2204605" y="1380714"/>
-            <a:ext cx="8986404" cy="4971142"/>
-          </a:xfrm>
-          <a:prstGeom prst="rect">
-            <a:avLst/>
-          </a:prstGeom>
-        </p:spPr>
-      </p:pic>
     </p:spTree>
     <p:extLst>
       <p:ext uri="{BB962C8B-B14F-4D97-AF65-F5344CB8AC3E}">
@@ -6380,7 +6385,7 @@
               <a:buChar char="-"/>
             </a:pPr>
             <a:r>
-              <a:rPr lang="en-US" dirty="0" err="1">
+              <a:rPr lang="pt-BR" dirty="0">
                 <a:cs typeface="Calibri"/>
               </a:rPr>
               <a:t>Possibilidade</a:t>
@@ -6627,7 +6632,7 @@
 </file>
 
 <file path=ppt/slides/slide19.xml><?xml version="1.0" encoding="utf-8"?>
-<p:sld xmlns:a="http://schemas.openxmlformats.org/drawingml/2006/main" xmlns:r="http://schemas.openxmlformats.org/officeDocument/2006/relationships" xmlns:p="http://schemas.openxmlformats.org/presentationml/2006/main" show="0">
+<p:sld xmlns:a="http://schemas.openxmlformats.org/drawingml/2006/main" xmlns:r="http://schemas.openxmlformats.org/officeDocument/2006/relationships" xmlns:p="http://schemas.openxmlformats.org/presentationml/2006/main">
   <p:cSld>
     <p:spTree>
       <p:nvGrpSpPr>
@@ -6790,16 +6795,17 @@
           <a:p>
             <a:r>
               <a:rPr lang="en-US" sz="4000" dirty="0">
-                <a:cs typeface="Calibri"/>
-              </a:rPr>
-              <a:t>6 - </a:t>
+                <a:ea typeface="+mn-lt"/>
+                <a:cs typeface="+mn-lt"/>
+              </a:rPr>
+              <a:t>6 - </a:t>
             </a:r>
             <a:r>
               <a:rPr lang="en-US" sz="4000" dirty="0" err="1">
                 <a:ea typeface="+mn-lt"/>
                 <a:cs typeface="+mn-lt"/>
               </a:rPr>
-              <a:t>Considerações</a:t>
+              <a:t>Perguntas</a:t>
             </a:r>
             <a:endParaRPr lang="en-US" sz="4000" dirty="0">
               <a:cs typeface="Calibri"/>
@@ -6807,10 +6813,46 @@
           </a:p>
         </p:txBody>
       </p:sp>
+      <p:pic>
+        <p:nvPicPr>
+          <p:cNvPr id="3" name="Gráfico 5" descr="Perguntas com preenchimento sólido">
+            <a:extLst>
+              <a:ext uri="{FF2B5EF4-FFF2-40B4-BE49-F238E27FC236}">
+                <a16:creationId xmlns:a16="http://schemas.microsoft.com/office/drawing/2014/main" id="{B35E9272-4ADA-42A4-887A-FC3950232D19}"/>
+              </a:ext>
+            </a:extLst>
+          </p:cNvPr>
+          <p:cNvPicPr>
+            <a:picLocks noChangeAspect="1"/>
+          </p:cNvPicPr>
+          <p:nvPr/>
+        </p:nvPicPr>
+        <p:blipFill>
+          <a:blip r:embed="rId3">
+            <a:extLst>
+              <a:ext uri="{96DAC541-7B7A-43D3-8B79-37D633B846F1}">
+                <asvg:svgBlip xmlns:asvg="http://schemas.microsoft.com/office/drawing/2016/SVG/main" r:embed="rId4"/>
+              </a:ext>
+            </a:extLst>
+          </a:blip>
+          <a:stretch>
+            <a:fillRect/>
+          </a:stretch>
+        </p:blipFill>
+        <p:spPr>
+          <a:xfrm>
+            <a:off x="4457700" y="1657350"/>
+            <a:ext cx="4476750" cy="4476750"/>
+          </a:xfrm>
+          <a:prstGeom prst="rect">
+            <a:avLst/>
+          </a:prstGeom>
+        </p:spPr>
+      </p:pic>
     </p:spTree>
     <p:extLst>
       <p:ext uri="{BB962C8B-B14F-4D97-AF65-F5344CB8AC3E}">
-        <p14:creationId xmlns:p14="http://schemas.microsoft.com/office/powerpoint/2010/main" val="122286710"/>
+        <p14:creationId xmlns:p14="http://schemas.microsoft.com/office/powerpoint/2010/main" val="541333889"/>
       </p:ext>
     </p:extLst>
   </p:cSld>
@@ -7345,211 +7387,21 @@
           <a:lstStyle/>
           <a:p>
             <a:r>
-              <a:rPr lang="en-US" sz="4000" dirty="0">
-                <a:ea typeface="+mn-lt"/>
-                <a:cs typeface="+mn-lt"/>
-              </a:rPr>
-              <a:t>6 - </a:t>
-            </a:r>
-            <a:r>
-              <a:rPr lang="en-US" sz="4000" dirty="0" err="1">
-                <a:ea typeface="+mn-lt"/>
-                <a:cs typeface="+mn-lt"/>
-              </a:rPr>
-              <a:t>Perguntas</a:t>
-            </a:r>
-            <a:endParaRPr lang="en-US" sz="4000" dirty="0">
-              <a:cs typeface="Calibri"/>
-            </a:endParaRPr>
-          </a:p>
-        </p:txBody>
-      </p:sp>
-      <p:pic>
-        <p:nvPicPr>
-          <p:cNvPr id="3" name="Gráfico 5" descr="Perguntas com preenchimento sólido">
-            <a:extLst>
-              <a:ext uri="{FF2B5EF4-FFF2-40B4-BE49-F238E27FC236}">
-                <a16:creationId xmlns:a16="http://schemas.microsoft.com/office/drawing/2014/main" id="{B35E9272-4ADA-42A4-887A-FC3950232D19}"/>
-              </a:ext>
-            </a:extLst>
-          </p:cNvPr>
-          <p:cNvPicPr>
-            <a:picLocks noChangeAspect="1"/>
-          </p:cNvPicPr>
-          <p:nvPr/>
-        </p:nvPicPr>
-        <p:blipFill>
-          <a:blip r:embed="rId3">
-            <a:extLst>
-              <a:ext uri="{96DAC541-7B7A-43D3-8B79-37D633B846F1}">
-                <asvg:svgBlip xmlns:asvg="http://schemas.microsoft.com/office/drawing/2016/SVG/main" r:embed="rId4"/>
-              </a:ext>
-            </a:extLst>
-          </a:blip>
-          <a:stretch>
-            <a:fillRect/>
-          </a:stretch>
-        </p:blipFill>
-        <p:spPr>
-          <a:xfrm>
-            <a:off x="4457700" y="1657350"/>
-            <a:ext cx="4476750" cy="4476750"/>
-          </a:xfrm>
-          <a:prstGeom prst="rect">
-            <a:avLst/>
-          </a:prstGeom>
-        </p:spPr>
-      </p:pic>
-    </p:spTree>
-    <p:extLst>
-      <p:ext uri="{BB962C8B-B14F-4D97-AF65-F5344CB8AC3E}">
-        <p14:creationId xmlns:p14="http://schemas.microsoft.com/office/powerpoint/2010/main" val="541333889"/>
-      </p:ext>
-    </p:extLst>
-  </p:cSld>
-  <p:clrMapOvr>
-    <a:masterClrMapping/>
-  </p:clrMapOvr>
-</p:sld>
-</file>
-
-<file path=ppt/slides/slide21.xml><?xml version="1.0" encoding="utf-8"?>
-<p:sld xmlns:a="http://schemas.openxmlformats.org/drawingml/2006/main" xmlns:r="http://schemas.openxmlformats.org/officeDocument/2006/relationships" xmlns:p="http://schemas.openxmlformats.org/presentationml/2006/main">
-  <p:cSld>
-    <p:spTree>
-      <p:nvGrpSpPr>
-        <p:cNvPr id="1" name=""/>
-        <p:cNvGrpSpPr/>
-        <p:nvPr/>
-      </p:nvGrpSpPr>
-      <p:grpSpPr>
-        <a:xfrm>
-          <a:off x="0" y="0"/>
-          <a:ext cx="0" cy="0"/>
-          <a:chOff x="0" y="0"/>
-          <a:chExt cx="0" cy="0"/>
-        </a:xfrm>
-      </p:grpSpPr>
-      <p:sp>
-        <p:nvSpPr>
-          <p:cNvPr id="2" name="Espaço Reservado para Número de Slide 1">
-            <a:extLst>
-              <a:ext uri="{FF2B5EF4-FFF2-40B4-BE49-F238E27FC236}">
-                <a16:creationId xmlns:a16="http://schemas.microsoft.com/office/drawing/2014/main" id="{00A5C847-9B16-45BB-A00A-7493094466B1}"/>
-              </a:ext>
-            </a:extLst>
-          </p:cNvPr>
-          <p:cNvSpPr>
-            <a:spLocks noGrp="1"/>
-          </p:cNvSpPr>
-          <p:nvPr>
-            <p:ph type="sldNum" sz="quarter" idx="12"/>
-          </p:nvPr>
-        </p:nvSpPr>
-        <p:spPr/>
-        <p:txBody>
-          <a:bodyPr/>
-          <a:lstStyle/>
-          <a:p>
-            <a:fld id="{47797270-BFBB-4212-9FDA-8EE01FE91F8C}" type="slidenum">
-              <a:rPr lang="pt-BR" smtClean="0"/>
-              <a:t>21</a:t>
-            </a:fld>
-            <a:endParaRPr lang="pt-BR"/>
-          </a:p>
-        </p:txBody>
-      </p:sp>
-      <p:sp>
-        <p:nvSpPr>
-          <p:cNvPr id="7" name="Retângulo 6">
-            <a:extLst>
-              <a:ext uri="{FF2B5EF4-FFF2-40B4-BE49-F238E27FC236}">
-                <a16:creationId xmlns:a16="http://schemas.microsoft.com/office/drawing/2014/main" id="{C0911691-8E5D-4130-9DEF-B295AC8F85B1}"/>
-              </a:ext>
-            </a:extLst>
-          </p:cNvPr>
-          <p:cNvSpPr/>
-          <p:nvPr/>
-        </p:nvSpPr>
-        <p:spPr>
-          <a:xfrm>
-            <a:off x="-134911" y="0"/>
-            <a:ext cx="1758759" cy="6840036"/>
-          </a:xfrm>
-          <a:prstGeom prst="rect">
-            <a:avLst/>
-          </a:prstGeom>
-          <a:solidFill>
-            <a:srgbClr val="053566"/>
-          </a:solidFill>
-        </p:spPr>
-        <p:style>
-          <a:lnRef idx="2">
-            <a:schemeClr val="accent1">
-              <a:shade val="50000"/>
-            </a:schemeClr>
-          </a:lnRef>
-          <a:fillRef idx="1">
-            <a:schemeClr val="accent1"/>
-          </a:fillRef>
-          <a:effectRef idx="0">
-            <a:schemeClr val="accent1"/>
-          </a:effectRef>
-          <a:fontRef idx="minor">
-            <a:schemeClr val="lt1"/>
-          </a:fontRef>
-        </p:style>
-        <p:txBody>
-          <a:bodyPr rtlCol="0" anchor="ctr"/>
-          <a:lstStyle/>
-          <a:p>
-            <a:pPr algn="ctr"/>
-            <a:endParaRPr lang="pt-BR"/>
-          </a:p>
-        </p:txBody>
-      </p:sp>
-      <p:pic>
-        <p:nvPicPr>
-          <p:cNvPr id="4" name="Imagem 3" descr="Logotipo&#10;&#10;Descrição gerada automaticamente">
-            <a:extLst>
-              <a:ext uri="{FF2B5EF4-FFF2-40B4-BE49-F238E27FC236}">
-                <a16:creationId xmlns:a16="http://schemas.microsoft.com/office/drawing/2014/main" id="{A8415950-AE8E-45C0-A2E5-D9B394DF621D}"/>
-              </a:ext>
-            </a:extLst>
-          </p:cNvPr>
-          <p:cNvPicPr>
-            <a:picLocks noChangeAspect="1"/>
-          </p:cNvPicPr>
-          <p:nvPr/>
-        </p:nvPicPr>
-        <p:blipFill>
-          <a:blip r:embed="rId2" cstate="print">
-            <a:extLst>
-              <a:ext uri="{28A0092B-C50C-407E-A947-70E740481C1C}">
-                <a14:useLocalDpi xmlns:a14="http://schemas.microsoft.com/office/drawing/2010/main" val="0"/>
-              </a:ext>
-            </a:extLst>
-          </a:blip>
-          <a:stretch>
-            <a:fillRect/>
-          </a:stretch>
-        </p:blipFill>
-        <p:spPr>
-          <a:xfrm>
-            <a:off x="196516" y="205083"/>
-            <a:ext cx="1106542" cy="1096089"/>
-          </a:xfrm>
-          <a:prstGeom prst="rect">
-            <a:avLst/>
-          </a:prstGeom>
-        </p:spPr>
-      </p:pic>
-      <p:sp>
-        <p:nvSpPr>
-          <p:cNvPr id="5" name="TextBox 4">
-            <a:extLst>
-              <a:ext uri="{FF2B5EF4-FFF2-40B4-BE49-F238E27FC236}">
-                <a16:creationId xmlns:a16="http://schemas.microsoft.com/office/drawing/2014/main" id="{751BADB0-5D73-43E9-9ABB-321766D8AE39}"/>
+              <a:rPr lang="pt-BR" sz="4000" dirty="0">
+                <a:cs typeface="Calibri"/>
+              </a:rPr>
+              <a:t>Referencias</a:t>
+            </a:r>
+            <a:endParaRPr lang="pt-BR" dirty="0"/>
+          </a:p>
+        </p:txBody>
+      </p:sp>
+      <p:sp>
+        <p:nvSpPr>
+          <p:cNvPr id="6" name="TextBox 5">
+            <a:extLst>
+              <a:ext uri="{FF2B5EF4-FFF2-40B4-BE49-F238E27FC236}">
+                <a16:creationId xmlns:a16="http://schemas.microsoft.com/office/drawing/2014/main" id="{553D447B-6377-4757-977D-CB26B99C59EC}"/>
               </a:ext>
             </a:extLst>
           </p:cNvPr>
@@ -7558,8 +7410,8 @@
         </p:nvSpPr>
         <p:spPr>
           <a:xfrm>
-            <a:off x="2167689" y="483268"/>
-            <a:ext cx="9310436" cy="707886"/>
+            <a:off x="2251410" y="1596830"/>
+            <a:ext cx="6460524" cy="3416320"/>
           </a:xfrm>
           <a:prstGeom prst="rect">
             <a:avLst/>
@@ -7576,21 +7428,112 @@
           <a:lstStyle/>
           <a:p>
             <a:r>
-              <a:rPr lang="en-US" sz="4000">
-                <a:cs typeface="Calibri"/>
-              </a:rPr>
-              <a:t>Referencias</a:t>
+              <a:rPr lang="en-US" dirty="0">
+                <a:hlinkClick r:id="rId3"/>
+              </a:rPr>
+              <a:t>https://c4model.com</a:t>
+            </a:r>
+            <a:endParaRPr lang="en-US" dirty="0"/>
+          </a:p>
+          <a:p>
+            <a:r>
+              <a:rPr lang="en-US" dirty="0">
+                <a:hlinkClick r:id="rId4"/>
+              </a:rPr>
+              <a:t>https://www.npmjs.com/package/c4builder?activeTab=readme</a:t>
+            </a:r>
+            <a:endParaRPr lang="en-US" dirty="0">
+              <a:cs typeface="Calibri"/>
+            </a:endParaRPr>
+          </a:p>
+          <a:p>
+            <a:r>
+              <a:rPr lang="en-US" dirty="0">
+                <a:ea typeface="+mn-lt"/>
+                <a:cs typeface="+mn-lt"/>
+                <a:hlinkClick r:id="rId5"/>
+              </a:rPr>
+              <a:t>https://github.com/adrianvlupu/C4-Builder</a:t>
+            </a:r>
+            <a:br>
+              <a:rPr lang="en-US" dirty="0">
+                <a:ea typeface="+mn-lt"/>
+                <a:cs typeface="+mn-lt"/>
+              </a:rPr>
+            </a:br>
+            <a:r>
+              <a:rPr lang="en-US" dirty="0">
+                <a:ea typeface="+mn-lt"/>
+                <a:cs typeface="+mn-lt"/>
+                <a:hlinkClick r:id="rId6"/>
+              </a:rPr>
+              <a:t>https://github.com/plantuml-stdlib/Azure-PlantUML</a:t>
+            </a:r>
+            <a:br>
+              <a:rPr lang="en-US" dirty="0">
+                <a:ea typeface="+mn-lt"/>
+                <a:cs typeface="+mn-lt"/>
+              </a:rPr>
+            </a:br>
+            <a:r>
+              <a:rPr lang="en-US" dirty="0">
+                <a:ea typeface="+mn-lt"/>
+                <a:cs typeface="+mn-lt"/>
+                <a:hlinkClick r:id="rId7"/>
+              </a:rPr>
+              <a:t>https://github.com/qjebbs/vscode-plantuml</a:t>
+            </a:r>
+          </a:p>
+          <a:p>
+            <a:r>
+              <a:rPr lang="en-US" dirty="0">
+                <a:ea typeface="+mn-lt"/>
+                <a:cs typeface="+mn-lt"/>
+                <a:hlinkClick r:id="rId8"/>
+              </a:rPr>
+              <a:t>https://azure.microsoft.com/pt-br/pricing/calculator</a:t>
+            </a:r>
+            <a:endParaRPr lang="en-US" dirty="0"/>
+          </a:p>
+          <a:p>
+            <a:r>
+              <a:rPr lang="en-US" dirty="0">
+                <a:ea typeface="+mn-lt"/>
+                <a:cs typeface="+mn-lt"/>
+                <a:hlinkClick r:id="rId9"/>
+              </a:rPr>
+              <a:t>https://www.mercadopago.com.br/ajuda/custo-receber-pagamentos_220</a:t>
             </a:r>
             <a:endParaRPr lang="en-US"/>
           </a:p>
-        </p:txBody>
-      </p:sp>
-      <p:sp>
-        <p:nvSpPr>
-          <p:cNvPr id="6" name="TextBox 5">
-            <a:extLst>
-              <a:ext uri="{FF2B5EF4-FFF2-40B4-BE49-F238E27FC236}">
-                <a16:creationId xmlns:a16="http://schemas.microsoft.com/office/drawing/2014/main" id="{553D447B-6377-4757-977D-CB26B99C59EC}"/>
+          <a:p>
+            <a:endParaRPr lang="en-US" dirty="0">
+              <a:cs typeface="Calibri"/>
+            </a:endParaRPr>
+          </a:p>
+          <a:p>
+            <a:endParaRPr lang="en-US">
+              <a:cs typeface="Calibri"/>
+            </a:endParaRPr>
+          </a:p>
+          <a:p>
+            <a:endParaRPr lang="en-US">
+              <a:cs typeface="Calibri"/>
+            </a:endParaRPr>
+          </a:p>
+          <a:p>
+            <a:endParaRPr lang="en-US">
+              <a:cs typeface="Calibri"/>
+            </a:endParaRPr>
+          </a:p>
+        </p:txBody>
+      </p:sp>
+      <p:sp>
+        <p:nvSpPr>
+          <p:cNvPr id="8" name="TextBox 4">
+            <a:extLst>
+              <a:ext uri="{FF2B5EF4-FFF2-40B4-BE49-F238E27FC236}">
+                <a16:creationId xmlns:a16="http://schemas.microsoft.com/office/drawing/2014/main" id="{590DB367-71D1-486F-9D89-BDECBEF7C055}"/>
               </a:ext>
             </a:extLst>
           </p:cNvPr>
@@ -7599,8 +7542,8 @@
         </p:nvSpPr>
         <p:spPr>
           <a:xfrm>
-            <a:off x="2251410" y="1596830"/>
-            <a:ext cx="6460524" cy="3416320"/>
+            <a:off x="2167689" y="4217853"/>
+            <a:ext cx="9310436" cy="400110"/>
           </a:xfrm>
           <a:prstGeom prst="rect">
             <a:avLst/>
@@ -7617,103 +7560,89 @@
           <a:lstStyle/>
           <a:p>
             <a:r>
-              <a:rPr lang="en-US" dirty="0">
-                <a:hlinkClick r:id="rId3"/>
-              </a:rPr>
-              <a:t>https://c4model.com</a:t>
-            </a:r>
-            <a:endParaRPr lang="en-US" dirty="0"/>
-          </a:p>
-          <a:p>
-            <a:r>
-              <a:rPr lang="en-US" dirty="0">
-                <a:hlinkClick r:id="rId4"/>
-              </a:rPr>
-              <a:t>https://www.npmjs.com/package/c4builder?activeTab=readme</a:t>
-            </a:r>
-            <a:endParaRPr lang="en-US" dirty="0">
-              <a:cs typeface="Calibri"/>
-            </a:endParaRPr>
-          </a:p>
-          <a:p>
-            <a:r>
-              <a:rPr lang="en-US" dirty="0">
-                <a:ea typeface="+mn-lt"/>
-                <a:cs typeface="+mn-lt"/>
-                <a:hlinkClick r:id="rId5"/>
-              </a:rPr>
-              <a:t>https://github.com/adrianvlupu/C4-Builder</a:t>
+              <a:rPr lang="en-US" sz="2000" dirty="0" err="1">
+                <a:cs typeface="Calibri"/>
+              </a:rPr>
+              <a:t>Github</a:t>
+            </a:r>
+            <a:r>
+              <a:rPr lang="en-US" sz="2000" dirty="0">
+                <a:cs typeface="Calibri"/>
+              </a:rPr>
+              <a:t> com </a:t>
+            </a:r>
+            <a:r>
+              <a:rPr lang="en-US" sz="2000" dirty="0" err="1">
+                <a:cs typeface="Calibri"/>
+              </a:rPr>
+              <a:t>todo</a:t>
+            </a:r>
+            <a:r>
+              <a:rPr lang="en-US" sz="2000" dirty="0">
+                <a:cs typeface="Calibri"/>
+              </a:rPr>
+              <a:t> material</a:t>
+            </a:r>
+            <a:endParaRPr lang="en-US" sz="1050" dirty="0"/>
+          </a:p>
+        </p:txBody>
+      </p:sp>
+      <p:sp>
+        <p:nvSpPr>
+          <p:cNvPr id="3" name="CaixaDeTexto 2">
+            <a:extLst>
+              <a:ext uri="{FF2B5EF4-FFF2-40B4-BE49-F238E27FC236}">
+                <a16:creationId xmlns:a16="http://schemas.microsoft.com/office/drawing/2014/main" id="{9C96D16C-155B-465F-BDFC-C0BB3D26E1A2}"/>
+              </a:ext>
+            </a:extLst>
+          </p:cNvPr>
+          <p:cNvSpPr txBox="1"/>
+          <p:nvPr/>
+        </p:nvSpPr>
+        <p:spPr>
+          <a:xfrm>
+            <a:off x="2167689" y="4891838"/>
+            <a:ext cx="4333943" cy="646331"/>
+          </a:xfrm>
+          <a:prstGeom prst="rect">
+            <a:avLst/>
+          </a:prstGeom>
+          <a:noFill/>
+        </p:spPr>
+        <p:txBody>
+          <a:bodyPr wrap="none" rtlCol="0">
+            <a:spAutoFit/>
+          </a:bodyPr>
+          <a:lstStyle/>
+          <a:p>
+            <a:r>
+              <a:rPr lang="pt-BR" dirty="0" err="1">
+                <a:hlinkClick r:id="rId10"/>
+              </a:rPr>
+              <a:t>felipementel</a:t>
+            </a:r>
+            <a:r>
+              <a:rPr lang="pt-BR" dirty="0">
+                <a:hlinkClick r:id="rId10"/>
+              </a:rPr>
+              <a:t>/c4-model-builder (github.com)</a:t>
             </a:r>
             <a:br>
-              <a:rPr lang="en-US" dirty="0">
-                <a:ea typeface="+mn-lt"/>
-                <a:cs typeface="+mn-lt"/>
-              </a:rPr>
+              <a:rPr lang="pt-BR" dirty="0"/>
             </a:br>
             <a:r>
-              <a:rPr lang="en-US" dirty="0">
-                <a:ea typeface="+mn-lt"/>
-                <a:cs typeface="+mn-lt"/>
-                <a:hlinkClick r:id="rId6"/>
-              </a:rPr>
-              <a:t>https://github.com/plantuml-stdlib/Azure-PlantUML</a:t>
-            </a:r>
-            <a:br>
-              <a:rPr lang="en-US" dirty="0">
-                <a:ea typeface="+mn-lt"/>
-                <a:cs typeface="+mn-lt"/>
-              </a:rPr>
-            </a:br>
-            <a:r>
-              <a:rPr lang="en-US" dirty="0">
-                <a:ea typeface="+mn-lt"/>
-                <a:cs typeface="+mn-lt"/>
-                <a:hlinkClick r:id="rId7"/>
-              </a:rPr>
-              <a:t>https://github.com/qjebbs/vscode-plantuml</a:t>
-            </a:r>
-          </a:p>
-          <a:p>
-            <a:r>
-              <a:rPr lang="en-US" dirty="0">
-                <a:ea typeface="+mn-lt"/>
-                <a:cs typeface="+mn-lt"/>
-                <a:hlinkClick r:id="rId8"/>
-              </a:rPr>
-              <a:t>https://azure.microsoft.com/pt-br/pricing/calculator</a:t>
-            </a:r>
-            <a:endParaRPr lang="en-US" dirty="0"/>
-          </a:p>
-          <a:p>
-            <a:r>
-              <a:rPr lang="en-US" dirty="0">
-                <a:ea typeface="+mn-lt"/>
-                <a:cs typeface="+mn-lt"/>
-                <a:hlinkClick r:id="rId9"/>
-              </a:rPr>
-              <a:t>https://www.mercadopago.com.br/ajuda/custo-receber-pagamentos_220</a:t>
-            </a:r>
-            <a:endParaRPr lang="en-US"/>
-          </a:p>
-          <a:p>
-            <a:endParaRPr lang="en-US" dirty="0">
-              <a:cs typeface="Calibri"/>
-            </a:endParaRPr>
-          </a:p>
-          <a:p>
-            <a:endParaRPr lang="en-US">
-              <a:cs typeface="Calibri"/>
-            </a:endParaRPr>
-          </a:p>
-          <a:p>
-            <a:endParaRPr lang="en-US">
-              <a:cs typeface="Calibri"/>
-            </a:endParaRPr>
-          </a:p>
-          <a:p>
-            <a:endParaRPr lang="en-US">
-              <a:cs typeface="Calibri"/>
-            </a:endParaRPr>
+              <a:rPr lang="pt-BR" dirty="0" err="1">
+                <a:hlinkClick r:id="rId11"/>
+              </a:rPr>
+              <a:t>rodrigogermano</a:t>
+            </a:r>
+            <a:r>
+              <a:rPr lang="pt-BR" dirty="0">
+                <a:hlinkClick r:id="rId11"/>
+              </a:rPr>
+              <a:t>/c4-model-builder (github.com)</a:t>
+            </a:r>
+            <a:endParaRPr lang="pt-BR" dirty="0"/>
           </a:p>
         </p:txBody>
       </p:sp>
@@ -7730,7 +7659,7 @@
 </p:sld>
 </file>
 
-<file path=ppt/slides/slide22.xml><?xml version="1.0" encoding="utf-8"?>
+<file path=ppt/slides/slide21.xml><?xml version="1.0" encoding="utf-8"?>
 <p:sld xmlns:a="http://schemas.openxmlformats.org/drawingml/2006/main" xmlns:r="http://schemas.openxmlformats.org/officeDocument/2006/relationships" xmlns:p="http://schemas.openxmlformats.org/presentationml/2006/main">
   <p:cSld>
     <p:spTree>
